--- a/teaching/expdes/lec1.pptx
+++ b/teaching/expdes/lec1.pptx
@@ -258,7 +258,7 @@
           <a:p>
             <a:fld id="{2B908699-CE29-634D-83B5-1061B2BD35A6}" type="datetimeFigureOut">
               <a:rPr lang="en-US" smtClean="0"/>
-              <a:t>1/3/18</a:t>
+              <a:t>1/13/18</a:t>
             </a:fld>
             <a:endParaRPr lang="en-US"/>
           </a:p>
@@ -428,7 +428,7 @@
           <a:p>
             <a:fld id="{2B908699-CE29-634D-83B5-1061B2BD35A6}" type="datetimeFigureOut">
               <a:rPr lang="en-US" smtClean="0"/>
-              <a:t>1/3/18</a:t>
+              <a:t>1/13/18</a:t>
             </a:fld>
             <a:endParaRPr lang="en-US"/>
           </a:p>
@@ -608,7 +608,7 @@
           <a:p>
             <a:fld id="{2B908699-CE29-634D-83B5-1061B2BD35A6}" type="datetimeFigureOut">
               <a:rPr lang="en-US" smtClean="0"/>
-              <a:t>1/3/18</a:t>
+              <a:t>1/13/18</a:t>
             </a:fld>
             <a:endParaRPr lang="en-US"/>
           </a:p>
@@ -785,7 +785,7 @@
           <a:p>
             <a:fld id="{2B908699-CE29-634D-83B5-1061B2BD35A6}" type="datetimeFigureOut">
               <a:rPr lang="en-US" smtClean="0"/>
-              <a:t>1/3/18</a:t>
+              <a:t>1/13/18</a:t>
             </a:fld>
             <a:endParaRPr lang="en-US"/>
           </a:p>
@@ -1031,7 +1031,7 @@
           <a:p>
             <a:fld id="{2B908699-CE29-634D-83B5-1061B2BD35A6}" type="datetimeFigureOut">
               <a:rPr lang="en-US" smtClean="0"/>
-              <a:t>1/3/18</a:t>
+              <a:t>1/13/18</a:t>
             </a:fld>
             <a:endParaRPr lang="en-US"/>
           </a:p>
@@ -1263,7 +1263,7 @@
           <a:p>
             <a:fld id="{2B908699-CE29-634D-83B5-1061B2BD35A6}" type="datetimeFigureOut">
               <a:rPr lang="en-US" smtClean="0"/>
-              <a:t>1/3/18</a:t>
+              <a:t>1/13/18</a:t>
             </a:fld>
             <a:endParaRPr lang="en-US"/>
           </a:p>
@@ -1630,7 +1630,7 @@
           <a:p>
             <a:fld id="{2B908699-CE29-634D-83B5-1061B2BD35A6}" type="datetimeFigureOut">
               <a:rPr lang="en-US" smtClean="0"/>
-              <a:t>1/3/18</a:t>
+              <a:t>1/13/18</a:t>
             </a:fld>
             <a:endParaRPr lang="en-US"/>
           </a:p>
@@ -1748,7 +1748,7 @@
           <a:p>
             <a:fld id="{2B908699-CE29-634D-83B5-1061B2BD35A6}" type="datetimeFigureOut">
               <a:rPr lang="en-US" smtClean="0"/>
-              <a:t>1/3/18</a:t>
+              <a:t>1/13/18</a:t>
             </a:fld>
             <a:endParaRPr lang="en-US"/>
           </a:p>
@@ -1843,7 +1843,7 @@
           <a:p>
             <a:fld id="{2B908699-CE29-634D-83B5-1061B2BD35A6}" type="datetimeFigureOut">
               <a:rPr lang="en-US" smtClean="0"/>
-              <a:t>1/3/18</a:t>
+              <a:t>1/13/18</a:t>
             </a:fld>
             <a:endParaRPr lang="en-US"/>
           </a:p>
@@ -2120,7 +2120,7 @@
           <a:p>
             <a:fld id="{2B908699-CE29-634D-83B5-1061B2BD35A6}" type="datetimeFigureOut">
               <a:rPr lang="en-US" smtClean="0"/>
-              <a:t>1/3/18</a:t>
+              <a:t>1/13/18</a:t>
             </a:fld>
             <a:endParaRPr lang="en-US"/>
           </a:p>
@@ -2373,7 +2373,7 @@
           <a:p>
             <a:fld id="{2B908699-CE29-634D-83B5-1061B2BD35A6}" type="datetimeFigureOut">
               <a:rPr lang="en-US" smtClean="0"/>
-              <a:t>1/3/18</a:t>
+              <a:t>1/13/18</a:t>
             </a:fld>
             <a:endParaRPr lang="en-US"/>
           </a:p>
@@ -2586,7 +2586,7 @@
           <a:p>
             <a:fld id="{2B908699-CE29-634D-83B5-1061B2BD35A6}" type="datetimeFigureOut">
               <a:rPr lang="en-US" smtClean="0"/>
-              <a:t>1/3/18</a:t>
+              <a:t>1/13/18</a:t>
             </a:fld>
             <a:endParaRPr lang="en-US"/>
           </a:p>
@@ -3333,1487 +3333,6 @@
   <p:timing>
     <p:tnLst>
       <p:par>
-        <p:cTn id="1" dur="indefinite" restart="never" nodeType="tmRoot"/>
-      </p:par>
-    </p:tnLst>
-  </p:timing>
-</p:sld>
-</file>
-
-<file path=ppt/slides/slide11.xml><?xml version="1.0" encoding="utf-8"?>
-<p:sld xmlns:a="http://schemas.openxmlformats.org/drawingml/2006/main" xmlns:r="http://schemas.openxmlformats.org/officeDocument/2006/relationships" xmlns:p="http://schemas.openxmlformats.org/presentationml/2006/main">
-  <p:cSld>
-    <p:bg>
-      <p:bgPr>
-        <a:solidFill>
-          <a:schemeClr val="bg1">
-            <a:lumMod val="95000"/>
-          </a:schemeClr>
-        </a:solidFill>
-        <a:effectLst/>
-      </p:bgPr>
-    </p:bg>
-    <p:spTree>
-      <p:nvGrpSpPr>
-        <p:cNvPr id="1" name=""/>
-        <p:cNvGrpSpPr/>
-        <p:nvPr/>
-      </p:nvGrpSpPr>
-      <p:grpSpPr>
-        <a:xfrm>
-          <a:off x="0" y="0"/>
-          <a:ext cx="0" cy="0"/>
-          <a:chOff x="0" y="0"/>
-          <a:chExt cx="0" cy="0"/>
-        </a:xfrm>
-      </p:grpSpPr>
-      <p:sp>
-        <p:nvSpPr>
-          <p:cNvPr id="2" name="Title 1"/>
-          <p:cNvSpPr>
-            <a:spLocks noGrp="1"/>
-          </p:cNvSpPr>
-          <p:nvPr>
-            <p:ph type="title"/>
-          </p:nvPr>
-        </p:nvSpPr>
-        <p:spPr>
-          <a:xfrm>
-            <a:off x="0" y="0"/>
-            <a:ext cx="12192000" cy="935915"/>
-          </a:xfrm>
-          <a:solidFill>
-            <a:schemeClr val="tx1"/>
-          </a:solidFill>
-        </p:spPr>
-        <p:txBody>
-          <a:bodyPr/>
-          <a:lstStyle/>
-          <a:p>
-            <a:pPr algn="ctr"/>
-            <a:r>
-              <a:rPr lang="en-US" b="1" dirty="0">
-                <a:solidFill>
-                  <a:schemeClr val="bg1"/>
-                </a:solidFill>
-              </a:rPr>
-              <a:t>My stats philosophy</a:t>
-            </a:r>
-          </a:p>
-        </p:txBody>
-      </p:sp>
-      <p:sp>
-        <p:nvSpPr>
-          <p:cNvPr id="6" name="Rectangle 5"/>
-          <p:cNvSpPr/>
-          <p:nvPr/>
-        </p:nvSpPr>
-        <p:spPr>
-          <a:xfrm>
-            <a:off x="242170" y="1086291"/>
-            <a:ext cx="11519770" cy="3046988"/>
-          </a:xfrm>
-          <a:prstGeom prst="rect">
-            <a:avLst/>
-          </a:prstGeom>
-        </p:spPr>
-        <p:txBody>
-          <a:bodyPr wrap="square">
-            <a:spAutoFit/>
-          </a:bodyPr>
-          <a:lstStyle/>
-          <a:p>
-            <a:pPr marL="457200" indent="-457200" fontAlgn="base">
-              <a:buFont typeface="Arial" charset="0"/>
-              <a:buChar char="•"/>
-            </a:pPr>
-            <a:r>
-              <a:rPr lang="en-US" sz="3200" dirty="0" smtClean="0"/>
-              <a:t>Statistics </a:t>
-            </a:r>
-            <a:r>
-              <a:rPr lang="en-US" sz="3200" dirty="0"/>
-              <a:t>is </a:t>
-            </a:r>
-            <a:r>
-              <a:rPr lang="en-US" sz="3200" dirty="0" smtClean="0"/>
-              <a:t>just another tool</a:t>
-            </a:r>
-          </a:p>
-          <a:p>
-            <a:pPr marL="457200" indent="-457200" fontAlgn="base">
-              <a:buFont typeface="Arial" charset="0"/>
-              <a:buChar char="•"/>
-            </a:pPr>
-            <a:r>
-              <a:rPr lang="en-US" sz="3200" dirty="0" smtClean="0"/>
-              <a:t>My </a:t>
-            </a:r>
-            <a:r>
-              <a:rPr lang="en-US" sz="3200" dirty="0"/>
-              <a:t>responsibility as a scientists is to report the truth as accurately as possible and statistics help me in this </a:t>
-            </a:r>
-            <a:r>
-              <a:rPr lang="en-US" sz="3200" dirty="0" smtClean="0"/>
-              <a:t>regard</a:t>
-            </a:r>
-            <a:endParaRPr lang="en-US" sz="3200" dirty="0"/>
-          </a:p>
-          <a:p>
-            <a:pPr marL="457200" indent="-457200" fontAlgn="base">
-              <a:buFont typeface="Arial" charset="0"/>
-              <a:buChar char="•"/>
-            </a:pPr>
-            <a:r>
-              <a:rPr lang="en-US" sz="3200" dirty="0" smtClean="0"/>
-              <a:t>We </a:t>
-            </a:r>
-            <a:r>
-              <a:rPr lang="en-US" sz="3200" dirty="0"/>
-              <a:t>may NEED statistics to discern patterns in our </a:t>
-            </a:r>
-            <a:r>
-              <a:rPr lang="en-US" sz="3200" dirty="0" smtClean="0"/>
-              <a:t>data</a:t>
-            </a:r>
-            <a:endParaRPr lang="en-US" sz="3200" dirty="0"/>
-          </a:p>
-          <a:p>
-            <a:pPr marL="457200" indent="-457200" fontAlgn="base">
-              <a:buFont typeface="Arial" charset="0"/>
-              <a:buChar char="•"/>
-            </a:pPr>
-            <a:r>
-              <a:rPr lang="en-US" sz="3200" dirty="0" smtClean="0"/>
-              <a:t>Bayesian </a:t>
-            </a:r>
-            <a:r>
-              <a:rPr lang="en-US" sz="3200" dirty="0"/>
-              <a:t>statistics offer a way to build on our past and ask the questions we are really interested in.</a:t>
-            </a:r>
-          </a:p>
-        </p:txBody>
-      </p:sp>
-    </p:spTree>
-    <p:extLst>
-      <p:ext uri="{BB962C8B-B14F-4D97-AF65-F5344CB8AC3E}">
-        <p14:creationId xmlns:p14="http://schemas.microsoft.com/office/powerpoint/2010/main" val="1965115277"/>
-      </p:ext>
-    </p:extLst>
-  </p:cSld>
-  <p:clrMapOvr>
-    <a:masterClrMapping/>
-  </p:clrMapOvr>
-  <p:timing>
-    <p:tnLst>
-      <p:par>
-        <p:cTn id="1" dur="indefinite" restart="never" nodeType="tmRoot"/>
-      </p:par>
-    </p:tnLst>
-  </p:timing>
-</p:sld>
-</file>
-
-<file path=ppt/slides/slide12.xml><?xml version="1.0" encoding="utf-8"?>
-<p:sld xmlns:a="http://schemas.openxmlformats.org/drawingml/2006/main" xmlns:r="http://schemas.openxmlformats.org/officeDocument/2006/relationships" xmlns:p="http://schemas.openxmlformats.org/presentationml/2006/main">
-  <p:cSld>
-    <p:bg>
-      <p:bgPr>
-        <a:solidFill>
-          <a:schemeClr val="bg1">
-            <a:lumMod val="95000"/>
-          </a:schemeClr>
-        </a:solidFill>
-        <a:effectLst/>
-      </p:bgPr>
-    </p:bg>
-    <p:spTree>
-      <p:nvGrpSpPr>
-        <p:cNvPr id="1" name=""/>
-        <p:cNvGrpSpPr/>
-        <p:nvPr/>
-      </p:nvGrpSpPr>
-      <p:grpSpPr>
-        <a:xfrm>
-          <a:off x="0" y="0"/>
-          <a:ext cx="0" cy="0"/>
-          <a:chOff x="0" y="0"/>
-          <a:chExt cx="0" cy="0"/>
-        </a:xfrm>
-      </p:grpSpPr>
-      <p:sp>
-        <p:nvSpPr>
-          <p:cNvPr id="2" name="Title 1"/>
-          <p:cNvSpPr>
-            <a:spLocks noGrp="1"/>
-          </p:cNvSpPr>
-          <p:nvPr>
-            <p:ph type="title"/>
-          </p:nvPr>
-        </p:nvSpPr>
-        <p:spPr>
-          <a:xfrm>
-            <a:off x="0" y="0"/>
-            <a:ext cx="12192000" cy="935915"/>
-          </a:xfrm>
-          <a:solidFill>
-            <a:schemeClr val="tx1"/>
-          </a:solidFill>
-        </p:spPr>
-        <p:txBody>
-          <a:bodyPr/>
-          <a:lstStyle/>
-          <a:p>
-            <a:pPr algn="ctr"/>
-            <a:r>
-              <a:rPr lang="en-US" b="1" dirty="0" smtClean="0">
-                <a:solidFill>
-                  <a:schemeClr val="bg1"/>
-                </a:solidFill>
-              </a:rPr>
-              <a:t>What is R</a:t>
-            </a:r>
-            <a:endParaRPr lang="en-US" b="1" dirty="0">
-              <a:solidFill>
-                <a:schemeClr val="bg1"/>
-              </a:solidFill>
-            </a:endParaRPr>
-          </a:p>
-        </p:txBody>
-      </p:sp>
-      <p:sp>
-        <p:nvSpPr>
-          <p:cNvPr id="6" name="Rectangle 5"/>
-          <p:cNvSpPr/>
-          <p:nvPr/>
-        </p:nvSpPr>
-        <p:spPr>
-          <a:xfrm>
-            <a:off x="242170" y="1086291"/>
-            <a:ext cx="11519770" cy="4031873"/>
-          </a:xfrm>
-          <a:prstGeom prst="rect">
-            <a:avLst/>
-          </a:prstGeom>
-        </p:spPr>
-        <p:txBody>
-          <a:bodyPr wrap="square">
-            <a:spAutoFit/>
-          </a:bodyPr>
-          <a:lstStyle/>
-          <a:p>
-            <a:pPr marL="457200" indent="-457200" fontAlgn="base">
-              <a:buFont typeface="Arial" charset="0"/>
-              <a:buChar char="•"/>
-            </a:pPr>
-            <a:r>
-              <a:rPr lang="en-US" sz="3200" dirty="0" smtClean="0"/>
-              <a:t>R </a:t>
-            </a:r>
-            <a:r>
-              <a:rPr lang="en-US" sz="3200" dirty="0"/>
-              <a:t>is a statistical programming </a:t>
-            </a:r>
-            <a:r>
-              <a:rPr lang="en-US" sz="3200" dirty="0" smtClean="0"/>
-              <a:t>language</a:t>
-            </a:r>
-            <a:endParaRPr lang="en-US" sz="3200" dirty="0"/>
-          </a:p>
-          <a:p>
-            <a:pPr marL="457200" indent="-457200" fontAlgn="base">
-              <a:buFont typeface="Arial" charset="0"/>
-              <a:buChar char="•"/>
-            </a:pPr>
-            <a:r>
-              <a:rPr lang="en-US" sz="3200" dirty="0" smtClean="0"/>
-              <a:t>It </a:t>
-            </a:r>
-            <a:r>
-              <a:rPr lang="en-US" sz="3200" dirty="0"/>
-              <a:t>works very similarly on all major operating systems </a:t>
-            </a:r>
-          </a:p>
-          <a:p>
-            <a:pPr marL="457200" indent="-457200" fontAlgn="base">
-              <a:buFont typeface="Arial" charset="0"/>
-              <a:buChar char="•"/>
-            </a:pPr>
-            <a:r>
-              <a:rPr lang="en-US" sz="3200" dirty="0" smtClean="0"/>
-              <a:t>It </a:t>
-            </a:r>
-            <a:r>
-              <a:rPr lang="en-US" sz="3200" dirty="0"/>
-              <a:t>is free and open </a:t>
-            </a:r>
-            <a:r>
-              <a:rPr lang="en-US" sz="3200" dirty="0" smtClean="0"/>
-              <a:t>source</a:t>
-            </a:r>
-            <a:endParaRPr lang="en-US" sz="3200" dirty="0"/>
-          </a:p>
-          <a:p>
-            <a:pPr marL="457200" indent="-457200" fontAlgn="base">
-              <a:buFont typeface="Arial" charset="0"/>
-              <a:buChar char="•"/>
-            </a:pPr>
-            <a:r>
-              <a:rPr lang="en-US" sz="3200" dirty="0" smtClean="0"/>
-              <a:t>The </a:t>
-            </a:r>
-            <a:r>
-              <a:rPr lang="en-US" sz="3200" dirty="0"/>
-              <a:t>focus is on statistics and </a:t>
-            </a:r>
-            <a:r>
-              <a:rPr lang="en-US" sz="3200" dirty="0" smtClean="0"/>
-              <a:t>graphics</a:t>
-            </a:r>
-            <a:endParaRPr lang="en-US" sz="3200" dirty="0"/>
-          </a:p>
-          <a:p>
-            <a:pPr marL="457200" indent="-457200" fontAlgn="base">
-              <a:buFont typeface="Arial" charset="0"/>
-              <a:buChar char="•"/>
-            </a:pPr>
-            <a:r>
-              <a:rPr lang="en-US" sz="3200" dirty="0" smtClean="0"/>
-              <a:t>It’s </a:t>
-            </a:r>
-            <a:r>
-              <a:rPr lang="en-US" sz="3200" dirty="0"/>
-              <a:t>also a full-fledged high level programming language (similar to </a:t>
-            </a:r>
-            <a:r>
-              <a:rPr lang="en-US" sz="3200" dirty="0" smtClean="0"/>
-              <a:t>Python)</a:t>
-            </a:r>
-          </a:p>
-          <a:p>
-            <a:pPr marL="457200" indent="-457200" fontAlgn="base">
-              <a:buFont typeface="Arial" charset="0"/>
-              <a:buChar char="•"/>
-            </a:pPr>
-            <a:endParaRPr lang="en-US" sz="3200" dirty="0"/>
-          </a:p>
-          <a:p>
-            <a:pPr marL="457200" indent="-457200" fontAlgn="base">
-              <a:buFont typeface="Arial" charset="0"/>
-              <a:buChar char="•"/>
-            </a:pPr>
-            <a:r>
-              <a:rPr lang="en-US" sz="3200" i="1" dirty="0" smtClean="0"/>
-              <a:t>FYI</a:t>
-            </a:r>
-            <a:r>
-              <a:rPr lang="en-US" sz="3200" i="1" dirty="0"/>
-              <a:t>: It can </a:t>
-            </a:r>
-            <a:r>
-              <a:rPr lang="en-US" sz="3200" i="1" dirty="0" smtClean="0"/>
-              <a:t>help you get </a:t>
-            </a:r>
-            <a:r>
-              <a:rPr lang="en-US" sz="3200" i="1" dirty="0"/>
-              <a:t>you a job. - Dell, Lab Tech, Core Facility</a:t>
-            </a:r>
-            <a:endParaRPr lang="en-US" sz="3200" dirty="0"/>
-          </a:p>
-        </p:txBody>
-      </p:sp>
-    </p:spTree>
-    <p:extLst>
-      <p:ext uri="{BB962C8B-B14F-4D97-AF65-F5344CB8AC3E}">
-        <p14:creationId xmlns:p14="http://schemas.microsoft.com/office/powerpoint/2010/main" val="207419330"/>
-      </p:ext>
-    </p:extLst>
-  </p:cSld>
-  <p:clrMapOvr>
-    <a:masterClrMapping/>
-  </p:clrMapOvr>
-  <p:timing>
-    <p:tnLst>
-      <p:par>
-        <p:cTn id="1" dur="indefinite" restart="never" nodeType="tmRoot"/>
-      </p:par>
-    </p:tnLst>
-  </p:timing>
-</p:sld>
-</file>
-
-<file path=ppt/slides/slide13.xml><?xml version="1.0" encoding="utf-8"?>
-<p:sld xmlns:a="http://schemas.openxmlformats.org/drawingml/2006/main" xmlns:r="http://schemas.openxmlformats.org/officeDocument/2006/relationships" xmlns:p="http://schemas.openxmlformats.org/presentationml/2006/main">
-  <p:cSld>
-    <p:bg>
-      <p:bgPr>
-        <a:solidFill>
-          <a:schemeClr val="bg1">
-            <a:lumMod val="95000"/>
-          </a:schemeClr>
-        </a:solidFill>
-        <a:effectLst/>
-      </p:bgPr>
-    </p:bg>
-    <p:spTree>
-      <p:nvGrpSpPr>
-        <p:cNvPr id="1" name=""/>
-        <p:cNvGrpSpPr/>
-        <p:nvPr/>
-      </p:nvGrpSpPr>
-      <p:grpSpPr>
-        <a:xfrm>
-          <a:off x="0" y="0"/>
-          <a:ext cx="0" cy="0"/>
-          <a:chOff x="0" y="0"/>
-          <a:chExt cx="0" cy="0"/>
-        </a:xfrm>
-      </p:grpSpPr>
-      <p:sp>
-        <p:nvSpPr>
-          <p:cNvPr id="2" name="Title 1"/>
-          <p:cNvSpPr>
-            <a:spLocks noGrp="1"/>
-          </p:cNvSpPr>
-          <p:nvPr>
-            <p:ph type="title"/>
-          </p:nvPr>
-        </p:nvSpPr>
-        <p:spPr>
-          <a:xfrm>
-            <a:off x="0" y="0"/>
-            <a:ext cx="12192000" cy="935915"/>
-          </a:xfrm>
-          <a:solidFill>
-            <a:schemeClr val="tx1"/>
-          </a:solidFill>
-        </p:spPr>
-        <p:txBody>
-          <a:bodyPr>
-            <a:normAutofit/>
-          </a:bodyPr>
-          <a:lstStyle/>
-          <a:p>
-            <a:pPr algn="ctr"/>
-            <a:r>
-              <a:rPr lang="en-US" b="1" dirty="0">
-                <a:solidFill>
-                  <a:schemeClr val="bg1"/>
-                </a:solidFill>
-              </a:rPr>
-              <a:t>Why use </a:t>
-            </a:r>
-            <a:r>
-              <a:rPr lang="en-US" b="1" dirty="0" smtClean="0">
-                <a:solidFill>
-                  <a:schemeClr val="bg1"/>
-                </a:solidFill>
-              </a:rPr>
-              <a:t>R</a:t>
-            </a:r>
-            <a:endParaRPr lang="en-US" b="1" dirty="0">
-              <a:solidFill>
-                <a:schemeClr val="bg1"/>
-              </a:solidFill>
-            </a:endParaRPr>
-          </a:p>
-        </p:txBody>
-      </p:sp>
-      <p:sp>
-        <p:nvSpPr>
-          <p:cNvPr id="6" name="Rectangle 5"/>
-          <p:cNvSpPr/>
-          <p:nvPr/>
-        </p:nvSpPr>
-        <p:spPr>
-          <a:xfrm>
-            <a:off x="242170" y="1086291"/>
-            <a:ext cx="11519770" cy="4031873"/>
-          </a:xfrm>
-          <a:prstGeom prst="rect">
-            <a:avLst/>
-          </a:prstGeom>
-        </p:spPr>
-        <p:txBody>
-          <a:bodyPr wrap="square">
-            <a:spAutoFit/>
-          </a:bodyPr>
-          <a:lstStyle/>
-          <a:p>
-            <a:pPr marL="514350" indent="-514350" fontAlgn="base">
-              <a:buFont typeface="+mj-lt"/>
-              <a:buAutoNum type="arabicPeriod"/>
-            </a:pPr>
-            <a:r>
-              <a:rPr lang="en-US" sz="3200" dirty="0" smtClean="0"/>
-              <a:t>Many </a:t>
-            </a:r>
-            <a:r>
-              <a:rPr lang="en-US" sz="3200" dirty="0"/>
-              <a:t>statistical approaches have been implemented in the R </a:t>
-            </a:r>
-            <a:r>
-              <a:rPr lang="en-US" sz="3200" dirty="0" smtClean="0"/>
-              <a:t>environment.</a:t>
-            </a:r>
-            <a:endParaRPr lang="en-US" sz="3200" dirty="0"/>
-          </a:p>
-          <a:p>
-            <a:pPr marL="514350" indent="-514350" fontAlgn="base">
-              <a:buFont typeface="+mj-lt"/>
-              <a:buAutoNum type="arabicPeriod"/>
-            </a:pPr>
-            <a:r>
-              <a:rPr lang="en-US" sz="3200" dirty="0" smtClean="0"/>
-              <a:t>Because </a:t>
-            </a:r>
-            <a:r>
-              <a:rPr lang="en-US" sz="3200" dirty="0"/>
-              <a:t>it’s open source, there are no proprietary secrets, as might be hiding in commercially available statistical </a:t>
-            </a:r>
-            <a:r>
-              <a:rPr lang="en-US" sz="3200" dirty="0" smtClean="0"/>
-              <a:t>packages.</a:t>
-            </a:r>
-            <a:r>
-              <a:rPr lang="en-US" sz="3200" dirty="0"/>
-              <a:t> </a:t>
-            </a:r>
-          </a:p>
-          <a:p>
-            <a:pPr marL="514350" indent="-514350" fontAlgn="base">
-              <a:buFont typeface="+mj-lt"/>
-              <a:buAutoNum type="arabicPeriod"/>
-            </a:pPr>
-            <a:r>
-              <a:rPr lang="en-US" sz="3200" dirty="0" smtClean="0"/>
-              <a:t>Any </a:t>
-            </a:r>
-            <a:r>
-              <a:rPr lang="en-US" sz="3200" dirty="0"/>
-              <a:t>program written in R will have access to all of R’s tools for statistics and </a:t>
-            </a:r>
-            <a:r>
-              <a:rPr lang="en-US" sz="3200" dirty="0" smtClean="0"/>
-              <a:t>graphing.</a:t>
-            </a:r>
-            <a:endParaRPr lang="en-US" sz="3200" dirty="0"/>
-          </a:p>
-          <a:p>
-            <a:pPr marL="514350" indent="-514350" fontAlgn="base">
-              <a:buFont typeface="+mj-lt"/>
-              <a:buAutoNum type="arabicPeriod"/>
-            </a:pPr>
-            <a:r>
-              <a:rPr lang="en-US" sz="3200" dirty="0" smtClean="0"/>
-              <a:t>New </a:t>
-            </a:r>
-            <a:r>
-              <a:rPr lang="en-US" sz="3200" dirty="0"/>
-              <a:t>methods of analysis are being implemented in R by the scientists developing the </a:t>
-            </a:r>
-            <a:r>
-              <a:rPr lang="en-US" sz="3200" dirty="0" smtClean="0"/>
-              <a:t>methods.</a:t>
-            </a:r>
-            <a:endParaRPr lang="en-US" sz="3200" dirty="0"/>
-          </a:p>
-        </p:txBody>
-      </p:sp>
-    </p:spTree>
-    <p:extLst>
-      <p:ext uri="{BB962C8B-B14F-4D97-AF65-F5344CB8AC3E}">
-        <p14:creationId xmlns:p14="http://schemas.microsoft.com/office/powerpoint/2010/main" val="973424953"/>
-      </p:ext>
-    </p:extLst>
-  </p:cSld>
-  <p:clrMapOvr>
-    <a:masterClrMapping/>
-  </p:clrMapOvr>
-  <p:timing>
-    <p:tnLst>
-      <p:par>
-        <p:cTn id="1" dur="indefinite" restart="never" nodeType="tmRoot"/>
-      </p:par>
-    </p:tnLst>
-  </p:timing>
-</p:sld>
-</file>
-
-<file path=ppt/slides/slide14.xml><?xml version="1.0" encoding="utf-8"?>
-<p:sld xmlns:a="http://schemas.openxmlformats.org/drawingml/2006/main" xmlns:r="http://schemas.openxmlformats.org/officeDocument/2006/relationships" xmlns:p="http://schemas.openxmlformats.org/presentationml/2006/main">
-  <p:cSld>
-    <p:bg>
-      <p:bgPr>
-        <a:solidFill>
-          <a:schemeClr val="bg1">
-            <a:lumMod val="95000"/>
-          </a:schemeClr>
-        </a:solidFill>
-        <a:effectLst/>
-      </p:bgPr>
-    </p:bg>
-    <p:spTree>
-      <p:nvGrpSpPr>
-        <p:cNvPr id="1" name=""/>
-        <p:cNvGrpSpPr/>
-        <p:nvPr/>
-      </p:nvGrpSpPr>
-      <p:grpSpPr>
-        <a:xfrm>
-          <a:off x="0" y="0"/>
-          <a:ext cx="0" cy="0"/>
-          <a:chOff x="0" y="0"/>
-          <a:chExt cx="0" cy="0"/>
-        </a:xfrm>
-      </p:grpSpPr>
-      <p:sp>
-        <p:nvSpPr>
-          <p:cNvPr id="2" name="Title 1"/>
-          <p:cNvSpPr>
-            <a:spLocks noGrp="1"/>
-          </p:cNvSpPr>
-          <p:nvPr>
-            <p:ph type="title"/>
-          </p:nvPr>
-        </p:nvSpPr>
-        <p:spPr>
-          <a:xfrm>
-            <a:off x="0" y="0"/>
-            <a:ext cx="12192000" cy="935915"/>
-          </a:xfrm>
-          <a:solidFill>
-            <a:schemeClr val="tx1"/>
-          </a:solidFill>
-        </p:spPr>
-        <p:txBody>
-          <a:bodyPr>
-            <a:normAutofit/>
-          </a:bodyPr>
-          <a:lstStyle/>
-          <a:p>
-            <a:pPr algn="ctr"/>
-            <a:r>
-              <a:rPr lang="en-US" b="1" dirty="0">
-                <a:solidFill>
-                  <a:schemeClr val="bg1"/>
-                </a:solidFill>
-              </a:rPr>
-              <a:t>Why use </a:t>
-            </a:r>
-            <a:r>
-              <a:rPr lang="en-US" b="1" dirty="0" smtClean="0">
-                <a:solidFill>
-                  <a:schemeClr val="bg1"/>
-                </a:solidFill>
-              </a:rPr>
-              <a:t>R</a:t>
-            </a:r>
-            <a:endParaRPr lang="en-US" b="1" dirty="0">
-              <a:solidFill>
-                <a:schemeClr val="bg1"/>
-              </a:solidFill>
-            </a:endParaRPr>
-          </a:p>
-        </p:txBody>
-      </p:sp>
-      <p:sp>
-        <p:nvSpPr>
-          <p:cNvPr id="6" name="Rectangle 5"/>
-          <p:cNvSpPr/>
-          <p:nvPr/>
-        </p:nvSpPr>
-        <p:spPr>
-          <a:xfrm>
-            <a:off x="242170" y="1086291"/>
-            <a:ext cx="11519770" cy="3539430"/>
-          </a:xfrm>
-          <a:prstGeom prst="rect">
-            <a:avLst/>
-          </a:prstGeom>
-        </p:spPr>
-        <p:txBody>
-          <a:bodyPr wrap="square">
-            <a:spAutoFit/>
-          </a:bodyPr>
-          <a:lstStyle/>
-          <a:p>
-            <a:pPr marL="514350" indent="-514350" fontAlgn="base">
-              <a:buFont typeface="+mj-lt"/>
-              <a:buAutoNum type="arabicPeriod" startAt="5"/>
-            </a:pPr>
-            <a:r>
-              <a:rPr lang="en-US" sz="3200" dirty="0"/>
-              <a:t>If you use R you can include a script with your </a:t>
-            </a:r>
-            <a:r>
-              <a:rPr lang="en-US" sz="3200" dirty="0" smtClean="0"/>
-              <a:t>manuscript</a:t>
-            </a:r>
-            <a:endParaRPr lang="en-US" sz="3200" dirty="0"/>
-          </a:p>
-          <a:p>
-            <a:pPr marL="514350" indent="-514350" fontAlgn="base">
-              <a:buFont typeface="+mj-lt"/>
-              <a:buAutoNum type="arabicPeriod" startAt="5"/>
-            </a:pPr>
-            <a:r>
-              <a:rPr lang="en-US" sz="3200" dirty="0" smtClean="0"/>
-              <a:t>Reproducibility</a:t>
-            </a:r>
-            <a:endParaRPr lang="en-US" sz="3200" dirty="0"/>
-          </a:p>
-          <a:p>
-            <a:pPr marL="514350" indent="-514350" fontAlgn="base">
-              <a:buFont typeface="+mj-lt"/>
-              <a:buAutoNum type="arabicPeriod" startAt="5"/>
-            </a:pPr>
-            <a:r>
-              <a:rPr lang="en-US" sz="3200" dirty="0" smtClean="0"/>
-              <a:t>Reviewing</a:t>
-            </a:r>
-            <a:endParaRPr lang="en-US" sz="3200" dirty="0"/>
-          </a:p>
-          <a:p>
-            <a:pPr marL="514350" indent="-514350" fontAlgn="base">
-              <a:buFont typeface="+mj-lt"/>
-              <a:buAutoNum type="arabicPeriod" startAt="5"/>
-            </a:pPr>
-            <a:r>
-              <a:rPr lang="en-US" sz="3200" dirty="0" smtClean="0"/>
-              <a:t>Open Science</a:t>
-            </a:r>
-            <a:endParaRPr lang="en-US" sz="3200" dirty="0"/>
-          </a:p>
-          <a:p>
-            <a:pPr marL="514350" indent="-514350" fontAlgn="base">
-              <a:buFont typeface="+mj-lt"/>
-              <a:buAutoNum type="arabicPeriod" startAt="5"/>
-            </a:pPr>
-            <a:r>
-              <a:rPr lang="en-US" sz="3200" dirty="0" smtClean="0"/>
-              <a:t>Running </a:t>
-            </a:r>
-            <a:r>
-              <a:rPr lang="en-US" sz="3200" dirty="0"/>
-              <a:t>analyses with scripts facilitates revision of manuscripts </a:t>
-            </a:r>
-          </a:p>
-          <a:p>
-            <a:pPr marL="514350" indent="-514350" fontAlgn="base">
-              <a:buFont typeface="+mj-lt"/>
-              <a:buAutoNum type="arabicPeriod" startAt="5"/>
-            </a:pPr>
-            <a:r>
-              <a:rPr lang="en-US" sz="3200" dirty="0" smtClean="0"/>
-              <a:t>Many </a:t>
-            </a:r>
-            <a:r>
-              <a:rPr lang="en-US" sz="3200" dirty="0"/>
-              <a:t>methods (mixed models, quantitative genetics, etc.) are only available in R.</a:t>
-            </a:r>
-          </a:p>
-        </p:txBody>
-      </p:sp>
-    </p:spTree>
-    <p:extLst>
-      <p:ext uri="{BB962C8B-B14F-4D97-AF65-F5344CB8AC3E}">
-        <p14:creationId xmlns:p14="http://schemas.microsoft.com/office/powerpoint/2010/main" val="1925938213"/>
-      </p:ext>
-    </p:extLst>
-  </p:cSld>
-  <p:clrMapOvr>
-    <a:masterClrMapping/>
-  </p:clrMapOvr>
-  <p:timing>
-    <p:tnLst>
-      <p:par>
-        <p:cTn id="1" dur="indefinite" restart="never" nodeType="tmRoot"/>
-      </p:par>
-    </p:tnLst>
-  </p:timing>
-</p:sld>
-</file>
-
-<file path=ppt/slides/slide15.xml><?xml version="1.0" encoding="utf-8"?>
-<p:sld xmlns:a="http://schemas.openxmlformats.org/drawingml/2006/main" xmlns:r="http://schemas.openxmlformats.org/officeDocument/2006/relationships" xmlns:p="http://schemas.openxmlformats.org/presentationml/2006/main">
-  <p:cSld>
-    <p:bg>
-      <p:bgPr>
-        <a:solidFill>
-          <a:schemeClr val="bg1">
-            <a:lumMod val="95000"/>
-          </a:schemeClr>
-        </a:solidFill>
-        <a:effectLst/>
-      </p:bgPr>
-    </p:bg>
-    <p:spTree>
-      <p:nvGrpSpPr>
-        <p:cNvPr id="1" name=""/>
-        <p:cNvGrpSpPr/>
-        <p:nvPr/>
-      </p:nvGrpSpPr>
-      <p:grpSpPr>
-        <a:xfrm>
-          <a:off x="0" y="0"/>
-          <a:ext cx="0" cy="0"/>
-          <a:chOff x="0" y="0"/>
-          <a:chExt cx="0" cy="0"/>
-        </a:xfrm>
-      </p:grpSpPr>
-      <p:sp>
-        <p:nvSpPr>
-          <p:cNvPr id="2" name="Title 1"/>
-          <p:cNvSpPr>
-            <a:spLocks noGrp="1"/>
-          </p:cNvSpPr>
-          <p:nvPr>
-            <p:ph type="title"/>
-          </p:nvPr>
-        </p:nvSpPr>
-        <p:spPr>
-          <a:xfrm>
-            <a:off x="0" y="0"/>
-            <a:ext cx="12192000" cy="935915"/>
-          </a:xfrm>
-          <a:solidFill>
-            <a:schemeClr val="tx1"/>
-          </a:solidFill>
-        </p:spPr>
-        <p:txBody>
-          <a:bodyPr>
-            <a:normAutofit/>
-          </a:bodyPr>
-          <a:lstStyle/>
-          <a:p>
-            <a:pPr algn="ctr"/>
-            <a:r>
-              <a:rPr lang="en-US" b="1" dirty="0">
-                <a:solidFill>
-                  <a:schemeClr val="bg1"/>
-                </a:solidFill>
-              </a:rPr>
-              <a:t>Installing R and </a:t>
-            </a:r>
-            <a:r>
-              <a:rPr lang="en-US" b="1" dirty="0" err="1" smtClean="0">
-                <a:solidFill>
-                  <a:schemeClr val="bg1"/>
-                </a:solidFill>
-              </a:rPr>
-              <a:t>RStudio</a:t>
-            </a:r>
-            <a:endParaRPr lang="en-US" b="1" dirty="0">
-              <a:solidFill>
-                <a:schemeClr val="bg1"/>
-              </a:solidFill>
-            </a:endParaRPr>
-          </a:p>
-        </p:txBody>
-      </p:sp>
-      <p:sp>
-        <p:nvSpPr>
-          <p:cNvPr id="6" name="Rectangle 5"/>
-          <p:cNvSpPr/>
-          <p:nvPr/>
-        </p:nvSpPr>
-        <p:spPr>
-          <a:xfrm>
-            <a:off x="242170" y="1086291"/>
-            <a:ext cx="11519770" cy="5509200"/>
-          </a:xfrm>
-          <a:prstGeom prst="rect">
-            <a:avLst/>
-          </a:prstGeom>
-        </p:spPr>
-        <p:txBody>
-          <a:bodyPr wrap="square">
-            <a:spAutoFit/>
-          </a:bodyPr>
-          <a:lstStyle/>
-          <a:p>
-            <a:pPr fontAlgn="base"/>
-            <a:r>
-              <a:rPr lang="en-US" sz="3200" b="1" dirty="0" smtClean="0"/>
-              <a:t>Installing R</a:t>
-            </a:r>
-            <a:endParaRPr lang="en-US" sz="3200" dirty="0"/>
-          </a:p>
-          <a:p>
-            <a:pPr marL="514350" indent="-514350" fontAlgn="base">
-              <a:buFont typeface="+mj-lt"/>
-              <a:buAutoNum type="arabicPeriod"/>
-            </a:pPr>
-            <a:r>
-              <a:rPr lang="en-US" sz="3200" dirty="0" smtClean="0"/>
-              <a:t>Go </a:t>
-            </a:r>
-            <a:r>
-              <a:rPr lang="en-US" sz="3200" dirty="0"/>
-              <a:t>to the </a:t>
-            </a:r>
-            <a:r>
-              <a:rPr lang="en-US" sz="3200" dirty="0">
-                <a:hlinkClick r:id="rId2"/>
-              </a:rPr>
-              <a:t>R homepage</a:t>
-            </a:r>
-            <a:r>
-              <a:rPr lang="en-US" sz="3200" dirty="0"/>
-              <a:t> and click download </a:t>
-            </a:r>
-            <a:r>
-              <a:rPr lang="en-US" sz="3200" dirty="0" smtClean="0"/>
-              <a:t>R.</a:t>
-            </a:r>
-            <a:endParaRPr lang="en-US" sz="3200" dirty="0"/>
-          </a:p>
-          <a:p>
-            <a:pPr marL="514350" indent="-514350" fontAlgn="base">
-              <a:buFont typeface="+mj-lt"/>
-              <a:buAutoNum type="arabicPeriod"/>
-            </a:pPr>
-            <a:r>
-              <a:rPr lang="en-US" sz="3200" dirty="0" smtClean="0"/>
-              <a:t>Pick </a:t>
-            </a:r>
-            <a:r>
-              <a:rPr lang="en-US" sz="3200" dirty="0"/>
-              <a:t>a mirror that is in Texas or at least in the United </a:t>
-            </a:r>
-            <a:r>
-              <a:rPr lang="en-US" sz="3200" dirty="0" smtClean="0"/>
-              <a:t>States.</a:t>
-            </a:r>
-            <a:endParaRPr lang="en-US" sz="3200" dirty="0"/>
-          </a:p>
-          <a:p>
-            <a:pPr marL="514350" indent="-514350" fontAlgn="base">
-              <a:buFont typeface="+mj-lt"/>
-              <a:buAutoNum type="arabicPeriod"/>
-            </a:pPr>
-            <a:r>
-              <a:rPr lang="en-US" sz="3200" dirty="0" smtClean="0"/>
-              <a:t>Select </a:t>
-            </a:r>
-            <a:r>
-              <a:rPr lang="en-US" sz="3200" dirty="0"/>
-              <a:t>the correct version for your system and follow the prompts.</a:t>
-            </a:r>
-          </a:p>
-          <a:p>
-            <a:pPr fontAlgn="base"/>
-            <a:endParaRPr lang="en-US" sz="3200" b="1" dirty="0" smtClean="0"/>
-          </a:p>
-          <a:p>
-            <a:pPr fontAlgn="base"/>
-            <a:r>
-              <a:rPr lang="en-US" sz="3200" b="1" dirty="0" smtClean="0"/>
-              <a:t>Installing </a:t>
-            </a:r>
-            <a:r>
-              <a:rPr lang="en-US" sz="3200" b="1" dirty="0" err="1" smtClean="0"/>
-              <a:t>Rstudio</a:t>
-            </a:r>
-            <a:endParaRPr lang="en-US" sz="3200" dirty="0"/>
-          </a:p>
-          <a:p>
-            <a:pPr marL="514350" indent="-514350" fontAlgn="base">
-              <a:buFont typeface="+mj-lt"/>
-              <a:buAutoNum type="arabicPeriod"/>
-            </a:pPr>
-            <a:r>
-              <a:rPr lang="en-US" sz="3200" dirty="0" smtClean="0"/>
-              <a:t>Go </a:t>
-            </a:r>
-            <a:r>
-              <a:rPr lang="en-US" sz="3200" dirty="0"/>
-              <a:t>to the </a:t>
-            </a:r>
-            <a:r>
-              <a:rPr lang="en-US" sz="3200" dirty="0">
-                <a:hlinkClick r:id="rId3"/>
-              </a:rPr>
-              <a:t>RStudio homepage</a:t>
-            </a:r>
-            <a:r>
-              <a:rPr lang="en-US" sz="3200" dirty="0"/>
-              <a:t> and click on the download link below the free version of </a:t>
-            </a:r>
-            <a:r>
-              <a:rPr lang="en-US" sz="3200" dirty="0" err="1"/>
-              <a:t>RStudio</a:t>
-            </a:r>
-            <a:r>
-              <a:rPr lang="en-US" sz="3200" dirty="0"/>
-              <a:t> </a:t>
-            </a:r>
-            <a:r>
-              <a:rPr lang="en-US" sz="3200" dirty="0" smtClean="0"/>
-              <a:t>Desktop.</a:t>
-            </a:r>
-            <a:endParaRPr lang="en-US" sz="3200" dirty="0"/>
-          </a:p>
-          <a:p>
-            <a:pPr marL="514350" indent="-514350" fontAlgn="base">
-              <a:buFont typeface="+mj-lt"/>
-              <a:buAutoNum type="arabicPeriod"/>
-            </a:pPr>
-            <a:r>
-              <a:rPr lang="en-US" sz="3200" dirty="0" smtClean="0"/>
-              <a:t>Select </a:t>
-            </a:r>
-            <a:r>
-              <a:rPr lang="en-US" sz="3200" dirty="0"/>
-              <a:t>the correct version for your system and follow the prompts.</a:t>
-            </a:r>
-          </a:p>
-        </p:txBody>
-      </p:sp>
-    </p:spTree>
-    <p:extLst>
-      <p:ext uri="{BB962C8B-B14F-4D97-AF65-F5344CB8AC3E}">
-        <p14:creationId xmlns:p14="http://schemas.microsoft.com/office/powerpoint/2010/main" val="1688892522"/>
-      </p:ext>
-    </p:extLst>
-  </p:cSld>
-  <p:clrMapOvr>
-    <a:masterClrMapping/>
-  </p:clrMapOvr>
-  <p:timing>
-    <p:tnLst>
-      <p:par>
-        <p:cTn id="1" dur="indefinite" restart="never" nodeType="tmRoot"/>
-      </p:par>
-    </p:tnLst>
-  </p:timing>
-</p:sld>
-</file>
-
-<file path=ppt/slides/slide16.xml><?xml version="1.0" encoding="utf-8"?>
-<p:sld xmlns:a="http://schemas.openxmlformats.org/drawingml/2006/main" xmlns:r="http://schemas.openxmlformats.org/officeDocument/2006/relationships" xmlns:p="http://schemas.openxmlformats.org/presentationml/2006/main">
-  <p:cSld>
-    <p:bg>
-      <p:bgPr>
-        <a:solidFill>
-          <a:schemeClr val="bg1">
-            <a:lumMod val="95000"/>
-          </a:schemeClr>
-        </a:solidFill>
-        <a:effectLst/>
-      </p:bgPr>
-    </p:bg>
-    <p:spTree>
-      <p:nvGrpSpPr>
-        <p:cNvPr id="1" name=""/>
-        <p:cNvGrpSpPr/>
-        <p:nvPr/>
-      </p:nvGrpSpPr>
-      <p:grpSpPr>
-        <a:xfrm>
-          <a:off x="0" y="0"/>
-          <a:ext cx="0" cy="0"/>
-          <a:chOff x="0" y="0"/>
-          <a:chExt cx="0" cy="0"/>
-        </a:xfrm>
-      </p:grpSpPr>
-      <p:sp>
-        <p:nvSpPr>
-          <p:cNvPr id="2" name="Title 1"/>
-          <p:cNvSpPr>
-            <a:spLocks noGrp="1"/>
-          </p:cNvSpPr>
-          <p:nvPr>
-            <p:ph type="title"/>
-          </p:nvPr>
-        </p:nvSpPr>
-        <p:spPr>
-          <a:xfrm>
-            <a:off x="0" y="0"/>
-            <a:ext cx="12192000" cy="935915"/>
-          </a:xfrm>
-          <a:solidFill>
-            <a:schemeClr val="tx1"/>
-          </a:solidFill>
-        </p:spPr>
-        <p:txBody>
-          <a:bodyPr>
-            <a:normAutofit/>
-          </a:bodyPr>
-          <a:lstStyle/>
-          <a:p>
-            <a:pPr algn="ctr"/>
-            <a:r>
-              <a:rPr lang="en-US" b="1" smtClean="0">
-                <a:solidFill>
-                  <a:schemeClr val="bg1"/>
-                </a:solidFill>
-              </a:rPr>
-              <a:t>For Thursday</a:t>
-            </a:r>
-            <a:endParaRPr lang="en-US" b="1" dirty="0">
-              <a:solidFill>
-                <a:schemeClr val="bg1"/>
-              </a:solidFill>
-            </a:endParaRPr>
-          </a:p>
-        </p:txBody>
-      </p:sp>
-      <p:sp>
-        <p:nvSpPr>
-          <p:cNvPr id="6" name="Rectangle 5"/>
-          <p:cNvSpPr/>
-          <p:nvPr/>
-        </p:nvSpPr>
-        <p:spPr>
-          <a:xfrm>
-            <a:off x="242170" y="1086291"/>
-            <a:ext cx="11519770" cy="5016758"/>
-          </a:xfrm>
-          <a:prstGeom prst="rect">
-            <a:avLst/>
-          </a:prstGeom>
-        </p:spPr>
-        <p:txBody>
-          <a:bodyPr wrap="square">
-            <a:spAutoFit/>
-          </a:bodyPr>
-          <a:lstStyle/>
-          <a:p>
-            <a:pPr marL="514350" indent="-514350" fontAlgn="base">
-              <a:buFont typeface="+mj-lt"/>
-              <a:buAutoNum type="arabicPeriod"/>
-            </a:pPr>
-            <a:r>
-              <a:rPr lang="en-US" sz="3200" dirty="0"/>
-              <a:t>Read chapters 1 and 2 of </a:t>
-            </a:r>
-            <a:r>
-              <a:rPr lang="en-US" sz="3200" dirty="0" smtClean="0"/>
-              <a:t>WS</a:t>
-            </a:r>
-            <a:endParaRPr lang="en-US" sz="3200" dirty="0"/>
-          </a:p>
-          <a:p>
-            <a:pPr marL="514350" indent="-514350" fontAlgn="base">
-              <a:buFont typeface="+mj-lt"/>
-              <a:buAutoNum type="arabicPeriod"/>
-            </a:pPr>
-            <a:r>
-              <a:rPr lang="en-US" sz="3200" dirty="0" smtClean="0"/>
-              <a:t>Install </a:t>
-            </a:r>
-            <a:r>
-              <a:rPr lang="en-US" sz="3200" dirty="0"/>
-              <a:t>R and </a:t>
-            </a:r>
-            <a:r>
-              <a:rPr lang="en-US" sz="3200" dirty="0" err="1"/>
-              <a:t>Rstudio</a:t>
-            </a:r>
-            <a:r>
-              <a:rPr lang="en-US" sz="3200" dirty="0"/>
-              <a:t> on a </a:t>
-            </a:r>
-            <a:r>
-              <a:rPr lang="en-US" sz="3200" dirty="0" smtClean="0"/>
-              <a:t>laptop</a:t>
-            </a:r>
-            <a:endParaRPr lang="en-US" sz="3200" dirty="0"/>
-          </a:p>
-          <a:p>
-            <a:pPr marL="514350" indent="-514350" fontAlgn="base">
-              <a:buFont typeface="+mj-lt"/>
-              <a:buAutoNum type="arabicPeriod"/>
-            </a:pPr>
-            <a:r>
-              <a:rPr lang="en-US" sz="3200" dirty="0" smtClean="0"/>
-              <a:t>Come </a:t>
-            </a:r>
-            <a:r>
-              <a:rPr lang="en-US" sz="3200" dirty="0"/>
-              <a:t>and see me </a:t>
-            </a:r>
-            <a:r>
-              <a:rPr lang="en-US" sz="3200" b="1" dirty="0">
-                <a:solidFill>
-                  <a:srgbClr val="C00000"/>
-                </a:solidFill>
-              </a:rPr>
-              <a:t>BEFORE</a:t>
-            </a:r>
-            <a:r>
-              <a:rPr lang="en-US" sz="3200" dirty="0"/>
-              <a:t> class on Thursday if you run into problems</a:t>
-            </a:r>
-            <a:br>
-              <a:rPr lang="en-US" sz="3200" dirty="0"/>
-            </a:br>
-            <a:endParaRPr lang="en-US" sz="3200" dirty="0"/>
-          </a:p>
-          <a:p>
-            <a:pPr fontAlgn="base"/>
-            <a:r>
-              <a:rPr lang="en-US" sz="3200" b="1" dirty="0">
-                <a:solidFill>
-                  <a:srgbClr val="C00000"/>
-                </a:solidFill>
-              </a:rPr>
-              <a:t>Bring laptop to class</a:t>
-            </a:r>
-            <a:r>
-              <a:rPr lang="en-US" sz="3200" b="1" dirty="0" smtClean="0">
-                <a:solidFill>
-                  <a:srgbClr val="C00000"/>
-                </a:solidFill>
-              </a:rPr>
-              <a:t>!</a:t>
-            </a:r>
-          </a:p>
-          <a:p>
-            <a:pPr fontAlgn="base"/>
-            <a:endParaRPr lang="en-US" sz="3200" b="1" dirty="0" smtClean="0">
-              <a:solidFill>
-                <a:srgbClr val="C00000"/>
-              </a:solidFill>
-            </a:endParaRPr>
-          </a:p>
-          <a:p>
-            <a:pPr fontAlgn="base"/>
-            <a:r>
-              <a:rPr lang="en-US" sz="3200" dirty="0"/>
-              <a:t>Heath Blackmon</a:t>
-            </a:r>
-            <a:br>
-              <a:rPr lang="en-US" sz="3200" dirty="0"/>
-            </a:br>
-            <a:r>
-              <a:rPr lang="en-US" sz="3200" dirty="0"/>
-              <a:t>BSBW 309A</a:t>
-            </a:r>
-            <a:br>
-              <a:rPr lang="en-US" sz="3200" dirty="0"/>
-            </a:br>
-            <a:r>
-              <a:rPr lang="en-US" sz="3200" dirty="0">
-                <a:hlinkClick r:id="rId2"/>
-              </a:rPr>
-              <a:t>coleoguy@gmail.com</a:t>
-            </a:r>
-            <a:endParaRPr lang="en-US" sz="3200" dirty="0">
-              <a:solidFill>
-                <a:srgbClr val="C00000"/>
-              </a:solidFill>
-            </a:endParaRPr>
-          </a:p>
-        </p:txBody>
-      </p:sp>
-    </p:spTree>
-    <p:extLst>
-      <p:ext uri="{BB962C8B-B14F-4D97-AF65-F5344CB8AC3E}">
-        <p14:creationId xmlns:p14="http://schemas.microsoft.com/office/powerpoint/2010/main" val="1896396183"/>
-      </p:ext>
-    </p:extLst>
-  </p:cSld>
-  <p:clrMapOvr>
-    <a:masterClrMapping/>
-  </p:clrMapOvr>
-  <p:timing>
-    <p:tnLst>
-      <p:par>
-        <p:cTn id="1" dur="indefinite" restart="never" nodeType="tmRoot"/>
-      </p:par>
-    </p:tnLst>
-  </p:timing>
-</p:sld>
-</file>
-
-<file path=ppt/slides/slide2.xml><?xml version="1.0" encoding="utf-8"?>
-<p:sld xmlns:a="http://schemas.openxmlformats.org/drawingml/2006/main" xmlns:r="http://schemas.openxmlformats.org/officeDocument/2006/relationships" xmlns:p="http://schemas.openxmlformats.org/presentationml/2006/main">
-  <p:cSld>
-    <p:bg>
-      <p:bgPr>
-        <a:solidFill>
-          <a:schemeClr val="bg1">
-            <a:lumMod val="95000"/>
-          </a:schemeClr>
-        </a:solidFill>
-        <a:effectLst/>
-      </p:bgPr>
-    </p:bg>
-    <p:spTree>
-      <p:nvGrpSpPr>
-        <p:cNvPr id="1" name=""/>
-        <p:cNvGrpSpPr/>
-        <p:nvPr/>
-      </p:nvGrpSpPr>
-      <p:grpSpPr>
-        <a:xfrm>
-          <a:off x="0" y="0"/>
-          <a:ext cx="0" cy="0"/>
-          <a:chOff x="0" y="0"/>
-          <a:chExt cx="0" cy="0"/>
-        </a:xfrm>
-      </p:grpSpPr>
-      <p:sp>
-        <p:nvSpPr>
-          <p:cNvPr id="2" name="Title 1"/>
-          <p:cNvSpPr>
-            <a:spLocks noGrp="1"/>
-          </p:cNvSpPr>
-          <p:nvPr>
-            <p:ph type="title"/>
-          </p:nvPr>
-        </p:nvSpPr>
-        <p:spPr>
-          <a:xfrm>
-            <a:off x="0" y="0"/>
-            <a:ext cx="12192000" cy="935915"/>
-          </a:xfrm>
-          <a:solidFill>
-            <a:schemeClr val="tx1"/>
-          </a:solidFill>
-        </p:spPr>
-        <p:txBody>
-          <a:bodyPr/>
-          <a:lstStyle/>
-          <a:p>
-            <a:pPr algn="ctr"/>
-            <a:r>
-              <a:rPr lang="en-US" b="1" dirty="0" smtClean="0">
-                <a:solidFill>
-                  <a:schemeClr val="bg1"/>
-                </a:solidFill>
-              </a:rPr>
-              <a:t>Today</a:t>
-            </a:r>
-            <a:endParaRPr lang="en-US" b="1" dirty="0">
-              <a:solidFill>
-                <a:schemeClr val="bg1"/>
-              </a:solidFill>
-            </a:endParaRPr>
-          </a:p>
-        </p:txBody>
-      </p:sp>
-      <p:sp>
-        <p:nvSpPr>
-          <p:cNvPr id="4" name="Rectangle 3"/>
-          <p:cNvSpPr/>
-          <p:nvPr/>
-        </p:nvSpPr>
-        <p:spPr>
-          <a:xfrm>
-            <a:off x="204396" y="1787531"/>
-            <a:ext cx="11801138" cy="3785652"/>
-          </a:xfrm>
-          <a:prstGeom prst="rect">
-            <a:avLst/>
-          </a:prstGeom>
-        </p:spPr>
-        <p:txBody>
-          <a:bodyPr wrap="square">
-            <a:spAutoFit/>
-          </a:bodyPr>
-          <a:lstStyle/>
-          <a:p>
-            <a:pPr marL="571500" indent="-571500" fontAlgn="base">
-              <a:buFont typeface="Arial" charset="0"/>
-              <a:buChar char="•"/>
-            </a:pPr>
-            <a:r>
-              <a:rPr lang="en-US" sz="4000" dirty="0" smtClean="0">
-                <a:hlinkClick r:id="rId2"/>
-              </a:rPr>
-              <a:t>Syllabus</a:t>
-            </a:r>
-            <a:endParaRPr lang="en-US" sz="4000" dirty="0" smtClean="0"/>
-          </a:p>
-          <a:p>
-            <a:pPr marL="571500" indent="-571500" fontAlgn="base">
-              <a:buFont typeface="Arial" charset="0"/>
-              <a:buChar char="•"/>
-            </a:pPr>
-            <a:r>
-              <a:rPr lang="en-US" sz="4000" dirty="0" smtClean="0"/>
-              <a:t>Introductions</a:t>
-            </a:r>
-          </a:p>
-          <a:p>
-            <a:pPr marL="571500" indent="-571500" fontAlgn="base">
-              <a:buFont typeface="Arial" charset="0"/>
-              <a:buChar char="•"/>
-            </a:pPr>
-            <a:r>
-              <a:rPr lang="en-US" sz="4000" dirty="0" smtClean="0"/>
-              <a:t>Pretest</a:t>
-            </a:r>
-          </a:p>
-          <a:p>
-            <a:pPr marL="571500" indent="-571500" fontAlgn="base">
-              <a:buFont typeface="Arial" charset="0"/>
-              <a:buChar char="•"/>
-            </a:pPr>
-            <a:r>
-              <a:rPr lang="en-US" sz="4000" dirty="0" smtClean="0"/>
-              <a:t>Big </a:t>
-            </a:r>
-            <a:r>
-              <a:rPr lang="en-US" sz="4000" dirty="0"/>
-              <a:t>problems in </a:t>
-            </a:r>
-            <a:r>
-              <a:rPr lang="en-US" sz="4000" dirty="0" smtClean="0"/>
-              <a:t>stats</a:t>
-            </a:r>
-          </a:p>
-          <a:p>
-            <a:pPr marL="571500" indent="-571500" fontAlgn="base">
-              <a:buFont typeface="Arial" charset="0"/>
-              <a:buChar char="•"/>
-            </a:pPr>
-            <a:r>
-              <a:rPr lang="en-US" sz="4000" dirty="0" smtClean="0"/>
-              <a:t>Why </a:t>
-            </a:r>
-            <a:r>
-              <a:rPr lang="en-US" sz="4000" dirty="0"/>
-              <a:t>you need this </a:t>
-            </a:r>
-            <a:r>
-              <a:rPr lang="en-US" sz="4000" dirty="0" smtClean="0"/>
-              <a:t>class</a:t>
-            </a:r>
-          </a:p>
-          <a:p>
-            <a:pPr marL="571500" indent="-571500" fontAlgn="base">
-              <a:buFont typeface="Arial" charset="0"/>
-              <a:buChar char="•"/>
-            </a:pPr>
-            <a:r>
-              <a:rPr lang="en-US" sz="4000" dirty="0" smtClean="0"/>
-              <a:t>Prep </a:t>
-            </a:r>
-            <a:r>
-              <a:rPr lang="en-US" sz="4000" dirty="0"/>
-              <a:t>for Thursday</a:t>
-            </a:r>
-          </a:p>
-        </p:txBody>
-      </p:sp>
-    </p:spTree>
-    <p:extLst>
-      <p:ext uri="{BB962C8B-B14F-4D97-AF65-F5344CB8AC3E}">
-        <p14:creationId xmlns:p14="http://schemas.microsoft.com/office/powerpoint/2010/main" val="617954734"/>
-      </p:ext>
-    </p:extLst>
-  </p:cSld>
-  <p:clrMapOvr>
-    <a:masterClrMapping/>
-  </p:clrMapOvr>
-  <p:timing>
-    <p:tnLst>
-      <p:par>
         <p:cTn id="1" dur="indefinite" restart="never" nodeType="tmRoot">
           <p:childTnLst>
             <p:seq concurrent="1" nextAc="seek">
@@ -4847,7 +3366,7 @@
                                         <p:tgtEl>
                                           <p:spTgt spid="4">
                                             <p:txEl>
-                                              <p:pRg st="1" end="1"/>
+                                              <p:pRg st="0" end="0"/>
                                             </p:txEl>
                                           </p:spTgt>
                                         </p:tgtEl>
@@ -4896,7 +3415,7 @@
                                         <p:tgtEl>
                                           <p:spTgt spid="4">
                                             <p:txEl>
-                                              <p:pRg st="2" end="2"/>
+                                              <p:pRg st="1" end="1"/>
                                             </p:txEl>
                                           </p:spTgt>
                                         </p:tgtEl>
@@ -4945,7 +3464,7 @@
                                         <p:tgtEl>
                                           <p:spTgt spid="4">
                                             <p:txEl>
-                                              <p:pRg st="3" end="3"/>
+                                              <p:pRg st="2" end="2"/>
                                             </p:txEl>
                                           </p:spTgt>
                                         </p:tgtEl>
@@ -4994,7 +3513,7 @@
                                         <p:tgtEl>
                                           <p:spTgt spid="4">
                                             <p:txEl>
-                                              <p:pRg st="4" end="4"/>
+                                              <p:pRg st="3" end="3"/>
                                             </p:txEl>
                                           </p:spTgt>
                                         </p:tgtEl>
@@ -5043,7 +3562,2078 @@
                                         <p:tgtEl>
                                           <p:spTgt spid="4">
                                             <p:txEl>
+                                              <p:pRg st="4" end="4"/>
+                                            </p:txEl>
+                                          </p:spTgt>
+                                        </p:tgtEl>
+                                        <p:attrNameLst>
+                                          <p:attrName>style.visibility</p:attrName>
+                                        </p:attrNameLst>
+                                      </p:cBhvr>
+                                      <p:to>
+                                        <p:strVal val="visible"/>
+                                      </p:to>
+                                    </p:set>
+                                  </p:childTnLst>
+                                </p:cTn>
+                              </p:par>
+                            </p:childTnLst>
+                          </p:cTn>
+                        </p:par>
+                      </p:childTnLst>
+                    </p:cTn>
+                  </p:par>
+                </p:childTnLst>
+              </p:cTn>
+              <p:prevCondLst>
+                <p:cond evt="onPrev" delay="0">
+                  <p:tgtEl>
+                    <p:sldTgt/>
+                  </p:tgtEl>
+                </p:cond>
+              </p:prevCondLst>
+              <p:nextCondLst>
+                <p:cond evt="onNext" delay="0">
+                  <p:tgtEl>
+                    <p:sldTgt/>
+                  </p:tgtEl>
+                </p:cond>
+              </p:nextCondLst>
+            </p:seq>
+          </p:childTnLst>
+        </p:cTn>
+      </p:par>
+    </p:tnLst>
+  </p:timing>
+</p:sld>
+</file>
+
+<file path=ppt/slides/slide11.xml><?xml version="1.0" encoding="utf-8"?>
+<p:sld xmlns:a="http://schemas.openxmlformats.org/drawingml/2006/main" xmlns:r="http://schemas.openxmlformats.org/officeDocument/2006/relationships" xmlns:p="http://schemas.openxmlformats.org/presentationml/2006/main">
+  <p:cSld>
+    <p:bg>
+      <p:bgPr>
+        <a:solidFill>
+          <a:schemeClr val="bg1">
+            <a:lumMod val="95000"/>
+          </a:schemeClr>
+        </a:solidFill>
+        <a:effectLst/>
+      </p:bgPr>
+    </p:bg>
+    <p:spTree>
+      <p:nvGrpSpPr>
+        <p:cNvPr id="1" name=""/>
+        <p:cNvGrpSpPr/>
+        <p:nvPr/>
+      </p:nvGrpSpPr>
+      <p:grpSpPr>
+        <a:xfrm>
+          <a:off x="0" y="0"/>
+          <a:ext cx="0" cy="0"/>
+          <a:chOff x="0" y="0"/>
+          <a:chExt cx="0" cy="0"/>
+        </a:xfrm>
+      </p:grpSpPr>
+      <p:sp>
+        <p:nvSpPr>
+          <p:cNvPr id="2" name="Title 1"/>
+          <p:cNvSpPr>
+            <a:spLocks noGrp="1"/>
+          </p:cNvSpPr>
+          <p:nvPr>
+            <p:ph type="title"/>
+          </p:nvPr>
+        </p:nvSpPr>
+        <p:spPr>
+          <a:xfrm>
+            <a:off x="0" y="0"/>
+            <a:ext cx="12192000" cy="935915"/>
+          </a:xfrm>
+          <a:solidFill>
+            <a:schemeClr val="tx1"/>
+          </a:solidFill>
+        </p:spPr>
+        <p:txBody>
+          <a:bodyPr/>
+          <a:lstStyle/>
+          <a:p>
+            <a:pPr algn="ctr"/>
+            <a:r>
+              <a:rPr lang="en-US" b="1" dirty="0">
+                <a:solidFill>
+                  <a:schemeClr val="bg1"/>
+                </a:solidFill>
+              </a:rPr>
+              <a:t>My stats philosophy</a:t>
+            </a:r>
+          </a:p>
+        </p:txBody>
+      </p:sp>
+      <p:sp>
+        <p:nvSpPr>
+          <p:cNvPr id="6" name="Rectangle 5"/>
+          <p:cNvSpPr/>
+          <p:nvPr/>
+        </p:nvSpPr>
+        <p:spPr>
+          <a:xfrm>
+            <a:off x="242170" y="1086291"/>
+            <a:ext cx="11519770" cy="4524315"/>
+          </a:xfrm>
+          <a:prstGeom prst="rect">
+            <a:avLst/>
+          </a:prstGeom>
+        </p:spPr>
+        <p:txBody>
+          <a:bodyPr wrap="square">
+            <a:spAutoFit/>
+          </a:bodyPr>
+          <a:lstStyle/>
+          <a:p>
+            <a:pPr marL="457200" indent="-457200" fontAlgn="base">
+              <a:buFont typeface="Arial" charset="0"/>
+              <a:buChar char="•"/>
+            </a:pPr>
+            <a:r>
+              <a:rPr lang="en-US" sz="3200" dirty="0" smtClean="0"/>
+              <a:t>Statistics </a:t>
+            </a:r>
+            <a:r>
+              <a:rPr lang="en-US" sz="3200" dirty="0"/>
+              <a:t>is </a:t>
+            </a:r>
+            <a:r>
+              <a:rPr lang="en-US" sz="3200" dirty="0" smtClean="0"/>
+              <a:t>just another </a:t>
+            </a:r>
+            <a:r>
+              <a:rPr lang="en-US" sz="3200" dirty="0" smtClean="0"/>
+              <a:t>tool</a:t>
+            </a:r>
+          </a:p>
+          <a:p>
+            <a:pPr marL="457200" indent="-457200" fontAlgn="base">
+              <a:buFont typeface="Arial" charset="0"/>
+              <a:buChar char="•"/>
+            </a:pPr>
+            <a:endParaRPr lang="en-US" sz="3200" dirty="0" smtClean="0"/>
+          </a:p>
+          <a:p>
+            <a:pPr marL="457200" indent="-457200" fontAlgn="base">
+              <a:buFont typeface="Arial" charset="0"/>
+              <a:buChar char="•"/>
+            </a:pPr>
+            <a:r>
+              <a:rPr lang="en-US" sz="3200" dirty="0" smtClean="0"/>
+              <a:t>My </a:t>
+            </a:r>
+            <a:r>
+              <a:rPr lang="en-US" sz="3200" dirty="0"/>
+              <a:t>responsibility as a scientists is to </a:t>
+            </a:r>
+            <a:r>
+              <a:rPr lang="en-US" sz="3200" dirty="0" smtClean="0"/>
+              <a:t>report the </a:t>
+            </a:r>
+            <a:r>
+              <a:rPr lang="en-US" sz="3200" dirty="0"/>
+              <a:t>truth as accurately as possible and statistics help me in this </a:t>
+            </a:r>
+            <a:r>
+              <a:rPr lang="en-US" sz="3200" dirty="0" smtClean="0"/>
+              <a:t>regard</a:t>
+            </a:r>
+            <a:endParaRPr lang="en-US" sz="3200" dirty="0"/>
+          </a:p>
+          <a:p>
+            <a:pPr marL="457200" indent="-457200" fontAlgn="base">
+              <a:buFont typeface="Arial" charset="0"/>
+              <a:buChar char="•"/>
+            </a:pPr>
+            <a:endParaRPr lang="en-US" sz="3200" dirty="0" smtClean="0"/>
+          </a:p>
+          <a:p>
+            <a:pPr marL="457200" indent="-457200" fontAlgn="base">
+              <a:buFont typeface="Arial" charset="0"/>
+              <a:buChar char="•"/>
+            </a:pPr>
+            <a:r>
+              <a:rPr lang="en-US" sz="3200" dirty="0" smtClean="0"/>
+              <a:t>We </a:t>
+            </a:r>
+            <a:r>
+              <a:rPr lang="en-US" sz="3200" dirty="0"/>
+              <a:t>may NEED statistics to discern patterns in our </a:t>
+            </a:r>
+            <a:r>
+              <a:rPr lang="en-US" sz="3200" dirty="0" smtClean="0"/>
+              <a:t>data</a:t>
+            </a:r>
+            <a:endParaRPr lang="en-US" sz="3200" dirty="0"/>
+          </a:p>
+          <a:p>
+            <a:pPr marL="457200" indent="-457200" fontAlgn="base">
+              <a:buFont typeface="Arial" charset="0"/>
+              <a:buChar char="•"/>
+            </a:pPr>
+            <a:endParaRPr lang="en-US" sz="3200" dirty="0" smtClean="0"/>
+          </a:p>
+          <a:p>
+            <a:pPr marL="457200" indent="-457200" fontAlgn="base">
+              <a:buFont typeface="Arial" charset="0"/>
+              <a:buChar char="•"/>
+            </a:pPr>
+            <a:r>
+              <a:rPr lang="en-US" sz="3200" dirty="0" smtClean="0"/>
+              <a:t>Bayesian </a:t>
+            </a:r>
+            <a:r>
+              <a:rPr lang="en-US" sz="3200" dirty="0"/>
+              <a:t>statistics offer a way to build on our past and ask the questions we are really interested in.</a:t>
+            </a:r>
+          </a:p>
+        </p:txBody>
+      </p:sp>
+    </p:spTree>
+    <p:extLst>
+      <p:ext uri="{BB962C8B-B14F-4D97-AF65-F5344CB8AC3E}">
+        <p14:creationId xmlns:p14="http://schemas.microsoft.com/office/powerpoint/2010/main" val="1965115277"/>
+      </p:ext>
+    </p:extLst>
+  </p:cSld>
+  <p:clrMapOvr>
+    <a:masterClrMapping/>
+  </p:clrMapOvr>
+  <p:timing>
+    <p:tnLst>
+      <p:par>
+        <p:cTn id="1" dur="indefinite" restart="never" nodeType="tmRoot">
+          <p:childTnLst>
+            <p:seq concurrent="1" nextAc="seek">
+              <p:cTn id="2" dur="indefinite" nodeType="mainSeq">
+                <p:childTnLst>
+                  <p:par>
+                    <p:cTn id="3" fill="hold">
+                      <p:stCondLst>
+                        <p:cond delay="indefinite"/>
+                      </p:stCondLst>
+                      <p:childTnLst>
+                        <p:par>
+                          <p:cTn id="4" fill="hold">
+                            <p:stCondLst>
+                              <p:cond delay="0"/>
+                            </p:stCondLst>
+                            <p:childTnLst>
+                              <p:par>
+                                <p:cTn id="5" presetID="1" presetClass="entr" presetSubtype="0" fill="hold" nodeType="clickEffect">
+                                  <p:stCondLst>
+                                    <p:cond delay="0"/>
+                                  </p:stCondLst>
+                                  <p:childTnLst>
+                                    <p:set>
+                                      <p:cBhvr>
+                                        <p:cTn id="6" dur="1" fill="hold">
+                                          <p:stCondLst>
+                                            <p:cond delay="0"/>
+                                          </p:stCondLst>
+                                        </p:cTn>
+                                        <p:tgtEl>
+                                          <p:spTgt spid="6">
+                                            <p:txEl>
+                                              <p:pRg st="0" end="0"/>
+                                            </p:txEl>
+                                          </p:spTgt>
+                                        </p:tgtEl>
+                                        <p:attrNameLst>
+                                          <p:attrName>style.visibility</p:attrName>
+                                        </p:attrNameLst>
+                                      </p:cBhvr>
+                                      <p:to>
+                                        <p:strVal val="visible"/>
+                                      </p:to>
+                                    </p:set>
+                                  </p:childTnLst>
+                                </p:cTn>
+                              </p:par>
+                            </p:childTnLst>
+                          </p:cTn>
+                        </p:par>
+                      </p:childTnLst>
+                    </p:cTn>
+                  </p:par>
+                  <p:par>
+                    <p:cTn id="7" fill="hold">
+                      <p:stCondLst>
+                        <p:cond delay="indefinite"/>
+                      </p:stCondLst>
+                      <p:childTnLst>
+                        <p:par>
+                          <p:cTn id="8" fill="hold">
+                            <p:stCondLst>
+                              <p:cond delay="0"/>
+                            </p:stCondLst>
+                            <p:childTnLst>
+                              <p:par>
+                                <p:cTn id="9" presetID="1" presetClass="entr" presetSubtype="0" fill="hold" nodeType="clickEffect">
+                                  <p:stCondLst>
+                                    <p:cond delay="0"/>
+                                  </p:stCondLst>
+                                  <p:childTnLst>
+                                    <p:set>
+                                      <p:cBhvr>
+                                        <p:cTn id="10" dur="1" fill="hold">
+                                          <p:stCondLst>
+                                            <p:cond delay="0"/>
+                                          </p:stCondLst>
+                                        </p:cTn>
+                                        <p:tgtEl>
+                                          <p:spTgt spid="6">
+                                            <p:txEl>
+                                              <p:pRg st="2" end="2"/>
+                                            </p:txEl>
+                                          </p:spTgt>
+                                        </p:tgtEl>
+                                        <p:attrNameLst>
+                                          <p:attrName>style.visibility</p:attrName>
+                                        </p:attrNameLst>
+                                      </p:cBhvr>
+                                      <p:to>
+                                        <p:strVal val="visible"/>
+                                      </p:to>
+                                    </p:set>
+                                  </p:childTnLst>
+                                </p:cTn>
+                              </p:par>
+                            </p:childTnLst>
+                          </p:cTn>
+                        </p:par>
+                      </p:childTnLst>
+                    </p:cTn>
+                  </p:par>
+                  <p:par>
+                    <p:cTn id="11" fill="hold">
+                      <p:stCondLst>
+                        <p:cond delay="indefinite"/>
+                      </p:stCondLst>
+                      <p:childTnLst>
+                        <p:par>
+                          <p:cTn id="12" fill="hold">
+                            <p:stCondLst>
+                              <p:cond delay="0"/>
+                            </p:stCondLst>
+                            <p:childTnLst>
+                              <p:par>
+                                <p:cTn id="13" presetID="1" presetClass="entr" presetSubtype="0" fill="hold" nodeType="clickEffect">
+                                  <p:stCondLst>
+                                    <p:cond delay="0"/>
+                                  </p:stCondLst>
+                                  <p:childTnLst>
+                                    <p:set>
+                                      <p:cBhvr>
+                                        <p:cTn id="14" dur="1" fill="hold">
+                                          <p:stCondLst>
+                                            <p:cond delay="0"/>
+                                          </p:stCondLst>
+                                        </p:cTn>
+                                        <p:tgtEl>
+                                          <p:spTgt spid="6">
+                                            <p:txEl>
+                                              <p:pRg st="4" end="4"/>
+                                            </p:txEl>
+                                          </p:spTgt>
+                                        </p:tgtEl>
+                                        <p:attrNameLst>
+                                          <p:attrName>style.visibility</p:attrName>
+                                        </p:attrNameLst>
+                                      </p:cBhvr>
+                                      <p:to>
+                                        <p:strVal val="visible"/>
+                                      </p:to>
+                                    </p:set>
+                                  </p:childTnLst>
+                                </p:cTn>
+                              </p:par>
+                            </p:childTnLst>
+                          </p:cTn>
+                        </p:par>
+                      </p:childTnLst>
+                    </p:cTn>
+                  </p:par>
+                  <p:par>
+                    <p:cTn id="15" fill="hold">
+                      <p:stCondLst>
+                        <p:cond delay="indefinite"/>
+                      </p:stCondLst>
+                      <p:childTnLst>
+                        <p:par>
+                          <p:cTn id="16" fill="hold">
+                            <p:stCondLst>
+                              <p:cond delay="0"/>
+                            </p:stCondLst>
+                            <p:childTnLst>
+                              <p:par>
+                                <p:cTn id="17" presetID="1" presetClass="entr" presetSubtype="0" fill="hold" nodeType="clickEffect">
+                                  <p:stCondLst>
+                                    <p:cond delay="0"/>
+                                  </p:stCondLst>
+                                  <p:childTnLst>
+                                    <p:set>
+                                      <p:cBhvr>
+                                        <p:cTn id="18" dur="1" fill="hold">
+                                          <p:stCondLst>
+                                            <p:cond delay="0"/>
+                                          </p:stCondLst>
+                                        </p:cTn>
+                                        <p:tgtEl>
+                                          <p:spTgt spid="6">
+                                            <p:txEl>
+                                              <p:pRg st="6" end="6"/>
+                                            </p:txEl>
+                                          </p:spTgt>
+                                        </p:tgtEl>
+                                        <p:attrNameLst>
+                                          <p:attrName>style.visibility</p:attrName>
+                                        </p:attrNameLst>
+                                      </p:cBhvr>
+                                      <p:to>
+                                        <p:strVal val="visible"/>
+                                      </p:to>
+                                    </p:set>
+                                  </p:childTnLst>
+                                </p:cTn>
+                              </p:par>
+                            </p:childTnLst>
+                          </p:cTn>
+                        </p:par>
+                      </p:childTnLst>
+                    </p:cTn>
+                  </p:par>
+                </p:childTnLst>
+              </p:cTn>
+              <p:prevCondLst>
+                <p:cond evt="onPrev" delay="0">
+                  <p:tgtEl>
+                    <p:sldTgt/>
+                  </p:tgtEl>
+                </p:cond>
+              </p:prevCondLst>
+              <p:nextCondLst>
+                <p:cond evt="onNext" delay="0">
+                  <p:tgtEl>
+                    <p:sldTgt/>
+                  </p:tgtEl>
+                </p:cond>
+              </p:nextCondLst>
+            </p:seq>
+          </p:childTnLst>
+        </p:cTn>
+      </p:par>
+    </p:tnLst>
+  </p:timing>
+</p:sld>
+</file>
+
+<file path=ppt/slides/slide12.xml><?xml version="1.0" encoding="utf-8"?>
+<p:sld xmlns:a="http://schemas.openxmlformats.org/drawingml/2006/main" xmlns:r="http://schemas.openxmlformats.org/officeDocument/2006/relationships" xmlns:p="http://schemas.openxmlformats.org/presentationml/2006/main">
+  <p:cSld>
+    <p:bg>
+      <p:bgPr>
+        <a:solidFill>
+          <a:schemeClr val="bg1">
+            <a:lumMod val="95000"/>
+          </a:schemeClr>
+        </a:solidFill>
+        <a:effectLst/>
+      </p:bgPr>
+    </p:bg>
+    <p:spTree>
+      <p:nvGrpSpPr>
+        <p:cNvPr id="1" name=""/>
+        <p:cNvGrpSpPr/>
+        <p:nvPr/>
+      </p:nvGrpSpPr>
+      <p:grpSpPr>
+        <a:xfrm>
+          <a:off x="0" y="0"/>
+          <a:ext cx="0" cy="0"/>
+          <a:chOff x="0" y="0"/>
+          <a:chExt cx="0" cy="0"/>
+        </a:xfrm>
+      </p:grpSpPr>
+      <p:sp>
+        <p:nvSpPr>
+          <p:cNvPr id="2" name="Title 1"/>
+          <p:cNvSpPr>
+            <a:spLocks noGrp="1"/>
+          </p:cNvSpPr>
+          <p:nvPr>
+            <p:ph type="title"/>
+          </p:nvPr>
+        </p:nvSpPr>
+        <p:spPr>
+          <a:xfrm>
+            <a:off x="0" y="0"/>
+            <a:ext cx="12192000" cy="935915"/>
+          </a:xfrm>
+          <a:solidFill>
+            <a:schemeClr val="tx1"/>
+          </a:solidFill>
+        </p:spPr>
+        <p:txBody>
+          <a:bodyPr/>
+          <a:lstStyle/>
+          <a:p>
+            <a:pPr algn="ctr"/>
+            <a:r>
+              <a:rPr lang="en-US" b="1" dirty="0" smtClean="0">
+                <a:solidFill>
+                  <a:schemeClr val="bg1"/>
+                </a:solidFill>
+              </a:rPr>
+              <a:t>What is R</a:t>
+            </a:r>
+            <a:endParaRPr lang="en-US" b="1" dirty="0">
+              <a:solidFill>
+                <a:schemeClr val="bg1"/>
+              </a:solidFill>
+            </a:endParaRPr>
+          </a:p>
+        </p:txBody>
+      </p:sp>
+      <p:sp>
+        <p:nvSpPr>
+          <p:cNvPr id="6" name="Rectangle 5"/>
+          <p:cNvSpPr/>
+          <p:nvPr/>
+        </p:nvSpPr>
+        <p:spPr>
+          <a:xfrm>
+            <a:off x="242170" y="1086291"/>
+            <a:ext cx="11519770" cy="4832092"/>
+          </a:xfrm>
+          <a:prstGeom prst="rect">
+            <a:avLst/>
+          </a:prstGeom>
+        </p:spPr>
+        <p:txBody>
+          <a:bodyPr wrap="square">
+            <a:spAutoFit/>
+          </a:bodyPr>
+          <a:lstStyle/>
+          <a:p>
+            <a:pPr marL="457200" indent="-457200" fontAlgn="base">
+              <a:buFont typeface="Arial" charset="0"/>
+              <a:buChar char="•"/>
+            </a:pPr>
+            <a:r>
+              <a:rPr lang="en-US" sz="2800" dirty="0" smtClean="0"/>
+              <a:t>R </a:t>
+            </a:r>
+            <a:r>
+              <a:rPr lang="en-US" sz="2800" dirty="0"/>
+              <a:t>is a statistical programming </a:t>
+            </a:r>
+            <a:r>
+              <a:rPr lang="en-US" sz="2800" dirty="0" smtClean="0"/>
+              <a:t>language</a:t>
+            </a:r>
+          </a:p>
+          <a:p>
+            <a:pPr marL="457200" indent="-457200" fontAlgn="base">
+              <a:buFont typeface="Arial" charset="0"/>
+              <a:buChar char="•"/>
+            </a:pPr>
+            <a:endParaRPr lang="en-US" sz="2800" dirty="0"/>
+          </a:p>
+          <a:p>
+            <a:pPr marL="457200" indent="-457200" fontAlgn="base">
+              <a:buFont typeface="Arial" charset="0"/>
+              <a:buChar char="•"/>
+            </a:pPr>
+            <a:r>
+              <a:rPr lang="en-US" sz="2800" dirty="0" smtClean="0"/>
+              <a:t>It </a:t>
+            </a:r>
+            <a:r>
+              <a:rPr lang="en-US" sz="2800" dirty="0"/>
+              <a:t>works very similarly on all major operating systems </a:t>
+            </a:r>
+            <a:endParaRPr lang="en-US" sz="2800" dirty="0" smtClean="0"/>
+          </a:p>
+          <a:p>
+            <a:pPr marL="457200" indent="-457200" fontAlgn="base">
+              <a:buFont typeface="Arial" charset="0"/>
+              <a:buChar char="•"/>
+            </a:pPr>
+            <a:endParaRPr lang="en-US" sz="2800" dirty="0"/>
+          </a:p>
+          <a:p>
+            <a:pPr marL="457200" indent="-457200" fontAlgn="base">
+              <a:buFont typeface="Arial" charset="0"/>
+              <a:buChar char="•"/>
+            </a:pPr>
+            <a:r>
+              <a:rPr lang="en-US" sz="2800" dirty="0" smtClean="0"/>
+              <a:t>It </a:t>
+            </a:r>
+            <a:r>
+              <a:rPr lang="en-US" sz="2800" dirty="0"/>
+              <a:t>is free and open </a:t>
+            </a:r>
+            <a:r>
+              <a:rPr lang="en-US" sz="2800" dirty="0" smtClean="0"/>
+              <a:t>source</a:t>
+            </a:r>
+          </a:p>
+          <a:p>
+            <a:pPr marL="457200" indent="-457200" fontAlgn="base">
+              <a:buFont typeface="Arial" charset="0"/>
+              <a:buChar char="•"/>
+            </a:pPr>
+            <a:endParaRPr lang="en-US" sz="2800" dirty="0"/>
+          </a:p>
+          <a:p>
+            <a:pPr marL="457200" indent="-457200" fontAlgn="base">
+              <a:buFont typeface="Arial" charset="0"/>
+              <a:buChar char="•"/>
+            </a:pPr>
+            <a:r>
+              <a:rPr lang="en-US" sz="2800" dirty="0" smtClean="0"/>
+              <a:t>The </a:t>
+            </a:r>
+            <a:r>
+              <a:rPr lang="en-US" sz="2800" dirty="0"/>
+              <a:t>focus is on statistics and </a:t>
+            </a:r>
+            <a:r>
+              <a:rPr lang="en-US" sz="2800" dirty="0" smtClean="0"/>
+              <a:t>graphics</a:t>
+            </a:r>
+          </a:p>
+          <a:p>
+            <a:pPr marL="457200" indent="-457200" fontAlgn="base">
+              <a:buFont typeface="Arial" charset="0"/>
+              <a:buChar char="•"/>
+            </a:pPr>
+            <a:endParaRPr lang="en-US" sz="2800" dirty="0"/>
+          </a:p>
+          <a:p>
+            <a:pPr marL="457200" indent="-457200" fontAlgn="base">
+              <a:buFont typeface="Arial" charset="0"/>
+              <a:buChar char="•"/>
+            </a:pPr>
+            <a:r>
+              <a:rPr lang="en-US" sz="2800" dirty="0" smtClean="0"/>
+              <a:t>It’s </a:t>
+            </a:r>
+            <a:r>
+              <a:rPr lang="en-US" sz="2800" dirty="0"/>
+              <a:t>also a full-fledged high level programming language (similar to </a:t>
+            </a:r>
+            <a:r>
+              <a:rPr lang="en-US" sz="2800" dirty="0" smtClean="0"/>
+              <a:t>Python)</a:t>
+            </a:r>
+          </a:p>
+          <a:p>
+            <a:pPr marL="457200" indent="-457200" fontAlgn="base">
+              <a:buFont typeface="Arial" charset="0"/>
+              <a:buChar char="•"/>
+            </a:pPr>
+            <a:endParaRPr lang="en-US" sz="2800" dirty="0"/>
+          </a:p>
+          <a:p>
+            <a:pPr marL="457200" indent="-457200" fontAlgn="base">
+              <a:buFont typeface="Arial" charset="0"/>
+              <a:buChar char="•"/>
+            </a:pPr>
+            <a:r>
+              <a:rPr lang="en-US" sz="2800" i="1" dirty="0" smtClean="0"/>
+              <a:t>FYI</a:t>
+            </a:r>
+            <a:r>
+              <a:rPr lang="en-US" sz="2800" i="1" dirty="0"/>
+              <a:t>: It can </a:t>
+            </a:r>
+            <a:r>
+              <a:rPr lang="en-US" sz="2800" i="1" dirty="0" smtClean="0"/>
+              <a:t>help you get </a:t>
+            </a:r>
+            <a:r>
+              <a:rPr lang="en-US" sz="2800" i="1" dirty="0"/>
+              <a:t>you a job. - Dell, Lab Tech, Core Facility</a:t>
+            </a:r>
+            <a:endParaRPr lang="en-US" sz="2800" dirty="0"/>
+          </a:p>
+        </p:txBody>
+      </p:sp>
+    </p:spTree>
+    <p:extLst>
+      <p:ext uri="{BB962C8B-B14F-4D97-AF65-F5344CB8AC3E}">
+        <p14:creationId xmlns:p14="http://schemas.microsoft.com/office/powerpoint/2010/main" val="207419330"/>
+      </p:ext>
+    </p:extLst>
+  </p:cSld>
+  <p:clrMapOvr>
+    <a:masterClrMapping/>
+  </p:clrMapOvr>
+  <p:timing>
+    <p:tnLst>
+      <p:par>
+        <p:cTn id="1" dur="indefinite" restart="never" nodeType="tmRoot"/>
+      </p:par>
+    </p:tnLst>
+  </p:timing>
+</p:sld>
+</file>
+
+<file path=ppt/slides/slide13.xml><?xml version="1.0" encoding="utf-8"?>
+<p:sld xmlns:a="http://schemas.openxmlformats.org/drawingml/2006/main" xmlns:r="http://schemas.openxmlformats.org/officeDocument/2006/relationships" xmlns:p="http://schemas.openxmlformats.org/presentationml/2006/main">
+  <p:cSld>
+    <p:bg>
+      <p:bgPr>
+        <a:solidFill>
+          <a:schemeClr val="bg1">
+            <a:lumMod val="95000"/>
+          </a:schemeClr>
+        </a:solidFill>
+        <a:effectLst/>
+      </p:bgPr>
+    </p:bg>
+    <p:spTree>
+      <p:nvGrpSpPr>
+        <p:cNvPr id="1" name=""/>
+        <p:cNvGrpSpPr/>
+        <p:nvPr/>
+      </p:nvGrpSpPr>
+      <p:grpSpPr>
+        <a:xfrm>
+          <a:off x="0" y="0"/>
+          <a:ext cx="0" cy="0"/>
+          <a:chOff x="0" y="0"/>
+          <a:chExt cx="0" cy="0"/>
+        </a:xfrm>
+      </p:grpSpPr>
+      <p:sp>
+        <p:nvSpPr>
+          <p:cNvPr id="2" name="Title 1"/>
+          <p:cNvSpPr>
+            <a:spLocks noGrp="1"/>
+          </p:cNvSpPr>
+          <p:nvPr>
+            <p:ph type="title"/>
+          </p:nvPr>
+        </p:nvSpPr>
+        <p:spPr>
+          <a:xfrm>
+            <a:off x="0" y="0"/>
+            <a:ext cx="12192000" cy="935915"/>
+          </a:xfrm>
+          <a:solidFill>
+            <a:schemeClr val="tx1"/>
+          </a:solidFill>
+        </p:spPr>
+        <p:txBody>
+          <a:bodyPr>
+            <a:normAutofit/>
+          </a:bodyPr>
+          <a:lstStyle/>
+          <a:p>
+            <a:pPr algn="ctr"/>
+            <a:r>
+              <a:rPr lang="en-US" b="1" dirty="0">
+                <a:solidFill>
+                  <a:schemeClr val="bg1"/>
+                </a:solidFill>
+              </a:rPr>
+              <a:t>Why use </a:t>
+            </a:r>
+            <a:r>
+              <a:rPr lang="en-US" b="1" dirty="0" smtClean="0">
+                <a:solidFill>
+                  <a:schemeClr val="bg1"/>
+                </a:solidFill>
+              </a:rPr>
+              <a:t>R</a:t>
+            </a:r>
+            <a:endParaRPr lang="en-US" b="1" dirty="0">
+              <a:solidFill>
+                <a:schemeClr val="bg1"/>
+              </a:solidFill>
+            </a:endParaRPr>
+          </a:p>
+        </p:txBody>
+      </p:sp>
+      <p:sp>
+        <p:nvSpPr>
+          <p:cNvPr id="6" name="Rectangle 5"/>
+          <p:cNvSpPr/>
+          <p:nvPr/>
+        </p:nvSpPr>
+        <p:spPr>
+          <a:xfrm>
+            <a:off x="242170" y="1086291"/>
+            <a:ext cx="11519770" cy="5509200"/>
+          </a:xfrm>
+          <a:prstGeom prst="rect">
+            <a:avLst/>
+          </a:prstGeom>
+        </p:spPr>
+        <p:txBody>
+          <a:bodyPr wrap="square">
+            <a:spAutoFit/>
+          </a:bodyPr>
+          <a:lstStyle/>
+          <a:p>
+            <a:pPr marL="514350" indent="-514350" fontAlgn="base">
+              <a:buFont typeface="+mj-lt"/>
+              <a:buAutoNum type="arabicPeriod"/>
+            </a:pPr>
+            <a:r>
+              <a:rPr lang="en-US" sz="3200" dirty="0" smtClean="0"/>
+              <a:t>Many </a:t>
+            </a:r>
+            <a:r>
+              <a:rPr lang="en-US" sz="3200" dirty="0"/>
+              <a:t>statistical approaches have been implemented in the R </a:t>
+            </a:r>
+            <a:r>
+              <a:rPr lang="en-US" sz="3200" dirty="0" smtClean="0"/>
+              <a:t>environment</a:t>
+            </a:r>
+            <a:r>
+              <a:rPr lang="en-US" sz="3200" dirty="0" smtClean="0"/>
+              <a:t>.</a:t>
+            </a:r>
+          </a:p>
+          <a:p>
+            <a:pPr marL="514350" indent="-514350" fontAlgn="base">
+              <a:buFont typeface="+mj-lt"/>
+              <a:buAutoNum type="arabicPeriod"/>
+            </a:pPr>
+            <a:endParaRPr lang="en-US" sz="3200" dirty="0"/>
+          </a:p>
+          <a:p>
+            <a:pPr marL="514350" indent="-514350" fontAlgn="base">
+              <a:buFont typeface="+mj-lt"/>
+              <a:buAutoNum type="arabicPeriod"/>
+            </a:pPr>
+            <a:r>
+              <a:rPr lang="en-US" sz="3200" dirty="0" smtClean="0"/>
+              <a:t>Because </a:t>
+            </a:r>
+            <a:r>
+              <a:rPr lang="en-US" sz="3200" dirty="0"/>
+              <a:t>it’s open source, there are no proprietary secrets, as might be hiding in commercially available statistical </a:t>
+            </a:r>
+            <a:r>
+              <a:rPr lang="en-US" sz="3200" dirty="0" smtClean="0"/>
+              <a:t>packages</a:t>
+            </a:r>
+            <a:r>
+              <a:rPr lang="en-US" sz="3200" dirty="0" smtClean="0"/>
+              <a:t>.</a:t>
+            </a:r>
+          </a:p>
+          <a:p>
+            <a:pPr marL="514350" indent="-514350" fontAlgn="base">
+              <a:buFont typeface="+mj-lt"/>
+              <a:buAutoNum type="arabicPeriod"/>
+            </a:pPr>
+            <a:endParaRPr lang="en-US" sz="3200" dirty="0"/>
+          </a:p>
+          <a:p>
+            <a:pPr marL="514350" indent="-514350" fontAlgn="base">
+              <a:buFont typeface="+mj-lt"/>
+              <a:buAutoNum type="arabicPeriod"/>
+            </a:pPr>
+            <a:r>
+              <a:rPr lang="en-US" sz="3200" dirty="0" smtClean="0"/>
+              <a:t>Any </a:t>
+            </a:r>
+            <a:r>
+              <a:rPr lang="en-US" sz="3200" dirty="0"/>
+              <a:t>program written in R will have access to all of R’s tools for statistics and </a:t>
+            </a:r>
+            <a:r>
+              <a:rPr lang="en-US" sz="3200" dirty="0" smtClean="0"/>
+              <a:t>graphing</a:t>
+            </a:r>
+            <a:r>
+              <a:rPr lang="en-US" sz="3200" dirty="0" smtClean="0"/>
+              <a:t>.</a:t>
+            </a:r>
+          </a:p>
+          <a:p>
+            <a:pPr marL="514350" indent="-514350" fontAlgn="base">
+              <a:buFont typeface="+mj-lt"/>
+              <a:buAutoNum type="arabicPeriod"/>
+            </a:pPr>
+            <a:endParaRPr lang="en-US" sz="3200" dirty="0"/>
+          </a:p>
+          <a:p>
+            <a:pPr marL="514350" indent="-514350" fontAlgn="base">
+              <a:buFont typeface="+mj-lt"/>
+              <a:buAutoNum type="arabicPeriod"/>
+            </a:pPr>
+            <a:r>
+              <a:rPr lang="en-US" sz="3200" dirty="0" smtClean="0"/>
+              <a:t>New </a:t>
+            </a:r>
+            <a:r>
+              <a:rPr lang="en-US" sz="3200" dirty="0"/>
+              <a:t>methods of analysis are being implemented in R by the scientists developing the </a:t>
+            </a:r>
+            <a:r>
+              <a:rPr lang="en-US" sz="3200" dirty="0" smtClean="0"/>
+              <a:t>methods.</a:t>
+            </a:r>
+            <a:endParaRPr lang="en-US" sz="3200" dirty="0"/>
+          </a:p>
+        </p:txBody>
+      </p:sp>
+    </p:spTree>
+    <p:extLst>
+      <p:ext uri="{BB962C8B-B14F-4D97-AF65-F5344CB8AC3E}">
+        <p14:creationId xmlns:p14="http://schemas.microsoft.com/office/powerpoint/2010/main" val="973424953"/>
+      </p:ext>
+    </p:extLst>
+  </p:cSld>
+  <p:clrMapOvr>
+    <a:masterClrMapping/>
+  </p:clrMapOvr>
+  <p:timing>
+    <p:tnLst>
+      <p:par>
+        <p:cTn id="1" dur="indefinite" restart="never" nodeType="tmRoot"/>
+      </p:par>
+    </p:tnLst>
+  </p:timing>
+</p:sld>
+</file>
+
+<file path=ppt/slides/slide14.xml><?xml version="1.0" encoding="utf-8"?>
+<p:sld xmlns:a="http://schemas.openxmlformats.org/drawingml/2006/main" xmlns:r="http://schemas.openxmlformats.org/officeDocument/2006/relationships" xmlns:p="http://schemas.openxmlformats.org/presentationml/2006/main">
+  <p:cSld>
+    <p:bg>
+      <p:bgPr>
+        <a:solidFill>
+          <a:schemeClr val="bg1">
+            <a:lumMod val="95000"/>
+          </a:schemeClr>
+        </a:solidFill>
+        <a:effectLst/>
+      </p:bgPr>
+    </p:bg>
+    <p:spTree>
+      <p:nvGrpSpPr>
+        <p:cNvPr id="1" name=""/>
+        <p:cNvGrpSpPr/>
+        <p:nvPr/>
+      </p:nvGrpSpPr>
+      <p:grpSpPr>
+        <a:xfrm>
+          <a:off x="0" y="0"/>
+          <a:ext cx="0" cy="0"/>
+          <a:chOff x="0" y="0"/>
+          <a:chExt cx="0" cy="0"/>
+        </a:xfrm>
+      </p:grpSpPr>
+      <p:sp>
+        <p:nvSpPr>
+          <p:cNvPr id="2" name="Title 1"/>
+          <p:cNvSpPr>
+            <a:spLocks noGrp="1"/>
+          </p:cNvSpPr>
+          <p:nvPr>
+            <p:ph type="title"/>
+          </p:nvPr>
+        </p:nvSpPr>
+        <p:spPr>
+          <a:xfrm>
+            <a:off x="0" y="0"/>
+            <a:ext cx="12192000" cy="935915"/>
+          </a:xfrm>
+          <a:solidFill>
+            <a:schemeClr val="tx1"/>
+          </a:solidFill>
+        </p:spPr>
+        <p:txBody>
+          <a:bodyPr>
+            <a:normAutofit/>
+          </a:bodyPr>
+          <a:lstStyle/>
+          <a:p>
+            <a:pPr algn="ctr"/>
+            <a:r>
+              <a:rPr lang="en-US" b="1" dirty="0">
+                <a:solidFill>
+                  <a:schemeClr val="bg1"/>
+                </a:solidFill>
+              </a:rPr>
+              <a:t>Why use </a:t>
+            </a:r>
+            <a:r>
+              <a:rPr lang="en-US" b="1" dirty="0" smtClean="0">
+                <a:solidFill>
+                  <a:schemeClr val="bg1"/>
+                </a:solidFill>
+              </a:rPr>
+              <a:t>R</a:t>
+            </a:r>
+            <a:endParaRPr lang="en-US" b="1" dirty="0">
+              <a:solidFill>
+                <a:schemeClr val="bg1"/>
+              </a:solidFill>
+            </a:endParaRPr>
+          </a:p>
+        </p:txBody>
+      </p:sp>
+      <p:sp>
+        <p:nvSpPr>
+          <p:cNvPr id="6" name="Rectangle 5"/>
+          <p:cNvSpPr/>
+          <p:nvPr/>
+        </p:nvSpPr>
+        <p:spPr>
+          <a:xfrm>
+            <a:off x="242170" y="1086291"/>
+            <a:ext cx="11519770" cy="5262979"/>
+          </a:xfrm>
+          <a:prstGeom prst="rect">
+            <a:avLst/>
+          </a:prstGeom>
+        </p:spPr>
+        <p:txBody>
+          <a:bodyPr wrap="square">
+            <a:spAutoFit/>
+          </a:bodyPr>
+          <a:lstStyle/>
+          <a:p>
+            <a:pPr marL="514350" indent="-514350" fontAlgn="base">
+              <a:buFont typeface="+mj-lt"/>
+              <a:buAutoNum type="arabicPeriod" startAt="5"/>
+            </a:pPr>
+            <a:r>
+              <a:rPr lang="en-US" sz="2800" dirty="0"/>
+              <a:t>If you use R you can include a script with your </a:t>
+            </a:r>
+            <a:r>
+              <a:rPr lang="en-US" sz="2800" dirty="0" smtClean="0"/>
+              <a:t>manuscript</a:t>
+            </a:r>
+          </a:p>
+          <a:p>
+            <a:pPr marL="514350" indent="-514350" fontAlgn="base">
+              <a:buFont typeface="+mj-lt"/>
+              <a:buAutoNum type="arabicPeriod" startAt="5"/>
+            </a:pPr>
+            <a:endParaRPr lang="en-US" sz="2800" dirty="0"/>
+          </a:p>
+          <a:p>
+            <a:pPr marL="514350" indent="-514350" fontAlgn="base">
+              <a:buFont typeface="+mj-lt"/>
+              <a:buAutoNum type="arabicPeriod" startAt="5"/>
+            </a:pPr>
+            <a:r>
+              <a:rPr lang="en-US" sz="2800" dirty="0" smtClean="0"/>
+              <a:t>Reproducibility</a:t>
+            </a:r>
+          </a:p>
+          <a:p>
+            <a:pPr marL="514350" indent="-514350" fontAlgn="base">
+              <a:buFont typeface="+mj-lt"/>
+              <a:buAutoNum type="arabicPeriod" startAt="5"/>
+            </a:pPr>
+            <a:endParaRPr lang="en-US" sz="2800" dirty="0"/>
+          </a:p>
+          <a:p>
+            <a:pPr marL="514350" indent="-514350" fontAlgn="base">
+              <a:buFont typeface="+mj-lt"/>
+              <a:buAutoNum type="arabicPeriod" startAt="5"/>
+            </a:pPr>
+            <a:r>
+              <a:rPr lang="en-US" sz="2800" dirty="0" smtClean="0"/>
+              <a:t>Reviewing</a:t>
+            </a:r>
+          </a:p>
+          <a:p>
+            <a:pPr marL="514350" indent="-514350" fontAlgn="base">
+              <a:buFont typeface="+mj-lt"/>
+              <a:buAutoNum type="arabicPeriod" startAt="5"/>
+            </a:pPr>
+            <a:endParaRPr lang="en-US" sz="2800" dirty="0"/>
+          </a:p>
+          <a:p>
+            <a:pPr marL="514350" indent="-514350" fontAlgn="base">
+              <a:buFont typeface="+mj-lt"/>
+              <a:buAutoNum type="arabicPeriod" startAt="5"/>
+            </a:pPr>
+            <a:r>
+              <a:rPr lang="en-US" sz="2800" dirty="0" smtClean="0"/>
+              <a:t>Open Science</a:t>
+            </a:r>
+          </a:p>
+          <a:p>
+            <a:pPr marL="514350" indent="-514350" fontAlgn="base">
+              <a:buFont typeface="+mj-lt"/>
+              <a:buAutoNum type="arabicPeriod" startAt="5"/>
+            </a:pPr>
+            <a:endParaRPr lang="en-US" sz="2800" dirty="0"/>
+          </a:p>
+          <a:p>
+            <a:pPr marL="514350" indent="-514350" fontAlgn="base">
+              <a:buFont typeface="+mj-lt"/>
+              <a:buAutoNum type="arabicPeriod" startAt="5"/>
+            </a:pPr>
+            <a:r>
+              <a:rPr lang="en-US" sz="2800" dirty="0" smtClean="0"/>
+              <a:t>Running </a:t>
+            </a:r>
+            <a:r>
+              <a:rPr lang="en-US" sz="2800" dirty="0"/>
+              <a:t>analyses with scripts facilitates revision of </a:t>
+            </a:r>
+            <a:r>
+              <a:rPr lang="en-US" sz="2800" dirty="0" smtClean="0"/>
+              <a:t>manuscripts</a:t>
+            </a:r>
+          </a:p>
+          <a:p>
+            <a:pPr marL="514350" indent="-514350" fontAlgn="base">
+              <a:buFont typeface="+mj-lt"/>
+              <a:buAutoNum type="arabicPeriod" startAt="5"/>
+            </a:pPr>
+            <a:endParaRPr lang="en-US" sz="2800" dirty="0" smtClean="0"/>
+          </a:p>
+          <a:p>
+            <a:pPr marL="514350" indent="-514350" fontAlgn="base">
+              <a:buFont typeface="+mj-lt"/>
+              <a:buAutoNum type="arabicPeriod" startAt="5"/>
+            </a:pPr>
+            <a:r>
+              <a:rPr lang="en-US" sz="2800" dirty="0" smtClean="0"/>
+              <a:t>Many </a:t>
+            </a:r>
+            <a:r>
+              <a:rPr lang="en-US" sz="2800" dirty="0"/>
+              <a:t>methods (mixed models, quantitative genetics, etc.) are only available in R.</a:t>
+            </a:r>
+          </a:p>
+        </p:txBody>
+      </p:sp>
+    </p:spTree>
+    <p:extLst>
+      <p:ext uri="{BB962C8B-B14F-4D97-AF65-F5344CB8AC3E}">
+        <p14:creationId xmlns:p14="http://schemas.microsoft.com/office/powerpoint/2010/main" val="1925938213"/>
+      </p:ext>
+    </p:extLst>
+  </p:cSld>
+  <p:clrMapOvr>
+    <a:masterClrMapping/>
+  </p:clrMapOvr>
+  <p:timing>
+    <p:tnLst>
+      <p:par>
+        <p:cTn id="1" dur="indefinite" restart="never" nodeType="tmRoot"/>
+      </p:par>
+    </p:tnLst>
+  </p:timing>
+</p:sld>
+</file>
+
+<file path=ppt/slides/slide15.xml><?xml version="1.0" encoding="utf-8"?>
+<p:sld xmlns:a="http://schemas.openxmlformats.org/drawingml/2006/main" xmlns:r="http://schemas.openxmlformats.org/officeDocument/2006/relationships" xmlns:p="http://schemas.openxmlformats.org/presentationml/2006/main">
+  <p:cSld>
+    <p:bg>
+      <p:bgPr>
+        <a:solidFill>
+          <a:schemeClr val="bg1">
+            <a:lumMod val="95000"/>
+          </a:schemeClr>
+        </a:solidFill>
+        <a:effectLst/>
+      </p:bgPr>
+    </p:bg>
+    <p:spTree>
+      <p:nvGrpSpPr>
+        <p:cNvPr id="1" name=""/>
+        <p:cNvGrpSpPr/>
+        <p:nvPr/>
+      </p:nvGrpSpPr>
+      <p:grpSpPr>
+        <a:xfrm>
+          <a:off x="0" y="0"/>
+          <a:ext cx="0" cy="0"/>
+          <a:chOff x="0" y="0"/>
+          <a:chExt cx="0" cy="0"/>
+        </a:xfrm>
+      </p:grpSpPr>
+      <p:sp>
+        <p:nvSpPr>
+          <p:cNvPr id="2" name="Title 1"/>
+          <p:cNvSpPr>
+            <a:spLocks noGrp="1"/>
+          </p:cNvSpPr>
+          <p:nvPr>
+            <p:ph type="title"/>
+          </p:nvPr>
+        </p:nvSpPr>
+        <p:spPr>
+          <a:xfrm>
+            <a:off x="0" y="0"/>
+            <a:ext cx="12192000" cy="935915"/>
+          </a:xfrm>
+          <a:solidFill>
+            <a:schemeClr val="tx1"/>
+          </a:solidFill>
+        </p:spPr>
+        <p:txBody>
+          <a:bodyPr>
+            <a:normAutofit/>
+          </a:bodyPr>
+          <a:lstStyle/>
+          <a:p>
+            <a:pPr algn="ctr"/>
+            <a:r>
+              <a:rPr lang="en-US" b="1" dirty="0">
+                <a:solidFill>
+                  <a:schemeClr val="bg1"/>
+                </a:solidFill>
+              </a:rPr>
+              <a:t>Installing R and </a:t>
+            </a:r>
+            <a:r>
+              <a:rPr lang="en-US" b="1" dirty="0" err="1" smtClean="0">
+                <a:solidFill>
+                  <a:schemeClr val="bg1"/>
+                </a:solidFill>
+              </a:rPr>
+              <a:t>RStudio</a:t>
+            </a:r>
+            <a:endParaRPr lang="en-US" b="1" dirty="0">
+              <a:solidFill>
+                <a:schemeClr val="bg1"/>
+              </a:solidFill>
+            </a:endParaRPr>
+          </a:p>
+        </p:txBody>
+      </p:sp>
+      <p:sp>
+        <p:nvSpPr>
+          <p:cNvPr id="6" name="Rectangle 5"/>
+          <p:cNvSpPr/>
+          <p:nvPr/>
+        </p:nvSpPr>
+        <p:spPr>
+          <a:xfrm>
+            <a:off x="242170" y="1086291"/>
+            <a:ext cx="11519770" cy="5509200"/>
+          </a:xfrm>
+          <a:prstGeom prst="rect">
+            <a:avLst/>
+          </a:prstGeom>
+        </p:spPr>
+        <p:txBody>
+          <a:bodyPr wrap="square">
+            <a:spAutoFit/>
+          </a:bodyPr>
+          <a:lstStyle/>
+          <a:p>
+            <a:pPr fontAlgn="base"/>
+            <a:r>
+              <a:rPr lang="en-US" sz="3200" b="1" dirty="0" smtClean="0"/>
+              <a:t>Installing R</a:t>
+            </a:r>
+            <a:endParaRPr lang="en-US" sz="3200" dirty="0"/>
+          </a:p>
+          <a:p>
+            <a:pPr marL="514350" indent="-514350" fontAlgn="base">
+              <a:buFont typeface="+mj-lt"/>
+              <a:buAutoNum type="arabicPeriod"/>
+            </a:pPr>
+            <a:r>
+              <a:rPr lang="en-US" sz="3200" dirty="0" smtClean="0"/>
+              <a:t>Go </a:t>
+            </a:r>
+            <a:r>
+              <a:rPr lang="en-US" sz="3200" dirty="0"/>
+              <a:t>to the </a:t>
+            </a:r>
+            <a:r>
+              <a:rPr lang="en-US" sz="3200" dirty="0">
+                <a:hlinkClick r:id="rId2"/>
+              </a:rPr>
+              <a:t>R homepage</a:t>
+            </a:r>
+            <a:r>
+              <a:rPr lang="en-US" sz="3200" dirty="0"/>
+              <a:t> and click download </a:t>
+            </a:r>
+            <a:r>
+              <a:rPr lang="en-US" sz="3200" dirty="0" smtClean="0"/>
+              <a:t>R.</a:t>
+            </a:r>
+            <a:endParaRPr lang="en-US" sz="3200" dirty="0"/>
+          </a:p>
+          <a:p>
+            <a:pPr marL="514350" indent="-514350" fontAlgn="base">
+              <a:buFont typeface="+mj-lt"/>
+              <a:buAutoNum type="arabicPeriod"/>
+            </a:pPr>
+            <a:r>
+              <a:rPr lang="en-US" sz="3200" dirty="0" smtClean="0"/>
+              <a:t>Pick </a:t>
+            </a:r>
+            <a:r>
+              <a:rPr lang="en-US" sz="3200" dirty="0"/>
+              <a:t>a mirror that is in Texas or at least in the United </a:t>
+            </a:r>
+            <a:r>
+              <a:rPr lang="en-US" sz="3200" dirty="0" smtClean="0"/>
+              <a:t>States.</a:t>
+            </a:r>
+            <a:endParaRPr lang="en-US" sz="3200" dirty="0"/>
+          </a:p>
+          <a:p>
+            <a:pPr marL="514350" indent="-514350" fontAlgn="base">
+              <a:buFont typeface="+mj-lt"/>
+              <a:buAutoNum type="arabicPeriod"/>
+            </a:pPr>
+            <a:r>
+              <a:rPr lang="en-US" sz="3200" dirty="0" smtClean="0"/>
+              <a:t>Select </a:t>
+            </a:r>
+            <a:r>
+              <a:rPr lang="en-US" sz="3200" dirty="0"/>
+              <a:t>the correct version for your system and follow the prompts.</a:t>
+            </a:r>
+          </a:p>
+          <a:p>
+            <a:pPr fontAlgn="base"/>
+            <a:endParaRPr lang="en-US" sz="3200" b="1" dirty="0" smtClean="0"/>
+          </a:p>
+          <a:p>
+            <a:pPr fontAlgn="base"/>
+            <a:r>
+              <a:rPr lang="en-US" sz="3200" b="1" dirty="0" smtClean="0"/>
+              <a:t>Installing </a:t>
+            </a:r>
+            <a:r>
+              <a:rPr lang="en-US" sz="3200" b="1" dirty="0" err="1" smtClean="0"/>
+              <a:t>Rstudio</a:t>
+            </a:r>
+            <a:endParaRPr lang="en-US" sz="3200" dirty="0"/>
+          </a:p>
+          <a:p>
+            <a:pPr marL="514350" indent="-514350" fontAlgn="base">
+              <a:buFont typeface="+mj-lt"/>
+              <a:buAutoNum type="arabicPeriod"/>
+            </a:pPr>
+            <a:r>
+              <a:rPr lang="en-US" sz="3200" dirty="0" smtClean="0"/>
+              <a:t>Go </a:t>
+            </a:r>
+            <a:r>
+              <a:rPr lang="en-US" sz="3200" dirty="0"/>
+              <a:t>to the </a:t>
+            </a:r>
+            <a:r>
+              <a:rPr lang="en-US" sz="3200" dirty="0">
+                <a:hlinkClick r:id="rId3"/>
+              </a:rPr>
+              <a:t>RStudio homepage</a:t>
+            </a:r>
+            <a:r>
+              <a:rPr lang="en-US" sz="3200" dirty="0"/>
+              <a:t> and click on the download link below the free version of </a:t>
+            </a:r>
+            <a:r>
+              <a:rPr lang="en-US" sz="3200" dirty="0" err="1"/>
+              <a:t>RStudio</a:t>
+            </a:r>
+            <a:r>
+              <a:rPr lang="en-US" sz="3200" dirty="0"/>
+              <a:t> </a:t>
+            </a:r>
+            <a:r>
+              <a:rPr lang="en-US" sz="3200" dirty="0" smtClean="0"/>
+              <a:t>Desktop.</a:t>
+            </a:r>
+            <a:endParaRPr lang="en-US" sz="3200" dirty="0"/>
+          </a:p>
+          <a:p>
+            <a:pPr marL="514350" indent="-514350" fontAlgn="base">
+              <a:buFont typeface="+mj-lt"/>
+              <a:buAutoNum type="arabicPeriod"/>
+            </a:pPr>
+            <a:r>
+              <a:rPr lang="en-US" sz="3200" dirty="0" smtClean="0"/>
+              <a:t>Select </a:t>
+            </a:r>
+            <a:r>
+              <a:rPr lang="en-US" sz="3200" dirty="0"/>
+              <a:t>the correct version for your system and follow the prompts.</a:t>
+            </a:r>
+          </a:p>
+        </p:txBody>
+      </p:sp>
+    </p:spTree>
+    <p:extLst>
+      <p:ext uri="{BB962C8B-B14F-4D97-AF65-F5344CB8AC3E}">
+        <p14:creationId xmlns:p14="http://schemas.microsoft.com/office/powerpoint/2010/main" val="1688892522"/>
+      </p:ext>
+    </p:extLst>
+  </p:cSld>
+  <p:clrMapOvr>
+    <a:masterClrMapping/>
+  </p:clrMapOvr>
+  <p:timing>
+    <p:tnLst>
+      <p:par>
+        <p:cTn id="1" dur="indefinite" restart="never" nodeType="tmRoot"/>
+      </p:par>
+    </p:tnLst>
+  </p:timing>
+</p:sld>
+</file>
+
+<file path=ppt/slides/slide16.xml><?xml version="1.0" encoding="utf-8"?>
+<p:sld xmlns:a="http://schemas.openxmlformats.org/drawingml/2006/main" xmlns:r="http://schemas.openxmlformats.org/officeDocument/2006/relationships" xmlns:p="http://schemas.openxmlformats.org/presentationml/2006/main">
+  <p:cSld>
+    <p:bg>
+      <p:bgPr>
+        <a:solidFill>
+          <a:schemeClr val="bg1">
+            <a:lumMod val="95000"/>
+          </a:schemeClr>
+        </a:solidFill>
+        <a:effectLst/>
+      </p:bgPr>
+    </p:bg>
+    <p:spTree>
+      <p:nvGrpSpPr>
+        <p:cNvPr id="1" name=""/>
+        <p:cNvGrpSpPr/>
+        <p:nvPr/>
+      </p:nvGrpSpPr>
+      <p:grpSpPr>
+        <a:xfrm>
+          <a:off x="0" y="0"/>
+          <a:ext cx="0" cy="0"/>
+          <a:chOff x="0" y="0"/>
+          <a:chExt cx="0" cy="0"/>
+        </a:xfrm>
+      </p:grpSpPr>
+      <p:sp>
+        <p:nvSpPr>
+          <p:cNvPr id="2" name="Title 1"/>
+          <p:cNvSpPr>
+            <a:spLocks noGrp="1"/>
+          </p:cNvSpPr>
+          <p:nvPr>
+            <p:ph type="title"/>
+          </p:nvPr>
+        </p:nvSpPr>
+        <p:spPr>
+          <a:xfrm>
+            <a:off x="0" y="0"/>
+            <a:ext cx="12192000" cy="935915"/>
+          </a:xfrm>
+          <a:solidFill>
+            <a:schemeClr val="tx1"/>
+          </a:solidFill>
+        </p:spPr>
+        <p:txBody>
+          <a:bodyPr>
+            <a:normAutofit/>
+          </a:bodyPr>
+          <a:lstStyle/>
+          <a:p>
+            <a:pPr algn="ctr"/>
+            <a:r>
+              <a:rPr lang="en-US" b="1" smtClean="0">
+                <a:solidFill>
+                  <a:schemeClr val="bg1"/>
+                </a:solidFill>
+              </a:rPr>
+              <a:t>For Thursday</a:t>
+            </a:r>
+            <a:endParaRPr lang="en-US" b="1" dirty="0">
+              <a:solidFill>
+                <a:schemeClr val="bg1"/>
+              </a:solidFill>
+            </a:endParaRPr>
+          </a:p>
+        </p:txBody>
+      </p:sp>
+      <p:sp>
+        <p:nvSpPr>
+          <p:cNvPr id="6" name="Rectangle 5"/>
+          <p:cNvSpPr/>
+          <p:nvPr/>
+        </p:nvSpPr>
+        <p:spPr>
+          <a:xfrm>
+            <a:off x="242170" y="1086291"/>
+            <a:ext cx="11519770" cy="5016758"/>
+          </a:xfrm>
+          <a:prstGeom prst="rect">
+            <a:avLst/>
+          </a:prstGeom>
+        </p:spPr>
+        <p:txBody>
+          <a:bodyPr wrap="square">
+            <a:spAutoFit/>
+          </a:bodyPr>
+          <a:lstStyle/>
+          <a:p>
+            <a:pPr marL="514350" indent="-514350" fontAlgn="base">
+              <a:buFont typeface="+mj-lt"/>
+              <a:buAutoNum type="arabicPeriod"/>
+            </a:pPr>
+            <a:r>
+              <a:rPr lang="en-US" sz="3200" dirty="0"/>
+              <a:t>Read chapters 1 and 2 of </a:t>
+            </a:r>
+            <a:r>
+              <a:rPr lang="en-US" sz="3200" dirty="0" smtClean="0"/>
+              <a:t>WS</a:t>
+            </a:r>
+            <a:endParaRPr lang="en-US" sz="3200" dirty="0"/>
+          </a:p>
+          <a:p>
+            <a:pPr marL="514350" indent="-514350" fontAlgn="base">
+              <a:buFont typeface="+mj-lt"/>
+              <a:buAutoNum type="arabicPeriod"/>
+            </a:pPr>
+            <a:r>
+              <a:rPr lang="en-US" sz="3200" dirty="0" smtClean="0"/>
+              <a:t>Install </a:t>
+            </a:r>
+            <a:r>
+              <a:rPr lang="en-US" sz="3200" dirty="0"/>
+              <a:t>R and </a:t>
+            </a:r>
+            <a:r>
+              <a:rPr lang="en-US" sz="3200" dirty="0" err="1"/>
+              <a:t>Rstudio</a:t>
+            </a:r>
+            <a:r>
+              <a:rPr lang="en-US" sz="3200" dirty="0"/>
+              <a:t> on a </a:t>
+            </a:r>
+            <a:r>
+              <a:rPr lang="en-US" sz="3200" dirty="0" smtClean="0"/>
+              <a:t>laptop</a:t>
+            </a:r>
+            <a:endParaRPr lang="en-US" sz="3200" dirty="0"/>
+          </a:p>
+          <a:p>
+            <a:pPr marL="514350" indent="-514350" fontAlgn="base">
+              <a:buFont typeface="+mj-lt"/>
+              <a:buAutoNum type="arabicPeriod"/>
+            </a:pPr>
+            <a:r>
+              <a:rPr lang="en-US" sz="3200" dirty="0" smtClean="0"/>
+              <a:t>Come </a:t>
+            </a:r>
+            <a:r>
+              <a:rPr lang="en-US" sz="3200" dirty="0"/>
+              <a:t>and see me </a:t>
+            </a:r>
+            <a:r>
+              <a:rPr lang="en-US" sz="3200" b="1" dirty="0">
+                <a:solidFill>
+                  <a:srgbClr val="C00000"/>
+                </a:solidFill>
+              </a:rPr>
+              <a:t>BEFORE</a:t>
+            </a:r>
+            <a:r>
+              <a:rPr lang="en-US" sz="3200" dirty="0"/>
+              <a:t> class on Thursday if you run into problems</a:t>
+            </a:r>
+            <a:br>
+              <a:rPr lang="en-US" sz="3200" dirty="0"/>
+            </a:br>
+            <a:endParaRPr lang="en-US" sz="3200" dirty="0"/>
+          </a:p>
+          <a:p>
+            <a:pPr fontAlgn="base"/>
+            <a:r>
+              <a:rPr lang="en-US" sz="3200" b="1" dirty="0">
+                <a:solidFill>
+                  <a:srgbClr val="C00000"/>
+                </a:solidFill>
+              </a:rPr>
+              <a:t>Bring laptop to class</a:t>
+            </a:r>
+            <a:r>
+              <a:rPr lang="en-US" sz="3200" b="1" dirty="0" smtClean="0">
+                <a:solidFill>
+                  <a:srgbClr val="C00000"/>
+                </a:solidFill>
+              </a:rPr>
+              <a:t>!</a:t>
+            </a:r>
+          </a:p>
+          <a:p>
+            <a:pPr fontAlgn="base"/>
+            <a:endParaRPr lang="en-US" sz="3200" b="1" dirty="0" smtClean="0">
+              <a:solidFill>
+                <a:srgbClr val="C00000"/>
+              </a:solidFill>
+            </a:endParaRPr>
+          </a:p>
+          <a:p>
+            <a:pPr fontAlgn="base"/>
+            <a:r>
+              <a:rPr lang="en-US" sz="3200" dirty="0"/>
+              <a:t>Heath Blackmon</a:t>
+            </a:r>
+            <a:br>
+              <a:rPr lang="en-US" sz="3200" dirty="0"/>
+            </a:br>
+            <a:r>
+              <a:rPr lang="en-US" sz="3200" dirty="0"/>
+              <a:t>BSBW 309A</a:t>
+            </a:r>
+            <a:br>
+              <a:rPr lang="en-US" sz="3200" dirty="0"/>
+            </a:br>
+            <a:r>
+              <a:rPr lang="en-US" sz="3200" dirty="0">
+                <a:hlinkClick r:id="rId2"/>
+              </a:rPr>
+              <a:t>coleoguy@gmail.com</a:t>
+            </a:r>
+            <a:endParaRPr lang="en-US" sz="3200" dirty="0">
+              <a:solidFill>
+                <a:srgbClr val="C00000"/>
+              </a:solidFill>
+            </a:endParaRPr>
+          </a:p>
+        </p:txBody>
+      </p:sp>
+    </p:spTree>
+    <p:extLst>
+      <p:ext uri="{BB962C8B-B14F-4D97-AF65-F5344CB8AC3E}">
+        <p14:creationId xmlns:p14="http://schemas.microsoft.com/office/powerpoint/2010/main" val="1896396183"/>
+      </p:ext>
+    </p:extLst>
+  </p:cSld>
+  <p:clrMapOvr>
+    <a:masterClrMapping/>
+  </p:clrMapOvr>
+  <p:timing>
+    <p:tnLst>
+      <p:par>
+        <p:cTn id="1" dur="indefinite" restart="never" nodeType="tmRoot"/>
+      </p:par>
+    </p:tnLst>
+  </p:timing>
+</p:sld>
+</file>
+
+<file path=ppt/slides/slide2.xml><?xml version="1.0" encoding="utf-8"?>
+<p:sld xmlns:a="http://schemas.openxmlformats.org/drawingml/2006/main" xmlns:r="http://schemas.openxmlformats.org/officeDocument/2006/relationships" xmlns:p="http://schemas.openxmlformats.org/presentationml/2006/main">
+  <p:cSld>
+    <p:bg>
+      <p:bgPr>
+        <a:solidFill>
+          <a:schemeClr val="bg1">
+            <a:lumMod val="95000"/>
+          </a:schemeClr>
+        </a:solidFill>
+        <a:effectLst/>
+      </p:bgPr>
+    </p:bg>
+    <p:spTree>
+      <p:nvGrpSpPr>
+        <p:cNvPr id="1" name=""/>
+        <p:cNvGrpSpPr/>
+        <p:nvPr/>
+      </p:nvGrpSpPr>
+      <p:grpSpPr>
+        <a:xfrm>
+          <a:off x="0" y="0"/>
+          <a:ext cx="0" cy="0"/>
+          <a:chOff x="0" y="0"/>
+          <a:chExt cx="0" cy="0"/>
+        </a:xfrm>
+      </p:grpSpPr>
+      <p:sp>
+        <p:nvSpPr>
+          <p:cNvPr id="2" name="Title 1"/>
+          <p:cNvSpPr>
+            <a:spLocks noGrp="1"/>
+          </p:cNvSpPr>
+          <p:nvPr>
+            <p:ph type="title"/>
+          </p:nvPr>
+        </p:nvSpPr>
+        <p:spPr>
+          <a:xfrm>
+            <a:off x="0" y="0"/>
+            <a:ext cx="12192000" cy="935915"/>
+          </a:xfrm>
+          <a:solidFill>
+            <a:schemeClr val="tx1"/>
+          </a:solidFill>
+        </p:spPr>
+        <p:txBody>
+          <a:bodyPr/>
+          <a:lstStyle/>
+          <a:p>
+            <a:pPr algn="ctr"/>
+            <a:r>
+              <a:rPr lang="en-US" b="1" dirty="0" smtClean="0">
+                <a:solidFill>
+                  <a:schemeClr val="bg1"/>
+                </a:solidFill>
+              </a:rPr>
+              <a:t>Today</a:t>
+            </a:r>
+            <a:endParaRPr lang="en-US" b="1" dirty="0">
+              <a:solidFill>
+                <a:schemeClr val="bg1"/>
+              </a:solidFill>
+            </a:endParaRPr>
+          </a:p>
+        </p:txBody>
+      </p:sp>
+      <p:sp>
+        <p:nvSpPr>
+          <p:cNvPr id="4" name="Rectangle 3"/>
+          <p:cNvSpPr/>
+          <p:nvPr/>
+        </p:nvSpPr>
+        <p:spPr>
+          <a:xfrm>
+            <a:off x="204396" y="1787531"/>
+            <a:ext cx="11801138" cy="4278094"/>
+          </a:xfrm>
+          <a:prstGeom prst="rect">
+            <a:avLst/>
+          </a:prstGeom>
+        </p:spPr>
+        <p:txBody>
+          <a:bodyPr wrap="square">
+            <a:spAutoFit/>
+          </a:bodyPr>
+          <a:lstStyle/>
+          <a:p>
+            <a:pPr marL="571500" indent="-571500" fontAlgn="base">
+              <a:buFont typeface="Arial" charset="0"/>
+              <a:buChar char="•"/>
+            </a:pPr>
+            <a:r>
+              <a:rPr lang="en-US" sz="4000" dirty="0" smtClean="0"/>
+              <a:t>Introductions</a:t>
+            </a:r>
+          </a:p>
+          <a:p>
+            <a:pPr marL="1200150" lvl="1" indent="-742950" fontAlgn="base">
+              <a:buFont typeface="+mj-lt"/>
+              <a:buAutoNum type="arabicPeriod"/>
+            </a:pPr>
+            <a:r>
+              <a:rPr lang="en-US" sz="2400" dirty="0" smtClean="0"/>
+              <a:t>Name</a:t>
+            </a:r>
+          </a:p>
+          <a:p>
+            <a:pPr marL="1200150" lvl="1" indent="-742950" fontAlgn="base">
+              <a:buFont typeface="+mj-lt"/>
+              <a:buAutoNum type="arabicPeriod"/>
+            </a:pPr>
+            <a:r>
+              <a:rPr lang="en-US" sz="2400" dirty="0" smtClean="0"/>
+              <a:t>Lab</a:t>
+            </a:r>
+          </a:p>
+          <a:p>
+            <a:pPr marL="1200150" lvl="1" indent="-742950" fontAlgn="base">
+              <a:buFont typeface="+mj-lt"/>
+              <a:buAutoNum type="arabicPeriod"/>
+            </a:pPr>
+            <a:r>
+              <a:rPr lang="en-US" sz="2400" dirty="0" smtClean="0"/>
+              <a:t>Data</a:t>
+            </a:r>
+            <a:endParaRPr lang="en-US" sz="2400" dirty="0"/>
+          </a:p>
+          <a:p>
+            <a:pPr marL="571500" indent="-571500" fontAlgn="base">
+              <a:buFont typeface="Arial" charset="0"/>
+              <a:buChar char="•"/>
+            </a:pPr>
+            <a:r>
+              <a:rPr lang="en-US" sz="4000" dirty="0" smtClean="0">
+                <a:hlinkClick r:id="rId2"/>
+              </a:rPr>
+              <a:t>Syllabus</a:t>
+            </a:r>
+            <a:r>
+              <a:rPr lang="en-US" sz="4000" dirty="0" smtClean="0"/>
+              <a:t> / </a:t>
+            </a:r>
+            <a:r>
+              <a:rPr lang="en-US" sz="4000" dirty="0" smtClean="0">
+                <a:hlinkClick r:id="rId3"/>
+              </a:rPr>
+              <a:t>website</a:t>
+            </a:r>
+            <a:endParaRPr lang="en-US" sz="4000" dirty="0" smtClean="0"/>
+          </a:p>
+          <a:p>
+            <a:pPr marL="571500" indent="-571500" fontAlgn="base">
+              <a:buFont typeface="Arial" charset="0"/>
+              <a:buChar char="•"/>
+            </a:pPr>
+            <a:r>
+              <a:rPr lang="en-US" sz="4000" dirty="0" smtClean="0"/>
+              <a:t>Big </a:t>
+            </a:r>
+            <a:r>
+              <a:rPr lang="en-US" sz="4000" dirty="0"/>
+              <a:t>problems in </a:t>
+            </a:r>
+            <a:r>
+              <a:rPr lang="en-US" sz="4000" dirty="0" smtClean="0"/>
+              <a:t>stats</a:t>
+            </a:r>
+          </a:p>
+          <a:p>
+            <a:pPr marL="571500" indent="-571500" fontAlgn="base">
+              <a:buFont typeface="Arial" charset="0"/>
+              <a:buChar char="•"/>
+            </a:pPr>
+            <a:r>
+              <a:rPr lang="en-US" sz="4000" dirty="0" smtClean="0"/>
+              <a:t>Why </a:t>
+            </a:r>
+            <a:r>
+              <a:rPr lang="en-US" sz="4000" dirty="0"/>
+              <a:t>you need this </a:t>
+            </a:r>
+            <a:r>
+              <a:rPr lang="en-US" sz="4000" dirty="0" smtClean="0"/>
+              <a:t>class</a:t>
+            </a:r>
+          </a:p>
+          <a:p>
+            <a:pPr marL="571500" indent="-571500" fontAlgn="base">
+              <a:buFont typeface="Arial" charset="0"/>
+              <a:buChar char="•"/>
+            </a:pPr>
+            <a:r>
+              <a:rPr lang="en-US" sz="4000" dirty="0" smtClean="0"/>
+              <a:t>Prep </a:t>
+            </a:r>
+            <a:r>
+              <a:rPr lang="en-US" sz="4000" dirty="0"/>
+              <a:t>for Thursday</a:t>
+            </a:r>
+          </a:p>
+        </p:txBody>
+      </p:sp>
+    </p:spTree>
+    <p:extLst>
+      <p:ext uri="{BB962C8B-B14F-4D97-AF65-F5344CB8AC3E}">
+        <p14:creationId xmlns:p14="http://schemas.microsoft.com/office/powerpoint/2010/main" val="617954734"/>
+      </p:ext>
+    </p:extLst>
+  </p:cSld>
+  <p:clrMapOvr>
+    <a:masterClrMapping/>
+  </p:clrMapOvr>
+  <p:timing>
+    <p:tnLst>
+      <p:par>
+        <p:cTn id="1" dur="indefinite" restart="never" nodeType="tmRoot">
+          <p:childTnLst>
+            <p:seq concurrent="1" nextAc="seek">
+              <p:cTn id="2" dur="indefinite" nodeType="mainSeq">
+                <p:childTnLst>
+                  <p:par>
+                    <p:cTn id="3" fill="hold">
+                      <p:stCondLst>
+                        <p:cond delay="indefinite"/>
+                      </p:stCondLst>
+                      <p:childTnLst>
+                        <p:par>
+                          <p:cTn id="4" fill="hold">
+                            <p:stCondLst>
+                              <p:cond delay="0"/>
+                            </p:stCondLst>
+                            <p:childTnLst>
+                              <p:par>
+                                <p:cTn id="5" presetID="1" presetClass="entr" presetSubtype="0" fill="hold" nodeType="clickEffect">
+                                  <p:stCondLst>
+                                    <p:cond delay="0"/>
+                                  </p:stCondLst>
+                                  <p:childTnLst>
+                                    <p:set>
+                                      <p:cBhvr>
+                                        <p:cTn id="6" dur="1" fill="hold">
+                                          <p:stCondLst>
+                                            <p:cond delay="0"/>
+                                          </p:stCondLst>
+                                        </p:cTn>
+                                        <p:tgtEl>
+                                          <p:spTgt spid="4">
+                                            <p:txEl>
+                                              <p:pRg st="4" end="4"/>
+                                            </p:txEl>
+                                          </p:spTgt>
+                                        </p:tgtEl>
+                                        <p:attrNameLst>
+                                          <p:attrName>style.visibility</p:attrName>
+                                        </p:attrNameLst>
+                                      </p:cBhvr>
+                                      <p:to>
+                                        <p:strVal val="visible"/>
+                                      </p:to>
+                                    </p:set>
+                                  </p:childTnLst>
+                                </p:cTn>
+                              </p:par>
+                            </p:childTnLst>
+                          </p:cTn>
+                        </p:par>
+                      </p:childTnLst>
+                    </p:cTn>
+                  </p:par>
+                  <p:par>
+                    <p:cTn id="7" fill="hold">
+                      <p:stCondLst>
+                        <p:cond delay="indefinite"/>
+                      </p:stCondLst>
+                      <p:childTnLst>
+                        <p:par>
+                          <p:cTn id="8" fill="hold">
+                            <p:stCondLst>
+                              <p:cond delay="0"/>
+                            </p:stCondLst>
+                            <p:childTnLst>
+                              <p:par>
+                                <p:cTn id="9" presetID="1" presetClass="entr" presetSubtype="0" fill="hold" nodeType="clickEffect">
+                                  <p:stCondLst>
+                                    <p:cond delay="0"/>
+                                  </p:stCondLst>
+                                  <p:childTnLst>
+                                    <p:set>
+                                      <p:cBhvr>
+                                        <p:cTn id="10" dur="1" fill="hold">
+                                          <p:stCondLst>
+                                            <p:cond delay="0"/>
+                                          </p:stCondLst>
+                                        </p:cTn>
+                                        <p:tgtEl>
+                                          <p:spTgt spid="4">
+                                            <p:txEl>
                                               <p:pRg st="5" end="5"/>
+                                            </p:txEl>
+                                          </p:spTgt>
+                                        </p:tgtEl>
+                                        <p:attrNameLst>
+                                          <p:attrName>style.visibility</p:attrName>
+                                        </p:attrNameLst>
+                                      </p:cBhvr>
+                                      <p:to>
+                                        <p:strVal val="visible"/>
+                                      </p:to>
+                                    </p:set>
+                                  </p:childTnLst>
+                                </p:cTn>
+                              </p:par>
+                            </p:childTnLst>
+                          </p:cTn>
+                        </p:par>
+                      </p:childTnLst>
+                    </p:cTn>
+                  </p:par>
+                  <p:par>
+                    <p:cTn id="11" fill="hold">
+                      <p:stCondLst>
+                        <p:cond delay="indefinite"/>
+                      </p:stCondLst>
+                      <p:childTnLst>
+                        <p:par>
+                          <p:cTn id="12" fill="hold">
+                            <p:stCondLst>
+                              <p:cond delay="0"/>
+                            </p:stCondLst>
+                            <p:childTnLst>
+                              <p:par>
+                                <p:cTn id="13" presetID="1" presetClass="entr" presetSubtype="0" fill="hold" nodeType="clickEffect">
+                                  <p:stCondLst>
+                                    <p:cond delay="0"/>
+                                  </p:stCondLst>
+                                  <p:childTnLst>
+                                    <p:set>
+                                      <p:cBhvr>
+                                        <p:cTn id="14" dur="1" fill="hold">
+                                          <p:stCondLst>
+                                            <p:cond delay="0"/>
+                                          </p:stCondLst>
+                                        </p:cTn>
+                                        <p:tgtEl>
+                                          <p:spTgt spid="4">
+                                            <p:txEl>
+                                              <p:pRg st="6" end="6"/>
+                                            </p:txEl>
+                                          </p:spTgt>
+                                        </p:tgtEl>
+                                        <p:attrNameLst>
+                                          <p:attrName>style.visibility</p:attrName>
+                                        </p:attrNameLst>
+                                      </p:cBhvr>
+                                      <p:to>
+                                        <p:strVal val="visible"/>
+                                      </p:to>
+                                    </p:set>
+                                  </p:childTnLst>
+                                </p:cTn>
+                              </p:par>
+                            </p:childTnLst>
+                          </p:cTn>
+                        </p:par>
+                      </p:childTnLst>
+                    </p:cTn>
+                  </p:par>
+                  <p:par>
+                    <p:cTn id="15" fill="hold">
+                      <p:stCondLst>
+                        <p:cond delay="indefinite"/>
+                      </p:stCondLst>
+                      <p:childTnLst>
+                        <p:par>
+                          <p:cTn id="16" fill="hold">
+                            <p:stCondLst>
+                              <p:cond delay="0"/>
+                            </p:stCondLst>
+                            <p:childTnLst>
+                              <p:par>
+                                <p:cTn id="17" presetID="1" presetClass="entr" presetSubtype="0" fill="hold" nodeType="clickEffect">
+                                  <p:stCondLst>
+                                    <p:cond delay="0"/>
+                                  </p:stCondLst>
+                                  <p:childTnLst>
+                                    <p:set>
+                                      <p:cBhvr>
+                                        <p:cTn id="18" dur="1" fill="hold">
+                                          <p:stCondLst>
+                                            <p:cond delay="0"/>
+                                          </p:stCondLst>
+                                        </p:cTn>
+                                        <p:tgtEl>
+                                          <p:spTgt spid="4">
+                                            <p:txEl>
+                                              <p:pRg st="7" end="7"/>
                                             </p:txEl>
                                           </p:spTgt>
                                         </p:tgtEl>
@@ -5159,8 +5749,8 @@
         </p:nvSpPr>
         <p:spPr>
           <a:xfrm>
-            <a:off x="145326" y="1073548"/>
-            <a:ext cx="7746070" cy="4247317"/>
+            <a:off x="145325" y="1073548"/>
+            <a:ext cx="11903239" cy="3662541"/>
           </a:xfrm>
           <a:prstGeom prst="rect">
             <a:avLst/>
@@ -5190,34 +5780,48 @@
               <a:buFont typeface="Arial" charset="0"/>
               <a:buChar char="•"/>
             </a:pPr>
-            <a:endParaRPr lang="en-US" sz="1400" dirty="0"/>
+            <a:endParaRPr lang="en-US" sz="1400" dirty="0" smtClean="0"/>
           </a:p>
           <a:p>
             <a:pPr marL="571500" indent="-571500" fontAlgn="base">
               <a:buFont typeface="Arial" charset="0"/>
               <a:buChar char="•"/>
             </a:pPr>
-            <a:r>
-              <a:rPr lang="en-US" sz="3600" i="1" dirty="0"/>
-              <a:t>There are three kinds of lies: lies, damned lies, and </a:t>
-            </a:r>
-            <a:r>
-              <a:rPr lang="en-US" sz="3600" i="1" dirty="0" smtClean="0"/>
-              <a:t>statistics</a:t>
-            </a:r>
+            <a:endParaRPr lang="en-US" sz="1400" dirty="0"/>
           </a:p>
           <a:p>
             <a:pPr marL="571500" indent="-571500" fontAlgn="base">
               <a:buFont typeface="Arial" charset="0"/>
               <a:buChar char="•"/>
             </a:pPr>
-            <a:endParaRPr lang="en-US" sz="1600" dirty="0"/>
+            <a:r>
+              <a:rPr lang="en-US" sz="3600" i="1" dirty="0"/>
+              <a:t>There are three kinds of lies: lies, damned lies, and </a:t>
+            </a:r>
+            <a:r>
+              <a:rPr lang="en-US" sz="3600" i="1" dirty="0" smtClean="0"/>
+              <a:t>statistics</a:t>
+            </a:r>
           </a:p>
           <a:p>
             <a:pPr marL="571500" indent="-571500" fontAlgn="base">
               <a:buFont typeface="Arial" charset="0"/>
               <a:buChar char="•"/>
             </a:pPr>
+            <a:endParaRPr lang="en-US" sz="1600" dirty="0" smtClean="0"/>
+          </a:p>
+          <a:p>
+            <a:pPr marL="571500" indent="-571500" fontAlgn="base">
+              <a:buFont typeface="Arial" charset="0"/>
+              <a:buChar char="•"/>
+            </a:pPr>
+            <a:endParaRPr lang="en-US" sz="1600" dirty="0"/>
+          </a:p>
+          <a:p>
+            <a:pPr marL="571500" indent="-571500" fontAlgn="base">
+              <a:buFont typeface="Arial" charset="0"/>
+              <a:buChar char="•"/>
+            </a:pPr>
             <a:r>
               <a:rPr lang="en-US" sz="3600" i="1" dirty="0"/>
               <a:t>You can make statistics say </a:t>
@@ -5226,6 +5830,13 @@
               <a:rPr lang="en-US" sz="3600" i="1" dirty="0" smtClean="0"/>
               <a:t>anything</a:t>
             </a:r>
+          </a:p>
+          <a:p>
+            <a:pPr marL="571500" indent="-571500" fontAlgn="base">
+              <a:buFont typeface="Arial" charset="0"/>
+              <a:buChar char="•"/>
+            </a:pPr>
+            <a:endParaRPr lang="en-US" sz="1400" dirty="0" smtClean="0"/>
           </a:p>
           <a:p>
             <a:pPr marL="571500" indent="-571500" fontAlgn="base">
@@ -5675,7 +6286,11 @@
                                           </p:stCondLst>
                                         </p:cTn>
                                         <p:tgtEl>
-                                          <p:spTgt spid="3"/>
+                                          <p:spTgt spid="4">
+                                            <p:txEl>
+                                              <p:pRg st="0" end="0"/>
+                                            </p:txEl>
+                                          </p:spTgt>
                                         </p:tgtEl>
                                         <p:attrNameLst>
                                           <p:attrName>style.visibility</p:attrName>
@@ -5720,6 +6335,33 @@
                                           </p:stCondLst>
                                         </p:cTn>
                                         <p:tgtEl>
+                                          <p:spTgt spid="3"/>
+                                        </p:tgtEl>
+                                        <p:attrNameLst>
+                                          <p:attrName>style.visibility</p:attrName>
+                                        </p:attrNameLst>
+                                      </p:cBhvr>
+                                      <p:to>
+                                        <p:strVal val="visible"/>
+                                      </p:to>
+                                    </p:set>
+                                  </p:childTnLst>
+                                </p:cTn>
+                              </p:par>
+                              <p:par>
+                                <p:cTn id="11" presetID="1" presetClass="entr" presetSubtype="0" fill="hold" nodeType="withEffect">
+                                  <p:stCondLst>
+                                    <p:cond delay="0"/>
+                                  </p:stCondLst>
+                                  <p:childTnLst>
+                                    <p:set>
+                                      <p:cBhvr>
+                                        <p:cTn id="12" dur="1" fill="hold">
+                                          <p:stCondLst>
+                                            <p:cond delay="0"/>
+                                          </p:stCondLst>
+                                        </p:cTn>
+                                        <p:tgtEl>
                                           <p:spTgt spid="4">
                                             <p:txEl>
                                               <p:pRg st="2" end="2"/>
@@ -5744,26 +6386,26 @@
                     </p:cTn>
                   </p:par>
                   <p:par>
-                    <p:cTn id="11" fill="hold">
+                    <p:cTn id="13" fill="hold">
                       <p:stCondLst>
                         <p:cond delay="indefinite"/>
                       </p:stCondLst>
                       <p:childTnLst>
                         <p:par>
-                          <p:cTn id="12" fill="hold">
+                          <p:cTn id="14" fill="hold">
                             <p:stCondLst>
                               <p:cond delay="0"/>
                             </p:stCondLst>
                             <p:childTnLst>
                               <p:par>
-                                <p:cTn id="13" presetID="1" presetClass="entr" presetSubtype="0" fill="hold" nodeType="clickEffect">
+                                <p:cTn id="15" presetID="1" presetClass="entr" presetSubtype="0" fill="hold" nodeType="clickEffect">
                                   <p:stCondLst>
                                     <p:cond delay="0"/>
                                   </p:stCondLst>
                                   <p:childTnLst>
                                     <p:set>
                                       <p:cBhvr>
-                                        <p:cTn id="14" dur="1" fill="hold">
+                                        <p:cTn id="16" dur="1" fill="hold">
                                           <p:stCondLst>
                                             <p:cond delay="0"/>
                                           </p:stCondLst>
@@ -5793,26 +6435,26 @@
                     </p:cTn>
                   </p:par>
                   <p:par>
-                    <p:cTn id="15" fill="hold">
+                    <p:cTn id="17" fill="hold">
                       <p:stCondLst>
                         <p:cond delay="indefinite"/>
                       </p:stCondLst>
                       <p:childTnLst>
                         <p:par>
-                          <p:cTn id="16" fill="hold">
+                          <p:cTn id="18" fill="hold">
                             <p:stCondLst>
                               <p:cond delay="0"/>
                             </p:stCondLst>
                             <p:childTnLst>
                               <p:par>
-                                <p:cTn id="17" presetID="1" presetClass="entr" presetSubtype="0" fill="hold" nodeType="clickEffect">
+                                <p:cTn id="19" presetID="1" presetClass="entr" presetSubtype="0" fill="hold" nodeType="clickEffect">
                                   <p:stCondLst>
                                     <p:cond delay="0"/>
                                   </p:stCondLst>
                                   <p:childTnLst>
                                     <p:set>
                                       <p:cBhvr>
-                                        <p:cTn id="18" dur="1" fill="hold">
+                                        <p:cTn id="20" dur="1" fill="hold">
                                           <p:stCondLst>
                                             <p:cond delay="0"/>
                                           </p:stCondLst>
@@ -5842,26 +6484,26 @@
                     </p:cTn>
                   </p:par>
                   <p:par>
-                    <p:cTn id="19" fill="hold">
+                    <p:cTn id="21" fill="hold">
                       <p:stCondLst>
                         <p:cond delay="indefinite"/>
                       </p:stCondLst>
                       <p:childTnLst>
                         <p:par>
-                          <p:cTn id="20" fill="hold">
+                          <p:cTn id="22" fill="hold">
                             <p:stCondLst>
                               <p:cond delay="0"/>
                             </p:stCondLst>
                             <p:childTnLst>
                               <p:par>
-                                <p:cTn id="21" presetID="1" presetClass="entr" presetSubtype="0" fill="hold" nodeType="clickEffect">
+                                <p:cTn id="23" presetID="1" presetClass="entr" presetSubtype="0" fill="hold" nodeType="clickEffect">
                                   <p:stCondLst>
                                     <p:cond delay="0"/>
                                   </p:stCondLst>
                                   <p:childTnLst>
                                     <p:set>
                                       <p:cBhvr>
-                                        <p:cTn id="22" dur="1" fill="hold">
+                                        <p:cTn id="24" dur="1" fill="hold">
                                           <p:stCondLst>
                                             <p:cond delay="0"/>
                                           </p:stCondLst>
@@ -5891,26 +6533,26 @@
                     </p:cTn>
                   </p:par>
                   <p:par>
-                    <p:cTn id="23" fill="hold">
+                    <p:cTn id="25" fill="hold">
                       <p:stCondLst>
                         <p:cond delay="indefinite"/>
                       </p:stCondLst>
                       <p:childTnLst>
                         <p:par>
-                          <p:cTn id="24" fill="hold">
+                          <p:cTn id="26" fill="hold">
                             <p:stCondLst>
                               <p:cond delay="0"/>
                             </p:stCondLst>
                             <p:childTnLst>
                               <p:par>
-                                <p:cTn id="25" presetID="1" presetClass="entr" presetSubtype="0" fill="hold" nodeType="clickEffect">
+                                <p:cTn id="27" presetID="1" presetClass="entr" presetSubtype="0" fill="hold" nodeType="clickEffect">
                                   <p:stCondLst>
                                     <p:cond delay="0"/>
                                   </p:stCondLst>
                                   <p:childTnLst>
                                     <p:set>
                                       <p:cBhvr>
-                                        <p:cTn id="26" dur="1" fill="hold">
+                                        <p:cTn id="28" dur="1" fill="hold">
                                           <p:stCondLst>
                                             <p:cond delay="0"/>
                                           </p:stCondLst>
@@ -6511,8 +7153,13 @@
             <a:pPr algn="ctr"/>
             <a:r>
               <a:rPr lang="en-US" dirty="0"/>
-              <a:t>F. GALSTON</a:t>
-            </a:r>
+              <a:t>F. </a:t>
+            </a:r>
+            <a:r>
+              <a:rPr lang="en-US" dirty="0" smtClean="0"/>
+              <a:t>GALTON</a:t>
+            </a:r>
+            <a:endParaRPr lang="en-US" dirty="0"/>
           </a:p>
           <a:p>
             <a:pPr algn="ctr"/>
@@ -7213,7 +7860,226 @@
   <p:timing>
     <p:tnLst>
       <p:par>
-        <p:cTn id="1" dur="indefinite" restart="never" nodeType="tmRoot"/>
+        <p:cTn id="1" dur="indefinite" restart="never" nodeType="tmRoot">
+          <p:childTnLst>
+            <p:seq concurrent="1" nextAc="seek">
+              <p:cTn id="2" dur="indefinite" nodeType="mainSeq">
+                <p:childTnLst>
+                  <p:par>
+                    <p:cTn id="3" fill="hold">
+                      <p:stCondLst>
+                        <p:cond delay="indefinite"/>
+                      </p:stCondLst>
+                      <p:childTnLst>
+                        <p:par>
+                          <p:cTn id="4" fill="hold">
+                            <p:stCondLst>
+                              <p:cond delay="0"/>
+                            </p:stCondLst>
+                            <p:childTnLst>
+                              <p:par>
+                                <p:cTn id="5" presetID="1" presetClass="entr" presetSubtype="0" fill="hold" nodeType="clickEffect">
+                                  <p:stCondLst>
+                                    <p:cond delay="0"/>
+                                  </p:stCondLst>
+                                  <p:childTnLst>
+                                    <p:set>
+                                      <p:cBhvr>
+                                        <p:cTn id="6" dur="1" fill="hold">
+                                          <p:stCondLst>
+                                            <p:cond delay="0"/>
+                                          </p:stCondLst>
+                                        </p:cTn>
+                                        <p:tgtEl>
+                                          <p:spTgt spid="4">
+                                            <p:txEl>
+                                              <p:pRg st="3" end="3"/>
+                                            </p:txEl>
+                                          </p:spTgt>
+                                        </p:tgtEl>
+                                        <p:attrNameLst>
+                                          <p:attrName>style.visibility</p:attrName>
+                                        </p:attrNameLst>
+                                      </p:cBhvr>
+                                      <p:to>
+                                        <p:strVal val="visible"/>
+                                      </p:to>
+                                    </p:set>
+                                  </p:childTnLst>
+                                </p:cTn>
+                              </p:par>
+                            </p:childTnLst>
+                          </p:cTn>
+                        </p:par>
+                      </p:childTnLst>
+                    </p:cTn>
+                  </p:par>
+                  <p:par>
+                    <p:cTn id="7" fill="hold">
+                      <p:stCondLst>
+                        <p:cond delay="indefinite"/>
+                      </p:stCondLst>
+                      <p:childTnLst>
+                        <p:par>
+                          <p:cTn id="8" fill="hold">
+                            <p:stCondLst>
+                              <p:cond delay="0"/>
+                            </p:stCondLst>
+                            <p:childTnLst>
+                              <p:par>
+                                <p:cTn id="9" presetID="1" presetClass="entr" presetSubtype="0" fill="hold" nodeType="clickEffect">
+                                  <p:stCondLst>
+                                    <p:cond delay="0"/>
+                                  </p:stCondLst>
+                                  <p:childTnLst>
+                                    <p:set>
+                                      <p:cBhvr>
+                                        <p:cTn id="10" dur="1" fill="hold">
+                                          <p:stCondLst>
+                                            <p:cond delay="0"/>
+                                          </p:stCondLst>
+                                        </p:cTn>
+                                        <p:tgtEl>
+                                          <p:spTgt spid="4">
+                                            <p:txEl>
+                                              <p:pRg st="4" end="4"/>
+                                            </p:txEl>
+                                          </p:spTgt>
+                                        </p:tgtEl>
+                                        <p:attrNameLst>
+                                          <p:attrName>style.visibility</p:attrName>
+                                        </p:attrNameLst>
+                                      </p:cBhvr>
+                                      <p:to>
+                                        <p:strVal val="visible"/>
+                                      </p:to>
+                                    </p:set>
+                                  </p:childTnLst>
+                                </p:cTn>
+                              </p:par>
+                            </p:childTnLst>
+                          </p:cTn>
+                        </p:par>
+                      </p:childTnLst>
+                    </p:cTn>
+                  </p:par>
+                  <p:par>
+                    <p:cTn id="11" fill="hold">
+                      <p:stCondLst>
+                        <p:cond delay="indefinite"/>
+                      </p:stCondLst>
+                      <p:childTnLst>
+                        <p:par>
+                          <p:cTn id="12" fill="hold">
+                            <p:stCondLst>
+                              <p:cond delay="0"/>
+                            </p:stCondLst>
+                            <p:childTnLst>
+                              <p:par>
+                                <p:cTn id="13" presetID="1" presetClass="entr" presetSubtype="0" fill="hold" nodeType="clickEffect">
+                                  <p:stCondLst>
+                                    <p:cond delay="0"/>
+                                  </p:stCondLst>
+                                  <p:childTnLst>
+                                    <p:set>
+                                      <p:cBhvr>
+                                        <p:cTn id="14" dur="1" fill="hold">
+                                          <p:stCondLst>
+                                            <p:cond delay="0"/>
+                                          </p:stCondLst>
+                                        </p:cTn>
+                                        <p:tgtEl>
+                                          <p:spTgt spid="4">
+                                            <p:txEl>
+                                              <p:pRg st="5" end="5"/>
+                                            </p:txEl>
+                                          </p:spTgt>
+                                        </p:tgtEl>
+                                        <p:attrNameLst>
+                                          <p:attrName>style.visibility</p:attrName>
+                                        </p:attrNameLst>
+                                      </p:cBhvr>
+                                      <p:to>
+                                        <p:strVal val="visible"/>
+                                      </p:to>
+                                    </p:set>
+                                  </p:childTnLst>
+                                </p:cTn>
+                              </p:par>
+                            </p:childTnLst>
+                          </p:cTn>
+                        </p:par>
+                      </p:childTnLst>
+                    </p:cTn>
+                  </p:par>
+                  <p:par>
+                    <p:cTn id="15" fill="hold">
+                      <p:stCondLst>
+                        <p:cond delay="indefinite"/>
+                      </p:stCondLst>
+                      <p:childTnLst>
+                        <p:par>
+                          <p:cTn id="16" fill="hold">
+                            <p:stCondLst>
+                              <p:cond delay="0"/>
+                            </p:stCondLst>
+                            <p:childTnLst>
+                              <p:par>
+                                <p:cTn id="17" presetID="1" presetClass="entr" presetSubtype="0" fill="hold" nodeType="clickEffect">
+                                  <p:stCondLst>
+                                    <p:cond delay="0"/>
+                                  </p:stCondLst>
+                                  <p:childTnLst>
+                                    <p:set>
+                                      <p:cBhvr>
+                                        <p:cTn id="18" dur="1" fill="hold">
+                                          <p:stCondLst>
+                                            <p:cond delay="0"/>
+                                          </p:stCondLst>
+                                        </p:cTn>
+                                        <p:tgtEl>
+                                          <p:spTgt spid="4">
+                                            <p:txEl>
+                                              <p:pRg st="6" end="6"/>
+                                            </p:txEl>
+                                          </p:spTgt>
+                                        </p:tgtEl>
+                                        <p:attrNameLst>
+                                          <p:attrName>style.visibility</p:attrName>
+                                        </p:attrNameLst>
+                                      </p:cBhvr>
+                                      <p:to>
+                                        <p:strVal val="visible"/>
+                                      </p:to>
+                                    </p:set>
+                                  </p:childTnLst>
+                                </p:cTn>
+                              </p:par>
+                            </p:childTnLst>
+                          </p:cTn>
+                        </p:par>
+                      </p:childTnLst>
+                    </p:cTn>
+                  </p:par>
+                </p:childTnLst>
+              </p:cTn>
+              <p:prevCondLst>
+                <p:cond evt="onPrev" delay="0">
+                  <p:tgtEl>
+                    <p:sldTgt/>
+                  </p:tgtEl>
+                </p:cond>
+              </p:prevCondLst>
+              <p:nextCondLst>
+                <p:cond evt="onNext" delay="0">
+                  <p:tgtEl>
+                    <p:sldTgt/>
+                  </p:tgtEl>
+                </p:cond>
+              </p:nextCondLst>
+            </p:seq>
+          </p:childTnLst>
+        </p:cTn>
       </p:par>
     </p:tnLst>
   </p:timing>

--- a/teaching/expdes/lec1.pptx
+++ b/teaching/expdes/lec1.pptx
@@ -3705,11 +3705,7 @@
             </a:r>
             <a:r>
               <a:rPr lang="en-US" sz="3200" dirty="0" smtClean="0"/>
-              <a:t>just another </a:t>
-            </a:r>
-            <a:r>
-              <a:rPr lang="en-US" sz="3200" dirty="0" smtClean="0"/>
-              <a:t>tool</a:t>
+              <a:t>just another tool</a:t>
             </a:r>
           </a:p>
           <a:p>
@@ -4400,11 +4396,7 @@
             </a:r>
             <a:r>
               <a:rPr lang="en-US" sz="3200" dirty="0" smtClean="0"/>
-              <a:t>environment</a:t>
-            </a:r>
-            <a:r>
-              <a:rPr lang="en-US" sz="3200" dirty="0" smtClean="0"/>
-              <a:t>.</a:t>
+              <a:t>environment.</a:t>
             </a:r>
           </a:p>
           <a:p>
@@ -4429,11 +4421,7 @@
             </a:r>
             <a:r>
               <a:rPr lang="en-US" sz="3200" dirty="0" smtClean="0"/>
-              <a:t>packages</a:t>
-            </a:r>
-            <a:r>
-              <a:rPr lang="en-US" sz="3200" dirty="0" smtClean="0"/>
-              <a:t>.</a:t>
+              <a:t>packages.</a:t>
             </a:r>
           </a:p>
           <a:p>
@@ -4458,11 +4446,7 @@
             </a:r>
             <a:r>
               <a:rPr lang="en-US" sz="3200" dirty="0" smtClean="0"/>
-              <a:t>graphing</a:t>
-            </a:r>
-            <a:r>
-              <a:rPr lang="en-US" sz="3200" dirty="0" smtClean="0"/>
-              <a:t>.</a:t>
+              <a:t>graphing.</a:t>
             </a:r>
           </a:p>
           <a:p>

--- a/teaching/expdes/lec1.pptx
+++ b/teaching/expdes/lec1.pptx
@@ -214,7 +214,7 @@
           <a:p>
             <a:fld id="{9BED238F-C13A-7E4E-AF4F-F9F0C2A207DD}" type="datetimeFigureOut">
               <a:rPr lang="en-US" smtClean="0"/>
-              <a:t>1/17/18</a:t>
+              <a:t>1/18/18</a:t>
             </a:fld>
             <a:endParaRPr lang="en-US"/>
           </a:p>
@@ -789,7 +789,7 @@
           <a:p>
             <a:fld id="{2B908699-CE29-634D-83B5-1061B2BD35A6}" type="datetimeFigureOut">
               <a:rPr lang="en-US" smtClean="0"/>
-              <a:t>1/17/18</a:t>
+              <a:t>1/18/18</a:t>
             </a:fld>
             <a:endParaRPr lang="en-US"/>
           </a:p>
@@ -959,7 +959,7 @@
           <a:p>
             <a:fld id="{2B908699-CE29-634D-83B5-1061B2BD35A6}" type="datetimeFigureOut">
               <a:rPr lang="en-US" smtClean="0"/>
-              <a:t>1/17/18</a:t>
+              <a:t>1/18/18</a:t>
             </a:fld>
             <a:endParaRPr lang="en-US"/>
           </a:p>
@@ -1139,7 +1139,7 @@
           <a:p>
             <a:fld id="{2B908699-CE29-634D-83B5-1061B2BD35A6}" type="datetimeFigureOut">
               <a:rPr lang="en-US" smtClean="0"/>
-              <a:t>1/17/18</a:t>
+              <a:t>1/18/18</a:t>
             </a:fld>
             <a:endParaRPr lang="en-US"/>
           </a:p>
@@ -1316,7 +1316,7 @@
           <a:p>
             <a:fld id="{2B908699-CE29-634D-83B5-1061B2BD35A6}" type="datetimeFigureOut">
               <a:rPr lang="en-US" smtClean="0"/>
-              <a:t>1/17/18</a:t>
+              <a:t>1/18/18</a:t>
             </a:fld>
             <a:endParaRPr lang="en-US"/>
           </a:p>
@@ -1562,7 +1562,7 @@
           <a:p>
             <a:fld id="{2B908699-CE29-634D-83B5-1061B2BD35A6}" type="datetimeFigureOut">
               <a:rPr lang="en-US" smtClean="0"/>
-              <a:t>1/17/18</a:t>
+              <a:t>1/18/18</a:t>
             </a:fld>
             <a:endParaRPr lang="en-US"/>
           </a:p>
@@ -1794,7 +1794,7 @@
           <a:p>
             <a:fld id="{2B908699-CE29-634D-83B5-1061B2BD35A6}" type="datetimeFigureOut">
               <a:rPr lang="en-US" smtClean="0"/>
-              <a:t>1/17/18</a:t>
+              <a:t>1/18/18</a:t>
             </a:fld>
             <a:endParaRPr lang="en-US"/>
           </a:p>
@@ -2161,7 +2161,7 @@
           <a:p>
             <a:fld id="{2B908699-CE29-634D-83B5-1061B2BD35A6}" type="datetimeFigureOut">
               <a:rPr lang="en-US" smtClean="0"/>
-              <a:t>1/17/18</a:t>
+              <a:t>1/18/18</a:t>
             </a:fld>
             <a:endParaRPr lang="en-US"/>
           </a:p>
@@ -2279,7 +2279,7 @@
           <a:p>
             <a:fld id="{2B908699-CE29-634D-83B5-1061B2BD35A6}" type="datetimeFigureOut">
               <a:rPr lang="en-US" smtClean="0"/>
-              <a:t>1/17/18</a:t>
+              <a:t>1/18/18</a:t>
             </a:fld>
             <a:endParaRPr lang="en-US"/>
           </a:p>
@@ -2374,7 +2374,7 @@
           <a:p>
             <a:fld id="{2B908699-CE29-634D-83B5-1061B2BD35A6}" type="datetimeFigureOut">
               <a:rPr lang="en-US" smtClean="0"/>
-              <a:t>1/17/18</a:t>
+              <a:t>1/18/18</a:t>
             </a:fld>
             <a:endParaRPr lang="en-US"/>
           </a:p>
@@ -2651,7 +2651,7 @@
           <a:p>
             <a:fld id="{2B908699-CE29-634D-83B5-1061B2BD35A6}" type="datetimeFigureOut">
               <a:rPr lang="en-US" smtClean="0"/>
-              <a:t>1/17/18</a:t>
+              <a:t>1/18/18</a:t>
             </a:fld>
             <a:endParaRPr lang="en-US"/>
           </a:p>
@@ -2904,7 +2904,7 @@
           <a:p>
             <a:fld id="{2B908699-CE29-634D-83B5-1061B2BD35A6}" type="datetimeFigureOut">
               <a:rPr lang="en-US" smtClean="0"/>
-              <a:t>1/17/18</a:t>
+              <a:t>1/18/18</a:t>
             </a:fld>
             <a:endParaRPr lang="en-US"/>
           </a:p>
@@ -3117,7 +3117,7 @@
           <a:p>
             <a:fld id="{2B908699-CE29-634D-83B5-1061B2BD35A6}" type="datetimeFigureOut">
               <a:rPr lang="en-US" smtClean="0"/>
-              <a:t>1/17/18</a:t>
+              <a:t>1/18/18</a:t>
             </a:fld>
             <a:endParaRPr lang="en-US"/>
           </a:p>
@@ -3625,8 +3625,8 @@
         </p:blipFill>
         <p:spPr>
           <a:xfrm>
-            <a:off x="6418728" y="3261351"/>
-            <a:ext cx="4973619" cy="2004618"/>
+            <a:off x="5185915" y="2898835"/>
+            <a:ext cx="6206433" cy="2501504"/>
           </a:xfrm>
           <a:prstGeom prst="rect">
             <a:avLst/>
@@ -4740,10 +4740,10 @@
         </p:nvGrpSpPr>
         <p:grpSpPr>
           <a:xfrm>
-            <a:off x="3255264" y="1905524"/>
-            <a:ext cx="5907024" cy="4879324"/>
-            <a:chOff x="3255264" y="1905524"/>
-            <a:chExt cx="5907024" cy="4879324"/>
+            <a:off x="3255264" y="1989229"/>
+            <a:ext cx="5918313" cy="4795619"/>
+            <a:chOff x="3255264" y="1989229"/>
+            <a:chExt cx="5918313" cy="4795619"/>
           </a:xfrm>
         </p:grpSpPr>
         <p:sp>
@@ -4754,7 +4754,7 @@
           </p:nvSpPr>
           <p:spPr>
             <a:xfrm>
-              <a:off x="4297680" y="1905524"/>
+              <a:off x="4308969" y="1989229"/>
               <a:ext cx="4864608" cy="4476988"/>
             </a:xfrm>
             <a:prstGeom prst="rect">
@@ -4789,7 +4789,7 @@
             <a:lstStyle/>
             <a:p>
               <a:pPr algn="ctr"/>
-              <a:endParaRPr lang="en-US"/>
+              <a:endParaRPr lang="en-US" dirty="0"/>
             </a:p>
           </p:txBody>
         </p:sp>
@@ -4846,6 +4846,44 @@
           </p:txBody>
         </p:sp>
       </p:grpSp>
+      <p:sp>
+        <p:nvSpPr>
+          <p:cNvPr id="3" name="TextBox 2"/>
+          <p:cNvSpPr txBox="1"/>
+          <p:nvPr/>
+        </p:nvSpPr>
+        <p:spPr>
+          <a:xfrm>
+            <a:off x="4579450" y="2422096"/>
+            <a:ext cx="583814" cy="369332"/>
+          </a:xfrm>
+          <a:prstGeom prst="rect">
+            <a:avLst/>
+          </a:prstGeom>
+          <a:noFill/>
+        </p:spPr>
+        <p:txBody>
+          <a:bodyPr wrap="none" rtlCol="0">
+            <a:spAutoFit/>
+          </a:bodyPr>
+          <a:lstStyle/>
+          <a:p>
+            <a:r>
+              <a:rPr lang="en-US" b="1" dirty="0" smtClean="0">
+                <a:solidFill>
+                  <a:srgbClr val="C00000"/>
+                </a:solidFill>
+              </a:rPr>
+              <a:t>74%</a:t>
+            </a:r>
+            <a:endParaRPr lang="en-US" b="1" dirty="0">
+              <a:solidFill>
+                <a:srgbClr val="C00000"/>
+              </a:solidFill>
+            </a:endParaRPr>
+          </a:p>
+        </p:txBody>
+      </p:sp>
     </p:spTree>
     <p:extLst>
       <p:ext uri="{BB962C8B-B14F-4D97-AF65-F5344CB8AC3E}">
@@ -4877,7 +4915,7 @@
                             </p:stCondLst>
                             <p:childTnLst>
                               <p:par>
-                                <p:cTn id="5" presetID="1" presetClass="exit" presetSubtype="0" fill="hold" nodeType="clickEffect">
+                                <p:cTn id="5" presetID="1" presetClass="entr" presetSubtype="0" fill="hold" nodeType="clickEffect">
                                   <p:stCondLst>
                                     <p:cond delay="0"/>
                                   </p:stCondLst>
@@ -4885,6 +4923,78 @@
                                     <p:set>
                                       <p:cBhvr>
                                         <p:cTn id="6" dur="1" fill="hold">
+                                          <p:stCondLst>
+                                            <p:cond delay="0"/>
+                                          </p:stCondLst>
+                                        </p:cTn>
+                                        <p:tgtEl>
+                                          <p:spTgt spid="12"/>
+                                        </p:tgtEl>
+                                        <p:attrNameLst>
+                                          <p:attrName>style.visibility</p:attrName>
+                                        </p:attrNameLst>
+                                      </p:cBhvr>
+                                      <p:to>
+                                        <p:strVal val="visible"/>
+                                      </p:to>
+                                    </p:set>
+                                  </p:childTnLst>
+                                </p:cTn>
+                              </p:par>
+                              <p:par>
+                                <p:cTn id="7" presetID="1" presetClass="entr" presetSubtype="0" fill="hold" nodeType="withEffect">
+                                  <p:stCondLst>
+                                    <p:cond delay="0"/>
+                                  </p:stCondLst>
+                                  <p:childTnLst>
+                                    <p:set>
+                                      <p:cBhvr>
+                                        <p:cTn id="8" dur="1" fill="hold">
+                                          <p:stCondLst>
+                                            <p:cond delay="0"/>
+                                          </p:stCondLst>
+                                        </p:cTn>
+                                        <p:tgtEl>
+                                          <p:spTgt spid="11"/>
+                                        </p:tgtEl>
+                                        <p:attrNameLst>
+                                          <p:attrName>style.visibility</p:attrName>
+                                        </p:attrNameLst>
+                                      </p:cBhvr>
+                                      <p:to>
+                                        <p:strVal val="visible"/>
+                                      </p:to>
+                                    </p:set>
+                                  </p:childTnLst>
+                                </p:cTn>
+                              </p:par>
+                            </p:childTnLst>
+                          </p:cTn>
+                        </p:par>
+                      </p:childTnLst>
+                    </p:cTn>
+                  </p:par>
+                  <p:par>
+                    <p:cTn id="9" fill="hold">
+                      <p:stCondLst>
+                        <p:cond delay="indefinite"/>
+                      </p:stCondLst>
+                      <p:childTnLst>
+                        <p:par>
+                          <p:cTn id="10" fill="hold">
+                            <p:stCondLst>
+                              <p:cond delay="0"/>
+                            </p:stCondLst>
+                            <p:childTnLst>
+                              <p:par>
+                                <p:cTn id="11" presetID="1" presetClass="exit" presetSubtype="0" fill="hold" nodeType="clickEffect">
+                                  <p:stCondLst>
+                                    <p:cond delay="0"/>
+                                  </p:stCondLst>
+                                  <p:childTnLst>
+                                    <p:set>
+                                      <p:cBhvr>
+                                        <p:cTn id="12" dur="1" fill="hold">
                                           <p:stCondLst>
                                             <p:cond delay="0"/>
                                           </p:stCondLst>
@@ -4898,6 +5008,42 @@
                                       </p:cBhvr>
                                       <p:to>
                                         <p:strVal val="hidden"/>
+                                      </p:to>
+                                    </p:set>
+                                  </p:childTnLst>
+                                </p:cTn>
+                              </p:par>
+                            </p:childTnLst>
+                          </p:cTn>
+                        </p:par>
+                        <p:par>
+                          <p:cTn id="13" fill="hold">
+                            <p:stCondLst>
+                              <p:cond delay="0"/>
+                            </p:stCondLst>
+                            <p:childTnLst>
+                              <p:par>
+                                <p:cTn id="14" presetID="1" presetClass="entr" presetSubtype="0" fill="hold" grpId="0" nodeType="afterEffect">
+                                  <p:stCondLst>
+                                    <p:cond delay="1000"/>
+                                  </p:stCondLst>
+                                  <p:childTnLst>
+                                    <p:set>
+                                      <p:cBhvr>
+                                        <p:cTn id="15" dur="1" fill="hold">
+                                          <p:stCondLst>
+                                            <p:cond delay="0"/>
+                                          </p:stCondLst>
+                                        </p:cTn>
+                                        <p:tgtEl>
+                                          <p:spTgt spid="3"/>
+                                        </p:tgtEl>
+                                        <p:attrNameLst>
+                                          <p:attrName>style.visibility</p:attrName>
+                                        </p:attrNameLst>
+                                      </p:cBhvr>
+                                      <p:to>
+                                        <p:strVal val="visible"/>
                                       </p:to>
                                     </p:set>
                                   </p:childTnLst>
@@ -4930,6 +5076,9 @@
         </p:cTn>
       </p:par>
     </p:tnLst>
+    <p:bldLst>
+      <p:bldP spid="3" grpId="0"/>
+    </p:bldLst>
   </p:timing>
 </p:sld>
 </file>
@@ -6354,37 +6503,11 @@
             </a:pPr>
             <a:r>
               <a:rPr lang="en-US" sz="2800" dirty="0" smtClean="0"/>
-              <a:t>Today R is basically a requirement to maximize your productivity in STEM.</a:t>
-            </a:r>
-          </a:p>
-          <a:p>
-            <a:pPr marL="914400" lvl="1" indent="-457200">
-              <a:buFont typeface="Courier New" charset="0"/>
-              <a:buChar char="o"/>
-            </a:pPr>
+              <a:t>Today R is basically a requirement to maximize your productivity in STEM</a:t>
+            </a:r>
             <a:r>
               <a:rPr lang="en-US" sz="2800" dirty="0" smtClean="0"/>
-              <a:t>Learning curve</a:t>
-            </a:r>
-          </a:p>
-          <a:p>
-            <a:pPr marL="914400" lvl="1" indent="-457200">
-              <a:buFont typeface="Courier New" charset="0"/>
-              <a:buChar char="o"/>
-            </a:pPr>
-            <a:r>
-              <a:rPr lang="en-US" sz="2800" dirty="0" smtClean="0"/>
-              <a:t>Anyone can make a package - so there is some junk out there</a:t>
-            </a:r>
-          </a:p>
-          <a:p>
-            <a:pPr marL="914400" lvl="1" indent="-457200">
-              <a:buFont typeface="Courier New" charset="0"/>
-              <a:buChar char="o"/>
-            </a:pPr>
-            <a:r>
-              <a:rPr lang="en-US" sz="2800" dirty="0" smtClean="0"/>
-              <a:t>Memory issues</a:t>
+              <a:t>.</a:t>
             </a:r>
           </a:p>
           <a:p>
@@ -6392,6 +6515,41 @@
               <a:buFont typeface="Arial" charset="0"/>
               <a:buChar char="•"/>
             </a:pPr>
+            <a:endParaRPr lang="en-US" sz="2800" dirty="0" smtClean="0"/>
+          </a:p>
+          <a:p>
+            <a:pPr marL="457200" indent="-457200">
+              <a:buFont typeface="Arial" charset="0"/>
+              <a:buChar char="•"/>
+            </a:pPr>
+            <a:r>
+              <a:rPr lang="en-US" sz="2800" dirty="0" smtClean="0"/>
+              <a:t>Learning curve</a:t>
+            </a:r>
+          </a:p>
+          <a:p>
+            <a:pPr marL="457200" indent="-457200">
+              <a:buFont typeface="Arial" charset="0"/>
+              <a:buChar char="•"/>
+            </a:pPr>
+            <a:r>
+              <a:rPr lang="en-US" sz="2800" dirty="0" smtClean="0"/>
+              <a:t>Anyone can make a package - so there is some junk out there</a:t>
+            </a:r>
+          </a:p>
+          <a:p>
+            <a:pPr marL="457200" indent="-457200">
+              <a:buFont typeface="Arial" charset="0"/>
+              <a:buChar char="•"/>
+            </a:pPr>
+            <a:r>
+              <a:rPr lang="en-US" sz="2800" dirty="0" smtClean="0"/>
+              <a:t>Memory </a:t>
+            </a:r>
+            <a:r>
+              <a:rPr lang="en-US" sz="2800" dirty="0" smtClean="0"/>
+              <a:t>issues</a:t>
+            </a:r>
             <a:endParaRPr lang="en-US" sz="2800" dirty="0"/>
           </a:p>
           <a:p>
@@ -6486,6 +6644,153 @@
                                         <p:tgtEl>
                                           <p:spTgt spid="3">
                                             <p:txEl>
+                                              <p:pRg st="2" end="2"/>
+                                            </p:txEl>
+                                          </p:spTgt>
+                                        </p:tgtEl>
+                                        <p:attrNameLst>
+                                          <p:attrName>style.visibility</p:attrName>
+                                        </p:attrNameLst>
+                                      </p:cBhvr>
+                                      <p:to>
+                                        <p:strVal val="visible"/>
+                                      </p:to>
+                                    </p:set>
+                                  </p:childTnLst>
+                                </p:cTn>
+                              </p:par>
+                            </p:childTnLst>
+                          </p:cTn>
+                        </p:par>
+                      </p:childTnLst>
+                    </p:cTn>
+                  </p:par>
+                  <p:par>
+                    <p:cTn id="7" fill="hold">
+                      <p:stCondLst>
+                        <p:cond delay="indefinite"/>
+                      </p:stCondLst>
+                      <p:childTnLst>
+                        <p:par>
+                          <p:cTn id="8" fill="hold">
+                            <p:stCondLst>
+                              <p:cond delay="0"/>
+                            </p:stCondLst>
+                            <p:childTnLst>
+                              <p:par>
+                                <p:cTn id="9" presetID="1" presetClass="entr" presetSubtype="0" fill="hold" nodeType="clickEffect">
+                                  <p:stCondLst>
+                                    <p:cond delay="0"/>
+                                  </p:stCondLst>
+                                  <p:childTnLst>
+                                    <p:set>
+                                      <p:cBhvr>
+                                        <p:cTn id="10" dur="1" fill="hold">
+                                          <p:stCondLst>
+                                            <p:cond delay="0"/>
+                                          </p:stCondLst>
+                                        </p:cTn>
+                                        <p:tgtEl>
+                                          <p:spTgt spid="3">
+                                            <p:txEl>
+                                              <p:pRg st="3" end="3"/>
+                                            </p:txEl>
+                                          </p:spTgt>
+                                        </p:tgtEl>
+                                        <p:attrNameLst>
+                                          <p:attrName>style.visibility</p:attrName>
+                                        </p:attrNameLst>
+                                      </p:cBhvr>
+                                      <p:to>
+                                        <p:strVal val="visible"/>
+                                      </p:to>
+                                    </p:set>
+                                  </p:childTnLst>
+                                </p:cTn>
+                              </p:par>
+                            </p:childTnLst>
+                          </p:cTn>
+                        </p:par>
+                      </p:childTnLst>
+                    </p:cTn>
+                  </p:par>
+                  <p:par>
+                    <p:cTn id="11" fill="hold">
+                      <p:stCondLst>
+                        <p:cond delay="indefinite"/>
+                      </p:stCondLst>
+                      <p:childTnLst>
+                        <p:par>
+                          <p:cTn id="12" fill="hold">
+                            <p:stCondLst>
+                              <p:cond delay="0"/>
+                            </p:stCondLst>
+                            <p:childTnLst>
+                              <p:par>
+                                <p:cTn id="13" presetID="1" presetClass="entr" presetSubtype="0" fill="hold" nodeType="clickEffect">
+                                  <p:stCondLst>
+                                    <p:cond delay="0"/>
+                                  </p:stCondLst>
+                                  <p:childTnLst>
+                                    <p:set>
+                                      <p:cBhvr>
+                                        <p:cTn id="14" dur="1" fill="hold">
+                                          <p:stCondLst>
+                                            <p:cond delay="0"/>
+                                          </p:stCondLst>
+                                        </p:cTn>
+                                        <p:tgtEl>
+                                          <p:spTgt spid="3">
+                                            <p:txEl>
+                                              <p:pRg st="4" end="4"/>
+                                            </p:txEl>
+                                          </p:spTgt>
+                                        </p:tgtEl>
+                                        <p:attrNameLst>
+                                          <p:attrName>style.visibility</p:attrName>
+                                        </p:attrNameLst>
+                                      </p:cBhvr>
+                                      <p:to>
+                                        <p:strVal val="visible"/>
+                                      </p:to>
+                                    </p:set>
+                                  </p:childTnLst>
+                                </p:cTn>
+                              </p:par>
+                            </p:childTnLst>
+                          </p:cTn>
+                        </p:par>
+                      </p:childTnLst>
+                    </p:cTn>
+                  </p:par>
+                  <p:par>
+                    <p:cTn id="15" fill="hold">
+                      <p:stCondLst>
+                        <p:cond delay="indefinite"/>
+                      </p:stCondLst>
+                      <p:childTnLst>
+                        <p:par>
+                          <p:cTn id="16" fill="hold">
+                            <p:stCondLst>
+                              <p:cond delay="0"/>
+                            </p:stCondLst>
+                            <p:childTnLst>
+                              <p:par>
+                                <p:cTn id="17" presetID="1" presetClass="entr" presetSubtype="0" fill="hold" nodeType="clickEffect">
+                                  <p:stCondLst>
+                                    <p:cond delay="0"/>
+                                  </p:stCondLst>
+                                  <p:childTnLst>
+                                    <p:set>
+                                      <p:cBhvr>
+                                        <p:cTn id="18" dur="1" fill="hold">
+                                          <p:stCondLst>
+                                            <p:cond delay="0"/>
+                                          </p:stCondLst>
+                                        </p:cTn>
+                                        <p:tgtEl>
+                                          <p:spTgt spid="3">
+                                            <p:txEl>
                                               <p:pRg st="5" end="5"/>
                                             </p:txEl>
                                           </p:spTgt>
@@ -6502,14 +6807,14 @@
                                 </p:cTn>
                               </p:par>
                               <p:par>
-                                <p:cTn id="7" presetID="1" presetClass="entr" presetSubtype="0" fill="hold" nodeType="withEffect">
+                                <p:cTn id="19" presetID="1" presetClass="entr" presetSubtype="0" fill="hold" nodeType="withEffect">
                                   <p:stCondLst>
                                     <p:cond delay="0"/>
                                   </p:stCondLst>
                                   <p:childTnLst>
                                     <p:set>
                                       <p:cBhvr>
-                                        <p:cTn id="8" dur="1" fill="hold">
+                                        <p:cTn id="20" dur="1" fill="hold">
                                           <p:stCondLst>
                                             <p:cond delay="0"/>
                                           </p:stCondLst>
@@ -6533,14 +6838,14 @@
                                 </p:cTn>
                               </p:par>
                               <p:par>
-                                <p:cTn id="9" presetID="1" presetClass="entr" presetSubtype="0" fill="hold" nodeType="withEffect">
+                                <p:cTn id="21" presetID="1" presetClass="entr" presetSubtype="0" fill="hold" nodeType="withEffect">
                                   <p:stCondLst>
                                     <p:cond delay="0"/>
                                   </p:stCondLst>
                                   <p:childTnLst>
                                     <p:set>
                                       <p:cBhvr>
-                                        <p:cTn id="10" dur="1" fill="hold">
+                                        <p:cTn id="22" dur="1" fill="hold">
                                           <p:stCondLst>
                                             <p:cond delay="0"/>
                                           </p:stCondLst>
@@ -6564,14 +6869,14 @@
                                 </p:cTn>
                               </p:par>
                               <p:par>
-                                <p:cTn id="11" presetID="1" presetClass="entr" presetSubtype="0" fill="hold" nodeType="withEffect">
+                                <p:cTn id="23" presetID="1" presetClass="entr" presetSubtype="0" fill="hold" nodeType="withEffect">
                                   <p:stCondLst>
                                     <p:cond delay="0"/>
                                   </p:stCondLst>
                                   <p:childTnLst>
                                     <p:set>
                                       <p:cBhvr>
-                                        <p:cTn id="12" dur="1" fill="hold">
+                                        <p:cTn id="24" dur="1" fill="hold">
                                           <p:stCondLst>
                                             <p:cond delay="0"/>
                                           </p:stCondLst>
@@ -6977,11 +7282,7 @@
             </a:pPr>
             <a:r>
               <a:rPr lang="en-US" sz="3200" smtClean="0"/>
-              <a:t>Do </a:t>
-            </a:r>
-            <a:r>
-              <a:rPr lang="en-US" sz="3200" smtClean="0"/>
-              <a:t>homework 1.</a:t>
+              <a:t>Do homework 1.</a:t>
             </a:r>
           </a:p>
           <a:p>
@@ -7229,7 +7530,7 @@
         <p:spPr>
           <a:xfrm>
             <a:off x="204396" y="1787531"/>
-            <a:ext cx="11801138" cy="4893647"/>
+            <a:ext cx="11801138" cy="4278094"/>
           </a:xfrm>
           <a:prstGeom prst="rect">
             <a:avLst/>
@@ -7319,8 +7620,13 @@
             </a:r>
             <a:r>
               <a:rPr lang="en-US" sz="4000" dirty="0" smtClean="0"/>
-              <a:t>stats</a:t>
-            </a:r>
+              <a:t>stats </a:t>
+            </a:r>
+            <a:r>
+              <a:rPr lang="en-US" sz="3600" dirty="0" smtClean="0"/>
+              <a:t>(outside world / within academia)</a:t>
+            </a:r>
+            <a:endParaRPr lang="en-US" sz="4000" dirty="0" smtClean="0"/>
           </a:p>
           <a:p>
             <a:pPr marL="571500" indent="-571500" fontAlgn="base">
@@ -7338,16 +7644,6 @@
             <a:r>
               <a:rPr lang="en-US" sz="4000" dirty="0" smtClean="0"/>
               <a:t>class</a:t>
-            </a:r>
-          </a:p>
-          <a:p>
-            <a:pPr marL="571500" indent="-571500" fontAlgn="base">
-              <a:buFont typeface="Arial" charset="0"/>
-              <a:buChar char="•"/>
-            </a:pPr>
-            <a:r>
-              <a:rPr lang="en-US" sz="4000" dirty="0" smtClean="0"/>
-              <a:t>Plotting</a:t>
             </a:r>
           </a:p>
           <a:p>
@@ -7543,37 +7839,6 @@
                                   </p:childTnLst>
                                 </p:cTn>
                               </p:par>
-                              <p:par>
-                                <p:cTn id="15" presetID="1" presetClass="entr" presetSubtype="0" fill="hold" nodeType="withEffect">
-                                  <p:stCondLst>
-                                    <p:cond delay="0"/>
-                                  </p:stCondLst>
-                                  <p:childTnLst>
-                                    <p:set>
-                                      <p:cBhvr>
-                                        <p:cTn id="16" dur="1" fill="hold">
-                                          <p:stCondLst>
-                                            <p:cond delay="0"/>
-                                          </p:stCondLst>
-                                        </p:cTn>
-                                        <p:tgtEl>
-                                          <p:spTgt spid="4">
-                                            <p:txEl>
-                                              <p:pRg st="8" end="8"/>
-                                            </p:txEl>
-                                          </p:spTgt>
-                                        </p:tgtEl>
-                                        <p:attrNameLst>
-                                          <p:attrName>style.visibility</p:attrName>
-                                        </p:attrNameLst>
-                                      </p:cBhvr>
-                                      <p:to>
-                                        <p:strVal val="visible"/>
-                                      </p:to>
-                                    </p:set>
-                                  </p:childTnLst>
-                                </p:cTn>
-                              </p:par>
                             </p:childTnLst>
                           </p:cTn>
                         </p:par>
@@ -8262,33 +8527,6 @@
                                   </p:childTnLst>
                                 </p:cTn>
                               </p:par>
-                              <p:par>
-                                <p:cTn id="7" presetID="1" presetClass="entr" presetSubtype="0" fill="hold" nodeType="withEffect">
-                                  <p:stCondLst>
-                                    <p:cond delay="0"/>
-                                  </p:stCondLst>
-                                  <p:childTnLst>
-                                    <p:set>
-                                      <p:cBhvr>
-                                        <p:cTn id="8" dur="1" fill="hold">
-                                          <p:stCondLst>
-                                            <p:cond delay="0"/>
-                                          </p:stCondLst>
-                                        </p:cTn>
-                                        <p:tgtEl>
-                                          <p:spTgt spid="6"/>
-                                        </p:tgtEl>
-                                        <p:attrNameLst>
-                                          <p:attrName>style.visibility</p:attrName>
-                                        </p:attrNameLst>
-                                      </p:cBhvr>
-                                      <p:to>
-                                        <p:strVal val="visible"/>
-                                      </p:to>
-                                    </p:set>
-                                  </p:childTnLst>
-                                </p:cTn>
-                              </p:par>
                             </p:childTnLst>
                           </p:cTn>
                         </p:par>
@@ -8296,26 +8534,26 @@
                     </p:cTn>
                   </p:par>
                   <p:par>
-                    <p:cTn id="9" fill="hold">
+                    <p:cTn id="7" fill="hold">
                       <p:stCondLst>
                         <p:cond delay="indefinite"/>
                       </p:stCondLst>
                       <p:childTnLst>
                         <p:par>
-                          <p:cTn id="10" fill="hold">
+                          <p:cTn id="8" fill="hold">
                             <p:stCondLst>
                               <p:cond delay="0"/>
                             </p:stCondLst>
                             <p:childTnLst>
                               <p:par>
-                                <p:cTn id="11" presetID="1" presetClass="entr" presetSubtype="0" fill="hold" nodeType="clickEffect">
+                                <p:cTn id="9" presetID="1" presetClass="entr" presetSubtype="0" fill="hold" nodeType="clickEffect">
                                   <p:stCondLst>
                                     <p:cond delay="0"/>
                                   </p:stCondLst>
                                   <p:childTnLst>
                                     <p:set>
                                       <p:cBhvr>
-                                        <p:cTn id="12" dur="1" fill="hold">
+                                        <p:cTn id="10" dur="1" fill="hold">
                                           <p:stCondLst>
                                             <p:cond delay="0"/>
                                           </p:stCondLst>
@@ -8335,14 +8573,14 @@
                                 </p:cTn>
                               </p:par>
                               <p:par>
-                                <p:cTn id="13" presetID="1" presetClass="entr" presetSubtype="0" fill="hold" nodeType="withEffect">
+                                <p:cTn id="11" presetID="1" presetClass="entr" presetSubtype="0" fill="hold" nodeType="withEffect">
                                   <p:stCondLst>
                                     <p:cond delay="0"/>
                                   </p:stCondLst>
                                   <p:childTnLst>
                                     <p:set>
                                       <p:cBhvr>
-                                        <p:cTn id="14" dur="1" fill="hold">
+                                        <p:cTn id="12" dur="1" fill="hold">
                                           <p:stCondLst>
                                             <p:cond delay="0"/>
                                           </p:stCondLst>
@@ -8372,26 +8610,26 @@
                     </p:cTn>
                   </p:par>
                   <p:par>
-                    <p:cTn id="15" fill="hold">
+                    <p:cTn id="13" fill="hold">
                       <p:stCondLst>
                         <p:cond delay="indefinite"/>
                       </p:stCondLst>
                       <p:childTnLst>
                         <p:par>
-                          <p:cTn id="16" fill="hold">
+                          <p:cTn id="14" fill="hold">
                             <p:stCondLst>
                               <p:cond delay="0"/>
                             </p:stCondLst>
                             <p:childTnLst>
                               <p:par>
-                                <p:cTn id="17" presetID="1" presetClass="entr" presetSubtype="0" fill="hold" nodeType="clickEffect">
+                                <p:cTn id="15" presetID="1" presetClass="entr" presetSubtype="0" fill="hold" nodeType="clickEffect">
                                   <p:stCondLst>
                                     <p:cond delay="0"/>
                                   </p:stCondLst>
                                   <p:childTnLst>
                                     <p:set>
                                       <p:cBhvr>
-                                        <p:cTn id="18" dur="1" fill="hold">
+                                        <p:cTn id="16" dur="1" fill="hold">
                                           <p:stCondLst>
                                             <p:cond delay="0"/>
                                           </p:stCondLst>
@@ -8421,26 +8659,26 @@
                     </p:cTn>
                   </p:par>
                   <p:par>
-                    <p:cTn id="19" fill="hold">
+                    <p:cTn id="17" fill="hold">
                       <p:stCondLst>
                         <p:cond delay="indefinite"/>
                       </p:stCondLst>
                       <p:childTnLst>
                         <p:par>
-                          <p:cTn id="20" fill="hold">
+                          <p:cTn id="18" fill="hold">
                             <p:stCondLst>
                               <p:cond delay="0"/>
                             </p:stCondLst>
                             <p:childTnLst>
                               <p:par>
-                                <p:cTn id="21" presetID="1" presetClass="entr" presetSubtype="0" fill="hold" nodeType="clickEffect">
+                                <p:cTn id="19" presetID="1" presetClass="entr" presetSubtype="0" fill="hold" nodeType="clickEffect">
                                   <p:stCondLst>
                                     <p:cond delay="0"/>
                                   </p:stCondLst>
                                   <p:childTnLst>
                                     <p:set>
                                       <p:cBhvr>
-                                        <p:cTn id="22" dur="1" fill="hold">
+                                        <p:cTn id="20" dur="1" fill="hold">
                                           <p:stCondLst>
                                             <p:cond delay="0"/>
                                           </p:stCondLst>
@@ -8470,26 +8708,26 @@
                     </p:cTn>
                   </p:par>
                   <p:par>
-                    <p:cTn id="23" fill="hold">
+                    <p:cTn id="21" fill="hold">
                       <p:stCondLst>
                         <p:cond delay="indefinite"/>
                       </p:stCondLst>
                       <p:childTnLst>
                         <p:par>
-                          <p:cTn id="24" fill="hold">
+                          <p:cTn id="22" fill="hold">
                             <p:stCondLst>
                               <p:cond delay="0"/>
                             </p:stCondLst>
                             <p:childTnLst>
                               <p:par>
-                                <p:cTn id="25" presetID="1" presetClass="entr" presetSubtype="0" fill="hold" nodeType="clickEffect">
+                                <p:cTn id="23" presetID="1" presetClass="entr" presetSubtype="0" fill="hold" nodeType="clickEffect">
                                   <p:stCondLst>
                                     <p:cond delay="0"/>
                                   </p:stCondLst>
                                   <p:childTnLst>
                                     <p:set>
                                       <p:cBhvr>
-                                        <p:cTn id="26" dur="1" fill="hold">
+                                        <p:cTn id="24" dur="1" fill="hold">
                                           <p:stCondLst>
                                             <p:cond delay="0"/>
                                           </p:stCondLst>
@@ -8519,26 +8757,26 @@
                     </p:cTn>
                   </p:par>
                   <p:par>
-                    <p:cTn id="27" fill="hold">
+                    <p:cTn id="25" fill="hold">
                       <p:stCondLst>
                         <p:cond delay="indefinite"/>
                       </p:stCondLst>
                       <p:childTnLst>
                         <p:par>
-                          <p:cTn id="28" fill="hold">
+                          <p:cTn id="26" fill="hold">
                             <p:stCondLst>
                               <p:cond delay="0"/>
                             </p:stCondLst>
                             <p:childTnLst>
                               <p:par>
-                                <p:cTn id="29" presetID="1" presetClass="entr" presetSubtype="0" fill="hold" nodeType="clickEffect">
+                                <p:cTn id="27" presetID="1" presetClass="entr" presetSubtype="0" fill="hold" nodeType="clickEffect">
                                   <p:stCondLst>
                                     <p:cond delay="0"/>
                                   </p:stCondLst>
                                   <p:childTnLst>
                                     <p:set>
                                       <p:cBhvr>
-                                        <p:cTn id="30" dur="1" fill="hold">
+                                        <p:cTn id="28" dur="1" fill="hold">
                                           <p:stCondLst>
                                             <p:cond delay="0"/>
                                           </p:stCondLst>
@@ -8947,61 +9185,61 @@
           </a:p>
         </p:txBody>
       </p:sp>
+      <p:sp>
+        <p:nvSpPr>
+          <p:cNvPr id="4" name="Rectangle 3"/>
+          <p:cNvSpPr/>
+          <p:nvPr/>
+        </p:nvSpPr>
+        <p:spPr>
+          <a:xfrm>
+            <a:off x="195431" y="1273781"/>
+            <a:ext cx="11801138" cy="1569660"/>
+          </a:xfrm>
+          <a:prstGeom prst="rect">
+            <a:avLst/>
+          </a:prstGeom>
+        </p:spPr>
+        <p:txBody>
+          <a:bodyPr wrap="square">
+            <a:spAutoFit/>
+          </a:bodyPr>
+          <a:lstStyle/>
+          <a:p>
+            <a:pPr fontAlgn="base"/>
+            <a:r>
+              <a:rPr lang="en-US" sz="3200" i="1" dirty="0" smtClean="0"/>
+              <a:t>In </a:t>
+            </a:r>
+            <a:r>
+              <a:rPr lang="en-US" sz="3200" i="1" dirty="0"/>
+              <a:t>many ways, therefore, modern statistics was an offshoot of </a:t>
+            </a:r>
+            <a:r>
+              <a:rPr lang="en-US" sz="3200" i="1" dirty="0" smtClean="0"/>
+              <a:t>evolutionary biology</a:t>
+            </a:r>
+          </a:p>
+          <a:p>
+            <a:pPr fontAlgn="base"/>
+            <a:endParaRPr lang="en-US" sz="3200" dirty="0"/>
+          </a:p>
+        </p:txBody>
+      </p:sp>
       <p:grpSp>
         <p:nvGrpSpPr>
-          <p:cNvPr id="3" name="Group 2"/>
+          <p:cNvPr id="13" name="Group 12"/>
           <p:cNvGrpSpPr/>
           <p:nvPr/>
         </p:nvGrpSpPr>
         <p:grpSpPr>
           <a:xfrm>
-            <a:off x="195431" y="1273781"/>
-            <a:ext cx="11801138" cy="4637802"/>
-            <a:chOff x="195431" y="1273781"/>
-            <a:chExt cx="11801138" cy="4637802"/>
+            <a:off x="568890" y="2680267"/>
+            <a:ext cx="10883357" cy="3231316"/>
+            <a:chOff x="568890" y="2680267"/>
+            <a:chExt cx="10883357" cy="3231316"/>
           </a:xfrm>
         </p:grpSpPr>
-        <p:sp>
-          <p:nvSpPr>
-            <p:cNvPr id="4" name="Rectangle 3"/>
-            <p:cNvSpPr/>
-            <p:nvPr/>
-          </p:nvSpPr>
-          <p:spPr>
-            <a:xfrm>
-              <a:off x="195431" y="1273781"/>
-              <a:ext cx="11801138" cy="1569660"/>
-            </a:xfrm>
-            <a:prstGeom prst="rect">
-              <a:avLst/>
-            </a:prstGeom>
-          </p:spPr>
-          <p:txBody>
-            <a:bodyPr wrap="square">
-              <a:spAutoFit/>
-            </a:bodyPr>
-            <a:lstStyle/>
-            <a:p>
-              <a:pPr fontAlgn="base"/>
-              <a:r>
-                <a:rPr lang="en-US" sz="3200" i="1" dirty="0" smtClean="0"/>
-                <a:t>In </a:t>
-              </a:r>
-              <a:r>
-                <a:rPr lang="en-US" sz="3200" i="1" dirty="0"/>
-                <a:t>many ways, therefore, modern statistics was an offshoot of </a:t>
-              </a:r>
-              <a:r>
-                <a:rPr lang="en-US" sz="3200" i="1" dirty="0" smtClean="0"/>
-                <a:t>evolutionary biology</a:t>
-              </a:r>
-            </a:p>
-            <a:p>
-              <a:pPr fontAlgn="base"/>
-              <a:endParaRPr lang="en-US" sz="3200" dirty="0"/>
-            </a:p>
-          </p:txBody>
-        </p:sp>
         <p:pic>
           <p:nvPicPr>
             <p:cNvPr id="5" name="Picture 4"/>
@@ -9287,7 +9525,75 @@
   <p:timing>
     <p:tnLst>
       <p:par>
-        <p:cTn id="1" dur="indefinite" restart="never" nodeType="tmRoot"/>
+        <p:cTn id="1" dur="indefinite" restart="never" nodeType="tmRoot">
+          <p:childTnLst>
+            <p:seq concurrent="1" nextAc="seek">
+              <p:cTn id="2" dur="indefinite" nodeType="mainSeq">
+                <p:childTnLst>
+                  <p:par>
+                    <p:cTn id="3" fill="hold">
+                      <p:stCondLst>
+                        <p:cond delay="indefinite"/>
+                      </p:stCondLst>
+                      <p:childTnLst>
+                        <p:par>
+                          <p:cTn id="4" fill="hold">
+                            <p:stCondLst>
+                              <p:cond delay="0"/>
+                            </p:stCondLst>
+                            <p:childTnLst>
+                              <p:par>
+                                <p:cTn id="5" presetID="1" presetClass="entr" presetSubtype="0" fill="hold" nodeType="clickEffect">
+                                  <p:stCondLst>
+                                    <p:cond delay="0"/>
+                                  </p:stCondLst>
+                                  <p:childTnLst>
+                                    <p:set>
+                                      <p:cBhvr>
+                                        <p:cTn id="6" dur="1" fill="hold">
+                                          <p:stCondLst>
+                                            <p:cond delay="0"/>
+                                          </p:stCondLst>
+                                        </p:cTn>
+                                        <p:tgtEl>
+                                          <p:spTgt spid="13"/>
+                                        </p:tgtEl>
+                                        <p:attrNameLst>
+                                          <p:attrName>style.visibility</p:attrName>
+                                        </p:attrNameLst>
+                                      </p:cBhvr>
+                                      <p:to>
+                                        <p:strVal val="visible"/>
+                                      </p:to>
+                                    </p:set>
+                                  </p:childTnLst>
+                                </p:cTn>
+                              </p:par>
+                            </p:childTnLst>
+                          </p:cTn>
+                        </p:par>
+                      </p:childTnLst>
+                    </p:cTn>
+                  </p:par>
+                </p:childTnLst>
+              </p:cTn>
+              <p:prevCondLst>
+                <p:cond evt="onPrev" delay="0">
+                  <p:tgtEl>
+                    <p:sldTgt/>
+                  </p:tgtEl>
+                </p:cond>
+              </p:prevCondLst>
+              <p:nextCondLst>
+                <p:cond evt="onNext" delay="0">
+                  <p:tgtEl>
+                    <p:sldTgt/>
+                  </p:tgtEl>
+                </p:cond>
+              </p:nextCondLst>
+            </p:seq>
+          </p:childTnLst>
+        </p:cTn>
       </p:par>
     </p:tnLst>
   </p:timing>

--- a/teaching/expdes/lec1.pptx
+++ b/teaching/expdes/lec1.pptx
@@ -7245,7 +7245,15 @@
                   <a:schemeClr val="bg1"/>
                 </a:solidFill>
               </a:rPr>
-              <a:t>For Thursday</a:t>
+              <a:t>For </a:t>
+            </a:r>
+            <a:r>
+              <a:rPr lang="en-US" b="1" smtClean="0">
+                <a:solidFill>
+                  <a:schemeClr val="bg1"/>
+                </a:solidFill>
+              </a:rPr>
+              <a:t>Tuesday</a:t>
             </a:r>
             <a:endParaRPr lang="en-US" b="1" dirty="0">
               <a:solidFill>

--- a/teaching/expdes/lec1.pptx
+++ b/teaching/expdes/lec1.pptx
@@ -214,7 +214,7 @@
           <a:p>
             <a:fld id="{9BED238F-C13A-7E4E-AF4F-F9F0C2A207DD}" type="datetimeFigureOut">
               <a:rPr lang="en-US" smtClean="0"/>
-              <a:t>1/18/18</a:t>
+              <a:t>1/14/19</a:t>
             </a:fld>
             <a:endParaRPr lang="en-US"/>
           </a:p>
@@ -789,7 +789,7 @@
           <a:p>
             <a:fld id="{2B908699-CE29-634D-83B5-1061B2BD35A6}" type="datetimeFigureOut">
               <a:rPr lang="en-US" smtClean="0"/>
-              <a:t>1/18/18</a:t>
+              <a:t>1/14/19</a:t>
             </a:fld>
             <a:endParaRPr lang="en-US"/>
           </a:p>
@@ -959,7 +959,7 @@
           <a:p>
             <a:fld id="{2B908699-CE29-634D-83B5-1061B2BD35A6}" type="datetimeFigureOut">
               <a:rPr lang="en-US" smtClean="0"/>
-              <a:t>1/18/18</a:t>
+              <a:t>1/14/19</a:t>
             </a:fld>
             <a:endParaRPr lang="en-US"/>
           </a:p>
@@ -1139,7 +1139,7 @@
           <a:p>
             <a:fld id="{2B908699-CE29-634D-83B5-1061B2BD35A6}" type="datetimeFigureOut">
               <a:rPr lang="en-US" smtClean="0"/>
-              <a:t>1/18/18</a:t>
+              <a:t>1/14/19</a:t>
             </a:fld>
             <a:endParaRPr lang="en-US"/>
           </a:p>
@@ -1316,7 +1316,7 @@
           <a:p>
             <a:fld id="{2B908699-CE29-634D-83B5-1061B2BD35A6}" type="datetimeFigureOut">
               <a:rPr lang="en-US" smtClean="0"/>
-              <a:t>1/18/18</a:t>
+              <a:t>1/14/19</a:t>
             </a:fld>
             <a:endParaRPr lang="en-US"/>
           </a:p>
@@ -1562,7 +1562,7 @@
           <a:p>
             <a:fld id="{2B908699-CE29-634D-83B5-1061B2BD35A6}" type="datetimeFigureOut">
               <a:rPr lang="en-US" smtClean="0"/>
-              <a:t>1/18/18</a:t>
+              <a:t>1/14/19</a:t>
             </a:fld>
             <a:endParaRPr lang="en-US"/>
           </a:p>
@@ -1794,7 +1794,7 @@
           <a:p>
             <a:fld id="{2B908699-CE29-634D-83B5-1061B2BD35A6}" type="datetimeFigureOut">
               <a:rPr lang="en-US" smtClean="0"/>
-              <a:t>1/18/18</a:t>
+              <a:t>1/14/19</a:t>
             </a:fld>
             <a:endParaRPr lang="en-US"/>
           </a:p>
@@ -2161,7 +2161,7 @@
           <a:p>
             <a:fld id="{2B908699-CE29-634D-83B5-1061B2BD35A6}" type="datetimeFigureOut">
               <a:rPr lang="en-US" smtClean="0"/>
-              <a:t>1/18/18</a:t>
+              <a:t>1/14/19</a:t>
             </a:fld>
             <a:endParaRPr lang="en-US"/>
           </a:p>
@@ -2279,7 +2279,7 @@
           <a:p>
             <a:fld id="{2B908699-CE29-634D-83B5-1061B2BD35A6}" type="datetimeFigureOut">
               <a:rPr lang="en-US" smtClean="0"/>
-              <a:t>1/18/18</a:t>
+              <a:t>1/14/19</a:t>
             </a:fld>
             <a:endParaRPr lang="en-US"/>
           </a:p>
@@ -2374,7 +2374,7 @@
           <a:p>
             <a:fld id="{2B908699-CE29-634D-83B5-1061B2BD35A6}" type="datetimeFigureOut">
               <a:rPr lang="en-US" smtClean="0"/>
-              <a:t>1/18/18</a:t>
+              <a:t>1/14/19</a:t>
             </a:fld>
             <a:endParaRPr lang="en-US"/>
           </a:p>
@@ -2651,7 +2651,7 @@
           <a:p>
             <a:fld id="{2B908699-CE29-634D-83B5-1061B2BD35A6}" type="datetimeFigureOut">
               <a:rPr lang="en-US" smtClean="0"/>
-              <a:t>1/18/18</a:t>
+              <a:t>1/14/19</a:t>
             </a:fld>
             <a:endParaRPr lang="en-US"/>
           </a:p>
@@ -2904,7 +2904,7 @@
           <a:p>
             <a:fld id="{2B908699-CE29-634D-83B5-1061B2BD35A6}" type="datetimeFigureOut">
               <a:rPr lang="en-US" smtClean="0"/>
-              <a:t>1/18/18</a:t>
+              <a:t>1/14/19</a:t>
             </a:fld>
             <a:endParaRPr lang="en-US"/>
           </a:p>
@@ -3117,7 +3117,7 @@
           <a:p>
             <a:fld id="{2B908699-CE29-634D-83B5-1061B2BD35A6}" type="datetimeFigureOut">
               <a:rPr lang="en-US" smtClean="0"/>
-              <a:t>1/18/18</a:t>
+              <a:t>1/14/19</a:t>
             </a:fld>
             <a:endParaRPr lang="en-US"/>
           </a:p>
@@ -6484,7 +6484,7 @@
         <p:spPr>
           <a:xfrm>
             <a:off x="512064" y="1298448"/>
-            <a:ext cx="11319509" cy="4401205"/>
+            <a:ext cx="9544729" cy="3539430"/>
           </a:xfrm>
           <a:prstGeom prst="rect">
             <a:avLst/>
@@ -6503,11 +6503,11 @@
             </a:pPr>
             <a:r>
               <a:rPr lang="en-US" sz="2800" dirty="0" smtClean="0"/>
-              <a:t>Today R is basically a requirement to maximize your productivity in STEM</a:t>
+              <a:t>Learning </a:t>
             </a:r>
             <a:r>
               <a:rPr lang="en-US" sz="2800" dirty="0" smtClean="0"/>
-              <a:t>.</a:t>
+              <a:t>curve</a:t>
             </a:r>
           </a:p>
           <a:p>
@@ -6515,7 +6515,10 @@
               <a:buFont typeface="Arial" charset="0"/>
               <a:buChar char="•"/>
             </a:pPr>
-            <a:endParaRPr lang="en-US" sz="2800" dirty="0" smtClean="0"/>
+            <a:r>
+              <a:rPr lang="en-US" sz="2800" dirty="0" smtClean="0"/>
+              <a:t>Anyone can make a package - so there is some junk out there</a:t>
+            </a:r>
           </a:p>
           <a:p>
             <a:pPr marL="457200" indent="-457200">
@@ -6524,31 +6527,7 @@
             </a:pPr>
             <a:r>
               <a:rPr lang="en-US" sz="2800" dirty="0" smtClean="0"/>
-              <a:t>Learning curve</a:t>
-            </a:r>
-          </a:p>
-          <a:p>
-            <a:pPr marL="457200" indent="-457200">
-              <a:buFont typeface="Arial" charset="0"/>
-              <a:buChar char="•"/>
-            </a:pPr>
-            <a:r>
-              <a:rPr lang="en-US" sz="2800" dirty="0" smtClean="0"/>
-              <a:t>Anyone can make a package - so there is some junk out there</a:t>
-            </a:r>
-          </a:p>
-          <a:p>
-            <a:pPr marL="457200" indent="-457200">
-              <a:buFont typeface="Arial" charset="0"/>
-              <a:buChar char="•"/>
-            </a:pPr>
-            <a:r>
-              <a:rPr lang="en-US" sz="2800" dirty="0" smtClean="0"/>
-              <a:t>Memory </a:t>
-            </a:r>
-            <a:r>
-              <a:rPr lang="en-US" sz="2800" dirty="0" smtClean="0"/>
-              <a:t>issues</a:t>
+              <a:t>Memory issues</a:t>
             </a:r>
             <a:endParaRPr lang="en-US" sz="2800" dirty="0"/>
           </a:p>
@@ -6644,7 +6623,7 @@
                                         <p:tgtEl>
                                           <p:spTgt spid="3">
                                             <p:txEl>
-                                              <p:pRg st="2" end="2"/>
+                                              <p:pRg st="0" end="0"/>
                                             </p:txEl>
                                           </p:spTgt>
                                         </p:tgtEl>
@@ -6693,7 +6672,7 @@
                                         <p:tgtEl>
                                           <p:spTgt spid="3">
                                             <p:txEl>
-                                              <p:pRg st="3" end="3"/>
+                                              <p:pRg st="1" end="1"/>
                                             </p:txEl>
                                           </p:spTgt>
                                         </p:tgtEl>
@@ -6742,7 +6721,7 @@
                                         <p:tgtEl>
                                           <p:spTgt spid="3">
                                             <p:txEl>
-                                              <p:pRg st="4" end="4"/>
+                                              <p:pRg st="2" end="2"/>
                                             </p:txEl>
                                           </p:spTgt>
                                         </p:tgtEl>
@@ -6791,7 +6770,7 @@
                                         <p:tgtEl>
                                           <p:spTgt spid="3">
                                             <p:txEl>
-                                              <p:pRg st="5" end="5"/>
+                                              <p:pRg st="3" end="3"/>
                                             </p:txEl>
                                           </p:spTgt>
                                         </p:tgtEl>
@@ -6822,7 +6801,7 @@
                                         <p:tgtEl>
                                           <p:spTgt spid="3">
                                             <p:txEl>
-                                              <p:pRg st="6" end="6"/>
+                                              <p:pRg st="4" end="4"/>
                                             </p:txEl>
                                           </p:spTgt>
                                         </p:tgtEl>
@@ -6853,7 +6832,7 @@
                                         <p:tgtEl>
                                           <p:spTgt spid="3">
                                             <p:txEl>
-                                              <p:pRg st="7" end="7"/>
+                                              <p:pRg st="5" end="5"/>
                                             </p:txEl>
                                           </p:spTgt>
                                         </p:tgtEl>
@@ -6884,7 +6863,7 @@
                                         <p:tgtEl>
                                           <p:spTgt spid="3">
                                             <p:txEl>
-                                              <p:pRg st="8" end="8"/>
+                                              <p:pRg st="6" end="6"/>
                                             </p:txEl>
                                           </p:spTgt>
                                         </p:tgtEl>
@@ -7240,7 +7219,7 @@
           <a:p>
             <a:pPr algn="ctr"/>
             <a:r>
-              <a:rPr lang="en-US" b="1" smtClean="0">
+              <a:rPr lang="en-US" b="1" dirty="0" smtClean="0">
                 <a:solidFill>
                   <a:schemeClr val="bg1"/>
                 </a:solidFill>
@@ -7248,12 +7227,12 @@
               <a:t>For </a:t>
             </a:r>
             <a:r>
-              <a:rPr lang="en-US" b="1" smtClean="0">
+              <a:rPr lang="en-US" b="1" dirty="0" smtClean="0">
                 <a:solidFill>
                   <a:schemeClr val="bg1"/>
                 </a:solidFill>
               </a:rPr>
-              <a:t>Tuesday</a:t>
+              <a:t>Thursday</a:t>
             </a:r>
             <a:endParaRPr lang="en-US" b="1" dirty="0">
               <a:solidFill>
@@ -7272,7 +7251,7 @@
         <p:spPr>
           <a:xfrm>
             <a:off x="242170" y="1086291"/>
-            <a:ext cx="11519770" cy="5509200"/>
+            <a:ext cx="11519770" cy="5755422"/>
           </a:xfrm>
           <a:prstGeom prst="rect">
             <a:avLst/>
@@ -7289,36 +7268,9 @@
               <a:buAutoNum type="arabicPeriod"/>
             </a:pPr>
             <a:r>
-              <a:rPr lang="en-US" sz="3200" smtClean="0"/>
+              <a:rPr lang="en-US" sz="3200" dirty="0" smtClean="0"/>
               <a:t>Do homework 1.</a:t>
             </a:r>
-          </a:p>
-          <a:p>
-            <a:pPr marL="514350" indent="-514350" fontAlgn="base">
-              <a:buFont typeface="+mj-lt"/>
-              <a:buAutoNum type="arabicPeriod"/>
-            </a:pPr>
-            <a:r>
-              <a:rPr lang="en-US" sz="3200" smtClean="0"/>
-              <a:t>Read </a:t>
-            </a:r>
-            <a:r>
-              <a:rPr lang="en-US" sz="3200" dirty="0"/>
-              <a:t>chapters 1 and 2 of </a:t>
-            </a:r>
-            <a:r>
-              <a:rPr lang="en-US" sz="3200" dirty="0" smtClean="0"/>
-              <a:t>WS </a:t>
-            </a:r>
-            <a:r>
-              <a:rPr lang="mr-IN" sz="3200" dirty="0" smtClean="0"/>
-              <a:t>–</a:t>
-            </a:r>
-            <a:r>
-              <a:rPr lang="en-US" sz="3200" dirty="0" smtClean="0"/>
-              <a:t> good supplemental readings too!</a:t>
-            </a:r>
-            <a:endParaRPr lang="en-US" sz="3200" dirty="0"/>
           </a:p>
           <a:p>
             <a:pPr marL="514350" indent="-514350" fontAlgn="base">
@@ -7374,16 +7326,58 @@
             </a:r>
             <a:r>
               <a:rPr lang="en-US" sz="3200" dirty="0" smtClean="0"/>
-              <a:t>Tuesday </a:t>
+              <a:t>Thursday </a:t>
             </a:r>
             <a:r>
               <a:rPr lang="en-US" sz="3200" dirty="0"/>
-              <a:t>if you run into problems</a:t>
+              <a:t>if you run into </a:t>
+            </a:r>
+            <a:r>
+              <a:rPr lang="en-US" sz="3200" dirty="0" smtClean="0"/>
+              <a:t>problems</a:t>
+            </a:r>
+          </a:p>
+          <a:p>
+            <a:pPr marL="514350" indent="-514350" fontAlgn="base">
+              <a:buFont typeface="+mj-lt"/>
+              <a:buAutoNum type="arabicPeriod"/>
+            </a:pPr>
+            <a:r>
+              <a:rPr lang="en-US" sz="3200" dirty="0" smtClean="0"/>
+              <a:t>Begin reading </a:t>
+            </a:r>
+            <a:r>
+              <a:rPr lang="en-US" sz="3200" dirty="0"/>
+              <a:t>chapters 1 and 2 of WS </a:t>
+            </a:r>
+            <a:r>
+              <a:rPr lang="mr-IN" sz="3200" dirty="0"/>
+              <a:t>–</a:t>
+            </a:r>
+            <a:r>
+              <a:rPr lang="en-US" sz="3200" dirty="0"/>
+              <a:t> good supplemental readings too</a:t>
+            </a:r>
+            <a:r>
+              <a:rPr lang="en-US" sz="3200" dirty="0" smtClean="0"/>
+              <a:t>! </a:t>
+            </a:r>
+            <a:r>
+              <a:rPr lang="mr-IN" sz="3200" dirty="0" smtClean="0"/>
+              <a:t>–</a:t>
+            </a:r>
+            <a:r>
+              <a:rPr lang="en-US" sz="3200" dirty="0" smtClean="0"/>
+              <a:t> Be done by Tuesday</a:t>
+            </a:r>
+            <a:r>
+              <a:rPr lang="en-US" sz="3200" dirty="0"/>
+              <a:t/>
             </a:r>
             <a:br>
               <a:rPr lang="en-US" sz="3200" dirty="0"/>
             </a:br>
-            <a:endParaRPr lang="en-US" sz="3200" dirty="0"/>
+            <a:endParaRPr lang="en-US" sz="1100" dirty="0"/>
           </a:p>
           <a:p>
             <a:pPr fontAlgn="base"/>
@@ -7669,7 +7663,7 @@
             </a:r>
             <a:r>
               <a:rPr lang="en-US" sz="4000" dirty="0" smtClean="0"/>
-              <a:t>next week</a:t>
+              <a:t>Thursday</a:t>
             </a:r>
             <a:endParaRPr lang="en-US" sz="4000" dirty="0"/>
           </a:p>
@@ -8073,9 +8067,80 @@
   <p:timing>
     <p:tnLst>
       <p:par>
-        <p:cTn id="1" dur="indefinite" restart="never" nodeType="tmRoot"/>
+        <p:cTn id="1" dur="indefinite" restart="never" nodeType="tmRoot">
+          <p:childTnLst>
+            <p:seq concurrent="1" nextAc="seek">
+              <p:cTn id="2" dur="indefinite" nodeType="mainSeq">
+                <p:childTnLst>
+                  <p:par>
+                    <p:cTn id="3" fill="hold">
+                      <p:stCondLst>
+                        <p:cond delay="indefinite"/>
+                      </p:stCondLst>
+                      <p:childTnLst>
+                        <p:par>
+                          <p:cTn id="4" fill="hold">
+                            <p:stCondLst>
+                              <p:cond delay="0"/>
+                            </p:stCondLst>
+                            <p:childTnLst>
+                              <p:par>
+                                <p:cTn id="5" presetID="1" presetClass="entr" presetSubtype="0" fill="hold" grpId="0" nodeType="clickEffect">
+                                  <p:stCondLst>
+                                    <p:cond delay="0"/>
+                                  </p:stCondLst>
+                                  <p:childTnLst>
+                                    <p:set>
+                                      <p:cBhvr>
+                                        <p:cTn id="6" dur="1" fill="hold">
+                                          <p:stCondLst>
+                                            <p:cond delay="0"/>
+                                          </p:stCondLst>
+                                        </p:cTn>
+                                        <p:tgtEl>
+                                          <p:spTgt spid="4"/>
+                                        </p:tgtEl>
+                                        <p:attrNameLst>
+                                          <p:attrName>style.visibility</p:attrName>
+                                        </p:attrNameLst>
+                                      </p:cBhvr>
+                                      <p:to>
+                                        <p:strVal val="visible"/>
+                                      </p:to>
+                                    </p:set>
+                                  </p:childTnLst>
+                                </p:cTn>
+                              </p:par>
+                            </p:childTnLst>
+                          </p:cTn>
+                        </p:par>
+                      </p:childTnLst>
+                    </p:cTn>
+                  </p:par>
+                </p:childTnLst>
+              </p:cTn>
+              <p:prevCondLst>
+                <p:cond evt="onPrev" delay="0">
+                  <p:tgtEl>
+                    <p:sldTgt/>
+                  </p:tgtEl>
+                </p:cond>
+              </p:prevCondLst>
+              <p:nextCondLst>
+                <p:cond evt="onNext" delay="0">
+                  <p:tgtEl>
+                    <p:sldTgt/>
+                  </p:tgtEl>
+                </p:cond>
+              </p:nextCondLst>
+            </p:seq>
+          </p:childTnLst>
+        </p:cTn>
       </p:par>
     </p:tnLst>
+    <p:bldLst>
+      <p:bldP spid="4" grpId="0"/>
+    </p:bldLst>
   </p:timing>
 </p:sld>
 </file>
@@ -9221,7 +9286,15 @@
             </a:r>
             <a:r>
               <a:rPr lang="en-US" sz="3200" i="1" dirty="0"/>
-              <a:t>many ways, therefore, modern statistics was an offshoot of </a:t>
+              <a:t>many </a:t>
+            </a:r>
+            <a:r>
+              <a:rPr lang="en-US" sz="3200" i="1" dirty="0" smtClean="0"/>
+              <a:t>ways modern </a:t>
+            </a:r>
+            <a:r>
+              <a:rPr lang="en-US" sz="3200" i="1" dirty="0"/>
+              <a:t>statistics was an offshoot of </a:t>
             </a:r>
             <a:r>
               <a:rPr lang="en-US" sz="3200" i="1" dirty="0" smtClean="0"/>
@@ -9696,25 +9769,17 @@
               <a:buChar char="•"/>
             </a:pPr>
             <a:r>
-              <a:rPr lang="en-US" sz="2800" dirty="0" smtClean="0">
-                <a:latin typeface="inherit" charset="0"/>
-              </a:rPr>
+              <a:rPr lang="en-US" sz="2800" dirty="0" smtClean="0"/>
               <a:t>We </a:t>
             </a:r>
             <a:r>
-              <a:rPr lang="en-US" sz="2800" dirty="0">
-                <a:latin typeface="inherit" charset="0"/>
-              </a:rPr>
+              <a:rPr lang="en-US" sz="2800" dirty="0"/>
               <a:t>want to test hypotheses.</a:t>
             </a:r>
             <a:br>
-              <a:rPr lang="en-US" sz="2800" dirty="0">
-                <a:latin typeface="inherit" charset="0"/>
-              </a:rPr>
+              <a:rPr lang="en-US" sz="2800" dirty="0"/>
             </a:br>
-            <a:endParaRPr lang="en-US" dirty="0">
-              <a:latin typeface="inherit" charset="0"/>
-            </a:endParaRPr>
+            <a:endParaRPr lang="en-US" dirty="0"/>
           </a:p>
           <a:p>
             <a:pPr fontAlgn="base">
@@ -9722,19 +9787,13 @@
               <a:buChar char="•"/>
             </a:pPr>
             <a:r>
-              <a:rPr lang="en-US" sz="2800" dirty="0">
-                <a:latin typeface="inherit" charset="0"/>
-              </a:rPr>
+              <a:rPr lang="en-US" sz="2800" dirty="0"/>
               <a:t>To test a hypothesis we have to design an experiment</a:t>
             </a:r>
             <a:br>
-              <a:rPr lang="en-US" sz="2800" dirty="0">
-                <a:latin typeface="inherit" charset="0"/>
-              </a:rPr>
+              <a:rPr lang="en-US" sz="2800" dirty="0"/>
             </a:br>
-            <a:endParaRPr lang="en-US" dirty="0">
-              <a:latin typeface="inherit" charset="0"/>
-            </a:endParaRPr>
+            <a:endParaRPr lang="en-US" dirty="0"/>
           </a:p>
           <a:p>
             <a:pPr fontAlgn="base">
@@ -9742,31 +9801,21 @@
               <a:buChar char="•"/>
             </a:pPr>
             <a:r>
-              <a:rPr lang="en-US" sz="2800" dirty="0">
-                <a:latin typeface="inherit" charset="0"/>
-              </a:rPr>
+              <a:rPr lang="en-US" sz="2800" dirty="0"/>
               <a:t>Not all experiments have a traditional control and experimental </a:t>
             </a:r>
             <a:r>
-              <a:rPr lang="en-US" sz="2800" dirty="0" smtClean="0">
-                <a:latin typeface="inherit" charset="0"/>
-              </a:rPr>
+              <a:rPr lang="en-US" sz="2800" dirty="0" smtClean="0"/>
               <a:t>treatment and this isn’t always how we want to test a hypothesis</a:t>
             </a:r>
             <a:r>
-              <a:rPr lang="en-US" sz="2800" dirty="0">
-                <a:latin typeface="inherit" charset="0"/>
-              </a:rPr>
+              <a:rPr lang="en-US" sz="2800" dirty="0"/>
               <a:t/>
             </a:r>
             <a:br>
-              <a:rPr lang="en-US" sz="2800" dirty="0">
-                <a:latin typeface="inherit" charset="0"/>
-              </a:rPr>
+              <a:rPr lang="en-US" sz="2800" dirty="0"/>
             </a:br>
-            <a:endParaRPr lang="en-US" dirty="0">
-              <a:latin typeface="inherit" charset="0"/>
-            </a:endParaRPr>
+            <a:endParaRPr lang="en-US" dirty="0"/>
           </a:p>
           <a:p>
             <a:pPr fontAlgn="base">
@@ -9774,19 +9823,13 @@
               <a:buChar char="•"/>
             </a:pPr>
             <a:r>
-              <a:rPr lang="en-US" sz="2800" dirty="0">
-                <a:latin typeface="inherit" charset="0"/>
-              </a:rPr>
+              <a:rPr lang="en-US" sz="2800" dirty="0"/>
               <a:t>It is quite possible to design a study or collect data that cannot answer the questions that we have</a:t>
             </a:r>
             <a:br>
-              <a:rPr lang="en-US" sz="2800" dirty="0">
-                <a:latin typeface="inherit" charset="0"/>
-              </a:rPr>
+              <a:rPr lang="en-US" sz="2800" dirty="0"/>
             </a:br>
-            <a:endParaRPr lang="en-US" dirty="0">
-              <a:latin typeface="inherit" charset="0"/>
-            </a:endParaRPr>
+            <a:endParaRPr lang="en-US" dirty="0"/>
           </a:p>
           <a:p>
             <a:pPr fontAlgn="base">
@@ -9794,32 +9837,23 @@
               <a:buChar char="•"/>
             </a:pPr>
             <a:r>
-              <a:rPr lang="en-US" sz="2800" dirty="0">
-                <a:latin typeface="inherit" charset="0"/>
-              </a:rPr>
+              <a:rPr lang="en-US" sz="2800" dirty="0"/>
               <a:t>This leads to poor manuscripts and can lead to bad practices like </a:t>
             </a:r>
             <a:r>
-              <a:rPr lang="en-US" sz="2800" dirty="0" smtClean="0">
-                <a:latin typeface="inherit" charset="0"/>
-              </a:rPr>
+              <a:rPr lang="en-US" sz="2800" dirty="0" smtClean="0"/>
               <a:t>p-hacking </a:t>
             </a:r>
             <a:r>
-              <a:rPr lang="mr-IN" sz="2800" dirty="0" smtClean="0">
-                <a:latin typeface="inherit" charset="0"/>
-              </a:rPr>
+              <a:rPr lang="mr-IN" sz="2800" dirty="0" smtClean="0"/>
               <a:t>–</a:t>
             </a:r>
             <a:r>
-              <a:rPr lang="en-US" sz="2800" dirty="0" smtClean="0">
-                <a:latin typeface="inherit" charset="0"/>
-              </a:rPr>
+              <a:rPr lang="en-US" sz="2800" dirty="0" smtClean="0"/>
               <a:t> or mastering out</a:t>
             </a:r>
             <a:endParaRPr lang="en-US" sz="2800" dirty="0">
               <a:effectLst/>
-              <a:latin typeface="inherit" charset="0"/>
             </a:endParaRPr>
           </a:p>
         </p:txBody>
@@ -10202,11 +10236,11 @@
             <a:pPr fontAlgn="base"/>
             <a:r>
               <a:rPr lang="en-US" sz="3200" dirty="0" smtClean="0"/>
-              <a:t>So</a:t>
+              <a:t>To </a:t>
             </a:r>
             <a:r>
               <a:rPr lang="en-US" sz="3200" dirty="0"/>
-              <a:t>, to design an experiment you need to understand how the data will be analyzed statistically</a:t>
+              <a:t>design an experiment you need to understand how the data will be analyzed statistically</a:t>
             </a:r>
             <a:r>
               <a:rPr lang="en-US" sz="3200" dirty="0" smtClean="0"/>

--- a/teaching/expdes/lec1.pptx
+++ b/teaching/expdes/lec1.pptx
@@ -7251,7 +7251,7 @@
         <p:spPr>
           <a:xfrm>
             <a:off x="242170" y="1086291"/>
-            <a:ext cx="11519770" cy="5755422"/>
+            <a:ext cx="11519770" cy="5186035"/>
           </a:xfrm>
           <a:prstGeom prst="rect">
             <a:avLst/>
@@ -7344,7 +7344,7 @@
             </a:pPr>
             <a:r>
               <a:rPr lang="en-US" sz="3200" dirty="0" smtClean="0"/>
-              <a:t>Begin reading </a:t>
+              <a:t>Read </a:t>
             </a:r>
             <a:r>
               <a:rPr lang="en-US" sz="3200" dirty="0"/>
@@ -7359,16 +7359,8 @@
               <a:t> good supplemental readings too</a:t>
             </a:r>
             <a:r>
-              <a:rPr lang="en-US" sz="3200" dirty="0" smtClean="0"/>
+              <a:rPr lang="en-US" sz="3200" smtClean="0"/>
               <a:t>! </a:t>
-            </a:r>
-            <a:r>
-              <a:rPr lang="mr-IN" sz="3200" dirty="0" smtClean="0"/>
-              <a:t>–</a:t>
-            </a:r>
-            <a:r>
-              <a:rPr lang="en-US" sz="3200" dirty="0" smtClean="0"/>
-              <a:t> Be done by Tuesday</a:t>
             </a:r>
             <a:r>
               <a:rPr lang="en-US" sz="3200" dirty="0"/>

--- a/teaching/expdes/lec1.pptx
+++ b/teaching/expdes/lec1.pptx
@@ -7359,7 +7359,7 @@
               <a:t> good supplemental readings too</a:t>
             </a:r>
             <a:r>
-              <a:rPr lang="en-US" sz="3200" smtClean="0"/>
+              <a:rPr lang="en-US" sz="3200" dirty="0" smtClean="0"/>
               <a:t>! </a:t>
             </a:r>
             <a:r>

--- a/teaching/expdes/lec1.pptx
+++ b/teaching/expdes/lec1.pptx
@@ -214,7 +214,7 @@
           <a:p>
             <a:fld id="{9BED238F-C13A-7E4E-AF4F-F9F0C2A207DD}" type="datetimeFigureOut">
               <a:rPr lang="en-US" smtClean="0"/>
-              <a:t>1/14/19</a:t>
+              <a:t>1/15/19</a:t>
             </a:fld>
             <a:endParaRPr lang="en-US"/>
           </a:p>
@@ -789,7 +789,7 @@
           <a:p>
             <a:fld id="{2B908699-CE29-634D-83B5-1061B2BD35A6}" type="datetimeFigureOut">
               <a:rPr lang="en-US" smtClean="0"/>
-              <a:t>1/14/19</a:t>
+              <a:t>1/15/19</a:t>
             </a:fld>
             <a:endParaRPr lang="en-US"/>
           </a:p>
@@ -959,7 +959,7 @@
           <a:p>
             <a:fld id="{2B908699-CE29-634D-83B5-1061B2BD35A6}" type="datetimeFigureOut">
               <a:rPr lang="en-US" smtClean="0"/>
-              <a:t>1/14/19</a:t>
+              <a:t>1/15/19</a:t>
             </a:fld>
             <a:endParaRPr lang="en-US"/>
           </a:p>
@@ -1139,7 +1139,7 @@
           <a:p>
             <a:fld id="{2B908699-CE29-634D-83B5-1061B2BD35A6}" type="datetimeFigureOut">
               <a:rPr lang="en-US" smtClean="0"/>
-              <a:t>1/14/19</a:t>
+              <a:t>1/15/19</a:t>
             </a:fld>
             <a:endParaRPr lang="en-US"/>
           </a:p>
@@ -1316,7 +1316,7 @@
           <a:p>
             <a:fld id="{2B908699-CE29-634D-83B5-1061B2BD35A6}" type="datetimeFigureOut">
               <a:rPr lang="en-US" smtClean="0"/>
-              <a:t>1/14/19</a:t>
+              <a:t>1/15/19</a:t>
             </a:fld>
             <a:endParaRPr lang="en-US"/>
           </a:p>
@@ -1562,7 +1562,7 @@
           <a:p>
             <a:fld id="{2B908699-CE29-634D-83B5-1061B2BD35A6}" type="datetimeFigureOut">
               <a:rPr lang="en-US" smtClean="0"/>
-              <a:t>1/14/19</a:t>
+              <a:t>1/15/19</a:t>
             </a:fld>
             <a:endParaRPr lang="en-US"/>
           </a:p>
@@ -1794,7 +1794,7 @@
           <a:p>
             <a:fld id="{2B908699-CE29-634D-83B5-1061B2BD35A6}" type="datetimeFigureOut">
               <a:rPr lang="en-US" smtClean="0"/>
-              <a:t>1/14/19</a:t>
+              <a:t>1/15/19</a:t>
             </a:fld>
             <a:endParaRPr lang="en-US"/>
           </a:p>
@@ -2161,7 +2161,7 @@
           <a:p>
             <a:fld id="{2B908699-CE29-634D-83B5-1061B2BD35A6}" type="datetimeFigureOut">
               <a:rPr lang="en-US" smtClean="0"/>
-              <a:t>1/14/19</a:t>
+              <a:t>1/15/19</a:t>
             </a:fld>
             <a:endParaRPr lang="en-US"/>
           </a:p>
@@ -2279,7 +2279,7 @@
           <a:p>
             <a:fld id="{2B908699-CE29-634D-83B5-1061B2BD35A6}" type="datetimeFigureOut">
               <a:rPr lang="en-US" smtClean="0"/>
-              <a:t>1/14/19</a:t>
+              <a:t>1/15/19</a:t>
             </a:fld>
             <a:endParaRPr lang="en-US"/>
           </a:p>
@@ -2374,7 +2374,7 @@
           <a:p>
             <a:fld id="{2B908699-CE29-634D-83B5-1061B2BD35A6}" type="datetimeFigureOut">
               <a:rPr lang="en-US" smtClean="0"/>
-              <a:t>1/14/19</a:t>
+              <a:t>1/15/19</a:t>
             </a:fld>
             <a:endParaRPr lang="en-US"/>
           </a:p>
@@ -2651,7 +2651,7 @@
           <a:p>
             <a:fld id="{2B908699-CE29-634D-83B5-1061B2BD35A6}" type="datetimeFigureOut">
               <a:rPr lang="en-US" smtClean="0"/>
-              <a:t>1/14/19</a:t>
+              <a:t>1/15/19</a:t>
             </a:fld>
             <a:endParaRPr lang="en-US"/>
           </a:p>
@@ -2904,7 +2904,7 @@
           <a:p>
             <a:fld id="{2B908699-CE29-634D-83B5-1061B2BD35A6}" type="datetimeFigureOut">
               <a:rPr lang="en-US" smtClean="0"/>
-              <a:t>1/14/19</a:t>
+              <a:t>1/15/19</a:t>
             </a:fld>
             <a:endParaRPr lang="en-US"/>
           </a:p>
@@ -3117,7 +3117,7 @@
           <a:p>
             <a:fld id="{2B908699-CE29-634D-83B5-1061B2BD35A6}" type="datetimeFigureOut">
               <a:rPr lang="en-US" smtClean="0"/>
-              <a:t>1/14/19</a:t>
+              <a:t>1/15/19</a:t>
             </a:fld>
             <a:endParaRPr lang="en-US"/>
           </a:p>
@@ -6503,11 +6503,7 @@
             </a:pPr>
             <a:r>
               <a:rPr lang="en-US" sz="2800" dirty="0" smtClean="0"/>
-              <a:t>Learning </a:t>
-            </a:r>
-            <a:r>
-              <a:rPr lang="en-US" sz="2800" dirty="0" smtClean="0"/>
-              <a:t>curve</a:t>
+              <a:t>Learning curve</a:t>
             </a:r>
           </a:p>
           <a:p>
@@ -7224,15 +7220,7 @@
                   <a:schemeClr val="bg1"/>
                 </a:solidFill>
               </a:rPr>
-              <a:t>For </a:t>
-            </a:r>
-            <a:r>
-              <a:rPr lang="en-US" b="1" dirty="0" smtClean="0">
-                <a:solidFill>
-                  <a:schemeClr val="bg1"/>
-                </a:solidFill>
-              </a:rPr>
-              <a:t>Thursday</a:t>
+              <a:t>For Thursday</a:t>
             </a:r>
             <a:endParaRPr lang="en-US" b="1" dirty="0">
               <a:solidFill>
@@ -8284,266 +8272,6 @@
   <p:timing>
     <p:tnLst>
       <p:par>
-        <p:cTn id="1" dur="indefinite" restart="never" nodeType="tmRoot"/>
-      </p:par>
-    </p:tnLst>
-  </p:timing>
-</p:sld>
-</file>
-
-<file path=ppt/slides/slide5.xml><?xml version="1.0" encoding="utf-8"?>
-<p:sld xmlns:a="http://schemas.openxmlformats.org/drawingml/2006/main" xmlns:r="http://schemas.openxmlformats.org/officeDocument/2006/relationships" xmlns:p="http://schemas.openxmlformats.org/presentationml/2006/main">
-  <p:cSld>
-    <p:bg>
-      <p:bgPr>
-        <a:solidFill>
-          <a:schemeClr val="bg1">
-            <a:lumMod val="95000"/>
-          </a:schemeClr>
-        </a:solidFill>
-        <a:effectLst/>
-      </p:bgPr>
-    </p:bg>
-    <p:spTree>
-      <p:nvGrpSpPr>
-        <p:cNvPr id="1" name=""/>
-        <p:cNvGrpSpPr/>
-        <p:nvPr/>
-      </p:nvGrpSpPr>
-      <p:grpSpPr>
-        <a:xfrm>
-          <a:off x="0" y="0"/>
-          <a:ext cx="0" cy="0"/>
-          <a:chOff x="0" y="0"/>
-          <a:chExt cx="0" cy="0"/>
-        </a:xfrm>
-      </p:grpSpPr>
-      <p:sp>
-        <p:nvSpPr>
-          <p:cNvPr id="2" name="Title 1"/>
-          <p:cNvSpPr>
-            <a:spLocks noGrp="1"/>
-          </p:cNvSpPr>
-          <p:nvPr>
-            <p:ph type="title"/>
-          </p:nvPr>
-        </p:nvSpPr>
-        <p:spPr>
-          <a:xfrm>
-            <a:off x="0" y="0"/>
-            <a:ext cx="12192000" cy="935915"/>
-          </a:xfrm>
-          <a:solidFill>
-            <a:schemeClr val="tx1"/>
-          </a:solidFill>
-        </p:spPr>
-        <p:txBody>
-          <a:bodyPr/>
-          <a:lstStyle/>
-          <a:p>
-            <a:pPr algn="ctr"/>
-            <a:r>
-              <a:rPr lang="en-US" b="1" dirty="0">
-                <a:solidFill>
-                  <a:schemeClr val="bg1"/>
-                </a:solidFill>
-              </a:rPr>
-              <a:t>Reproducibility crisis</a:t>
-            </a:r>
-          </a:p>
-        </p:txBody>
-      </p:sp>
-      <p:sp>
-        <p:nvSpPr>
-          <p:cNvPr id="4" name="Rectangle 3"/>
-          <p:cNvSpPr/>
-          <p:nvPr/>
-        </p:nvSpPr>
-        <p:spPr>
-          <a:xfrm>
-            <a:off x="404812" y="1248912"/>
-            <a:ext cx="7774683" cy="5447645"/>
-          </a:xfrm>
-          <a:prstGeom prst="rect">
-            <a:avLst/>
-          </a:prstGeom>
-        </p:spPr>
-        <p:txBody>
-          <a:bodyPr wrap="square">
-            <a:spAutoFit/>
-          </a:bodyPr>
-          <a:lstStyle/>
-          <a:p>
-            <a:pPr marL="457200" indent="-457200" fontAlgn="base">
-              <a:buFont typeface="Arial" charset="0"/>
-              <a:buChar char="•"/>
-            </a:pPr>
-            <a:r>
-              <a:rPr lang="en-US" sz="3200" dirty="0" smtClean="0"/>
-              <a:t>Started </a:t>
-            </a:r>
-            <a:r>
-              <a:rPr lang="en-US" sz="3200" dirty="0"/>
-              <a:t>in the social sciences but some problems are </a:t>
-            </a:r>
-            <a:r>
-              <a:rPr lang="en-US" sz="3200" dirty="0" smtClean="0"/>
-              <a:t>widespread</a:t>
-            </a:r>
-          </a:p>
-          <a:p>
-            <a:pPr marL="457200" indent="-457200" fontAlgn="base">
-              <a:buFont typeface="Arial" charset="0"/>
-              <a:buChar char="•"/>
-            </a:pPr>
-            <a:endParaRPr lang="en-US" sz="2400" dirty="0"/>
-          </a:p>
-          <a:p>
-            <a:pPr marL="457200" indent="-457200" fontAlgn="base">
-              <a:buFont typeface="Arial" charset="0"/>
-              <a:buChar char="•"/>
-            </a:pPr>
-            <a:r>
-              <a:rPr lang="en-US" sz="3200" dirty="0"/>
-              <a:t>pressure to publish</a:t>
-            </a:r>
-            <a:br>
-              <a:rPr lang="en-US" sz="3200" dirty="0"/>
-            </a:br>
-            <a:endParaRPr lang="en-US" sz="2000" dirty="0"/>
-          </a:p>
-          <a:p>
-            <a:pPr marL="457200" indent="-457200" fontAlgn="base">
-              <a:buFont typeface="Arial" charset="0"/>
-              <a:buChar char="•"/>
-            </a:pPr>
-            <a:r>
-              <a:rPr lang="en-US" sz="3200" dirty="0"/>
-              <a:t>file drawer problem</a:t>
-            </a:r>
-            <a:br>
-              <a:rPr lang="en-US" sz="3200" dirty="0"/>
-            </a:br>
-            <a:endParaRPr lang="en-US" sz="2400" dirty="0"/>
-          </a:p>
-          <a:p>
-            <a:pPr marL="457200" indent="-457200" fontAlgn="base">
-              <a:buFont typeface="Arial" charset="0"/>
-              <a:buChar char="•"/>
-            </a:pPr>
-            <a:r>
-              <a:rPr lang="en-US" sz="3200" dirty="0"/>
-              <a:t>small sample sizes</a:t>
-            </a:r>
-            <a:br>
-              <a:rPr lang="en-US" sz="3200" dirty="0"/>
-            </a:br>
-            <a:endParaRPr lang="en-US" sz="2400" dirty="0"/>
-          </a:p>
-          <a:p>
-            <a:pPr marL="457200" indent="-457200" fontAlgn="base">
-              <a:buFont typeface="Arial" charset="0"/>
-              <a:buChar char="•"/>
-            </a:pPr>
-            <a:r>
-              <a:rPr lang="en-US" sz="3200" dirty="0"/>
-              <a:t>p-hacking</a:t>
-            </a:r>
-            <a:br>
-              <a:rPr lang="en-US" sz="3200" dirty="0"/>
-            </a:br>
-            <a:endParaRPr lang="en-US" sz="2400" dirty="0"/>
-          </a:p>
-          <a:p>
-            <a:pPr marL="457200" indent="-457200" fontAlgn="base">
-              <a:buFont typeface="Arial" charset="0"/>
-              <a:buChar char="•"/>
-            </a:pPr>
-            <a:r>
-              <a:rPr lang="en-US" sz="3200" dirty="0"/>
-              <a:t>unethical </a:t>
-            </a:r>
-            <a:r>
-              <a:rPr lang="en-US" sz="3200" dirty="0" smtClean="0"/>
-              <a:t>researchers</a:t>
-            </a:r>
-            <a:endParaRPr lang="en-US" sz="3200" dirty="0"/>
-          </a:p>
-        </p:txBody>
-      </p:sp>
-      <p:pic>
-        <p:nvPicPr>
-          <p:cNvPr id="3" name="Picture 2"/>
-          <p:cNvPicPr>
-            <a:picLocks noChangeAspect="1"/>
-          </p:cNvPicPr>
-          <p:nvPr/>
-        </p:nvPicPr>
-        <p:blipFill>
-          <a:blip r:embed="rId2">
-            <a:extLst>
-              <a:ext uri="{28A0092B-C50C-407E-A947-70E740481C1C}">
-                <a14:useLocalDpi xmlns:a14="http://schemas.microsoft.com/office/drawing/2010/main" val="0"/>
-              </a:ext>
-            </a:extLst>
-          </a:blip>
-          <a:stretch>
-            <a:fillRect/>
-          </a:stretch>
-        </p:blipFill>
-        <p:spPr>
-          <a:xfrm>
-            <a:off x="5277653" y="2675178"/>
-            <a:ext cx="2514518" cy="2595112"/>
-          </a:xfrm>
-          <a:prstGeom prst="rect">
-            <a:avLst/>
-          </a:prstGeom>
-        </p:spPr>
-      </p:pic>
-      <p:pic>
-        <p:nvPicPr>
-          <p:cNvPr id="6" name="Picture 5"/>
-          <p:cNvPicPr>
-            <a:picLocks noChangeAspect="1"/>
-          </p:cNvPicPr>
-          <p:nvPr/>
-        </p:nvPicPr>
-        <p:blipFill>
-          <a:blip r:embed="rId3">
-            <a:extLst>
-              <a:ext uri="{28A0092B-C50C-407E-A947-70E740481C1C}">
-                <a14:useLocalDpi xmlns:a14="http://schemas.microsoft.com/office/drawing/2010/main" val="0"/>
-              </a:ext>
-            </a:extLst>
-          </a:blip>
-          <a:stretch>
-            <a:fillRect/>
-          </a:stretch>
-        </p:blipFill>
-        <p:spPr>
-          <a:xfrm>
-            <a:off x="9037160" y="1248912"/>
-            <a:ext cx="2161769" cy="3255264"/>
-          </a:xfrm>
-          <a:prstGeom prst="rect">
-            <a:avLst/>
-          </a:prstGeom>
-        </p:spPr>
-      </p:pic>
-    </p:spTree>
-    <p:extLst>
-      <p:ext uri="{BB962C8B-B14F-4D97-AF65-F5344CB8AC3E}">
-        <p14:creationId xmlns:p14="http://schemas.microsoft.com/office/powerpoint/2010/main" val="1230530127"/>
-      </p:ext>
-    </p:extLst>
-  </p:cSld>
-  <p:clrMapOvr>
-    <a:masterClrMapping/>
-  </p:clrMapOvr>
-  <p:timing>
-    <p:tnLst>
-      <p:par>
         <p:cTn id="1" dur="indefinite" restart="never" nodeType="tmRoot">
           <p:childTnLst>
             <p:seq concurrent="1" nextAc="seek">
@@ -8624,7 +8352,11 @@
                                           </p:stCondLst>
                                         </p:cTn>
                                         <p:tgtEl>
-                                          <p:spTgt spid="3"/>
+                                          <p:spTgt spid="4">
+                                            <p:txEl>
+                                              <p:pRg st="1" end="1"/>
+                                            </p:txEl>
+                                          </p:spTgt>
                                         </p:tgtEl>
                                         <p:attrNameLst>
                                           <p:attrName>style.visibility</p:attrName>
@@ -8637,15 +8369,33 @@
                                   </p:childTnLst>
                                 </p:cTn>
                               </p:par>
+                            </p:childTnLst>
+                          </p:cTn>
+                        </p:par>
+                      </p:childTnLst>
+                    </p:cTn>
+                  </p:par>
+                  <p:par>
+                    <p:cTn id="11" fill="hold">
+                      <p:stCondLst>
+                        <p:cond delay="indefinite"/>
+                      </p:stCondLst>
+                      <p:childTnLst>
+                        <p:par>
+                          <p:cTn id="12" fill="hold">
+                            <p:stCondLst>
+                              <p:cond delay="0"/>
+                            </p:stCondLst>
+                            <p:childTnLst>
                               <p:par>
-                                <p:cTn id="11" presetID="1" presetClass="entr" presetSubtype="0" fill="hold" nodeType="withEffect">
+                                <p:cTn id="13" presetID="1" presetClass="entr" presetSubtype="0" fill="hold" nodeType="clickEffect">
                                   <p:stCondLst>
                                     <p:cond delay="0"/>
                                   </p:stCondLst>
                                   <p:childTnLst>
                                     <p:set>
                                       <p:cBhvr>
-                                        <p:cTn id="12" dur="1" fill="hold">
+                                        <p:cTn id="14" dur="1" fill="hold">
                                           <p:stCondLst>
                                             <p:cond delay="0"/>
                                           </p:stCondLst>
@@ -8675,26 +8425,26 @@
                     </p:cTn>
                   </p:par>
                   <p:par>
-                    <p:cTn id="13" fill="hold">
+                    <p:cTn id="15" fill="hold">
                       <p:stCondLst>
                         <p:cond delay="indefinite"/>
                       </p:stCondLst>
                       <p:childTnLst>
                         <p:par>
-                          <p:cTn id="14" fill="hold">
+                          <p:cTn id="16" fill="hold">
                             <p:stCondLst>
                               <p:cond delay="0"/>
                             </p:stCondLst>
                             <p:childTnLst>
                               <p:par>
-                                <p:cTn id="15" presetID="1" presetClass="entr" presetSubtype="0" fill="hold" nodeType="clickEffect">
+                                <p:cTn id="17" presetID="1" presetClass="entr" presetSubtype="0" fill="hold" nodeType="clickEffect">
                                   <p:stCondLst>
                                     <p:cond delay="0"/>
                                   </p:stCondLst>
                                   <p:childTnLst>
                                     <p:set>
                                       <p:cBhvr>
-                                        <p:cTn id="16" dur="1" fill="hold">
+                                        <p:cTn id="18" dur="1" fill="hold">
                                           <p:stCondLst>
                                             <p:cond delay="0"/>
                                           </p:stCondLst>
@@ -8723,20 +8473,530 @@
                       </p:childTnLst>
                     </p:cTn>
                   </p:par>
+                </p:childTnLst>
+              </p:cTn>
+              <p:prevCondLst>
+                <p:cond evt="onPrev" delay="0">
+                  <p:tgtEl>
+                    <p:sldTgt/>
+                  </p:tgtEl>
+                </p:cond>
+              </p:prevCondLst>
+              <p:nextCondLst>
+                <p:cond evt="onNext" delay="0">
+                  <p:tgtEl>
+                    <p:sldTgt/>
+                  </p:tgtEl>
+                </p:cond>
+              </p:nextCondLst>
+            </p:seq>
+          </p:childTnLst>
+        </p:cTn>
+      </p:par>
+    </p:tnLst>
+  </p:timing>
+</p:sld>
+</file>
+
+<file path=ppt/slides/slide5.xml><?xml version="1.0" encoding="utf-8"?>
+<p:sld xmlns:a="http://schemas.openxmlformats.org/drawingml/2006/main" xmlns:r="http://schemas.openxmlformats.org/officeDocument/2006/relationships" xmlns:p="http://schemas.openxmlformats.org/presentationml/2006/main">
+  <p:cSld>
+    <p:bg>
+      <p:bgPr>
+        <a:solidFill>
+          <a:schemeClr val="bg1">
+            <a:lumMod val="95000"/>
+          </a:schemeClr>
+        </a:solidFill>
+        <a:effectLst/>
+      </p:bgPr>
+    </p:bg>
+    <p:spTree>
+      <p:nvGrpSpPr>
+        <p:cNvPr id="1" name=""/>
+        <p:cNvGrpSpPr/>
+        <p:nvPr/>
+      </p:nvGrpSpPr>
+      <p:grpSpPr>
+        <a:xfrm>
+          <a:off x="0" y="0"/>
+          <a:ext cx="0" cy="0"/>
+          <a:chOff x="0" y="0"/>
+          <a:chExt cx="0" cy="0"/>
+        </a:xfrm>
+      </p:grpSpPr>
+      <p:sp>
+        <p:nvSpPr>
+          <p:cNvPr id="2" name="Title 1"/>
+          <p:cNvSpPr>
+            <a:spLocks noGrp="1"/>
+          </p:cNvSpPr>
+          <p:nvPr>
+            <p:ph type="title"/>
+          </p:nvPr>
+        </p:nvSpPr>
+        <p:spPr>
+          <a:xfrm>
+            <a:off x="0" y="0"/>
+            <a:ext cx="12192000" cy="935915"/>
+          </a:xfrm>
+          <a:solidFill>
+            <a:schemeClr val="tx1"/>
+          </a:solidFill>
+        </p:spPr>
+        <p:txBody>
+          <a:bodyPr/>
+          <a:lstStyle/>
+          <a:p>
+            <a:pPr algn="ctr"/>
+            <a:r>
+              <a:rPr lang="en-US" b="1" dirty="0">
+                <a:solidFill>
+                  <a:schemeClr val="bg1"/>
+                </a:solidFill>
+              </a:rPr>
+              <a:t>Reproducibility crisis</a:t>
+            </a:r>
+          </a:p>
+        </p:txBody>
+      </p:sp>
+      <p:sp>
+        <p:nvSpPr>
+          <p:cNvPr id="4" name="Rectangle 3"/>
+          <p:cNvSpPr/>
+          <p:nvPr/>
+        </p:nvSpPr>
+        <p:spPr>
+          <a:xfrm>
+            <a:off x="404812" y="1248912"/>
+            <a:ext cx="7774683" cy="5447645"/>
+          </a:xfrm>
+          <a:prstGeom prst="rect">
+            <a:avLst/>
+          </a:prstGeom>
+        </p:spPr>
+        <p:txBody>
+          <a:bodyPr wrap="square">
+            <a:spAutoFit/>
+          </a:bodyPr>
+          <a:lstStyle/>
+          <a:p>
+            <a:pPr marL="457200" indent="-457200" fontAlgn="base">
+              <a:buFont typeface="Arial" charset="0"/>
+              <a:buChar char="•"/>
+            </a:pPr>
+            <a:r>
+              <a:rPr lang="en-US" sz="3200" dirty="0" smtClean="0"/>
+              <a:t>Started </a:t>
+            </a:r>
+            <a:r>
+              <a:rPr lang="en-US" sz="3200" dirty="0"/>
+              <a:t>in the social sciences but some problems are </a:t>
+            </a:r>
+            <a:r>
+              <a:rPr lang="en-US" sz="3200" dirty="0" smtClean="0"/>
+              <a:t>widespread</a:t>
+            </a:r>
+          </a:p>
+          <a:p>
+            <a:pPr marL="457200" indent="-457200" fontAlgn="base">
+              <a:buFont typeface="Arial" charset="0"/>
+              <a:buChar char="•"/>
+            </a:pPr>
+            <a:endParaRPr lang="en-US" sz="2400" dirty="0"/>
+          </a:p>
+          <a:p>
+            <a:pPr marL="457200" indent="-457200" fontAlgn="base">
+              <a:buFont typeface="Arial" charset="0"/>
+              <a:buChar char="•"/>
+            </a:pPr>
+            <a:r>
+              <a:rPr lang="en-US" sz="3200" dirty="0"/>
+              <a:t>pressure to publish</a:t>
+            </a:r>
+            <a:br>
+              <a:rPr lang="en-US" sz="3200" dirty="0"/>
+            </a:br>
+            <a:endParaRPr lang="en-US" sz="2000" dirty="0"/>
+          </a:p>
+          <a:p>
+            <a:pPr marL="457200" indent="-457200" fontAlgn="base">
+              <a:buFont typeface="Arial" charset="0"/>
+              <a:buChar char="•"/>
+            </a:pPr>
+            <a:r>
+              <a:rPr lang="en-US" sz="3200" dirty="0"/>
+              <a:t>file drawer problem</a:t>
+            </a:r>
+            <a:br>
+              <a:rPr lang="en-US" sz="3200" dirty="0"/>
+            </a:br>
+            <a:endParaRPr lang="en-US" sz="2400" dirty="0"/>
+          </a:p>
+          <a:p>
+            <a:pPr marL="457200" indent="-457200" fontAlgn="base">
+              <a:buFont typeface="Arial" charset="0"/>
+              <a:buChar char="•"/>
+            </a:pPr>
+            <a:r>
+              <a:rPr lang="en-US" sz="3200" dirty="0"/>
+              <a:t>small sample sizes</a:t>
+            </a:r>
+            <a:br>
+              <a:rPr lang="en-US" sz="3200" dirty="0"/>
+            </a:br>
+            <a:endParaRPr lang="en-US" sz="2400" dirty="0"/>
+          </a:p>
+          <a:p>
+            <a:pPr marL="457200" indent="-457200" fontAlgn="base">
+              <a:buFont typeface="Arial" charset="0"/>
+              <a:buChar char="•"/>
+            </a:pPr>
+            <a:r>
+              <a:rPr lang="en-US" sz="3200" dirty="0"/>
+              <a:t>p-hacking</a:t>
+            </a:r>
+            <a:br>
+              <a:rPr lang="en-US" sz="3200" dirty="0"/>
+            </a:br>
+            <a:endParaRPr lang="en-US" sz="2400" dirty="0"/>
+          </a:p>
+          <a:p>
+            <a:pPr marL="457200" indent="-457200" fontAlgn="base">
+              <a:buFont typeface="Arial" charset="0"/>
+              <a:buChar char="•"/>
+            </a:pPr>
+            <a:r>
+              <a:rPr lang="en-US" sz="3200" dirty="0"/>
+              <a:t>unethical </a:t>
+            </a:r>
+            <a:r>
+              <a:rPr lang="en-US" sz="3200" dirty="0" smtClean="0"/>
+              <a:t>researchers</a:t>
+            </a:r>
+            <a:endParaRPr lang="en-US" sz="3200" dirty="0"/>
+          </a:p>
+        </p:txBody>
+      </p:sp>
+      <p:pic>
+        <p:nvPicPr>
+          <p:cNvPr id="3" name="Picture 2"/>
+          <p:cNvPicPr>
+            <a:picLocks noChangeAspect="1"/>
+          </p:cNvPicPr>
+          <p:nvPr/>
+        </p:nvPicPr>
+        <p:blipFill>
+          <a:blip r:embed="rId2">
+            <a:extLst>
+              <a:ext uri="{28A0092B-C50C-407E-A947-70E740481C1C}">
+                <a14:useLocalDpi xmlns:a14="http://schemas.microsoft.com/office/drawing/2010/main" val="0"/>
+              </a:ext>
+            </a:extLst>
+          </a:blip>
+          <a:stretch>
+            <a:fillRect/>
+          </a:stretch>
+        </p:blipFill>
+        <p:spPr>
+          <a:xfrm>
+            <a:off x="5277653" y="2675178"/>
+            <a:ext cx="2514518" cy="2595112"/>
+          </a:xfrm>
+          <a:prstGeom prst="rect">
+            <a:avLst/>
+          </a:prstGeom>
+        </p:spPr>
+      </p:pic>
+      <p:pic>
+        <p:nvPicPr>
+          <p:cNvPr id="6" name="Picture 5"/>
+          <p:cNvPicPr>
+            <a:picLocks noChangeAspect="1"/>
+          </p:cNvPicPr>
+          <p:nvPr/>
+        </p:nvPicPr>
+        <p:blipFill>
+          <a:blip r:embed="rId3">
+            <a:extLst>
+              <a:ext uri="{28A0092B-C50C-407E-A947-70E740481C1C}">
+                <a14:useLocalDpi xmlns:a14="http://schemas.microsoft.com/office/drawing/2010/main" val="0"/>
+              </a:ext>
+            </a:extLst>
+          </a:blip>
+          <a:stretch>
+            <a:fillRect/>
+          </a:stretch>
+        </p:blipFill>
+        <p:spPr>
+          <a:xfrm>
+            <a:off x="9037160" y="1248912"/>
+            <a:ext cx="2161769" cy="3255264"/>
+          </a:xfrm>
+          <a:prstGeom prst="rect">
+            <a:avLst/>
+          </a:prstGeom>
+        </p:spPr>
+      </p:pic>
+      <p:sp>
+        <p:nvSpPr>
+          <p:cNvPr id="5" name="TextBox 4"/>
+          <p:cNvSpPr txBox="1"/>
+          <p:nvPr/>
+        </p:nvSpPr>
+        <p:spPr>
+          <a:xfrm>
+            <a:off x="8748213" y="4623959"/>
+            <a:ext cx="2739661" cy="923330"/>
+          </a:xfrm>
+          <a:prstGeom prst="rect">
+            <a:avLst/>
+          </a:prstGeom>
+          <a:noFill/>
+        </p:spPr>
+        <p:txBody>
+          <a:bodyPr wrap="none" rtlCol="0">
+            <a:spAutoFit/>
+          </a:bodyPr>
+          <a:lstStyle/>
+          <a:p>
+            <a:pPr algn="ctr"/>
+            <a:r>
+              <a:rPr lang="en-US" dirty="0" smtClean="0"/>
+              <a:t>Amy Cuddy</a:t>
+            </a:r>
+          </a:p>
+          <a:p>
+            <a:pPr algn="ctr"/>
+            <a:r>
+              <a:rPr lang="en-US" dirty="0" smtClean="0"/>
+              <a:t>TED Talk 47 Million views</a:t>
+            </a:r>
+          </a:p>
+          <a:p>
+            <a:pPr algn="ctr"/>
+            <a:r>
+              <a:rPr lang="en-US" dirty="0" smtClean="0"/>
+              <a:t>(2</a:t>
+            </a:r>
+            <a:r>
+              <a:rPr lang="en-US" baseline="30000" dirty="0" smtClean="0"/>
+              <a:t>nd</a:t>
+            </a:r>
+            <a:r>
+              <a:rPr lang="en-US" dirty="0" smtClean="0"/>
+              <a:t> most </a:t>
+            </a:r>
+            <a:r>
+              <a:rPr lang="en-US" dirty="0" err="1" smtClean="0"/>
+              <a:t>populat</a:t>
+            </a:r>
+            <a:r>
+              <a:rPr lang="en-US" dirty="0" smtClean="0"/>
+              <a:t> TED Talk)</a:t>
+            </a:r>
+            <a:endParaRPr lang="en-US" dirty="0"/>
+          </a:p>
+        </p:txBody>
+      </p:sp>
+    </p:spTree>
+    <p:extLst>
+      <p:ext uri="{BB962C8B-B14F-4D97-AF65-F5344CB8AC3E}">
+        <p14:creationId xmlns:p14="http://schemas.microsoft.com/office/powerpoint/2010/main" val="1230530127"/>
+      </p:ext>
+    </p:extLst>
+  </p:cSld>
+  <p:clrMapOvr>
+    <a:masterClrMapping/>
+  </p:clrMapOvr>
+  <p:timing>
+    <p:tnLst>
+      <p:par>
+        <p:cTn id="1" dur="indefinite" restart="never" nodeType="tmRoot">
+          <p:childTnLst>
+            <p:seq concurrent="1" nextAc="seek">
+              <p:cTn id="2" dur="indefinite" nodeType="mainSeq">
+                <p:childTnLst>
                   <p:par>
-                    <p:cTn id="17" fill="hold">
+                    <p:cTn id="3" fill="hold">
                       <p:stCondLst>
                         <p:cond delay="indefinite"/>
                       </p:stCondLst>
                       <p:childTnLst>
                         <p:par>
-                          <p:cTn id="18" fill="hold">
+                          <p:cTn id="4" fill="hold">
                             <p:stCondLst>
                               <p:cond delay="0"/>
                             </p:stCondLst>
                             <p:childTnLst>
                               <p:par>
-                                <p:cTn id="19" presetID="1" presetClass="entr" presetSubtype="0" fill="hold" nodeType="clickEffect">
+                                <p:cTn id="5" presetID="1" presetClass="entr" presetSubtype="0" fill="hold" nodeType="clickEffect">
+                                  <p:stCondLst>
+                                    <p:cond delay="0"/>
+                                  </p:stCondLst>
+                                  <p:childTnLst>
+                                    <p:set>
+                                      <p:cBhvr>
+                                        <p:cTn id="6" dur="1" fill="hold">
+                                          <p:stCondLst>
+                                            <p:cond delay="0"/>
+                                          </p:stCondLst>
+                                        </p:cTn>
+                                        <p:tgtEl>
+                                          <p:spTgt spid="6"/>
+                                        </p:tgtEl>
+                                        <p:attrNameLst>
+                                          <p:attrName>style.visibility</p:attrName>
+                                        </p:attrNameLst>
+                                      </p:cBhvr>
+                                      <p:to>
+                                        <p:strVal val="visible"/>
+                                      </p:to>
+                                    </p:set>
+                                  </p:childTnLst>
+                                </p:cTn>
+                              </p:par>
+                            </p:childTnLst>
+                          </p:cTn>
+                        </p:par>
+                      </p:childTnLst>
+                    </p:cTn>
+                  </p:par>
+                  <p:par>
+                    <p:cTn id="7" fill="hold">
+                      <p:stCondLst>
+                        <p:cond delay="indefinite"/>
+                      </p:stCondLst>
+                      <p:childTnLst>
+                        <p:par>
+                          <p:cTn id="8" fill="hold">
+                            <p:stCondLst>
+                              <p:cond delay="0"/>
+                            </p:stCondLst>
+                            <p:childTnLst>
+                              <p:par>
+                                <p:cTn id="9" presetID="1" presetClass="entr" presetSubtype="0" fill="hold" grpId="0" nodeType="clickEffect">
+                                  <p:stCondLst>
+                                    <p:cond delay="0"/>
+                                  </p:stCondLst>
+                                  <p:childTnLst>
+                                    <p:set>
+                                      <p:cBhvr>
+                                        <p:cTn id="10" dur="1" fill="hold">
+                                          <p:stCondLst>
+                                            <p:cond delay="0"/>
+                                          </p:stCondLst>
+                                        </p:cTn>
+                                        <p:tgtEl>
+                                          <p:spTgt spid="5"/>
+                                        </p:tgtEl>
+                                        <p:attrNameLst>
+                                          <p:attrName>style.visibility</p:attrName>
+                                        </p:attrNameLst>
+                                      </p:cBhvr>
+                                      <p:to>
+                                        <p:strVal val="visible"/>
+                                      </p:to>
+                                    </p:set>
+                                  </p:childTnLst>
+                                </p:cTn>
+                              </p:par>
+                            </p:childTnLst>
+                          </p:cTn>
+                        </p:par>
+                      </p:childTnLst>
+                    </p:cTn>
+                  </p:par>
+                  <p:par>
+                    <p:cTn id="11" fill="hold">
+                      <p:stCondLst>
+                        <p:cond delay="indefinite"/>
+                      </p:stCondLst>
+                      <p:childTnLst>
+                        <p:par>
+                          <p:cTn id="12" fill="hold">
+                            <p:stCondLst>
+                              <p:cond delay="0"/>
+                            </p:stCondLst>
+                            <p:childTnLst>
+                              <p:par>
+                                <p:cTn id="13" presetID="1" presetClass="entr" presetSubtype="0" fill="hold" nodeType="clickEffect">
+                                  <p:stCondLst>
+                                    <p:cond delay="0"/>
+                                  </p:stCondLst>
+                                  <p:childTnLst>
+                                    <p:set>
+                                      <p:cBhvr>
+                                        <p:cTn id="14" dur="1" fill="hold">
+                                          <p:stCondLst>
+                                            <p:cond delay="0"/>
+                                          </p:stCondLst>
+                                        </p:cTn>
+                                        <p:tgtEl>
+                                          <p:spTgt spid="4">
+                                            <p:txEl>
+                                              <p:pRg st="0" end="0"/>
+                                            </p:txEl>
+                                          </p:spTgt>
+                                        </p:tgtEl>
+                                        <p:attrNameLst>
+                                          <p:attrName>style.visibility</p:attrName>
+                                        </p:attrNameLst>
+                                      </p:cBhvr>
+                                      <p:to>
+                                        <p:strVal val="visible"/>
+                                      </p:to>
+                                    </p:set>
+                                  </p:childTnLst>
+                                </p:cTn>
+                              </p:par>
+                            </p:childTnLst>
+                          </p:cTn>
+                        </p:par>
+                      </p:childTnLst>
+                    </p:cTn>
+                  </p:par>
+                  <p:par>
+                    <p:cTn id="15" fill="hold">
+                      <p:stCondLst>
+                        <p:cond delay="indefinite"/>
+                      </p:stCondLst>
+                      <p:childTnLst>
+                        <p:par>
+                          <p:cTn id="16" fill="hold">
+                            <p:stCondLst>
+                              <p:cond delay="0"/>
+                            </p:stCondLst>
+                            <p:childTnLst>
+                              <p:par>
+                                <p:cTn id="17" presetID="1" presetClass="entr" presetSubtype="0" fill="hold" nodeType="clickEffect">
+                                  <p:stCondLst>
+                                    <p:cond delay="0"/>
+                                  </p:stCondLst>
+                                  <p:childTnLst>
+                                    <p:set>
+                                      <p:cBhvr>
+                                        <p:cTn id="18" dur="1" fill="hold">
+                                          <p:stCondLst>
+                                            <p:cond delay="0"/>
+                                          </p:stCondLst>
+                                        </p:cTn>
+                                        <p:tgtEl>
+                                          <p:spTgt spid="3"/>
+                                        </p:tgtEl>
+                                        <p:attrNameLst>
+                                          <p:attrName>style.visibility</p:attrName>
+                                        </p:attrNameLst>
+                                      </p:cBhvr>
+                                      <p:to>
+                                        <p:strVal val="visible"/>
+                                      </p:to>
+                                    </p:set>
+                                  </p:childTnLst>
+                                </p:cTn>
+                              </p:par>
+                              <p:par>
+                                <p:cTn id="19" presetID="1" presetClass="entr" presetSubtype="0" fill="hold" nodeType="withEffect">
                                   <p:stCondLst>
                                     <p:cond delay="0"/>
                                   </p:stCondLst>
@@ -8751,7 +9011,7 @@
                                         <p:tgtEl>
                                           <p:spTgt spid="4">
                                             <p:txEl>
-                                              <p:pRg st="4" end="4"/>
+                                              <p:pRg st="2" end="2"/>
                                             </p:txEl>
                                           </p:spTgt>
                                         </p:tgtEl>
@@ -8800,7 +9060,7 @@
                                         <p:tgtEl>
                                           <p:spTgt spid="4">
                                             <p:txEl>
-                                              <p:pRg st="5" end="5"/>
+                                              <p:pRg st="3" end="3"/>
                                             </p:txEl>
                                           </p:spTgt>
                                         </p:tgtEl>
@@ -8842,6 +9102,104 @@
                                     <p:set>
                                       <p:cBhvr>
                                         <p:cTn id="28" dur="1" fill="hold">
+                                          <p:stCondLst>
+                                            <p:cond delay="0"/>
+                                          </p:stCondLst>
+                                        </p:cTn>
+                                        <p:tgtEl>
+                                          <p:spTgt spid="4">
+                                            <p:txEl>
+                                              <p:pRg st="4" end="4"/>
+                                            </p:txEl>
+                                          </p:spTgt>
+                                        </p:tgtEl>
+                                        <p:attrNameLst>
+                                          <p:attrName>style.visibility</p:attrName>
+                                        </p:attrNameLst>
+                                      </p:cBhvr>
+                                      <p:to>
+                                        <p:strVal val="visible"/>
+                                      </p:to>
+                                    </p:set>
+                                  </p:childTnLst>
+                                </p:cTn>
+                              </p:par>
+                            </p:childTnLst>
+                          </p:cTn>
+                        </p:par>
+                      </p:childTnLst>
+                    </p:cTn>
+                  </p:par>
+                  <p:par>
+                    <p:cTn id="29" fill="hold">
+                      <p:stCondLst>
+                        <p:cond delay="indefinite"/>
+                      </p:stCondLst>
+                      <p:childTnLst>
+                        <p:par>
+                          <p:cTn id="30" fill="hold">
+                            <p:stCondLst>
+                              <p:cond delay="0"/>
+                            </p:stCondLst>
+                            <p:childTnLst>
+                              <p:par>
+                                <p:cTn id="31" presetID="1" presetClass="entr" presetSubtype="0" fill="hold" nodeType="clickEffect">
+                                  <p:stCondLst>
+                                    <p:cond delay="0"/>
+                                  </p:stCondLst>
+                                  <p:childTnLst>
+                                    <p:set>
+                                      <p:cBhvr>
+                                        <p:cTn id="32" dur="1" fill="hold">
+                                          <p:stCondLst>
+                                            <p:cond delay="0"/>
+                                          </p:stCondLst>
+                                        </p:cTn>
+                                        <p:tgtEl>
+                                          <p:spTgt spid="4">
+                                            <p:txEl>
+                                              <p:pRg st="5" end="5"/>
+                                            </p:txEl>
+                                          </p:spTgt>
+                                        </p:tgtEl>
+                                        <p:attrNameLst>
+                                          <p:attrName>style.visibility</p:attrName>
+                                        </p:attrNameLst>
+                                      </p:cBhvr>
+                                      <p:to>
+                                        <p:strVal val="visible"/>
+                                      </p:to>
+                                    </p:set>
+                                  </p:childTnLst>
+                                </p:cTn>
+                              </p:par>
+                            </p:childTnLst>
+                          </p:cTn>
+                        </p:par>
+                      </p:childTnLst>
+                    </p:cTn>
+                  </p:par>
+                  <p:par>
+                    <p:cTn id="33" fill="hold">
+                      <p:stCondLst>
+                        <p:cond delay="indefinite"/>
+                      </p:stCondLst>
+                      <p:childTnLst>
+                        <p:par>
+                          <p:cTn id="34" fill="hold">
+                            <p:stCondLst>
+                              <p:cond delay="0"/>
+                            </p:stCondLst>
+                            <p:childTnLst>
+                              <p:par>
+                                <p:cTn id="35" presetID="1" presetClass="entr" presetSubtype="0" fill="hold" nodeType="clickEffect">
+                                  <p:stCondLst>
+                                    <p:cond delay="0"/>
+                                  </p:stCondLst>
+                                  <p:childTnLst>
+                                    <p:set>
+                                      <p:cBhvr>
+                                        <p:cTn id="36" dur="1" fill="hold">
                                           <p:stCondLst>
                                             <p:cond delay="0"/>
                                           </p:stCondLst>
@@ -8891,6 +9249,9 @@
         </p:cTn>
       </p:par>
     </p:tnLst>
+    <p:bldLst>
+      <p:bldP spid="5" grpId="0"/>
+    </p:bldLst>
   </p:timing>
 </p:sld>
 </file>
@@ -9134,6 +9495,251 @@
                                     <p:set>
                                       <p:cBhvr>
                                         <p:cTn id="6" dur="1" fill="hold">
+                                          <p:stCondLst>
+                                            <p:cond delay="0"/>
+                                          </p:stCondLst>
+                                        </p:cTn>
+                                        <p:tgtEl>
+                                          <p:spTgt spid="4">
+                                            <p:txEl>
+                                              <p:pRg st="1" end="1"/>
+                                            </p:txEl>
+                                          </p:spTgt>
+                                        </p:tgtEl>
+                                        <p:attrNameLst>
+                                          <p:attrName>style.visibility</p:attrName>
+                                        </p:attrNameLst>
+                                      </p:cBhvr>
+                                      <p:to>
+                                        <p:strVal val="visible"/>
+                                      </p:to>
+                                    </p:set>
+                                  </p:childTnLst>
+                                </p:cTn>
+                              </p:par>
+                            </p:childTnLst>
+                          </p:cTn>
+                        </p:par>
+                      </p:childTnLst>
+                    </p:cTn>
+                  </p:par>
+                  <p:par>
+                    <p:cTn id="7" fill="hold">
+                      <p:stCondLst>
+                        <p:cond delay="indefinite"/>
+                      </p:stCondLst>
+                      <p:childTnLst>
+                        <p:par>
+                          <p:cTn id="8" fill="hold">
+                            <p:stCondLst>
+                              <p:cond delay="0"/>
+                            </p:stCondLst>
+                            <p:childTnLst>
+                              <p:par>
+                                <p:cTn id="9" presetID="1" presetClass="entr" presetSubtype="0" fill="hold" nodeType="clickEffect">
+                                  <p:stCondLst>
+                                    <p:cond delay="0"/>
+                                  </p:stCondLst>
+                                  <p:childTnLst>
+                                    <p:set>
+                                      <p:cBhvr>
+                                        <p:cTn id="10" dur="1" fill="hold">
+                                          <p:stCondLst>
+                                            <p:cond delay="0"/>
+                                          </p:stCondLst>
+                                        </p:cTn>
+                                        <p:tgtEl>
+                                          <p:spTgt spid="4">
+                                            <p:txEl>
+                                              <p:pRg st="2" end="2"/>
+                                            </p:txEl>
+                                          </p:spTgt>
+                                        </p:tgtEl>
+                                        <p:attrNameLst>
+                                          <p:attrName>style.visibility</p:attrName>
+                                        </p:attrNameLst>
+                                      </p:cBhvr>
+                                      <p:to>
+                                        <p:strVal val="visible"/>
+                                      </p:to>
+                                    </p:set>
+                                  </p:childTnLst>
+                                </p:cTn>
+                              </p:par>
+                            </p:childTnLst>
+                          </p:cTn>
+                        </p:par>
+                      </p:childTnLst>
+                    </p:cTn>
+                  </p:par>
+                  <p:par>
+                    <p:cTn id="11" fill="hold">
+                      <p:stCondLst>
+                        <p:cond delay="indefinite"/>
+                      </p:stCondLst>
+                      <p:childTnLst>
+                        <p:par>
+                          <p:cTn id="12" fill="hold">
+                            <p:stCondLst>
+                              <p:cond delay="0"/>
+                            </p:stCondLst>
+                            <p:childTnLst>
+                              <p:par>
+                                <p:cTn id="13" presetID="1" presetClass="entr" presetSubtype="0" fill="hold" nodeType="clickEffect">
+                                  <p:stCondLst>
+                                    <p:cond delay="0"/>
+                                  </p:stCondLst>
+                                  <p:childTnLst>
+                                    <p:set>
+                                      <p:cBhvr>
+                                        <p:cTn id="14" dur="1" fill="hold">
+                                          <p:stCondLst>
+                                            <p:cond delay="0"/>
+                                          </p:stCondLst>
+                                        </p:cTn>
+                                        <p:tgtEl>
+                                          <p:spTgt spid="4">
+                                            <p:txEl>
+                                              <p:pRg st="3" end="3"/>
+                                            </p:txEl>
+                                          </p:spTgt>
+                                        </p:tgtEl>
+                                        <p:attrNameLst>
+                                          <p:attrName>style.visibility</p:attrName>
+                                        </p:attrNameLst>
+                                      </p:cBhvr>
+                                      <p:to>
+                                        <p:strVal val="visible"/>
+                                      </p:to>
+                                    </p:set>
+                                  </p:childTnLst>
+                                </p:cTn>
+                              </p:par>
+                            </p:childTnLst>
+                          </p:cTn>
+                        </p:par>
+                      </p:childTnLst>
+                    </p:cTn>
+                  </p:par>
+                  <p:par>
+                    <p:cTn id="15" fill="hold">
+                      <p:stCondLst>
+                        <p:cond delay="indefinite"/>
+                      </p:stCondLst>
+                      <p:childTnLst>
+                        <p:par>
+                          <p:cTn id="16" fill="hold">
+                            <p:stCondLst>
+                              <p:cond delay="0"/>
+                            </p:stCondLst>
+                            <p:childTnLst>
+                              <p:par>
+                                <p:cTn id="17" presetID="1" presetClass="entr" presetSubtype="0" fill="hold" nodeType="clickEffect">
+                                  <p:stCondLst>
+                                    <p:cond delay="0"/>
+                                  </p:stCondLst>
+                                  <p:childTnLst>
+                                    <p:set>
+                                      <p:cBhvr>
+                                        <p:cTn id="18" dur="1" fill="hold">
+                                          <p:stCondLst>
+                                            <p:cond delay="0"/>
+                                          </p:stCondLst>
+                                        </p:cTn>
+                                        <p:tgtEl>
+                                          <p:spTgt spid="4">
+                                            <p:txEl>
+                                              <p:pRg st="5" end="5"/>
+                                            </p:txEl>
+                                          </p:spTgt>
+                                        </p:tgtEl>
+                                        <p:attrNameLst>
+                                          <p:attrName>style.visibility</p:attrName>
+                                        </p:attrNameLst>
+                                      </p:cBhvr>
+                                      <p:to>
+                                        <p:strVal val="visible"/>
+                                      </p:to>
+                                    </p:set>
+                                  </p:childTnLst>
+                                </p:cTn>
+                              </p:par>
+                            </p:childTnLst>
+                          </p:cTn>
+                        </p:par>
+                      </p:childTnLst>
+                    </p:cTn>
+                  </p:par>
+                  <p:par>
+                    <p:cTn id="19" fill="hold">
+                      <p:stCondLst>
+                        <p:cond delay="indefinite"/>
+                      </p:stCondLst>
+                      <p:childTnLst>
+                        <p:par>
+                          <p:cTn id="20" fill="hold">
+                            <p:stCondLst>
+                              <p:cond delay="0"/>
+                            </p:stCondLst>
+                            <p:childTnLst>
+                              <p:par>
+                                <p:cTn id="21" presetID="1" presetClass="entr" presetSubtype="0" fill="hold" nodeType="clickEffect">
+                                  <p:stCondLst>
+                                    <p:cond delay="0"/>
+                                  </p:stCondLst>
+                                  <p:childTnLst>
+                                    <p:set>
+                                      <p:cBhvr>
+                                        <p:cTn id="22" dur="1" fill="hold">
+                                          <p:stCondLst>
+                                            <p:cond delay="0"/>
+                                          </p:stCondLst>
+                                        </p:cTn>
+                                        <p:tgtEl>
+                                          <p:spTgt spid="4">
+                                            <p:txEl>
+                                              <p:pRg st="7" end="7"/>
+                                            </p:txEl>
+                                          </p:spTgt>
+                                        </p:tgtEl>
+                                        <p:attrNameLst>
+                                          <p:attrName>style.visibility</p:attrName>
+                                        </p:attrNameLst>
+                                      </p:cBhvr>
+                                      <p:to>
+                                        <p:strVal val="visible"/>
+                                      </p:to>
+                                    </p:set>
+                                  </p:childTnLst>
+                                </p:cTn>
+                              </p:par>
+                            </p:childTnLst>
+                          </p:cTn>
+                        </p:par>
+                      </p:childTnLst>
+                    </p:cTn>
+                  </p:par>
+                  <p:par>
+                    <p:cTn id="23" fill="hold">
+                      <p:stCondLst>
+                        <p:cond delay="indefinite"/>
+                      </p:stCondLst>
+                      <p:childTnLst>
+                        <p:par>
+                          <p:cTn id="24" fill="hold">
+                            <p:stCondLst>
+                              <p:cond delay="0"/>
+                            </p:stCondLst>
+                            <p:childTnLst>
+                              <p:par>
+                                <p:cTn id="25" presetID="1" presetClass="entr" presetSubtype="0" fill="hold" nodeType="clickEffect">
+                                  <p:stCondLst>
+                                    <p:cond delay="0"/>
+                                  </p:stCondLst>
+                                  <p:childTnLst>
+                                    <p:set>
+                                      <p:cBhvr>
+                                        <p:cTn id="26" dur="1" fill="hold">
                                           <p:stCondLst>
                                             <p:cond delay="0"/>
                                           </p:stCondLst>
@@ -9258,7 +9864,7 @@
         </p:nvSpPr>
         <p:spPr>
           <a:xfrm>
-            <a:off x="195431" y="1273781"/>
+            <a:off x="256391" y="1153057"/>
             <a:ext cx="11801138" cy="1569660"/>
           </a:xfrm>
           <a:prstGeom prst="rect">
@@ -9271,7 +9877,7 @@
           </a:bodyPr>
           <a:lstStyle/>
           <a:p>
-            <a:pPr fontAlgn="base"/>
+            <a:pPr algn="ctr" fontAlgn="base"/>
             <a:r>
               <a:rPr lang="en-US" sz="3200" i="1" dirty="0" smtClean="0"/>
               <a:t>In </a:t>
@@ -9290,301 +9896,326 @@
             </a:r>
             <a:r>
               <a:rPr lang="en-US" sz="3200" i="1" dirty="0" smtClean="0"/>
-              <a:t>evolutionary biology</a:t>
-            </a:r>
-          </a:p>
-          <a:p>
-            <a:pPr fontAlgn="base"/>
+              <a:t>evolutionary </a:t>
+            </a:r>
+            <a:r>
+              <a:rPr lang="en-US" sz="3200" i="1" dirty="0" smtClean="0"/>
+              <a:t>biology (1900 rediscovery of </a:t>
+            </a:r>
+            <a:r>
+              <a:rPr lang="en-US" sz="3200" i="1" smtClean="0"/>
+              <a:t>Mendel’s work was motivating problem).</a:t>
+            </a:r>
+            <a:endParaRPr lang="en-US" sz="3200" i="1" dirty="0" smtClean="0"/>
+          </a:p>
+          <a:p>
+            <a:pPr algn="ctr" fontAlgn="base"/>
             <a:endParaRPr lang="en-US" sz="3200" dirty="0"/>
           </a:p>
         </p:txBody>
       </p:sp>
-      <p:grpSp>
-        <p:nvGrpSpPr>
-          <p:cNvPr id="13" name="Group 12"/>
-          <p:cNvGrpSpPr/>
+      <p:pic>
+        <p:nvPicPr>
+          <p:cNvPr id="5" name="Picture 4"/>
+          <p:cNvPicPr>
+            <a:picLocks noChangeAspect="1"/>
+          </p:cNvPicPr>
           <p:nvPr/>
-        </p:nvGrpSpPr>
-        <p:grpSpPr>
+        </p:nvPicPr>
+        <p:blipFill>
+          <a:blip r:embed="rId2"/>
+          <a:stretch>
+            <a:fillRect/>
+          </a:stretch>
+        </p:blipFill>
+        <p:spPr>
           <a:xfrm>
-            <a:off x="568890" y="2680267"/>
-            <a:ext cx="10883357" cy="3231316"/>
-            <a:chOff x="568890" y="2680267"/>
-            <a:chExt cx="10883357" cy="3231316"/>
+            <a:off x="7183050" y="3507625"/>
+            <a:ext cx="1650102" cy="2557658"/>
           </a:xfrm>
-        </p:grpSpPr>
-        <p:pic>
-          <p:nvPicPr>
-            <p:cNvPr id="5" name="Picture 4"/>
-            <p:cNvPicPr>
-              <a:picLocks noChangeAspect="1"/>
-            </p:cNvPicPr>
-            <p:nvPr/>
-          </p:nvPicPr>
-          <p:blipFill>
-            <a:blip r:embed="rId2"/>
-            <a:stretch>
-              <a:fillRect/>
-            </a:stretch>
-          </p:blipFill>
-          <p:spPr>
-            <a:xfrm>
-              <a:off x="568890" y="3344451"/>
-              <a:ext cx="1650102" cy="2557658"/>
-            </a:xfrm>
-            <a:prstGeom prst="rect">
-              <a:avLst/>
-            </a:prstGeom>
-          </p:spPr>
-        </p:pic>
-        <p:pic>
-          <p:nvPicPr>
-            <p:cNvPr id="6" name="Picture 5"/>
-            <p:cNvPicPr>
-              <a:picLocks noChangeAspect="1"/>
-            </p:cNvPicPr>
-            <p:nvPr/>
-          </p:nvPicPr>
-          <p:blipFill>
-            <a:blip r:embed="rId3">
-              <a:extLst>
-                <a:ext uri="{28A0092B-C50C-407E-A947-70E740481C1C}">
-                  <a14:useLocalDpi xmlns:a14="http://schemas.microsoft.com/office/drawing/2010/main" val="0"/>
-                </a:ext>
-              </a:extLst>
-            </a:blip>
-            <a:stretch>
-              <a:fillRect/>
-            </a:stretch>
-          </p:blipFill>
-          <p:spPr>
-            <a:xfrm>
-              <a:off x="3405593" y="3344451"/>
-              <a:ext cx="1474417" cy="2567132"/>
-            </a:xfrm>
-            <a:prstGeom prst="rect">
-              <a:avLst/>
-            </a:prstGeom>
-          </p:spPr>
-        </p:pic>
-        <p:pic>
-          <p:nvPicPr>
-            <p:cNvPr id="7" name="Picture 6"/>
-            <p:cNvPicPr>
-              <a:picLocks noChangeAspect="1"/>
-            </p:cNvPicPr>
-            <p:nvPr/>
-          </p:nvPicPr>
-          <p:blipFill>
-            <a:blip r:embed="rId4">
-              <a:extLst>
-                <a:ext uri="{28A0092B-C50C-407E-A947-70E740481C1C}">
-                  <a14:useLocalDpi xmlns:a14="http://schemas.microsoft.com/office/drawing/2010/main" val="0"/>
-                </a:ext>
-              </a:extLst>
-            </a:blip>
-            <a:stretch>
-              <a:fillRect/>
-            </a:stretch>
-          </p:blipFill>
-          <p:spPr>
-            <a:xfrm>
-              <a:off x="5956300" y="3334977"/>
-              <a:ext cx="2085410" cy="2557833"/>
-            </a:xfrm>
-            <a:prstGeom prst="rect">
-              <a:avLst/>
-            </a:prstGeom>
-          </p:spPr>
-        </p:pic>
-        <p:pic>
-          <p:nvPicPr>
-            <p:cNvPr id="8" name="Picture 7"/>
-            <p:cNvPicPr>
-              <a:picLocks noChangeAspect="1"/>
-            </p:cNvPicPr>
-            <p:nvPr/>
-          </p:nvPicPr>
-          <p:blipFill>
-            <a:blip r:embed="rId5">
-              <a:extLst>
-                <a:ext uri="{28A0092B-C50C-407E-A947-70E740481C1C}">
-                  <a14:useLocalDpi xmlns:a14="http://schemas.microsoft.com/office/drawing/2010/main" val="0"/>
-                </a:ext>
-              </a:extLst>
-            </a:blip>
-            <a:stretch>
-              <a:fillRect/>
-            </a:stretch>
-          </p:blipFill>
-          <p:spPr>
-            <a:xfrm>
-              <a:off x="9338328" y="3344451"/>
-              <a:ext cx="2113919" cy="2561460"/>
-            </a:xfrm>
-            <a:prstGeom prst="rect">
-              <a:avLst/>
-            </a:prstGeom>
-          </p:spPr>
-        </p:pic>
-        <p:sp>
-          <p:nvSpPr>
-            <p:cNvPr id="9" name="TextBox 8"/>
-            <p:cNvSpPr txBox="1"/>
-            <p:nvPr/>
-          </p:nvSpPr>
-          <p:spPr>
-            <a:xfrm>
-              <a:off x="568890" y="2680267"/>
-              <a:ext cx="1650102" cy="646331"/>
-            </a:xfrm>
-            <a:prstGeom prst="rect">
-              <a:avLst/>
-            </a:prstGeom>
-            <a:noFill/>
-          </p:spPr>
-          <p:txBody>
-            <a:bodyPr wrap="square" rtlCol="0">
-              <a:spAutoFit/>
-            </a:bodyPr>
-            <a:lstStyle/>
-            <a:p>
-              <a:pPr algn="ctr"/>
-              <a:r>
-                <a:rPr lang="en-US" dirty="0" smtClean="0"/>
-                <a:t>R. FISHER</a:t>
-              </a:r>
-            </a:p>
-            <a:p>
-              <a:pPr algn="ctr"/>
-              <a:r>
-                <a:rPr lang="en-US" dirty="0" smtClean="0"/>
-                <a:t>ANOVA</a:t>
-              </a:r>
-              <a:endParaRPr lang="en-US" dirty="0"/>
-            </a:p>
-          </p:txBody>
-        </p:sp>
-        <p:sp>
-          <p:nvSpPr>
-            <p:cNvPr id="10" name="TextBox 9"/>
-            <p:cNvSpPr txBox="1"/>
-            <p:nvPr/>
-          </p:nvSpPr>
-          <p:spPr>
-            <a:xfrm>
-              <a:off x="3350438" y="2710524"/>
-              <a:ext cx="1584728" cy="646331"/>
-            </a:xfrm>
-            <a:prstGeom prst="rect">
-              <a:avLst/>
-            </a:prstGeom>
-            <a:noFill/>
-          </p:spPr>
-          <p:txBody>
-            <a:bodyPr wrap="none" rtlCol="0">
-              <a:spAutoFit/>
-            </a:bodyPr>
-            <a:lstStyle/>
-            <a:p>
-              <a:pPr algn="ctr"/>
-              <a:r>
-                <a:rPr lang="en-US" dirty="0"/>
-                <a:t> </a:t>
-              </a:r>
-              <a:r>
-                <a:rPr lang="en-US" dirty="0" smtClean="0"/>
-                <a:t>S. WRIGHT</a:t>
-              </a:r>
-            </a:p>
-            <a:p>
-              <a:pPr algn="ctr"/>
-              <a:r>
-                <a:rPr lang="en-US" dirty="0" smtClean="0"/>
-                <a:t>PATH ANALYSIS</a:t>
-              </a:r>
-              <a:endParaRPr lang="en-US" dirty="0"/>
-            </a:p>
-          </p:txBody>
-        </p:sp>
-        <p:sp>
-          <p:nvSpPr>
-            <p:cNvPr id="11" name="Rectangle 10"/>
-            <p:cNvSpPr/>
-            <p:nvPr/>
-          </p:nvSpPr>
-          <p:spPr>
-            <a:xfrm>
-              <a:off x="5956300" y="2710524"/>
-              <a:ext cx="2085410" cy="646331"/>
-            </a:xfrm>
-            <a:prstGeom prst="rect">
-              <a:avLst/>
-            </a:prstGeom>
-          </p:spPr>
-          <p:txBody>
-            <a:bodyPr wrap="square">
-              <a:spAutoFit/>
-            </a:bodyPr>
-            <a:lstStyle/>
-            <a:p>
-              <a:pPr algn="ctr"/>
-              <a:r>
-                <a:rPr lang="en-US" dirty="0" smtClean="0"/>
-                <a:t>K. PEARSON</a:t>
-              </a:r>
-            </a:p>
-            <a:p>
-              <a:pPr algn="ctr"/>
-              <a:r>
-                <a:rPr lang="en-US" dirty="0" smtClean="0"/>
-                <a:t>CORRELATION                </a:t>
-              </a:r>
-            </a:p>
-          </p:txBody>
-        </p:sp>
-        <p:sp>
-          <p:nvSpPr>
-            <p:cNvPr id="12" name="Rectangle 11"/>
-            <p:cNvSpPr/>
-            <p:nvPr/>
-          </p:nvSpPr>
-          <p:spPr>
-            <a:xfrm>
-              <a:off x="9338328" y="2710524"/>
-              <a:ext cx="2113919" cy="646331"/>
-            </a:xfrm>
-            <a:prstGeom prst="rect">
-              <a:avLst/>
-            </a:prstGeom>
-          </p:spPr>
-          <p:txBody>
-            <a:bodyPr wrap="square">
-              <a:spAutoFit/>
-            </a:bodyPr>
-            <a:lstStyle/>
-            <a:p>
-              <a:pPr algn="ctr"/>
-              <a:r>
-                <a:rPr lang="en-US" dirty="0"/>
-                <a:t>F. </a:t>
-              </a:r>
-              <a:r>
-                <a:rPr lang="en-US" dirty="0" smtClean="0"/>
-                <a:t>GALTON</a:t>
-              </a:r>
-              <a:endParaRPr lang="en-US" dirty="0"/>
-            </a:p>
-            <a:p>
-              <a:pPr algn="ctr"/>
-              <a:r>
-                <a:rPr lang="en-US" dirty="0"/>
-                <a:t>REGRESSION</a:t>
-              </a:r>
-            </a:p>
-          </p:txBody>
-        </p:sp>
-      </p:grpSp>
+          <a:prstGeom prst="rect">
+            <a:avLst/>
+          </a:prstGeom>
+        </p:spPr>
+      </p:pic>
+      <p:pic>
+        <p:nvPicPr>
+          <p:cNvPr id="6" name="Picture 5"/>
+          <p:cNvPicPr>
+            <a:picLocks noChangeAspect="1"/>
+          </p:cNvPicPr>
+          <p:nvPr/>
+        </p:nvPicPr>
+        <p:blipFill>
+          <a:blip r:embed="rId3">
+            <a:extLst>
+              <a:ext uri="{28A0092B-C50C-407E-A947-70E740481C1C}">
+                <a14:useLocalDpi xmlns:a14="http://schemas.microsoft.com/office/drawing/2010/main" val="0"/>
+              </a:ext>
+            </a:extLst>
+          </a:blip>
+          <a:stretch>
+            <a:fillRect/>
+          </a:stretch>
+        </p:blipFill>
+        <p:spPr>
+          <a:xfrm>
+            <a:off x="10019753" y="3507625"/>
+            <a:ext cx="1474417" cy="2567132"/>
+          </a:xfrm>
+          <a:prstGeom prst="rect">
+            <a:avLst/>
+          </a:prstGeom>
+        </p:spPr>
+      </p:pic>
+      <p:pic>
+        <p:nvPicPr>
+          <p:cNvPr id="7" name="Picture 6"/>
+          <p:cNvPicPr>
+            <a:picLocks noChangeAspect="1"/>
+          </p:cNvPicPr>
+          <p:nvPr/>
+        </p:nvPicPr>
+        <p:blipFill>
+          <a:blip r:embed="rId4">
+            <a:extLst>
+              <a:ext uri="{28A0092B-C50C-407E-A947-70E740481C1C}">
+                <a14:useLocalDpi xmlns:a14="http://schemas.microsoft.com/office/drawing/2010/main" val="0"/>
+              </a:ext>
+            </a:extLst>
+          </a:blip>
+          <a:stretch>
+            <a:fillRect/>
+          </a:stretch>
+        </p:blipFill>
+        <p:spPr>
+          <a:xfrm>
+            <a:off x="500502" y="3467894"/>
+            <a:ext cx="2085410" cy="2557833"/>
+          </a:xfrm>
+          <a:prstGeom prst="rect">
+            <a:avLst/>
+          </a:prstGeom>
+        </p:spPr>
+      </p:pic>
+      <p:pic>
+        <p:nvPicPr>
+          <p:cNvPr id="8" name="Picture 7"/>
+          <p:cNvPicPr>
+            <a:picLocks noChangeAspect="1"/>
+          </p:cNvPicPr>
+          <p:nvPr/>
+        </p:nvPicPr>
+        <p:blipFill>
+          <a:blip r:embed="rId5">
+            <a:extLst>
+              <a:ext uri="{28A0092B-C50C-407E-A947-70E740481C1C}">
+                <a14:useLocalDpi xmlns:a14="http://schemas.microsoft.com/office/drawing/2010/main" val="0"/>
+              </a:ext>
+            </a:extLst>
+          </a:blip>
+          <a:stretch>
+            <a:fillRect/>
+          </a:stretch>
+        </p:blipFill>
+        <p:spPr>
+          <a:xfrm>
+            <a:off x="3882530" y="3477368"/>
+            <a:ext cx="2113919" cy="2561460"/>
+          </a:xfrm>
+          <a:prstGeom prst="rect">
+            <a:avLst/>
+          </a:prstGeom>
+        </p:spPr>
+      </p:pic>
+      <p:sp>
+        <p:nvSpPr>
+          <p:cNvPr id="9" name="TextBox 8"/>
+          <p:cNvSpPr txBox="1"/>
+          <p:nvPr/>
+        </p:nvSpPr>
+        <p:spPr>
+          <a:xfrm>
+            <a:off x="7183050" y="2569121"/>
+            <a:ext cx="1650102" cy="923330"/>
+          </a:xfrm>
+          <a:prstGeom prst="rect">
+            <a:avLst/>
+          </a:prstGeom>
+          <a:noFill/>
+        </p:spPr>
+        <p:txBody>
+          <a:bodyPr wrap="square" rtlCol="0">
+            <a:spAutoFit/>
+          </a:bodyPr>
+          <a:lstStyle/>
+          <a:p>
+            <a:pPr algn="ctr"/>
+            <a:r>
+              <a:rPr lang="en-US" dirty="0" smtClean="0"/>
+              <a:t>R. FISHER</a:t>
+            </a:r>
+          </a:p>
+          <a:p>
+            <a:pPr algn="ctr"/>
+            <a:r>
+              <a:rPr lang="en-US" dirty="0"/>
+              <a:t>1890-1962</a:t>
+            </a:r>
+          </a:p>
+          <a:p>
+            <a:pPr algn="ctr"/>
+            <a:r>
+              <a:rPr lang="en-US" dirty="0" smtClean="0"/>
+              <a:t>ANOVA</a:t>
+            </a:r>
+          </a:p>
+        </p:txBody>
+      </p:sp>
+      <p:sp>
+        <p:nvSpPr>
+          <p:cNvPr id="10" name="TextBox 9"/>
+          <p:cNvSpPr txBox="1"/>
+          <p:nvPr/>
+        </p:nvSpPr>
+        <p:spPr>
+          <a:xfrm>
+            <a:off x="9964598" y="2584138"/>
+            <a:ext cx="1584729" cy="923330"/>
+          </a:xfrm>
+          <a:prstGeom prst="rect">
+            <a:avLst/>
+          </a:prstGeom>
+          <a:noFill/>
+        </p:spPr>
+        <p:txBody>
+          <a:bodyPr wrap="none" rtlCol="0">
+            <a:spAutoFit/>
+          </a:bodyPr>
+          <a:lstStyle/>
+          <a:p>
+            <a:pPr algn="ctr"/>
+            <a:r>
+              <a:rPr lang="en-US" dirty="0"/>
+              <a:t> </a:t>
+            </a:r>
+            <a:r>
+              <a:rPr lang="en-US" dirty="0" smtClean="0"/>
+              <a:t>S. WRIGHT</a:t>
+            </a:r>
+          </a:p>
+          <a:p>
+            <a:pPr algn="ctr"/>
+            <a:r>
+              <a:rPr lang="en-US" dirty="0"/>
+              <a:t>1889-1988</a:t>
+            </a:r>
+          </a:p>
+          <a:p>
+            <a:pPr algn="ctr"/>
+            <a:r>
+              <a:rPr lang="en-US" dirty="0" smtClean="0"/>
+              <a:t>PATH ANALYSIS</a:t>
+            </a:r>
+          </a:p>
+        </p:txBody>
+      </p:sp>
+      <p:sp>
+        <p:nvSpPr>
+          <p:cNvPr id="11" name="Rectangle 10"/>
+          <p:cNvSpPr/>
+          <p:nvPr/>
+        </p:nvSpPr>
+        <p:spPr>
+          <a:xfrm>
+            <a:off x="500502" y="2553881"/>
+            <a:ext cx="2085410" cy="923330"/>
+          </a:xfrm>
+          <a:prstGeom prst="rect">
+            <a:avLst/>
+          </a:prstGeom>
+        </p:spPr>
+        <p:txBody>
+          <a:bodyPr wrap="square">
+            <a:spAutoFit/>
+          </a:bodyPr>
+          <a:lstStyle/>
+          <a:p>
+            <a:pPr algn="ctr"/>
+            <a:r>
+              <a:rPr lang="en-US" dirty="0" smtClean="0"/>
+              <a:t>K. </a:t>
+            </a:r>
+            <a:r>
+              <a:rPr lang="en-US" dirty="0" smtClean="0"/>
+              <a:t>PEARSON</a:t>
+            </a:r>
+          </a:p>
+          <a:p>
+            <a:pPr algn="ctr"/>
+            <a:r>
+              <a:rPr lang="en-US" dirty="0" smtClean="0"/>
+              <a:t>1857-1936</a:t>
+            </a:r>
+            <a:endParaRPr lang="en-US" dirty="0" smtClean="0"/>
+          </a:p>
+          <a:p>
+            <a:pPr algn="ctr"/>
+            <a:r>
+              <a:rPr lang="en-US" dirty="0" smtClean="0"/>
+              <a:t>CORRELATION                </a:t>
+            </a:r>
+          </a:p>
+        </p:txBody>
+      </p:sp>
+      <p:sp>
+        <p:nvSpPr>
+          <p:cNvPr id="12" name="Rectangle 11"/>
+          <p:cNvSpPr/>
+          <p:nvPr/>
+        </p:nvSpPr>
+        <p:spPr>
+          <a:xfrm>
+            <a:off x="3882530" y="2553881"/>
+            <a:ext cx="2113919" cy="923330"/>
+          </a:xfrm>
+          <a:prstGeom prst="rect">
+            <a:avLst/>
+          </a:prstGeom>
+        </p:spPr>
+        <p:txBody>
+          <a:bodyPr wrap="square">
+            <a:spAutoFit/>
+          </a:bodyPr>
+          <a:lstStyle/>
+          <a:p>
+            <a:pPr algn="ctr"/>
+            <a:r>
+              <a:rPr lang="en-US" dirty="0"/>
+              <a:t>F. </a:t>
+            </a:r>
+            <a:r>
+              <a:rPr lang="en-US" dirty="0" smtClean="0"/>
+              <a:t>GALTON</a:t>
+            </a:r>
+            <a:endParaRPr lang="en-US" dirty="0"/>
+          </a:p>
+          <a:p>
+            <a:pPr algn="ctr"/>
+            <a:r>
+              <a:rPr lang="en-US" dirty="0"/>
+              <a:t>1822-1911</a:t>
+            </a:r>
+          </a:p>
+          <a:p>
+            <a:pPr algn="ctr"/>
+            <a:r>
+              <a:rPr lang="en-US" dirty="0" smtClean="0"/>
+              <a:t>REGRESSION</a:t>
+            </a:r>
+          </a:p>
+        </p:txBody>
+      </p:sp>
     </p:spTree>
     <p:extLst>
       <p:ext uri="{BB962C8B-B14F-4D97-AF65-F5344CB8AC3E}">
@@ -9629,7 +10260,214 @@
                                           </p:stCondLst>
                                         </p:cTn>
                                         <p:tgtEl>
-                                          <p:spTgt spid="13"/>
+                                          <p:spTgt spid="7"/>
+                                        </p:tgtEl>
+                                        <p:attrNameLst>
+                                          <p:attrName>style.visibility</p:attrName>
+                                        </p:attrNameLst>
+                                      </p:cBhvr>
+                                      <p:to>
+                                        <p:strVal val="visible"/>
+                                      </p:to>
+                                    </p:set>
+                                  </p:childTnLst>
+                                </p:cTn>
+                              </p:par>
+                              <p:par>
+                                <p:cTn id="7" presetID="1" presetClass="entr" presetSubtype="0" fill="hold" nodeType="withEffect">
+                                  <p:stCondLst>
+                                    <p:cond delay="0"/>
+                                  </p:stCondLst>
+                                  <p:childTnLst>
+                                    <p:set>
+                                      <p:cBhvr>
+                                        <p:cTn id="8" dur="1" fill="hold">
+                                          <p:stCondLst>
+                                            <p:cond delay="0"/>
+                                          </p:stCondLst>
+                                        </p:cTn>
+                                        <p:tgtEl>
+                                          <p:spTgt spid="8"/>
+                                        </p:tgtEl>
+                                        <p:attrNameLst>
+                                          <p:attrName>style.visibility</p:attrName>
+                                        </p:attrNameLst>
+                                      </p:cBhvr>
+                                      <p:to>
+                                        <p:strVal val="visible"/>
+                                      </p:to>
+                                    </p:set>
+                                  </p:childTnLst>
+                                </p:cTn>
+                              </p:par>
+                              <p:par>
+                                <p:cTn id="9" presetID="1" presetClass="entr" presetSubtype="0" fill="hold" grpId="0" nodeType="withEffect">
+                                  <p:stCondLst>
+                                    <p:cond delay="0"/>
+                                  </p:stCondLst>
+                                  <p:childTnLst>
+                                    <p:set>
+                                      <p:cBhvr>
+                                        <p:cTn id="10" dur="1" fill="hold">
+                                          <p:stCondLst>
+                                            <p:cond delay="0"/>
+                                          </p:stCondLst>
+                                        </p:cTn>
+                                        <p:tgtEl>
+                                          <p:spTgt spid="11"/>
+                                        </p:tgtEl>
+                                        <p:attrNameLst>
+                                          <p:attrName>style.visibility</p:attrName>
+                                        </p:attrNameLst>
+                                      </p:cBhvr>
+                                      <p:to>
+                                        <p:strVal val="visible"/>
+                                      </p:to>
+                                    </p:set>
+                                  </p:childTnLst>
+                                </p:cTn>
+                              </p:par>
+                              <p:par>
+                                <p:cTn id="11" presetID="1" presetClass="entr" presetSubtype="0" fill="hold" grpId="0" nodeType="withEffect">
+                                  <p:stCondLst>
+                                    <p:cond delay="0"/>
+                                  </p:stCondLst>
+                                  <p:childTnLst>
+                                    <p:set>
+                                      <p:cBhvr>
+                                        <p:cTn id="12" dur="1" fill="hold">
+                                          <p:stCondLst>
+                                            <p:cond delay="0"/>
+                                          </p:stCondLst>
+                                        </p:cTn>
+                                        <p:tgtEl>
+                                          <p:spTgt spid="12"/>
+                                        </p:tgtEl>
+                                        <p:attrNameLst>
+                                          <p:attrName>style.visibility</p:attrName>
+                                        </p:attrNameLst>
+                                      </p:cBhvr>
+                                      <p:to>
+                                        <p:strVal val="visible"/>
+                                      </p:to>
+                                    </p:set>
+                                  </p:childTnLst>
+                                </p:cTn>
+                              </p:par>
+                            </p:childTnLst>
+                          </p:cTn>
+                        </p:par>
+                      </p:childTnLst>
+                    </p:cTn>
+                  </p:par>
+                  <p:par>
+                    <p:cTn id="13" fill="hold">
+                      <p:stCondLst>
+                        <p:cond delay="indefinite"/>
+                      </p:stCondLst>
+                      <p:childTnLst>
+                        <p:par>
+                          <p:cTn id="14" fill="hold">
+                            <p:stCondLst>
+                              <p:cond delay="0"/>
+                            </p:stCondLst>
+                            <p:childTnLst>
+                              <p:par>
+                                <p:cTn id="15" presetID="1" presetClass="entr" presetSubtype="0" fill="hold" nodeType="clickEffect">
+                                  <p:stCondLst>
+                                    <p:cond delay="0"/>
+                                  </p:stCondLst>
+                                  <p:childTnLst>
+                                    <p:set>
+                                      <p:cBhvr>
+                                        <p:cTn id="16" dur="1" fill="hold">
+                                          <p:stCondLst>
+                                            <p:cond delay="0"/>
+                                          </p:stCondLst>
+                                        </p:cTn>
+                                        <p:tgtEl>
+                                          <p:spTgt spid="5"/>
+                                        </p:tgtEl>
+                                        <p:attrNameLst>
+                                          <p:attrName>style.visibility</p:attrName>
+                                        </p:attrNameLst>
+                                      </p:cBhvr>
+                                      <p:to>
+                                        <p:strVal val="visible"/>
+                                      </p:to>
+                                    </p:set>
+                                  </p:childTnLst>
+                                </p:cTn>
+                              </p:par>
+                              <p:par>
+                                <p:cTn id="17" presetID="1" presetClass="entr" presetSubtype="0" fill="hold" nodeType="withEffect">
+                                  <p:stCondLst>
+                                    <p:cond delay="0"/>
+                                  </p:stCondLst>
+                                  <p:childTnLst>
+                                    <p:set>
+                                      <p:cBhvr>
+                                        <p:cTn id="18" dur="1" fill="hold">
+                                          <p:stCondLst>
+                                            <p:cond delay="0"/>
+                                          </p:stCondLst>
+                                        </p:cTn>
+                                        <p:tgtEl>
+                                          <p:spTgt spid="6"/>
+                                        </p:tgtEl>
+                                        <p:attrNameLst>
+                                          <p:attrName>style.visibility</p:attrName>
+                                        </p:attrNameLst>
+                                      </p:cBhvr>
+                                      <p:to>
+                                        <p:strVal val="visible"/>
+                                      </p:to>
+                                    </p:set>
+                                  </p:childTnLst>
+                                </p:cTn>
+                              </p:par>
+                              <p:par>
+                                <p:cTn id="19" presetID="1" presetClass="entr" presetSubtype="0" fill="hold" grpId="0" nodeType="withEffect">
+                                  <p:stCondLst>
+                                    <p:cond delay="0"/>
+                                  </p:stCondLst>
+                                  <p:childTnLst>
+                                    <p:set>
+                                      <p:cBhvr>
+                                        <p:cTn id="20" dur="1" fill="hold">
+                                          <p:stCondLst>
+                                            <p:cond delay="0"/>
+                                          </p:stCondLst>
+                                        </p:cTn>
+                                        <p:tgtEl>
+                                          <p:spTgt spid="9"/>
+                                        </p:tgtEl>
+                                        <p:attrNameLst>
+                                          <p:attrName>style.visibility</p:attrName>
+                                        </p:attrNameLst>
+                                      </p:cBhvr>
+                                      <p:to>
+                                        <p:strVal val="visible"/>
+                                      </p:to>
+                                    </p:set>
+                                  </p:childTnLst>
+                                </p:cTn>
+                              </p:par>
+                              <p:par>
+                                <p:cTn id="21" presetID="1" presetClass="entr" presetSubtype="0" fill="hold" grpId="0" nodeType="withEffect">
+                                  <p:stCondLst>
+                                    <p:cond delay="0"/>
+                                  </p:stCondLst>
+                                  <p:childTnLst>
+                                    <p:set>
+                                      <p:cBhvr>
+                                        <p:cTn id="22" dur="1" fill="hold">
+                                          <p:stCondLst>
+                                            <p:cond delay="0"/>
+                                          </p:stCondLst>
+                                        </p:cTn>
+                                        <p:tgtEl>
+                                          <p:spTgt spid="10"/>
                                         </p:tgtEl>
                                         <p:attrNameLst>
                                           <p:attrName>style.visibility</p:attrName>
@@ -9669,6 +10507,12 @@
         </p:cTn>
       </p:par>
     </p:tnLst>
+    <p:bldLst>
+      <p:bldP spid="9" grpId="0"/>
+      <p:bldP spid="10" grpId="0"/>
+      <p:bldP spid="11" grpId="0"/>
+      <p:bldP spid="12" grpId="0"/>
+    </p:bldLst>
   </p:timing>
 </p:sld>
 </file>

--- a/teaching/expdes/lec1.pptx
+++ b/teaching/expdes/lec1.pptx
@@ -9896,11 +9896,7 @@
             </a:r>
             <a:r>
               <a:rPr lang="en-US" sz="3200" i="1" dirty="0" smtClean="0"/>
-              <a:t>evolutionary </a:t>
-            </a:r>
-            <a:r>
-              <a:rPr lang="en-US" sz="3200" i="1" dirty="0" smtClean="0"/>
-              <a:t>biology (1900 rediscovery of </a:t>
+              <a:t>evolutionary biology (1900 rediscovery of </a:t>
             </a:r>
             <a:r>
               <a:rPr lang="en-US" sz="3200" i="1" smtClean="0"/>
@@ -10144,11 +10140,7 @@
             <a:pPr algn="ctr"/>
             <a:r>
               <a:rPr lang="en-US" dirty="0" smtClean="0"/>
-              <a:t>K. </a:t>
-            </a:r>
-            <a:r>
-              <a:rPr lang="en-US" dirty="0" smtClean="0"/>
-              <a:t>PEARSON</a:t>
+              <a:t>K. PEARSON</a:t>
             </a:r>
           </a:p>
           <a:p>
@@ -10157,7 +10149,6 @@
               <a:rPr lang="en-US" dirty="0" smtClean="0"/>
               <a:t>1857-1936</a:t>
             </a:r>
-            <a:endParaRPr lang="en-US" dirty="0" smtClean="0"/>
           </a:p>
           <a:p>
             <a:pPr algn="ctr"/>

--- a/teaching/expdes/lec1.pptx
+++ b/teaching/expdes/lec1.pptx
@@ -5,27 +5,28 @@
     <p:sldMasterId id="2147483648" r:id="rId1"/>
   </p:sldMasterIdLst>
   <p:notesMasterIdLst>
-    <p:notesMasterId r:id="rId20"/>
+    <p:notesMasterId r:id="rId21"/>
   </p:notesMasterIdLst>
   <p:sldIdLst>
     <p:sldId id="256" r:id="rId2"/>
     <p:sldId id="258" r:id="rId3"/>
     <p:sldId id="259" r:id="rId4"/>
-    <p:sldId id="260" r:id="rId5"/>
-    <p:sldId id="257" r:id="rId6"/>
-    <p:sldId id="261" r:id="rId7"/>
-    <p:sldId id="262" r:id="rId8"/>
-    <p:sldId id="263" r:id="rId9"/>
-    <p:sldId id="264" r:id="rId10"/>
-    <p:sldId id="265" r:id="rId11"/>
-    <p:sldId id="266" r:id="rId12"/>
-    <p:sldId id="286" r:id="rId13"/>
-    <p:sldId id="267" r:id="rId14"/>
-    <p:sldId id="268" r:id="rId15"/>
-    <p:sldId id="277" r:id="rId16"/>
-    <p:sldId id="285" r:id="rId17"/>
-    <p:sldId id="278" r:id="rId18"/>
-    <p:sldId id="279" r:id="rId19"/>
+    <p:sldId id="287" r:id="rId5"/>
+    <p:sldId id="260" r:id="rId6"/>
+    <p:sldId id="257" r:id="rId7"/>
+    <p:sldId id="261" r:id="rId8"/>
+    <p:sldId id="262" r:id="rId9"/>
+    <p:sldId id="263" r:id="rId10"/>
+    <p:sldId id="264" r:id="rId11"/>
+    <p:sldId id="265" r:id="rId12"/>
+    <p:sldId id="266" r:id="rId13"/>
+    <p:sldId id="286" r:id="rId14"/>
+    <p:sldId id="267" r:id="rId15"/>
+    <p:sldId id="268" r:id="rId16"/>
+    <p:sldId id="277" r:id="rId17"/>
+    <p:sldId id="285" r:id="rId18"/>
+    <p:sldId id="278" r:id="rId19"/>
+    <p:sldId id="279" r:id="rId20"/>
   </p:sldIdLst>
   <p:sldSz cx="12192000" cy="6858000"/>
   <p:notesSz cx="6858000" cy="9144000"/>
@@ -214,7 +215,7 @@
           <a:p>
             <a:fld id="{9BED238F-C13A-7E4E-AF4F-F9F0C2A207DD}" type="datetimeFigureOut">
               <a:rPr lang="en-US" smtClean="0"/>
-              <a:t>1/15/19</a:t>
+              <a:t>1/12/20</a:t>
             </a:fld>
             <a:endParaRPr lang="en-US"/>
           </a:p>
@@ -278,38 +279,37 @@
           <a:p>
             <a:pPr lvl="0"/>
             <a:r>
-              <a:rPr lang="en-US" smtClean="0"/>
+              <a:rPr lang="en-US"/>
               <a:t>Click to edit Master text styles</a:t>
             </a:r>
           </a:p>
           <a:p>
             <a:pPr lvl="1"/>
             <a:r>
-              <a:rPr lang="en-US" smtClean="0"/>
+              <a:rPr lang="en-US"/>
               <a:t>Second level</a:t>
             </a:r>
           </a:p>
           <a:p>
             <a:pPr lvl="2"/>
             <a:r>
-              <a:rPr lang="en-US" smtClean="0"/>
+              <a:rPr lang="en-US"/>
               <a:t>Third level</a:t>
             </a:r>
           </a:p>
           <a:p>
             <a:pPr lvl="3"/>
             <a:r>
-              <a:rPr lang="en-US" smtClean="0"/>
+              <a:rPr lang="en-US"/>
               <a:t>Fourth level</a:t>
             </a:r>
           </a:p>
           <a:p>
             <a:pPr lvl="4"/>
             <a:r>
-              <a:rPr lang="en-US" smtClean="0"/>
+              <a:rPr lang="en-US"/>
               <a:t>Fifth level</a:t>
             </a:r>
-            <a:endParaRPr lang="en-US"/>
           </a:p>
         </p:txBody>
       </p:sp>
@@ -611,11 +611,11 @@
           <a:lstStyle/>
           <a:p>
             <a:r>
-              <a:rPr lang="en-US" dirty="0" smtClean="0"/>
+              <a:rPr lang="en-US" dirty="0"/>
               <a:t>Talk about vaccines, immigration,</a:t>
             </a:r>
             <a:r>
-              <a:rPr lang="en-US" baseline="0" dirty="0" smtClean="0"/>
+              <a:rPr lang="en-US" baseline="0" dirty="0"/>
               <a:t> tax policy, conservation, global warming, teaching</a:t>
             </a:r>
             <a:endParaRPr lang="en-US" dirty="0"/>
@@ -649,6 +649,98 @@
     <p:extLst>
       <p:ext uri="{BB962C8B-B14F-4D97-AF65-F5344CB8AC3E}">
         <p14:creationId xmlns:p14="http://schemas.microsoft.com/office/powerpoint/2010/main" val="415971310"/>
+      </p:ext>
+    </p:extLst>
+  </p:cSld>
+  <p:clrMapOvr>
+    <a:masterClrMapping/>
+  </p:clrMapOvr>
+</p:notes>
+</file>
+
+<file path=ppt/notesSlides/notesSlide3.xml><?xml version="1.0" encoding="utf-8"?>
+<p:notes xmlns:a="http://schemas.openxmlformats.org/drawingml/2006/main" xmlns:r="http://schemas.openxmlformats.org/officeDocument/2006/relationships" xmlns:p="http://schemas.openxmlformats.org/presentationml/2006/main">
+  <p:cSld>
+    <p:spTree>
+      <p:nvGrpSpPr>
+        <p:cNvPr id="1" name=""/>
+        <p:cNvGrpSpPr/>
+        <p:nvPr/>
+      </p:nvGrpSpPr>
+      <p:grpSpPr>
+        <a:xfrm>
+          <a:off x="0" y="0"/>
+          <a:ext cx="0" cy="0"/>
+          <a:chOff x="0" y="0"/>
+          <a:chExt cx="0" cy="0"/>
+        </a:xfrm>
+      </p:grpSpPr>
+      <p:sp>
+        <p:nvSpPr>
+          <p:cNvPr id="2" name="Slide Image Placeholder 1"/>
+          <p:cNvSpPr>
+            <a:spLocks noGrp="1" noRot="1" noChangeAspect="1"/>
+          </p:cNvSpPr>
+          <p:nvPr>
+            <p:ph type="sldImg"/>
+          </p:nvPr>
+        </p:nvSpPr>
+        <p:spPr/>
+      </p:sp>
+      <p:sp>
+        <p:nvSpPr>
+          <p:cNvPr id="3" name="Notes Placeholder 2"/>
+          <p:cNvSpPr>
+            <a:spLocks noGrp="1"/>
+          </p:cNvSpPr>
+          <p:nvPr>
+            <p:ph type="body" idx="1"/>
+          </p:nvPr>
+        </p:nvSpPr>
+        <p:spPr/>
+        <p:txBody>
+          <a:bodyPr/>
+          <a:lstStyle/>
+          <a:p>
+            <a:r>
+              <a:rPr lang="en-US" dirty="0"/>
+              <a:t>Talk about vaccines, immigration,</a:t>
+            </a:r>
+            <a:r>
+              <a:rPr lang="en-US" baseline="0" dirty="0"/>
+              <a:t> tax policy, conservation, global warming, teaching</a:t>
+            </a:r>
+            <a:endParaRPr lang="en-US" dirty="0"/>
+          </a:p>
+        </p:txBody>
+      </p:sp>
+      <p:sp>
+        <p:nvSpPr>
+          <p:cNvPr id="4" name="Slide Number Placeholder 3"/>
+          <p:cNvSpPr>
+            <a:spLocks noGrp="1"/>
+          </p:cNvSpPr>
+          <p:nvPr>
+            <p:ph type="sldNum" sz="quarter" idx="10"/>
+          </p:nvPr>
+        </p:nvSpPr>
+        <p:spPr/>
+        <p:txBody>
+          <a:bodyPr/>
+          <a:lstStyle/>
+          <a:p>
+            <a:fld id="{0DE1EEA7-1181-0F43-AE07-4B409C6014E7}" type="slidenum">
+              <a:rPr lang="en-US" smtClean="0"/>
+              <a:t>4</a:t>
+            </a:fld>
+            <a:endParaRPr lang="en-US"/>
+          </a:p>
+        </p:txBody>
+      </p:sp>
+    </p:spTree>
+    <p:extLst>
+      <p:ext uri="{BB962C8B-B14F-4D97-AF65-F5344CB8AC3E}">
+        <p14:creationId xmlns:p14="http://schemas.microsoft.com/office/powerpoint/2010/main" val="1487193585"/>
       </p:ext>
     </p:extLst>
   </p:cSld>
@@ -700,10 +792,9 @@
           </a:lstStyle>
           <a:p>
             <a:r>
-              <a:rPr lang="en-US" smtClean="0"/>
+              <a:rPr lang="en-US"/>
               <a:t>Click to edit Master title style</a:t>
             </a:r>
-            <a:endParaRPr lang="en-US"/>
           </a:p>
         </p:txBody>
       </p:sp>
@@ -765,10 +856,9 @@
           </a:lstStyle>
           <a:p>
             <a:r>
-              <a:rPr lang="en-US" smtClean="0"/>
+              <a:rPr lang="en-US"/>
               <a:t>Click to edit Master subtitle style</a:t>
             </a:r>
-            <a:endParaRPr lang="en-US"/>
           </a:p>
         </p:txBody>
       </p:sp>
@@ -789,7 +879,7 @@
           <a:p>
             <a:fld id="{2B908699-CE29-634D-83B5-1061B2BD35A6}" type="datetimeFigureOut">
               <a:rPr lang="en-US" smtClean="0"/>
-              <a:t>1/15/19</a:t>
+              <a:t>1/12/20</a:t>
             </a:fld>
             <a:endParaRPr lang="en-US"/>
           </a:p>
@@ -883,10 +973,9 @@
           <a:lstStyle/>
           <a:p>
             <a:r>
-              <a:rPr lang="en-US" smtClean="0"/>
+              <a:rPr lang="en-US"/>
               <a:t>Click to edit Master title style</a:t>
             </a:r>
-            <a:endParaRPr lang="en-US"/>
           </a:p>
         </p:txBody>
       </p:sp>
@@ -907,38 +996,37 @@
           <a:p>
             <a:pPr lvl="0"/>
             <a:r>
-              <a:rPr lang="en-US" smtClean="0"/>
+              <a:rPr lang="en-US"/>
               <a:t>Click to edit Master text styles</a:t>
             </a:r>
           </a:p>
           <a:p>
             <a:pPr lvl="1"/>
             <a:r>
-              <a:rPr lang="en-US" smtClean="0"/>
+              <a:rPr lang="en-US"/>
               <a:t>Second level</a:t>
             </a:r>
           </a:p>
           <a:p>
             <a:pPr lvl="2"/>
             <a:r>
-              <a:rPr lang="en-US" smtClean="0"/>
+              <a:rPr lang="en-US"/>
               <a:t>Third level</a:t>
             </a:r>
           </a:p>
           <a:p>
             <a:pPr lvl="3"/>
             <a:r>
-              <a:rPr lang="en-US" smtClean="0"/>
+              <a:rPr lang="en-US"/>
               <a:t>Fourth level</a:t>
             </a:r>
           </a:p>
           <a:p>
             <a:pPr lvl="4"/>
             <a:r>
-              <a:rPr lang="en-US" smtClean="0"/>
+              <a:rPr lang="en-US"/>
               <a:t>Fifth level</a:t>
             </a:r>
-            <a:endParaRPr lang="en-US"/>
           </a:p>
         </p:txBody>
       </p:sp>
@@ -959,7 +1047,7 @@
           <a:p>
             <a:fld id="{2B908699-CE29-634D-83B5-1061B2BD35A6}" type="datetimeFigureOut">
               <a:rPr lang="en-US" smtClean="0"/>
-              <a:t>1/15/19</a:t>
+              <a:t>1/12/20</a:t>
             </a:fld>
             <a:endParaRPr lang="en-US"/>
           </a:p>
@@ -1058,10 +1146,9 @@
           <a:lstStyle/>
           <a:p>
             <a:r>
-              <a:rPr lang="en-US" smtClean="0"/>
+              <a:rPr lang="en-US"/>
               <a:t>Click to edit Master title style</a:t>
             </a:r>
-            <a:endParaRPr lang="en-US"/>
           </a:p>
         </p:txBody>
       </p:sp>
@@ -1087,38 +1174,37 @@
           <a:p>
             <a:pPr lvl="0"/>
             <a:r>
-              <a:rPr lang="en-US" smtClean="0"/>
+              <a:rPr lang="en-US"/>
               <a:t>Click to edit Master text styles</a:t>
             </a:r>
           </a:p>
           <a:p>
             <a:pPr lvl="1"/>
             <a:r>
-              <a:rPr lang="en-US" smtClean="0"/>
+              <a:rPr lang="en-US"/>
               <a:t>Second level</a:t>
             </a:r>
           </a:p>
           <a:p>
             <a:pPr lvl="2"/>
             <a:r>
-              <a:rPr lang="en-US" smtClean="0"/>
+              <a:rPr lang="en-US"/>
               <a:t>Third level</a:t>
             </a:r>
           </a:p>
           <a:p>
             <a:pPr lvl="3"/>
             <a:r>
-              <a:rPr lang="en-US" smtClean="0"/>
+              <a:rPr lang="en-US"/>
               <a:t>Fourth level</a:t>
             </a:r>
           </a:p>
           <a:p>
             <a:pPr lvl="4"/>
             <a:r>
-              <a:rPr lang="en-US" smtClean="0"/>
+              <a:rPr lang="en-US"/>
               <a:t>Fifth level</a:t>
             </a:r>
-            <a:endParaRPr lang="en-US"/>
           </a:p>
         </p:txBody>
       </p:sp>
@@ -1139,7 +1225,7 @@
           <a:p>
             <a:fld id="{2B908699-CE29-634D-83B5-1061B2BD35A6}" type="datetimeFigureOut">
               <a:rPr lang="en-US" smtClean="0"/>
-              <a:t>1/15/19</a:t>
+              <a:t>1/12/20</a:t>
             </a:fld>
             <a:endParaRPr lang="en-US"/>
           </a:p>
@@ -1197,13 +1283,6 @@
   <p:clrMapOvr>
     <a:masterClrMapping/>
   </p:clrMapOvr>
-  <p:timing>
-    <p:tnLst>
-      <p:par>
-        <p:cTn id="1" dur="indefinite" restart="never" nodeType="tmRoot"/>
-      </p:par>
-    </p:tnLst>
-  </p:timing>
 </p:sldLayout>
 </file>
 
@@ -1240,10 +1319,9 @@
           <a:lstStyle/>
           <a:p>
             <a:r>
-              <a:rPr lang="en-US" smtClean="0"/>
+              <a:rPr lang="en-US"/>
               <a:t>Click to edit Master title style</a:t>
             </a:r>
-            <a:endParaRPr lang="en-US"/>
           </a:p>
         </p:txBody>
       </p:sp>
@@ -1264,38 +1342,37 @@
           <a:p>
             <a:pPr lvl="0"/>
             <a:r>
-              <a:rPr lang="en-US" smtClean="0"/>
+              <a:rPr lang="en-US"/>
               <a:t>Click to edit Master text styles</a:t>
             </a:r>
           </a:p>
           <a:p>
             <a:pPr lvl="1"/>
             <a:r>
-              <a:rPr lang="en-US" smtClean="0"/>
+              <a:rPr lang="en-US"/>
               <a:t>Second level</a:t>
             </a:r>
           </a:p>
           <a:p>
             <a:pPr lvl="2"/>
             <a:r>
-              <a:rPr lang="en-US" smtClean="0"/>
+              <a:rPr lang="en-US"/>
               <a:t>Third level</a:t>
             </a:r>
           </a:p>
           <a:p>
             <a:pPr lvl="3"/>
             <a:r>
-              <a:rPr lang="en-US" smtClean="0"/>
+              <a:rPr lang="en-US"/>
               <a:t>Fourth level</a:t>
             </a:r>
           </a:p>
           <a:p>
             <a:pPr lvl="4"/>
             <a:r>
-              <a:rPr lang="en-US" smtClean="0"/>
+              <a:rPr lang="en-US"/>
               <a:t>Fifth level</a:t>
             </a:r>
-            <a:endParaRPr lang="en-US"/>
           </a:p>
         </p:txBody>
       </p:sp>
@@ -1316,7 +1393,7 @@
           <a:p>
             <a:fld id="{2B908699-CE29-634D-83B5-1061B2BD35A6}" type="datetimeFigureOut">
               <a:rPr lang="en-US" smtClean="0"/>
-              <a:t>1/15/19</a:t>
+              <a:t>1/12/20</a:t>
             </a:fld>
             <a:endParaRPr lang="en-US"/>
           </a:p>
@@ -1419,10 +1496,9 @@
           </a:lstStyle>
           <a:p>
             <a:r>
-              <a:rPr lang="en-US" smtClean="0"/>
+              <a:rPr lang="en-US"/>
               <a:t>Click to edit Master title style</a:t>
             </a:r>
-            <a:endParaRPr lang="en-US"/>
           </a:p>
         </p:txBody>
       </p:sp>
@@ -1539,7 +1615,7 @@
           <a:p>
             <a:pPr lvl="0"/>
             <a:r>
-              <a:rPr lang="en-US" smtClean="0"/>
+              <a:rPr lang="en-US"/>
               <a:t>Click to edit Master text styles</a:t>
             </a:r>
           </a:p>
@@ -1562,7 +1638,7 @@
           <a:p>
             <a:fld id="{2B908699-CE29-634D-83B5-1061B2BD35A6}" type="datetimeFigureOut">
               <a:rPr lang="en-US" smtClean="0"/>
-              <a:t>1/15/19</a:t>
+              <a:t>1/12/20</a:t>
             </a:fld>
             <a:endParaRPr lang="en-US"/>
           </a:p>
@@ -1656,10 +1732,9 @@
           <a:lstStyle/>
           <a:p>
             <a:r>
-              <a:rPr lang="en-US" smtClean="0"/>
+              <a:rPr lang="en-US"/>
               <a:t>Click to edit Master title style</a:t>
             </a:r>
-            <a:endParaRPr lang="en-US"/>
           </a:p>
         </p:txBody>
       </p:sp>
@@ -1685,38 +1760,37 @@
           <a:p>
             <a:pPr lvl="0"/>
             <a:r>
-              <a:rPr lang="en-US" smtClean="0"/>
+              <a:rPr lang="en-US"/>
               <a:t>Click to edit Master text styles</a:t>
             </a:r>
           </a:p>
           <a:p>
             <a:pPr lvl="1"/>
             <a:r>
-              <a:rPr lang="en-US" smtClean="0"/>
+              <a:rPr lang="en-US"/>
               <a:t>Second level</a:t>
             </a:r>
           </a:p>
           <a:p>
             <a:pPr lvl="2"/>
             <a:r>
-              <a:rPr lang="en-US" smtClean="0"/>
+              <a:rPr lang="en-US"/>
               <a:t>Third level</a:t>
             </a:r>
           </a:p>
           <a:p>
             <a:pPr lvl="3"/>
             <a:r>
-              <a:rPr lang="en-US" smtClean="0"/>
+              <a:rPr lang="en-US"/>
               <a:t>Fourth level</a:t>
             </a:r>
           </a:p>
           <a:p>
             <a:pPr lvl="4"/>
             <a:r>
-              <a:rPr lang="en-US" smtClean="0"/>
+              <a:rPr lang="en-US"/>
               <a:t>Fifth level</a:t>
             </a:r>
-            <a:endParaRPr lang="en-US"/>
           </a:p>
         </p:txBody>
       </p:sp>
@@ -1742,38 +1816,37 @@
           <a:p>
             <a:pPr lvl="0"/>
             <a:r>
-              <a:rPr lang="en-US" smtClean="0"/>
+              <a:rPr lang="en-US"/>
               <a:t>Click to edit Master text styles</a:t>
             </a:r>
           </a:p>
           <a:p>
             <a:pPr lvl="1"/>
             <a:r>
-              <a:rPr lang="en-US" smtClean="0"/>
+              <a:rPr lang="en-US"/>
               <a:t>Second level</a:t>
             </a:r>
           </a:p>
           <a:p>
             <a:pPr lvl="2"/>
             <a:r>
-              <a:rPr lang="en-US" smtClean="0"/>
+              <a:rPr lang="en-US"/>
               <a:t>Third level</a:t>
             </a:r>
           </a:p>
           <a:p>
             <a:pPr lvl="3"/>
             <a:r>
-              <a:rPr lang="en-US" smtClean="0"/>
+              <a:rPr lang="en-US"/>
               <a:t>Fourth level</a:t>
             </a:r>
           </a:p>
           <a:p>
             <a:pPr lvl="4"/>
             <a:r>
-              <a:rPr lang="en-US" smtClean="0"/>
+              <a:rPr lang="en-US"/>
               <a:t>Fifth level</a:t>
             </a:r>
-            <a:endParaRPr lang="en-US"/>
           </a:p>
         </p:txBody>
       </p:sp>
@@ -1794,7 +1867,7 @@
           <a:p>
             <a:fld id="{2B908699-CE29-634D-83B5-1061B2BD35A6}" type="datetimeFigureOut">
               <a:rPr lang="en-US" smtClean="0"/>
-              <a:t>1/15/19</a:t>
+              <a:t>1/12/20</a:t>
             </a:fld>
             <a:endParaRPr lang="en-US"/>
           </a:p>
@@ -1893,10 +1966,9 @@
           <a:lstStyle/>
           <a:p>
             <a:r>
-              <a:rPr lang="en-US" smtClean="0"/>
+              <a:rPr lang="en-US"/>
               <a:t>Click to edit Master title style</a:t>
             </a:r>
-            <a:endParaRPr lang="en-US"/>
           </a:p>
         </p:txBody>
       </p:sp>
@@ -1959,7 +2031,7 @@
           <a:p>
             <a:pPr lvl="0"/>
             <a:r>
-              <a:rPr lang="en-US" smtClean="0"/>
+              <a:rPr lang="en-US"/>
               <a:t>Click to edit Master text styles</a:t>
             </a:r>
           </a:p>
@@ -1987,38 +2059,37 @@
           <a:p>
             <a:pPr lvl="0"/>
             <a:r>
-              <a:rPr lang="en-US" smtClean="0"/>
+              <a:rPr lang="en-US"/>
               <a:t>Click to edit Master text styles</a:t>
             </a:r>
           </a:p>
           <a:p>
             <a:pPr lvl="1"/>
             <a:r>
-              <a:rPr lang="en-US" smtClean="0"/>
+              <a:rPr lang="en-US"/>
               <a:t>Second level</a:t>
             </a:r>
           </a:p>
           <a:p>
             <a:pPr lvl="2"/>
             <a:r>
-              <a:rPr lang="en-US" smtClean="0"/>
+              <a:rPr lang="en-US"/>
               <a:t>Third level</a:t>
             </a:r>
           </a:p>
           <a:p>
             <a:pPr lvl="3"/>
             <a:r>
-              <a:rPr lang="en-US" smtClean="0"/>
+              <a:rPr lang="en-US"/>
               <a:t>Fourth level</a:t>
             </a:r>
           </a:p>
           <a:p>
             <a:pPr lvl="4"/>
             <a:r>
-              <a:rPr lang="en-US" smtClean="0"/>
+              <a:rPr lang="en-US"/>
               <a:t>Fifth level</a:t>
             </a:r>
-            <a:endParaRPr lang="en-US"/>
           </a:p>
         </p:txBody>
       </p:sp>
@@ -2081,7 +2152,7 @@
           <a:p>
             <a:pPr lvl="0"/>
             <a:r>
-              <a:rPr lang="en-US" smtClean="0"/>
+              <a:rPr lang="en-US"/>
               <a:t>Click to edit Master text styles</a:t>
             </a:r>
           </a:p>
@@ -2109,38 +2180,37 @@
           <a:p>
             <a:pPr lvl="0"/>
             <a:r>
-              <a:rPr lang="en-US" smtClean="0"/>
+              <a:rPr lang="en-US"/>
               <a:t>Click to edit Master text styles</a:t>
             </a:r>
           </a:p>
           <a:p>
             <a:pPr lvl="1"/>
             <a:r>
-              <a:rPr lang="en-US" smtClean="0"/>
+              <a:rPr lang="en-US"/>
               <a:t>Second level</a:t>
             </a:r>
           </a:p>
           <a:p>
             <a:pPr lvl="2"/>
             <a:r>
-              <a:rPr lang="en-US" smtClean="0"/>
+              <a:rPr lang="en-US"/>
               <a:t>Third level</a:t>
             </a:r>
           </a:p>
           <a:p>
             <a:pPr lvl="3"/>
             <a:r>
-              <a:rPr lang="en-US" smtClean="0"/>
+              <a:rPr lang="en-US"/>
               <a:t>Fourth level</a:t>
             </a:r>
           </a:p>
           <a:p>
             <a:pPr lvl="4"/>
             <a:r>
-              <a:rPr lang="en-US" smtClean="0"/>
+              <a:rPr lang="en-US"/>
               <a:t>Fifth level</a:t>
             </a:r>
-            <a:endParaRPr lang="en-US"/>
           </a:p>
         </p:txBody>
       </p:sp>
@@ -2161,7 +2231,7 @@
           <a:p>
             <a:fld id="{2B908699-CE29-634D-83B5-1061B2BD35A6}" type="datetimeFigureOut">
               <a:rPr lang="en-US" smtClean="0"/>
-              <a:t>1/15/19</a:t>
+              <a:t>1/12/20</a:t>
             </a:fld>
             <a:endParaRPr lang="en-US"/>
           </a:p>
@@ -2255,10 +2325,9 @@
           <a:lstStyle/>
           <a:p>
             <a:r>
-              <a:rPr lang="en-US" smtClean="0"/>
+              <a:rPr lang="en-US"/>
               <a:t>Click to edit Master title style</a:t>
             </a:r>
-            <a:endParaRPr lang="en-US"/>
           </a:p>
         </p:txBody>
       </p:sp>
@@ -2279,7 +2348,7 @@
           <a:p>
             <a:fld id="{2B908699-CE29-634D-83B5-1061B2BD35A6}" type="datetimeFigureOut">
               <a:rPr lang="en-US" smtClean="0"/>
-              <a:t>1/15/19</a:t>
+              <a:t>1/12/20</a:t>
             </a:fld>
             <a:endParaRPr lang="en-US"/>
           </a:p>
@@ -2374,7 +2443,7 @@
           <a:p>
             <a:fld id="{2B908699-CE29-634D-83B5-1061B2BD35A6}" type="datetimeFigureOut">
               <a:rPr lang="en-US" smtClean="0"/>
-              <a:t>1/15/19</a:t>
+              <a:t>1/12/20</a:t>
             </a:fld>
             <a:endParaRPr lang="en-US"/>
           </a:p>
@@ -2477,10 +2546,9 @@
           </a:lstStyle>
           <a:p>
             <a:r>
-              <a:rPr lang="en-US" smtClean="0"/>
+              <a:rPr lang="en-US"/>
               <a:t>Click to edit Master title style</a:t>
             </a:r>
-            <a:endParaRPr lang="en-US"/>
           </a:p>
         </p:txBody>
       </p:sp>
@@ -2534,38 +2602,37 @@
           <a:p>
             <a:pPr lvl="0"/>
             <a:r>
-              <a:rPr lang="en-US" smtClean="0"/>
+              <a:rPr lang="en-US"/>
               <a:t>Click to edit Master text styles</a:t>
             </a:r>
           </a:p>
           <a:p>
             <a:pPr lvl="1"/>
             <a:r>
-              <a:rPr lang="en-US" smtClean="0"/>
+              <a:rPr lang="en-US"/>
               <a:t>Second level</a:t>
             </a:r>
           </a:p>
           <a:p>
             <a:pPr lvl="2"/>
             <a:r>
-              <a:rPr lang="en-US" smtClean="0"/>
+              <a:rPr lang="en-US"/>
               <a:t>Third level</a:t>
             </a:r>
           </a:p>
           <a:p>
             <a:pPr lvl="3"/>
             <a:r>
-              <a:rPr lang="en-US" smtClean="0"/>
+              <a:rPr lang="en-US"/>
               <a:t>Fourth level</a:t>
             </a:r>
           </a:p>
           <a:p>
             <a:pPr lvl="4"/>
             <a:r>
-              <a:rPr lang="en-US" smtClean="0"/>
+              <a:rPr lang="en-US"/>
               <a:t>Fifth level</a:t>
             </a:r>
-            <a:endParaRPr lang="en-US"/>
           </a:p>
         </p:txBody>
       </p:sp>
@@ -2628,7 +2695,7 @@
           <a:p>
             <a:pPr lvl="0"/>
             <a:r>
-              <a:rPr lang="en-US" smtClean="0"/>
+              <a:rPr lang="en-US"/>
               <a:t>Click to edit Master text styles</a:t>
             </a:r>
           </a:p>
@@ -2651,7 +2718,7 @@
           <a:p>
             <a:fld id="{2B908699-CE29-634D-83B5-1061B2BD35A6}" type="datetimeFigureOut">
               <a:rPr lang="en-US" smtClean="0"/>
-              <a:t>1/15/19</a:t>
+              <a:t>1/12/20</a:t>
             </a:fld>
             <a:endParaRPr lang="en-US"/>
           </a:p>
@@ -2754,10 +2821,9 @@
           </a:lstStyle>
           <a:p>
             <a:r>
-              <a:rPr lang="en-US" smtClean="0"/>
+              <a:rPr lang="en-US"/>
               <a:t>Click to edit Master title style</a:t>
             </a:r>
-            <a:endParaRPr lang="en-US"/>
           </a:p>
         </p:txBody>
       </p:sp>
@@ -2881,7 +2947,7 @@
           <a:p>
             <a:pPr lvl="0"/>
             <a:r>
-              <a:rPr lang="en-US" smtClean="0"/>
+              <a:rPr lang="en-US"/>
               <a:t>Click to edit Master text styles</a:t>
             </a:r>
           </a:p>
@@ -2904,7 +2970,7 @@
           <a:p>
             <a:fld id="{2B908699-CE29-634D-83B5-1061B2BD35A6}" type="datetimeFigureOut">
               <a:rPr lang="en-US" smtClean="0"/>
-              <a:t>1/15/19</a:t>
+              <a:t>1/12/20</a:t>
             </a:fld>
             <a:endParaRPr lang="en-US"/>
           </a:p>
@@ -3013,10 +3079,9 @@
           <a:lstStyle/>
           <a:p>
             <a:r>
-              <a:rPr lang="en-US" smtClean="0"/>
+              <a:rPr lang="en-US"/>
               <a:t>Click to edit Master title style</a:t>
             </a:r>
-            <a:endParaRPr lang="en-US"/>
           </a:p>
         </p:txBody>
       </p:sp>
@@ -3047,38 +3112,37 @@
           <a:p>
             <a:pPr lvl="0"/>
             <a:r>
-              <a:rPr lang="en-US" smtClean="0"/>
+              <a:rPr lang="en-US"/>
               <a:t>Click to edit Master text styles</a:t>
             </a:r>
           </a:p>
           <a:p>
             <a:pPr lvl="1"/>
             <a:r>
-              <a:rPr lang="en-US" smtClean="0"/>
+              <a:rPr lang="en-US"/>
               <a:t>Second level</a:t>
             </a:r>
           </a:p>
           <a:p>
             <a:pPr lvl="2"/>
             <a:r>
-              <a:rPr lang="en-US" smtClean="0"/>
+              <a:rPr lang="en-US"/>
               <a:t>Third level</a:t>
             </a:r>
           </a:p>
           <a:p>
             <a:pPr lvl="3"/>
             <a:r>
-              <a:rPr lang="en-US" smtClean="0"/>
+              <a:rPr lang="en-US"/>
               <a:t>Fourth level</a:t>
             </a:r>
           </a:p>
           <a:p>
             <a:pPr lvl="4"/>
             <a:r>
-              <a:rPr lang="en-US" smtClean="0"/>
+              <a:rPr lang="en-US"/>
               <a:t>Fifth level</a:t>
             </a:r>
-            <a:endParaRPr lang="en-US"/>
           </a:p>
         </p:txBody>
       </p:sp>
@@ -3117,7 +3181,7 @@
           <a:p>
             <a:fld id="{2B908699-CE29-634D-83B5-1061B2BD35A6}" type="datetimeFigureOut">
               <a:rPr lang="en-US" smtClean="0"/>
-              <a:t>1/15/19</a:t>
+              <a:t>1/12/20</a:t>
             </a:fld>
             <a:endParaRPr lang="en-US"/>
           </a:p>
@@ -3557,55 +3621,38 @@
             <a:pPr algn="l"/>
             <a:r>
               <a:rPr lang="en-US" dirty="0"/>
-              <a:t>Experimental </a:t>
-            </a:r>
-            <a:r>
-              <a:rPr lang="en-US" dirty="0" smtClean="0"/>
-              <a:t>Design</a:t>
+              <a:t>Experimental Design</a:t>
             </a:r>
             <a:br>
-              <a:rPr lang="en-US" dirty="0" smtClean="0"/>
+              <a:rPr lang="en-US" dirty="0"/>
             </a:br>
             <a:r>
-              <a:rPr lang="en-US" sz="4000" dirty="0" smtClean="0"/>
+              <a:rPr lang="en-US" sz="4000" dirty="0"/>
               <a:t>Biology 683</a:t>
-            </a:r>
-            <a:br>
-              <a:rPr lang="en-US" sz="4000" dirty="0" smtClean="0"/>
-            </a:br>
-            <a:r>
-              <a:rPr lang="en-US" sz="4000" dirty="0" smtClean="0"/>
-              <a:t/>
-            </a:r>
-            <a:br>
-              <a:rPr lang="en-US" sz="4000" dirty="0" smtClean="0"/>
-            </a:br>
-            <a:r>
-              <a:rPr lang="en-US" sz="4000" dirty="0" smtClean="0"/>
-              <a:t>Lecture 1</a:t>
-            </a:r>
-            <a:br>
-              <a:rPr lang="en-US" sz="4000" dirty="0" smtClean="0"/>
-            </a:br>
-            <a:r>
-              <a:rPr lang="en-US" sz="4000" dirty="0" smtClean="0"/>
-              <a:t/>
-            </a:r>
-            <a:br>
-              <a:rPr lang="en-US" sz="4000" dirty="0" smtClean="0"/>
-            </a:br>
-            <a:r>
-              <a:rPr lang="en-US" sz="4000" dirty="0"/>
-              <a:t/>
             </a:r>
             <a:br>
               <a:rPr lang="en-US" sz="4000" dirty="0"/>
             </a:br>
-            <a:r>
-              <a:rPr lang="en-US" sz="2800" dirty="0" smtClean="0"/>
+            <a:br>
+              <a:rPr lang="en-US" sz="4000" dirty="0"/>
+            </a:br>
+            <a:r>
+              <a:rPr lang="en-US" sz="4000" dirty="0"/>
+              <a:t>Lecture 1</a:t>
+            </a:r>
+            <a:br>
+              <a:rPr lang="en-US" sz="4000" dirty="0"/>
+            </a:br>
+            <a:br>
+              <a:rPr lang="en-US" sz="4000" dirty="0"/>
+            </a:br>
+            <a:br>
+              <a:rPr lang="en-US" sz="4000" dirty="0"/>
+            </a:br>
+            <a:r>
+              <a:rPr lang="en-US" sz="2800" dirty="0"/>
               <a:t>Heath Blackmon</a:t>
             </a:r>
-            <a:endParaRPr lang="en-US" sz="2800" dirty="0"/>
           </a:p>
         </p:txBody>
       </p:sp>
@@ -3643,13 +3690,6 @@
   <p:clrMapOvr>
     <a:masterClrMapping/>
   </p:clrMapOvr>
-  <p:timing>
-    <p:tnLst>
-      <p:par>
-        <p:cTn id="1" dur="indefinite" restart="never" nodeType="tmRoot"/>
-      </p:par>
-    </p:tnLst>
-  </p:timing>
 </p:sld>
 </file>
 
@@ -3700,41 +3740,410 @@
           </a:solidFill>
         </p:spPr>
         <p:txBody>
-          <a:bodyPr>
-            <a:normAutofit/>
-          </a:bodyPr>
+          <a:bodyPr/>
           <a:lstStyle/>
           <a:p>
             <a:pPr algn="ctr"/>
-            <a:r>
-              <a:rPr lang="en-US" b="1" dirty="0" smtClean="0">
-                <a:solidFill>
-                  <a:schemeClr val="bg1"/>
-                </a:solidFill>
-              </a:rPr>
-              <a:t>Why not just collaborate </a:t>
-            </a:r>
             <a:r>
               <a:rPr lang="en-US" b="1" dirty="0">
                 <a:solidFill>
                   <a:schemeClr val="bg1"/>
                 </a:solidFill>
               </a:rPr>
-              <a:t>with a </a:t>
-            </a:r>
-            <a:r>
-              <a:rPr lang="en-US" b="1" dirty="0" smtClean="0">
+              <a:t>Experimental Design</a:t>
+            </a:r>
+          </a:p>
+        </p:txBody>
+      </p:sp>
+      <p:sp>
+        <p:nvSpPr>
+          <p:cNvPr id="4" name="Rectangle 3"/>
+          <p:cNvSpPr/>
+          <p:nvPr/>
+        </p:nvSpPr>
+        <p:spPr>
+          <a:xfrm>
+            <a:off x="195431" y="1073547"/>
+            <a:ext cx="11801138" cy="5016758"/>
+          </a:xfrm>
+          <a:prstGeom prst="rect">
+            <a:avLst/>
+          </a:prstGeom>
+        </p:spPr>
+        <p:txBody>
+          <a:bodyPr wrap="square">
+            <a:spAutoFit/>
+          </a:bodyPr>
+          <a:lstStyle/>
+          <a:p>
+            <a:pPr fontAlgn="base"/>
+            <a:endParaRPr lang="en-US" sz="3200" dirty="0"/>
+          </a:p>
+          <a:p>
+            <a:pPr fontAlgn="base"/>
+            <a:r>
+              <a:rPr lang="en-US" sz="3200" dirty="0"/>
+              <a:t>To design an experiment you need to understand how the data will be analyzed statistically.</a:t>
+            </a:r>
+          </a:p>
+          <a:p>
+            <a:pPr fontAlgn="base"/>
+            <a:endParaRPr lang="en-US" sz="3200" dirty="0"/>
+          </a:p>
+          <a:p>
+            <a:pPr marL="514350" indent="-514350" fontAlgn="base">
+              <a:lnSpc>
+                <a:spcPct val="150000"/>
+              </a:lnSpc>
+              <a:buFont typeface="+mj-lt"/>
+              <a:buAutoNum type="arabicPeriod"/>
+            </a:pPr>
+            <a:r>
+              <a:rPr lang="en-US" sz="3200" dirty="0"/>
+              <a:t>How can you sample the population in which you are interested?</a:t>
+            </a:r>
+          </a:p>
+          <a:p>
+            <a:pPr marL="514350" indent="-514350" fontAlgn="base">
+              <a:lnSpc>
+                <a:spcPct val="150000"/>
+              </a:lnSpc>
+              <a:buFont typeface="+mj-lt"/>
+              <a:buAutoNum type="arabicPeriod"/>
+            </a:pPr>
+            <a:r>
+              <a:rPr lang="en-US" sz="3200" dirty="0"/>
+              <a:t>What tests are appropriate for your data?</a:t>
+            </a:r>
+          </a:p>
+          <a:p>
+            <a:pPr marL="514350" indent="-514350" fontAlgn="base">
+              <a:lnSpc>
+                <a:spcPct val="150000"/>
+              </a:lnSpc>
+              <a:buFont typeface="+mj-lt"/>
+              <a:buAutoNum type="arabicPeriod"/>
+            </a:pPr>
+            <a:r>
+              <a:rPr lang="en-US" sz="3200" dirty="0"/>
+              <a:t>What biases must be controlled for?</a:t>
+            </a:r>
+          </a:p>
+          <a:p>
+            <a:pPr marL="514350" indent="-514350" fontAlgn="base">
+              <a:lnSpc>
+                <a:spcPct val="150000"/>
+              </a:lnSpc>
+              <a:buFont typeface="+mj-lt"/>
+              <a:buAutoNum type="arabicPeriod"/>
+            </a:pPr>
+            <a:r>
+              <a:rPr lang="en-US" sz="3200" dirty="0"/>
+              <a:t>What sample size will be necessary?</a:t>
+            </a:r>
+          </a:p>
+        </p:txBody>
+      </p:sp>
+    </p:spTree>
+    <p:extLst>
+      <p:ext uri="{BB962C8B-B14F-4D97-AF65-F5344CB8AC3E}">
+        <p14:creationId xmlns:p14="http://schemas.microsoft.com/office/powerpoint/2010/main" val="300772161"/>
+      </p:ext>
+    </p:extLst>
+  </p:cSld>
+  <p:clrMapOvr>
+    <a:masterClrMapping/>
+  </p:clrMapOvr>
+  <p:timing>
+    <p:tnLst>
+      <p:par>
+        <p:cTn id="1" dur="indefinite" restart="never" nodeType="tmRoot">
+          <p:childTnLst>
+            <p:seq concurrent="1" nextAc="seek">
+              <p:cTn id="2" dur="indefinite" nodeType="mainSeq">
+                <p:childTnLst>
+                  <p:par>
+                    <p:cTn id="3" fill="hold">
+                      <p:stCondLst>
+                        <p:cond delay="indefinite"/>
+                      </p:stCondLst>
+                      <p:childTnLst>
+                        <p:par>
+                          <p:cTn id="4" fill="hold">
+                            <p:stCondLst>
+                              <p:cond delay="0"/>
+                            </p:stCondLst>
+                            <p:childTnLst>
+                              <p:par>
+                                <p:cTn id="5" presetID="1" presetClass="entr" presetSubtype="0" fill="hold" nodeType="clickEffect">
+                                  <p:stCondLst>
+                                    <p:cond delay="0"/>
+                                  </p:stCondLst>
+                                  <p:childTnLst>
+                                    <p:set>
+                                      <p:cBhvr>
+                                        <p:cTn id="6" dur="1" fill="hold">
+                                          <p:stCondLst>
+                                            <p:cond delay="0"/>
+                                          </p:stCondLst>
+                                        </p:cTn>
+                                        <p:tgtEl>
+                                          <p:spTgt spid="4">
+                                            <p:txEl>
+                                              <p:pRg st="3" end="3"/>
+                                            </p:txEl>
+                                          </p:spTgt>
+                                        </p:tgtEl>
+                                        <p:attrNameLst>
+                                          <p:attrName>style.visibility</p:attrName>
+                                        </p:attrNameLst>
+                                      </p:cBhvr>
+                                      <p:to>
+                                        <p:strVal val="visible"/>
+                                      </p:to>
+                                    </p:set>
+                                  </p:childTnLst>
+                                </p:cTn>
+                              </p:par>
+                            </p:childTnLst>
+                          </p:cTn>
+                        </p:par>
+                      </p:childTnLst>
+                    </p:cTn>
+                  </p:par>
+                  <p:par>
+                    <p:cTn id="7" fill="hold">
+                      <p:stCondLst>
+                        <p:cond delay="indefinite"/>
+                      </p:stCondLst>
+                      <p:childTnLst>
+                        <p:par>
+                          <p:cTn id="8" fill="hold">
+                            <p:stCondLst>
+                              <p:cond delay="0"/>
+                            </p:stCondLst>
+                            <p:childTnLst>
+                              <p:par>
+                                <p:cTn id="9" presetID="1" presetClass="entr" presetSubtype="0" fill="hold" nodeType="clickEffect">
+                                  <p:stCondLst>
+                                    <p:cond delay="0"/>
+                                  </p:stCondLst>
+                                  <p:childTnLst>
+                                    <p:set>
+                                      <p:cBhvr>
+                                        <p:cTn id="10" dur="1" fill="hold">
+                                          <p:stCondLst>
+                                            <p:cond delay="0"/>
+                                          </p:stCondLst>
+                                        </p:cTn>
+                                        <p:tgtEl>
+                                          <p:spTgt spid="4">
+                                            <p:txEl>
+                                              <p:pRg st="4" end="4"/>
+                                            </p:txEl>
+                                          </p:spTgt>
+                                        </p:tgtEl>
+                                        <p:attrNameLst>
+                                          <p:attrName>style.visibility</p:attrName>
+                                        </p:attrNameLst>
+                                      </p:cBhvr>
+                                      <p:to>
+                                        <p:strVal val="visible"/>
+                                      </p:to>
+                                    </p:set>
+                                  </p:childTnLst>
+                                </p:cTn>
+                              </p:par>
+                            </p:childTnLst>
+                          </p:cTn>
+                        </p:par>
+                      </p:childTnLst>
+                    </p:cTn>
+                  </p:par>
+                  <p:par>
+                    <p:cTn id="11" fill="hold">
+                      <p:stCondLst>
+                        <p:cond delay="indefinite"/>
+                      </p:stCondLst>
+                      <p:childTnLst>
+                        <p:par>
+                          <p:cTn id="12" fill="hold">
+                            <p:stCondLst>
+                              <p:cond delay="0"/>
+                            </p:stCondLst>
+                            <p:childTnLst>
+                              <p:par>
+                                <p:cTn id="13" presetID="1" presetClass="entr" presetSubtype="0" fill="hold" nodeType="clickEffect">
+                                  <p:stCondLst>
+                                    <p:cond delay="0"/>
+                                  </p:stCondLst>
+                                  <p:childTnLst>
+                                    <p:set>
+                                      <p:cBhvr>
+                                        <p:cTn id="14" dur="1" fill="hold">
+                                          <p:stCondLst>
+                                            <p:cond delay="0"/>
+                                          </p:stCondLst>
+                                        </p:cTn>
+                                        <p:tgtEl>
+                                          <p:spTgt spid="4">
+                                            <p:txEl>
+                                              <p:pRg st="5" end="5"/>
+                                            </p:txEl>
+                                          </p:spTgt>
+                                        </p:tgtEl>
+                                        <p:attrNameLst>
+                                          <p:attrName>style.visibility</p:attrName>
+                                        </p:attrNameLst>
+                                      </p:cBhvr>
+                                      <p:to>
+                                        <p:strVal val="visible"/>
+                                      </p:to>
+                                    </p:set>
+                                  </p:childTnLst>
+                                </p:cTn>
+                              </p:par>
+                            </p:childTnLst>
+                          </p:cTn>
+                        </p:par>
+                      </p:childTnLst>
+                    </p:cTn>
+                  </p:par>
+                  <p:par>
+                    <p:cTn id="15" fill="hold">
+                      <p:stCondLst>
+                        <p:cond delay="indefinite"/>
+                      </p:stCondLst>
+                      <p:childTnLst>
+                        <p:par>
+                          <p:cTn id="16" fill="hold">
+                            <p:stCondLst>
+                              <p:cond delay="0"/>
+                            </p:stCondLst>
+                            <p:childTnLst>
+                              <p:par>
+                                <p:cTn id="17" presetID="1" presetClass="entr" presetSubtype="0" fill="hold" nodeType="clickEffect">
+                                  <p:stCondLst>
+                                    <p:cond delay="0"/>
+                                  </p:stCondLst>
+                                  <p:childTnLst>
+                                    <p:set>
+                                      <p:cBhvr>
+                                        <p:cTn id="18" dur="1" fill="hold">
+                                          <p:stCondLst>
+                                            <p:cond delay="0"/>
+                                          </p:stCondLst>
+                                        </p:cTn>
+                                        <p:tgtEl>
+                                          <p:spTgt spid="4">
+                                            <p:txEl>
+                                              <p:pRg st="6" end="6"/>
+                                            </p:txEl>
+                                          </p:spTgt>
+                                        </p:tgtEl>
+                                        <p:attrNameLst>
+                                          <p:attrName>style.visibility</p:attrName>
+                                        </p:attrNameLst>
+                                      </p:cBhvr>
+                                      <p:to>
+                                        <p:strVal val="visible"/>
+                                      </p:to>
+                                    </p:set>
+                                  </p:childTnLst>
+                                </p:cTn>
+                              </p:par>
+                            </p:childTnLst>
+                          </p:cTn>
+                        </p:par>
+                      </p:childTnLst>
+                    </p:cTn>
+                  </p:par>
+                </p:childTnLst>
+              </p:cTn>
+              <p:prevCondLst>
+                <p:cond evt="onPrev" delay="0">
+                  <p:tgtEl>
+                    <p:sldTgt/>
+                  </p:tgtEl>
+                </p:cond>
+              </p:prevCondLst>
+              <p:nextCondLst>
+                <p:cond evt="onNext" delay="0">
+                  <p:tgtEl>
+                    <p:sldTgt/>
+                  </p:tgtEl>
+                </p:cond>
+              </p:nextCondLst>
+            </p:seq>
+          </p:childTnLst>
+        </p:cTn>
+      </p:par>
+    </p:tnLst>
+  </p:timing>
+</p:sld>
+</file>
+
+<file path=ppt/slides/slide11.xml><?xml version="1.0" encoding="utf-8"?>
+<p:sld xmlns:a="http://schemas.openxmlformats.org/drawingml/2006/main" xmlns:r="http://schemas.openxmlformats.org/officeDocument/2006/relationships" xmlns:p="http://schemas.openxmlformats.org/presentationml/2006/main">
+  <p:cSld>
+    <p:bg>
+      <p:bgPr>
+        <a:solidFill>
+          <a:schemeClr val="bg1">
+            <a:lumMod val="95000"/>
+          </a:schemeClr>
+        </a:solidFill>
+        <a:effectLst/>
+      </p:bgPr>
+    </p:bg>
+    <p:spTree>
+      <p:nvGrpSpPr>
+        <p:cNvPr id="1" name=""/>
+        <p:cNvGrpSpPr/>
+        <p:nvPr/>
+      </p:nvGrpSpPr>
+      <p:grpSpPr>
+        <a:xfrm>
+          <a:off x="0" y="0"/>
+          <a:ext cx="0" cy="0"/>
+          <a:chOff x="0" y="0"/>
+          <a:chExt cx="0" cy="0"/>
+        </a:xfrm>
+      </p:grpSpPr>
+      <p:sp>
+        <p:nvSpPr>
+          <p:cNvPr id="2" name="Title 1"/>
+          <p:cNvSpPr>
+            <a:spLocks noGrp="1"/>
+          </p:cNvSpPr>
+          <p:nvPr>
+            <p:ph type="title"/>
+          </p:nvPr>
+        </p:nvSpPr>
+        <p:spPr>
+          <a:xfrm>
+            <a:off x="0" y="0"/>
+            <a:ext cx="12192000" cy="935915"/>
+          </a:xfrm>
+          <a:solidFill>
+            <a:schemeClr val="tx1"/>
+          </a:solidFill>
+        </p:spPr>
+        <p:txBody>
+          <a:bodyPr>
+            <a:normAutofit/>
+          </a:bodyPr>
+          <a:lstStyle/>
+          <a:p>
+            <a:pPr algn="ctr"/>
+            <a:r>
+              <a:rPr lang="en-US" b="1" dirty="0">
                 <a:solidFill>
                   <a:schemeClr val="bg1"/>
                 </a:solidFill>
               </a:rPr>
-              <a:t>statistician</a:t>
-            </a:r>
-            <a:endParaRPr lang="en-US" b="1" dirty="0">
-              <a:solidFill>
-                <a:schemeClr val="bg1"/>
-              </a:solidFill>
-            </a:endParaRPr>
+              <a:t>Why not just collaborate with a statistician</a:t>
+            </a:r>
           </a:p>
         </p:txBody>
       </p:sp>
@@ -3764,32 +4173,8 @@
               <a:buAutoNum type="arabicPeriod"/>
             </a:pPr>
             <a:r>
-              <a:rPr lang="en-US" sz="3200" dirty="0" smtClean="0"/>
-              <a:t>In </a:t>
-            </a:r>
-            <a:r>
               <a:rPr lang="en-US" sz="3200" dirty="0"/>
-              <a:t>some cases this is a great </a:t>
-            </a:r>
-            <a:r>
-              <a:rPr lang="en-US" sz="3200" dirty="0" smtClean="0"/>
-              <a:t>option, but </a:t>
-            </a:r>
-            <a:r>
-              <a:rPr lang="en-US" sz="3200" dirty="0"/>
-              <a:t>y</a:t>
-            </a:r>
-            <a:r>
-              <a:rPr lang="en-US" sz="3200" dirty="0" smtClean="0"/>
-              <a:t>ou </a:t>
-            </a:r>
-            <a:r>
-              <a:rPr lang="en-US" sz="3200" dirty="0"/>
-              <a:t>have to understand enough to </a:t>
-            </a:r>
-            <a:r>
-              <a:rPr lang="en-US" sz="3200" dirty="0" smtClean="0"/>
-              <a:t>communicate.</a:t>
+              <a:t>In some cases this is a great option, but you have to understand enough to communicate.</a:t>
             </a:r>
           </a:p>
           <a:p>
@@ -3798,16 +4183,8 @@
               <a:buAutoNum type="arabicPeriod"/>
             </a:pPr>
             <a:r>
-              <a:rPr lang="en-US" sz="3200" dirty="0" smtClean="0"/>
-              <a:t>If </a:t>
-            </a:r>
-            <a:r>
               <a:rPr lang="en-US" sz="3200" dirty="0"/>
-              <a:t>you publish a study you are responsible for its validity</a:t>
-            </a:r>
-            <a:r>
-              <a:rPr lang="en-US" sz="3200" dirty="0" smtClean="0"/>
-              <a:t>.</a:t>
+              <a:t>If you publish a study you are responsible for its validity.</a:t>
             </a:r>
           </a:p>
           <a:p>
@@ -3816,24 +4193,8 @@
               <a:buAutoNum type="arabicPeriod"/>
             </a:pPr>
             <a:r>
-              <a:rPr lang="en-US" sz="3200" dirty="0" smtClean="0"/>
-              <a:t>For </a:t>
-            </a:r>
-            <a:r>
               <a:rPr lang="en-US" sz="3200" dirty="0"/>
-              <a:t>most experiments </a:t>
-            </a:r>
-            <a:r>
-              <a:rPr lang="en-US" sz="3200" dirty="0" smtClean="0"/>
-              <a:t>simple methods </a:t>
-            </a:r>
-            <a:r>
-              <a:rPr lang="en-US" sz="3200" dirty="0"/>
-              <a:t>suffice</a:t>
-            </a:r>
-            <a:r>
-              <a:rPr lang="en-US" sz="3200" dirty="0" smtClean="0"/>
-              <a:t>.</a:t>
+              <a:t>For most experiments simple methods suffice.</a:t>
             </a:r>
           </a:p>
           <a:p>
@@ -3842,16 +4203,8 @@
               <a:buAutoNum type="arabicPeriod"/>
             </a:pPr>
             <a:r>
-              <a:rPr lang="en-US" sz="3200" dirty="0" smtClean="0"/>
-              <a:t>In </a:t>
-            </a:r>
-            <a:r>
               <a:rPr lang="en-US" sz="3200" dirty="0"/>
-              <a:t>many fields of biology there are sets of statistical tests that are expected for certain types of data</a:t>
-            </a:r>
-            <a:r>
-              <a:rPr lang="en-US" sz="3200" dirty="0" smtClean="0"/>
-              <a:t>.</a:t>
+              <a:t>In many fields of biology there are sets of statistical tests that are expected for certain types of data.</a:t>
             </a:r>
           </a:p>
           <a:p>
@@ -3860,12 +4213,8 @@
               <a:buAutoNum type="arabicPeriod"/>
             </a:pPr>
             <a:r>
-              <a:rPr lang="en-US" sz="3200" dirty="0" smtClean="0"/>
-              <a:t>For </a:t>
-            </a:r>
-            <a:r>
               <a:rPr lang="en-US" sz="3200" dirty="0"/>
-              <a:t>all of these reasons statistical analysis </a:t>
+              <a:t>For all of these reasons statistical analysis </a:t>
             </a:r>
             <a:r>
               <a:rPr lang="en-US" sz="3200" b="1" dirty="0"/>
@@ -4163,7 +4512,7 @@
 </p:sld>
 </file>
 
-<file path=ppt/slides/slide11.xml><?xml version="1.0" encoding="utf-8"?>
+<file path=ppt/slides/slide12.xml><?xml version="1.0" encoding="utf-8"?>
 <p:sld xmlns:a="http://schemas.openxmlformats.org/drawingml/2006/main" xmlns:r="http://schemas.openxmlformats.org/officeDocument/2006/relationships" xmlns:p="http://schemas.openxmlformats.org/presentationml/2006/main">
   <p:cSld>
     <p:bg>
@@ -4251,16 +4600,8 @@
               <a:buChar char="•"/>
             </a:pPr>
             <a:r>
-              <a:rPr lang="en-US" sz="3200" dirty="0" smtClean="0"/>
-              <a:t>Statistics </a:t>
-            </a:r>
-            <a:r>
               <a:rPr lang="en-US" sz="3200" dirty="0"/>
-              <a:t>is </a:t>
-            </a:r>
-            <a:r>
-              <a:rPr lang="en-US" sz="3200" dirty="0" smtClean="0"/>
-              <a:t>just another tool</a:t>
+              <a:t>Statistics is just another tool</a:t>
             </a:r>
           </a:p>
           <a:p>
@@ -4268,7 +4609,7 @@
               <a:buFont typeface="Arial" charset="0"/>
               <a:buChar char="•"/>
             </a:pPr>
-            <a:endParaRPr lang="en-US" sz="3200" dirty="0" smtClean="0"/>
+            <a:endParaRPr lang="en-US" sz="3200" dirty="0"/>
           </a:p>
           <a:p>
             <a:pPr marL="457200" indent="-457200" fontAlgn="base">
@@ -4276,33 +4617,16 @@
               <a:buChar char="•"/>
             </a:pPr>
             <a:r>
-              <a:rPr lang="en-US" sz="3200" dirty="0" smtClean="0"/>
-              <a:t>My </a:t>
-            </a:r>
-            <a:r>
               <a:rPr lang="en-US" sz="3200" dirty="0"/>
-              <a:t>responsibility as a scientists is to </a:t>
-            </a:r>
-            <a:r>
-              <a:rPr lang="en-US" sz="3200" dirty="0" smtClean="0"/>
-              <a:t>report the </a:t>
-            </a:r>
-            <a:r>
-              <a:rPr lang="en-US" sz="3200" dirty="0"/>
-              <a:t>truth as accurately as possible and statistics help me in this </a:t>
-            </a:r>
-            <a:r>
-              <a:rPr lang="en-US" sz="3200" dirty="0" smtClean="0"/>
-              <a:t>regard</a:t>
-            </a:r>
-            <a:endParaRPr lang="en-US" sz="3200" dirty="0"/>
+              <a:t>My responsibility as a scientists is to report the truth as accurately as possible and statistics help me in this regard</a:t>
+            </a:r>
           </a:p>
           <a:p>
             <a:pPr marL="457200" indent="-457200" fontAlgn="base">
               <a:buFont typeface="Arial" charset="0"/>
               <a:buChar char="•"/>
             </a:pPr>
-            <a:endParaRPr lang="en-US" sz="3200" dirty="0" smtClean="0"/>
+            <a:endParaRPr lang="en-US" sz="3200" dirty="0"/>
           </a:p>
           <a:p>
             <a:pPr marL="457200" indent="-457200" fontAlgn="base">
@@ -4310,25 +4634,16 @@
               <a:buChar char="•"/>
             </a:pPr>
             <a:r>
-              <a:rPr lang="en-US" sz="3200" dirty="0" smtClean="0"/>
-              <a:t>We </a:t>
-            </a:r>
-            <a:r>
               <a:rPr lang="en-US" sz="3200" dirty="0"/>
-              <a:t>may NEED statistics to discern patterns in our </a:t>
-            </a:r>
-            <a:r>
-              <a:rPr lang="en-US" sz="3200" dirty="0" smtClean="0"/>
-              <a:t>data</a:t>
-            </a:r>
-            <a:endParaRPr lang="en-US" sz="3200" dirty="0"/>
+              <a:t>We may NEED statistics to discern patterns in our data</a:t>
+            </a:r>
           </a:p>
           <a:p>
             <a:pPr marL="457200" indent="-457200" fontAlgn="base">
               <a:buFont typeface="Arial" charset="0"/>
               <a:buChar char="•"/>
             </a:pPr>
-            <a:endParaRPr lang="en-US" sz="3200" dirty="0" smtClean="0"/>
+            <a:endParaRPr lang="en-US" sz="3200" dirty="0"/>
           </a:p>
           <a:p>
             <a:pPr marL="457200" indent="-457200" fontAlgn="base">
@@ -4336,10 +4651,9 @@
               <a:buChar char="•"/>
             </a:pPr>
             <a:r>
-              <a:rPr lang="en-US" sz="3200" dirty="0" smtClean="0"/>
+              <a:rPr lang="en-US" sz="3200" dirty="0"/>
               <a:t>You need to understand where the signal that makes for a significant test comes from.  Visualizing your data in the right way can do this!</a:t>
             </a:r>
-            <a:endParaRPr lang="en-US" sz="3200" dirty="0"/>
           </a:p>
         </p:txBody>
       </p:sp>
@@ -4582,7 +4896,7 @@
 </p:sld>
 </file>
 
-<file path=ppt/slides/slide12.xml><?xml version="1.0" encoding="utf-8"?>
+<file path=ppt/slides/slide13.xml><?xml version="1.0" encoding="utf-8"?>
 <p:sld xmlns:a="http://schemas.openxmlformats.org/drawingml/2006/main" xmlns:r="http://schemas.openxmlformats.org/officeDocument/2006/relationships" xmlns:p="http://schemas.openxmlformats.org/presentationml/2006/main">
   <p:cSld>
     <p:bg>
@@ -4634,18 +4948,13 @@
           <a:p>
             <a:pPr algn="ctr"/>
             <a:r>
-              <a:rPr lang="en-US" b="1" dirty="0" smtClean="0">
+              <a:rPr lang="en-US" b="1" dirty="0">
                 <a:solidFill>
                   <a:schemeClr val="bg1"/>
                 </a:solidFill>
               </a:rPr>
               <a:t>Why am I teaching this class?</a:t>
             </a:r>
-            <a:endParaRPr lang="en-US" b="1" dirty="0">
-              <a:solidFill>
-                <a:schemeClr val="bg1"/>
-              </a:solidFill>
-            </a:endParaRPr>
           </a:p>
         </p:txBody>
       </p:sp>
@@ -4716,18 +5025,17 @@
             <a:lstStyle/>
             <a:p>
               <a:r>
-                <a:rPr lang="en-US" dirty="0" smtClean="0"/>
+                <a:rPr lang="en-US" dirty="0"/>
                 <a:t>December 1, 2017 </a:t>
               </a:r>
               <a:r>
-                <a:rPr lang="mr-IN" dirty="0" smtClean="0"/>
+                <a:rPr lang="mr-IN" dirty="0"/>
                 <a:t>–</a:t>
               </a:r>
               <a:r>
-                <a:rPr lang="en-US" dirty="0" smtClean="0"/>
+                <a:rPr lang="en-US" dirty="0"/>
                 <a:t> January 15, 2018</a:t>
               </a:r>
-              <a:endParaRPr lang="en-US" dirty="0"/>
             </a:p>
           </p:txBody>
         </p:sp>
@@ -4869,18 +5177,13 @@
           <a:lstStyle/>
           <a:p>
             <a:r>
-              <a:rPr lang="en-US" b="1" dirty="0" smtClean="0">
+              <a:rPr lang="en-US" b="1" dirty="0">
                 <a:solidFill>
                   <a:srgbClr val="C00000"/>
                 </a:solidFill>
               </a:rPr>
               <a:t>74%</a:t>
             </a:r>
-            <a:endParaRPr lang="en-US" b="1" dirty="0">
-              <a:solidFill>
-                <a:srgbClr val="C00000"/>
-              </a:solidFill>
-            </a:endParaRPr>
           </a:p>
         </p:txBody>
       </p:sp>
@@ -5083,433 +5386,6 @@
 </p:sld>
 </file>
 
-<file path=ppt/slides/slide13.xml><?xml version="1.0" encoding="utf-8"?>
-<p:sld xmlns:a="http://schemas.openxmlformats.org/drawingml/2006/main" xmlns:r="http://schemas.openxmlformats.org/officeDocument/2006/relationships" xmlns:p="http://schemas.openxmlformats.org/presentationml/2006/main">
-  <p:cSld>
-    <p:bg>
-      <p:bgPr>
-        <a:solidFill>
-          <a:schemeClr val="bg1">
-            <a:lumMod val="95000"/>
-          </a:schemeClr>
-        </a:solidFill>
-        <a:effectLst/>
-      </p:bgPr>
-    </p:bg>
-    <p:spTree>
-      <p:nvGrpSpPr>
-        <p:cNvPr id="1" name=""/>
-        <p:cNvGrpSpPr/>
-        <p:nvPr/>
-      </p:nvGrpSpPr>
-      <p:grpSpPr>
-        <a:xfrm>
-          <a:off x="0" y="0"/>
-          <a:ext cx="0" cy="0"/>
-          <a:chOff x="0" y="0"/>
-          <a:chExt cx="0" cy="0"/>
-        </a:xfrm>
-      </p:grpSpPr>
-      <p:sp>
-        <p:nvSpPr>
-          <p:cNvPr id="2" name="Title 1"/>
-          <p:cNvSpPr>
-            <a:spLocks noGrp="1"/>
-          </p:cNvSpPr>
-          <p:nvPr>
-            <p:ph type="title"/>
-          </p:nvPr>
-        </p:nvSpPr>
-        <p:spPr>
-          <a:xfrm>
-            <a:off x="0" y="0"/>
-            <a:ext cx="12192000" cy="935915"/>
-          </a:xfrm>
-          <a:solidFill>
-            <a:schemeClr val="tx1"/>
-          </a:solidFill>
-        </p:spPr>
-        <p:txBody>
-          <a:bodyPr/>
-          <a:lstStyle/>
-          <a:p>
-            <a:pPr algn="ctr"/>
-            <a:r>
-              <a:rPr lang="en-US" b="1" dirty="0" smtClean="0">
-                <a:solidFill>
-                  <a:schemeClr val="bg1"/>
-                </a:solidFill>
-              </a:rPr>
-              <a:t>What is R</a:t>
-            </a:r>
-            <a:endParaRPr lang="en-US" b="1" dirty="0">
-              <a:solidFill>
-                <a:schemeClr val="bg1"/>
-              </a:solidFill>
-            </a:endParaRPr>
-          </a:p>
-        </p:txBody>
-      </p:sp>
-      <p:sp>
-        <p:nvSpPr>
-          <p:cNvPr id="6" name="Rectangle 5"/>
-          <p:cNvSpPr/>
-          <p:nvPr/>
-        </p:nvSpPr>
-        <p:spPr>
-          <a:xfrm>
-            <a:off x="242170" y="1086291"/>
-            <a:ext cx="11519770" cy="4524315"/>
-          </a:xfrm>
-          <a:prstGeom prst="rect">
-            <a:avLst/>
-          </a:prstGeom>
-        </p:spPr>
-        <p:txBody>
-          <a:bodyPr wrap="square">
-            <a:spAutoFit/>
-          </a:bodyPr>
-          <a:lstStyle/>
-          <a:p>
-            <a:pPr marL="457200" indent="-457200" fontAlgn="base">
-              <a:buFont typeface="Arial" charset="0"/>
-              <a:buChar char="•"/>
-            </a:pPr>
-            <a:r>
-              <a:rPr lang="en-US" sz="3200" dirty="0" smtClean="0"/>
-              <a:t>R </a:t>
-            </a:r>
-            <a:r>
-              <a:rPr lang="en-US" sz="3200" dirty="0"/>
-              <a:t>is </a:t>
-            </a:r>
-            <a:r>
-              <a:rPr lang="en-US" sz="3200" dirty="0" smtClean="0"/>
-              <a:t>an open and free </a:t>
-            </a:r>
-            <a:r>
-              <a:rPr lang="en-US" sz="3200" dirty="0"/>
-              <a:t>statistical programming </a:t>
-            </a:r>
-            <a:r>
-              <a:rPr lang="en-US" sz="3200" dirty="0" smtClean="0"/>
-              <a:t>language that focuses on stats and graphics</a:t>
-            </a:r>
-          </a:p>
-          <a:p>
-            <a:pPr marL="457200" indent="-457200" fontAlgn="base">
-              <a:buFont typeface="Arial" charset="0"/>
-              <a:buChar char="•"/>
-            </a:pPr>
-            <a:endParaRPr lang="en-US" sz="3200" dirty="0"/>
-          </a:p>
-          <a:p>
-            <a:pPr marL="457200" indent="-457200" fontAlgn="base">
-              <a:buFont typeface="Arial" charset="0"/>
-              <a:buChar char="•"/>
-            </a:pPr>
-            <a:r>
-              <a:rPr lang="en-US" sz="3200" dirty="0" smtClean="0"/>
-              <a:t>It </a:t>
-            </a:r>
-            <a:r>
-              <a:rPr lang="en-US" sz="3200" dirty="0"/>
-              <a:t>works very similarly on all major operating systems </a:t>
-            </a:r>
-            <a:endParaRPr lang="en-US" sz="3200" dirty="0" smtClean="0"/>
-          </a:p>
-          <a:p>
-            <a:pPr marL="457200" indent="-457200" fontAlgn="base">
-              <a:buFont typeface="Arial" charset="0"/>
-              <a:buChar char="•"/>
-            </a:pPr>
-            <a:endParaRPr lang="en-US" sz="3200" dirty="0"/>
-          </a:p>
-          <a:p>
-            <a:pPr marL="457200" indent="-457200" fontAlgn="base">
-              <a:buFont typeface="Arial" charset="0"/>
-              <a:buChar char="•"/>
-            </a:pPr>
-            <a:r>
-              <a:rPr lang="en-US" sz="3200" dirty="0" smtClean="0"/>
-              <a:t>It’s </a:t>
-            </a:r>
-            <a:r>
-              <a:rPr lang="en-US" sz="3200" dirty="0"/>
-              <a:t>also a full-fledged high level programming language (similar to </a:t>
-            </a:r>
-            <a:r>
-              <a:rPr lang="en-US" sz="3200" dirty="0" smtClean="0"/>
-              <a:t>Python)</a:t>
-            </a:r>
-          </a:p>
-          <a:p>
-            <a:pPr marL="457200" indent="-457200" fontAlgn="base">
-              <a:buFont typeface="Arial" charset="0"/>
-              <a:buChar char="•"/>
-            </a:pPr>
-            <a:endParaRPr lang="en-US" sz="3200" dirty="0"/>
-          </a:p>
-          <a:p>
-            <a:pPr marL="457200" indent="-457200" fontAlgn="base">
-              <a:buFont typeface="Arial" charset="0"/>
-              <a:buChar char="•"/>
-            </a:pPr>
-            <a:r>
-              <a:rPr lang="en-US" sz="2400" i="1" dirty="0" smtClean="0"/>
-              <a:t>FYI</a:t>
-            </a:r>
-            <a:r>
-              <a:rPr lang="en-US" sz="2400" i="1" dirty="0"/>
-              <a:t>: </a:t>
-            </a:r>
-            <a:r>
-              <a:rPr lang="en-US" sz="2400" i="1" dirty="0" smtClean="0"/>
-              <a:t>Very popular in industry so looks great on a CV.</a:t>
-            </a:r>
-            <a:endParaRPr lang="en-US" sz="2400" dirty="0"/>
-          </a:p>
-        </p:txBody>
-      </p:sp>
-    </p:spTree>
-    <p:extLst>
-      <p:ext uri="{BB962C8B-B14F-4D97-AF65-F5344CB8AC3E}">
-        <p14:creationId xmlns:p14="http://schemas.microsoft.com/office/powerpoint/2010/main" val="207419330"/>
-      </p:ext>
-    </p:extLst>
-  </p:cSld>
-  <p:clrMapOvr>
-    <a:masterClrMapping/>
-  </p:clrMapOvr>
-  <p:timing>
-    <p:tnLst>
-      <p:par>
-        <p:cTn id="1" dur="indefinite" restart="never" nodeType="tmRoot">
-          <p:childTnLst>
-            <p:seq concurrent="1" nextAc="seek">
-              <p:cTn id="2" dur="indefinite" nodeType="mainSeq">
-                <p:childTnLst>
-                  <p:par>
-                    <p:cTn id="3" fill="hold">
-                      <p:stCondLst>
-                        <p:cond delay="indefinite"/>
-                      </p:stCondLst>
-                      <p:childTnLst>
-                        <p:par>
-                          <p:cTn id="4" fill="hold">
-                            <p:stCondLst>
-                              <p:cond delay="0"/>
-                            </p:stCondLst>
-                            <p:childTnLst>
-                              <p:par>
-                                <p:cTn id="5" presetID="1" presetClass="entr" presetSubtype="0" fill="hold" nodeType="clickEffect">
-                                  <p:stCondLst>
-                                    <p:cond delay="0"/>
-                                  </p:stCondLst>
-                                  <p:childTnLst>
-                                    <p:set>
-                                      <p:cBhvr>
-                                        <p:cTn id="6" dur="1" fill="hold">
-                                          <p:stCondLst>
-                                            <p:cond delay="0"/>
-                                          </p:stCondLst>
-                                        </p:cTn>
-                                        <p:tgtEl>
-                                          <p:spTgt spid="6">
-                                            <p:txEl>
-                                              <p:pRg st="0" end="0"/>
-                                            </p:txEl>
-                                          </p:spTgt>
-                                        </p:tgtEl>
-                                        <p:attrNameLst>
-                                          <p:attrName>style.visibility</p:attrName>
-                                        </p:attrNameLst>
-                                      </p:cBhvr>
-                                      <p:to>
-                                        <p:strVal val="visible"/>
-                                      </p:to>
-                                    </p:set>
-                                  </p:childTnLst>
-                                </p:cTn>
-                              </p:par>
-                            </p:childTnLst>
-                          </p:cTn>
-                        </p:par>
-                      </p:childTnLst>
-                    </p:cTn>
-                  </p:par>
-                  <p:par>
-                    <p:cTn id="7" fill="hold">
-                      <p:stCondLst>
-                        <p:cond delay="indefinite"/>
-                      </p:stCondLst>
-                      <p:childTnLst>
-                        <p:par>
-                          <p:cTn id="8" fill="hold">
-                            <p:stCondLst>
-                              <p:cond delay="0"/>
-                            </p:stCondLst>
-                            <p:childTnLst>
-                              <p:par>
-                                <p:cTn id="9" presetID="1" presetClass="entr" presetSubtype="0" fill="hold" nodeType="clickEffect">
-                                  <p:stCondLst>
-                                    <p:cond delay="0"/>
-                                  </p:stCondLst>
-                                  <p:childTnLst>
-                                    <p:set>
-                                      <p:cBhvr>
-                                        <p:cTn id="10" dur="1" fill="hold">
-                                          <p:stCondLst>
-                                            <p:cond delay="0"/>
-                                          </p:stCondLst>
-                                        </p:cTn>
-                                        <p:tgtEl>
-                                          <p:spTgt spid="6">
-                                            <p:txEl>
-                                              <p:pRg st="2" end="2"/>
-                                            </p:txEl>
-                                          </p:spTgt>
-                                        </p:tgtEl>
-                                        <p:attrNameLst>
-                                          <p:attrName>style.visibility</p:attrName>
-                                        </p:attrNameLst>
-                                      </p:cBhvr>
-                                      <p:to>
-                                        <p:strVal val="visible"/>
-                                      </p:to>
-                                    </p:set>
-                                  </p:childTnLst>
-                                </p:cTn>
-                              </p:par>
-                            </p:childTnLst>
-                          </p:cTn>
-                        </p:par>
-                      </p:childTnLst>
-                    </p:cTn>
-                  </p:par>
-                  <p:par>
-                    <p:cTn id="11" fill="hold">
-                      <p:stCondLst>
-                        <p:cond delay="indefinite"/>
-                      </p:stCondLst>
-                      <p:childTnLst>
-                        <p:par>
-                          <p:cTn id="12" fill="hold">
-                            <p:stCondLst>
-                              <p:cond delay="0"/>
-                            </p:stCondLst>
-                            <p:childTnLst>
-                              <p:par>
-                                <p:cTn id="13" presetID="1" presetClass="entr" presetSubtype="0" fill="hold" nodeType="clickEffect">
-                                  <p:stCondLst>
-                                    <p:cond delay="0"/>
-                                  </p:stCondLst>
-                                  <p:childTnLst>
-                                    <p:set>
-                                      <p:cBhvr>
-                                        <p:cTn id="14" dur="1" fill="hold">
-                                          <p:stCondLst>
-                                            <p:cond delay="0"/>
-                                          </p:stCondLst>
-                                        </p:cTn>
-                                        <p:tgtEl>
-                                          <p:spTgt spid="6">
-                                            <p:txEl>
-                                              <p:pRg st="4" end="4"/>
-                                            </p:txEl>
-                                          </p:spTgt>
-                                        </p:tgtEl>
-                                        <p:attrNameLst>
-                                          <p:attrName>style.visibility</p:attrName>
-                                        </p:attrNameLst>
-                                      </p:cBhvr>
-                                      <p:to>
-                                        <p:strVal val="visible"/>
-                                      </p:to>
-                                    </p:set>
-                                  </p:childTnLst>
-                                </p:cTn>
-                              </p:par>
-                            </p:childTnLst>
-                          </p:cTn>
-                        </p:par>
-                      </p:childTnLst>
-                    </p:cTn>
-                  </p:par>
-                  <p:par>
-                    <p:cTn id="15" fill="hold">
-                      <p:stCondLst>
-                        <p:cond delay="indefinite"/>
-                      </p:stCondLst>
-                      <p:childTnLst>
-                        <p:par>
-                          <p:cTn id="16" fill="hold">
-                            <p:stCondLst>
-                              <p:cond delay="0"/>
-                            </p:stCondLst>
-                            <p:childTnLst>
-                              <p:par>
-                                <p:cTn id="17" presetID="1" presetClass="entr" presetSubtype="0" fill="hold" nodeType="clickEffect">
-                                  <p:stCondLst>
-                                    <p:cond delay="0"/>
-                                  </p:stCondLst>
-                                  <p:childTnLst>
-                                    <p:set>
-                                      <p:cBhvr>
-                                        <p:cTn id="18" dur="1" fill="hold">
-                                          <p:stCondLst>
-                                            <p:cond delay="0"/>
-                                          </p:stCondLst>
-                                        </p:cTn>
-                                        <p:tgtEl>
-                                          <p:spTgt spid="6">
-                                            <p:txEl>
-                                              <p:pRg st="6" end="6"/>
-                                            </p:txEl>
-                                          </p:spTgt>
-                                        </p:tgtEl>
-                                        <p:attrNameLst>
-                                          <p:attrName>style.visibility</p:attrName>
-                                        </p:attrNameLst>
-                                      </p:cBhvr>
-                                      <p:to>
-                                        <p:strVal val="visible"/>
-                                      </p:to>
-                                    </p:set>
-                                  </p:childTnLst>
-                                </p:cTn>
-                              </p:par>
-                            </p:childTnLst>
-                          </p:cTn>
-                        </p:par>
-                      </p:childTnLst>
-                    </p:cTn>
-                  </p:par>
-                </p:childTnLst>
-              </p:cTn>
-              <p:prevCondLst>
-                <p:cond evt="onPrev" delay="0">
-                  <p:tgtEl>
-                    <p:sldTgt/>
-                  </p:tgtEl>
-                </p:cond>
-              </p:prevCondLst>
-              <p:nextCondLst>
-                <p:cond evt="onNext" delay="0">
-                  <p:tgtEl>
-                    <p:sldTgt/>
-                  </p:tgtEl>
-                </p:cond>
-              </p:nextCondLst>
-            </p:seq>
-          </p:childTnLst>
-        </p:cTn>
-      </p:par>
-    </p:tnLst>
-  </p:timing>
-</p:sld>
-</file>
-
 <file path=ppt/slides/slide14.xml><?xml version="1.0" encoding="utf-8"?>
 <p:sld xmlns:a="http://schemas.openxmlformats.org/drawingml/2006/main" xmlns:r="http://schemas.openxmlformats.org/officeDocument/2006/relationships" xmlns:p="http://schemas.openxmlformats.org/presentationml/2006/main">
   <p:cSld>
@@ -5557,9 +5433,7 @@
           </a:solidFill>
         </p:spPr>
         <p:txBody>
-          <a:bodyPr>
-            <a:normAutofit/>
-          </a:bodyPr>
+          <a:bodyPr/>
           <a:lstStyle/>
           <a:p>
             <a:pPr algn="ctr"/>
@@ -5569,21 +5443,8 @@
                   <a:schemeClr val="bg1"/>
                 </a:solidFill>
               </a:rPr>
-              <a:t>Why use </a:t>
-            </a:r>
-            <a:r>
-              <a:rPr lang="en-US" b="1" dirty="0" smtClean="0">
-                <a:solidFill>
-                  <a:schemeClr val="bg1"/>
-                </a:solidFill>
-              </a:rPr>
-              <a:t>R</a:t>
-            </a:r>
-            <a:endParaRPr lang="en-US" b="1" dirty="0">
-              <a:solidFill>
-                <a:schemeClr val="bg1"/>
-              </a:solidFill>
-            </a:endParaRPr>
+              <a:t>What is R</a:t>
+            </a:r>
           </a:p>
         </p:txBody>
       </p:sp>
@@ -5596,7 +5457,7 @@
         <p:spPr>
           <a:xfrm>
             <a:off x="242170" y="1086291"/>
-            <a:ext cx="11519770" cy="5509200"/>
+            <a:ext cx="11519770" cy="4524315"/>
           </a:xfrm>
           <a:prstGeom prst="rect">
             <a:avLst/>
@@ -5608,105 +5469,73 @@
           </a:bodyPr>
           <a:lstStyle/>
           <a:p>
-            <a:pPr marL="514350" indent="-514350" fontAlgn="base">
-              <a:buFont typeface="+mj-lt"/>
-              <a:buAutoNum type="arabicPeriod"/>
+            <a:pPr marL="457200" indent="-457200" fontAlgn="base">
+              <a:buFont typeface="Arial" charset="0"/>
+              <a:buChar char="•"/>
             </a:pPr>
             <a:r>
-              <a:rPr lang="en-US" sz="3200" dirty="0" smtClean="0"/>
-              <a:t>Many </a:t>
-            </a:r>
-            <a:r>
               <a:rPr lang="en-US" sz="3200" dirty="0"/>
-              <a:t>statistical approaches have been implemented in the R </a:t>
-            </a:r>
-            <a:r>
-              <a:rPr lang="en-US" sz="3200" dirty="0" smtClean="0"/>
-              <a:t>environment.</a:t>
-            </a:r>
-          </a:p>
-          <a:p>
-            <a:pPr marL="514350" indent="-514350" fontAlgn="base">
-              <a:buFont typeface="+mj-lt"/>
-              <a:buAutoNum type="arabicPeriod"/>
+              <a:t>R is an open and free statistical programming language that focuses on stats and graphics</a:t>
+            </a:r>
+          </a:p>
+          <a:p>
+            <a:pPr marL="457200" indent="-457200" fontAlgn="base">
+              <a:buFont typeface="Arial" charset="0"/>
+              <a:buChar char="•"/>
             </a:pPr>
             <a:endParaRPr lang="en-US" sz="3200" dirty="0"/>
           </a:p>
           <a:p>
-            <a:pPr marL="514350" indent="-514350" fontAlgn="base">
-              <a:buFont typeface="+mj-lt"/>
-              <a:buAutoNum type="arabicPeriod"/>
+            <a:pPr marL="457200" indent="-457200" fontAlgn="base">
+              <a:buFont typeface="Arial" charset="0"/>
+              <a:buChar char="•"/>
             </a:pPr>
             <a:r>
-              <a:rPr lang="en-US" sz="3200" dirty="0" smtClean="0"/>
-              <a:t>Because </a:t>
-            </a:r>
-            <a:r>
               <a:rPr lang="en-US" sz="3200" dirty="0"/>
-              <a:t>it’s open source, there are no proprietary secrets, as might be hiding in commercially available statistical </a:t>
-            </a:r>
-            <a:r>
-              <a:rPr lang="en-US" sz="3200" dirty="0" smtClean="0"/>
-              <a:t>packages.</a:t>
-            </a:r>
-          </a:p>
-          <a:p>
-            <a:pPr marL="514350" indent="-514350" fontAlgn="base">
-              <a:buFont typeface="+mj-lt"/>
-              <a:buAutoNum type="arabicPeriod"/>
+              <a:t>It works very similarly on all major operating systems </a:t>
+            </a:r>
+          </a:p>
+          <a:p>
+            <a:pPr marL="457200" indent="-457200" fontAlgn="base">
+              <a:buFont typeface="Arial" charset="0"/>
+              <a:buChar char="•"/>
             </a:pPr>
             <a:endParaRPr lang="en-US" sz="3200" dirty="0"/>
           </a:p>
           <a:p>
-            <a:pPr marL="514350" indent="-514350" fontAlgn="base">
-              <a:buFont typeface="+mj-lt"/>
-              <a:buAutoNum type="arabicPeriod"/>
+            <a:pPr marL="457200" indent="-457200" fontAlgn="base">
+              <a:buFont typeface="Arial" charset="0"/>
+              <a:buChar char="•"/>
             </a:pPr>
             <a:r>
-              <a:rPr lang="en-US" sz="3200" dirty="0" smtClean="0"/>
-              <a:t>Any </a:t>
-            </a:r>
-            <a:r>
               <a:rPr lang="en-US" sz="3200" dirty="0"/>
-              <a:t>program written in R will have access to all of R’s tools for statistics and </a:t>
-            </a:r>
-            <a:r>
-              <a:rPr lang="en-US" sz="3200" dirty="0" smtClean="0"/>
-              <a:t>graphing.</a:t>
-            </a:r>
-          </a:p>
-          <a:p>
-            <a:pPr marL="514350" indent="-514350" fontAlgn="base">
-              <a:buFont typeface="+mj-lt"/>
-              <a:buAutoNum type="arabicPeriod"/>
+              <a:t>It’s also a full-fledged high level programming language (similar to Python)</a:t>
+            </a:r>
+          </a:p>
+          <a:p>
+            <a:pPr marL="457200" indent="-457200" fontAlgn="base">
+              <a:buFont typeface="Arial" charset="0"/>
+              <a:buChar char="•"/>
             </a:pPr>
             <a:endParaRPr lang="en-US" sz="3200" dirty="0"/>
           </a:p>
           <a:p>
-            <a:pPr marL="514350" indent="-514350" fontAlgn="base">
-              <a:buFont typeface="+mj-lt"/>
-              <a:buAutoNum type="arabicPeriod"/>
+            <a:pPr marL="457200" indent="-457200" fontAlgn="base">
+              <a:buFont typeface="Arial" charset="0"/>
+              <a:buChar char="•"/>
             </a:pPr>
             <a:r>
-              <a:rPr lang="en-US" sz="3200" dirty="0" smtClean="0"/>
-              <a:t>New </a:t>
-            </a:r>
-            <a:r>
-              <a:rPr lang="en-US" sz="3200" dirty="0"/>
-              <a:t>methods of analysis are being implemented in R by the scientists developing the </a:t>
-            </a:r>
-            <a:r>
-              <a:rPr lang="en-US" sz="3200" dirty="0" smtClean="0"/>
-              <a:t>methods.</a:t>
-            </a:r>
-            <a:endParaRPr lang="en-US" sz="3200" dirty="0"/>
+              <a:rPr lang="en-US" sz="2400" i="1" dirty="0"/>
+              <a:t>FYI: Very popular in industry so looks great on a CV.</a:t>
+            </a:r>
+            <a:endParaRPr lang="en-US" sz="2400" dirty="0"/>
           </a:p>
         </p:txBody>
       </p:sp>
     </p:spTree>
     <p:extLst>
       <p:ext uri="{BB962C8B-B14F-4D97-AF65-F5344CB8AC3E}">
-        <p14:creationId xmlns:p14="http://schemas.microsoft.com/office/powerpoint/2010/main" val="973424953"/>
+        <p14:creationId xmlns:p14="http://schemas.microsoft.com/office/powerpoint/2010/main" val="207419330"/>
       </p:ext>
     </p:extLst>
   </p:cSld>
@@ -6001,21 +5830,8 @@
                   <a:schemeClr val="bg1"/>
                 </a:solidFill>
               </a:rPr>
-              <a:t>Why use </a:t>
-            </a:r>
-            <a:r>
-              <a:rPr lang="en-US" b="1" dirty="0" smtClean="0">
-                <a:solidFill>
-                  <a:schemeClr val="bg1"/>
-                </a:solidFill>
-              </a:rPr>
-              <a:t>R</a:t>
-            </a:r>
-            <a:endParaRPr lang="en-US" b="1" dirty="0">
-              <a:solidFill>
-                <a:schemeClr val="bg1"/>
-              </a:solidFill>
-            </a:endParaRPr>
+              <a:t>Why use R</a:t>
+            </a:r>
           </a:p>
         </p:txBody>
       </p:sp>
@@ -6028,7 +5844,7 @@
         <p:spPr>
           <a:xfrm>
             <a:off x="242170" y="1086291"/>
-            <a:ext cx="11519770" cy="3970318"/>
+            <a:ext cx="11519770" cy="5509200"/>
           </a:xfrm>
           <a:prstGeom prst="rect">
             <a:avLst/>
@@ -6042,65 +5858,418 @@
           <a:p>
             <a:pPr marL="514350" indent="-514350" fontAlgn="base">
               <a:buFont typeface="+mj-lt"/>
-              <a:buAutoNum type="arabicPeriod" startAt="5"/>
+              <a:buAutoNum type="arabicPeriod"/>
             </a:pPr>
             <a:r>
-              <a:rPr lang="en-US" sz="2800" dirty="0"/>
-              <a:t>If you use R you can include a script with your </a:t>
-            </a:r>
-            <a:r>
-              <a:rPr lang="en-US" sz="2800" dirty="0" smtClean="0"/>
-              <a:t>manuscript</a:t>
-            </a:r>
-          </a:p>
-          <a:p>
-            <a:pPr lvl="2" fontAlgn="base"/>
-            <a:r>
-              <a:rPr lang="en-US" sz="2800" dirty="0" smtClean="0"/>
-              <a:t>Reproducibility / Open science</a:t>
-            </a:r>
-          </a:p>
-          <a:p>
-            <a:pPr lvl="2" fontAlgn="base"/>
-            <a:r>
-              <a:rPr lang="en-US" sz="2800" dirty="0" smtClean="0"/>
-              <a:t>Reviewing</a:t>
-            </a:r>
-          </a:p>
-          <a:p>
-            <a:pPr lvl="2" fontAlgn="base"/>
-            <a:r>
-              <a:rPr lang="en-US" sz="2800" dirty="0"/>
-              <a:t>R</a:t>
-            </a:r>
-            <a:r>
-              <a:rPr lang="en-US" sz="2800" dirty="0" smtClean="0"/>
-              <a:t>evising</a:t>
-            </a:r>
-          </a:p>
+              <a:rPr lang="en-US" sz="3200" dirty="0"/>
+              <a:t>Many statistical approaches have been implemented in the R environment.</a:t>
+            </a:r>
+          </a:p>
+          <a:p>
+            <a:pPr marL="514350" indent="-514350" fontAlgn="base">
+              <a:buFont typeface="+mj-lt"/>
+              <a:buAutoNum type="arabicPeriod"/>
+            </a:pPr>
+            <a:endParaRPr lang="en-US" sz="3200" dirty="0"/>
+          </a:p>
+          <a:p>
+            <a:pPr marL="514350" indent="-514350" fontAlgn="base">
+              <a:buFont typeface="+mj-lt"/>
+              <a:buAutoNum type="arabicPeriod"/>
+            </a:pPr>
+            <a:r>
+              <a:rPr lang="en-US" sz="3200" dirty="0"/>
+              <a:t>Because it’s open source, there are no proprietary secrets, as might be hiding in commercially available statistical packages.</a:t>
+            </a:r>
+          </a:p>
+          <a:p>
+            <a:pPr marL="514350" indent="-514350" fontAlgn="base">
+              <a:buFont typeface="+mj-lt"/>
+              <a:buAutoNum type="arabicPeriod"/>
+            </a:pPr>
+            <a:endParaRPr lang="en-US" sz="3200" dirty="0"/>
+          </a:p>
+          <a:p>
+            <a:pPr marL="514350" indent="-514350" fontAlgn="base">
+              <a:buFont typeface="+mj-lt"/>
+              <a:buAutoNum type="arabicPeriod"/>
+            </a:pPr>
+            <a:r>
+              <a:rPr lang="en-US" sz="3200" dirty="0"/>
+              <a:t>Any program written in R will have access to all of R’s tools for statistics and graphing.</a:t>
+            </a:r>
+          </a:p>
+          <a:p>
+            <a:pPr marL="514350" indent="-514350" fontAlgn="base">
+              <a:buFont typeface="+mj-lt"/>
+              <a:buAutoNum type="arabicPeriod"/>
+            </a:pPr>
+            <a:endParaRPr lang="en-US" sz="3200" dirty="0"/>
+          </a:p>
+          <a:p>
+            <a:pPr marL="514350" indent="-514350" fontAlgn="base">
+              <a:buFont typeface="+mj-lt"/>
+              <a:buAutoNum type="arabicPeriod"/>
+            </a:pPr>
+            <a:r>
+              <a:rPr lang="en-US" sz="3200" dirty="0"/>
+              <a:t>New methods of analysis are being implemented in R by the scientists developing the methods.</a:t>
+            </a:r>
+          </a:p>
+        </p:txBody>
+      </p:sp>
+    </p:spTree>
+    <p:extLst>
+      <p:ext uri="{BB962C8B-B14F-4D97-AF65-F5344CB8AC3E}">
+        <p14:creationId xmlns:p14="http://schemas.microsoft.com/office/powerpoint/2010/main" val="973424953"/>
+      </p:ext>
+    </p:extLst>
+  </p:cSld>
+  <p:clrMapOvr>
+    <a:masterClrMapping/>
+  </p:clrMapOvr>
+  <p:timing>
+    <p:tnLst>
+      <p:par>
+        <p:cTn id="1" dur="indefinite" restart="never" nodeType="tmRoot">
+          <p:childTnLst>
+            <p:seq concurrent="1" nextAc="seek">
+              <p:cTn id="2" dur="indefinite" nodeType="mainSeq">
+                <p:childTnLst>
+                  <p:par>
+                    <p:cTn id="3" fill="hold">
+                      <p:stCondLst>
+                        <p:cond delay="indefinite"/>
+                      </p:stCondLst>
+                      <p:childTnLst>
+                        <p:par>
+                          <p:cTn id="4" fill="hold">
+                            <p:stCondLst>
+                              <p:cond delay="0"/>
+                            </p:stCondLst>
+                            <p:childTnLst>
+                              <p:par>
+                                <p:cTn id="5" presetID="1" presetClass="entr" presetSubtype="0" fill="hold" nodeType="clickEffect">
+                                  <p:stCondLst>
+                                    <p:cond delay="0"/>
+                                  </p:stCondLst>
+                                  <p:childTnLst>
+                                    <p:set>
+                                      <p:cBhvr>
+                                        <p:cTn id="6" dur="1" fill="hold">
+                                          <p:stCondLst>
+                                            <p:cond delay="0"/>
+                                          </p:stCondLst>
+                                        </p:cTn>
+                                        <p:tgtEl>
+                                          <p:spTgt spid="6">
+                                            <p:txEl>
+                                              <p:pRg st="0" end="0"/>
+                                            </p:txEl>
+                                          </p:spTgt>
+                                        </p:tgtEl>
+                                        <p:attrNameLst>
+                                          <p:attrName>style.visibility</p:attrName>
+                                        </p:attrNameLst>
+                                      </p:cBhvr>
+                                      <p:to>
+                                        <p:strVal val="visible"/>
+                                      </p:to>
+                                    </p:set>
+                                  </p:childTnLst>
+                                </p:cTn>
+                              </p:par>
+                            </p:childTnLst>
+                          </p:cTn>
+                        </p:par>
+                      </p:childTnLst>
+                    </p:cTn>
+                  </p:par>
+                  <p:par>
+                    <p:cTn id="7" fill="hold">
+                      <p:stCondLst>
+                        <p:cond delay="indefinite"/>
+                      </p:stCondLst>
+                      <p:childTnLst>
+                        <p:par>
+                          <p:cTn id="8" fill="hold">
+                            <p:stCondLst>
+                              <p:cond delay="0"/>
+                            </p:stCondLst>
+                            <p:childTnLst>
+                              <p:par>
+                                <p:cTn id="9" presetID="1" presetClass="entr" presetSubtype="0" fill="hold" nodeType="clickEffect">
+                                  <p:stCondLst>
+                                    <p:cond delay="0"/>
+                                  </p:stCondLst>
+                                  <p:childTnLst>
+                                    <p:set>
+                                      <p:cBhvr>
+                                        <p:cTn id="10" dur="1" fill="hold">
+                                          <p:stCondLst>
+                                            <p:cond delay="0"/>
+                                          </p:stCondLst>
+                                        </p:cTn>
+                                        <p:tgtEl>
+                                          <p:spTgt spid="6">
+                                            <p:txEl>
+                                              <p:pRg st="2" end="2"/>
+                                            </p:txEl>
+                                          </p:spTgt>
+                                        </p:tgtEl>
+                                        <p:attrNameLst>
+                                          <p:attrName>style.visibility</p:attrName>
+                                        </p:attrNameLst>
+                                      </p:cBhvr>
+                                      <p:to>
+                                        <p:strVal val="visible"/>
+                                      </p:to>
+                                    </p:set>
+                                  </p:childTnLst>
+                                </p:cTn>
+                              </p:par>
+                            </p:childTnLst>
+                          </p:cTn>
+                        </p:par>
+                      </p:childTnLst>
+                    </p:cTn>
+                  </p:par>
+                  <p:par>
+                    <p:cTn id="11" fill="hold">
+                      <p:stCondLst>
+                        <p:cond delay="indefinite"/>
+                      </p:stCondLst>
+                      <p:childTnLst>
+                        <p:par>
+                          <p:cTn id="12" fill="hold">
+                            <p:stCondLst>
+                              <p:cond delay="0"/>
+                            </p:stCondLst>
+                            <p:childTnLst>
+                              <p:par>
+                                <p:cTn id="13" presetID="1" presetClass="entr" presetSubtype="0" fill="hold" nodeType="clickEffect">
+                                  <p:stCondLst>
+                                    <p:cond delay="0"/>
+                                  </p:stCondLst>
+                                  <p:childTnLst>
+                                    <p:set>
+                                      <p:cBhvr>
+                                        <p:cTn id="14" dur="1" fill="hold">
+                                          <p:stCondLst>
+                                            <p:cond delay="0"/>
+                                          </p:stCondLst>
+                                        </p:cTn>
+                                        <p:tgtEl>
+                                          <p:spTgt spid="6">
+                                            <p:txEl>
+                                              <p:pRg st="4" end="4"/>
+                                            </p:txEl>
+                                          </p:spTgt>
+                                        </p:tgtEl>
+                                        <p:attrNameLst>
+                                          <p:attrName>style.visibility</p:attrName>
+                                        </p:attrNameLst>
+                                      </p:cBhvr>
+                                      <p:to>
+                                        <p:strVal val="visible"/>
+                                      </p:to>
+                                    </p:set>
+                                  </p:childTnLst>
+                                </p:cTn>
+                              </p:par>
+                            </p:childTnLst>
+                          </p:cTn>
+                        </p:par>
+                      </p:childTnLst>
+                    </p:cTn>
+                  </p:par>
+                  <p:par>
+                    <p:cTn id="15" fill="hold">
+                      <p:stCondLst>
+                        <p:cond delay="indefinite"/>
+                      </p:stCondLst>
+                      <p:childTnLst>
+                        <p:par>
+                          <p:cTn id="16" fill="hold">
+                            <p:stCondLst>
+                              <p:cond delay="0"/>
+                            </p:stCondLst>
+                            <p:childTnLst>
+                              <p:par>
+                                <p:cTn id="17" presetID="1" presetClass="entr" presetSubtype="0" fill="hold" nodeType="clickEffect">
+                                  <p:stCondLst>
+                                    <p:cond delay="0"/>
+                                  </p:stCondLst>
+                                  <p:childTnLst>
+                                    <p:set>
+                                      <p:cBhvr>
+                                        <p:cTn id="18" dur="1" fill="hold">
+                                          <p:stCondLst>
+                                            <p:cond delay="0"/>
+                                          </p:stCondLst>
+                                        </p:cTn>
+                                        <p:tgtEl>
+                                          <p:spTgt spid="6">
+                                            <p:txEl>
+                                              <p:pRg st="6" end="6"/>
+                                            </p:txEl>
+                                          </p:spTgt>
+                                        </p:tgtEl>
+                                        <p:attrNameLst>
+                                          <p:attrName>style.visibility</p:attrName>
+                                        </p:attrNameLst>
+                                      </p:cBhvr>
+                                      <p:to>
+                                        <p:strVal val="visible"/>
+                                      </p:to>
+                                    </p:set>
+                                  </p:childTnLst>
+                                </p:cTn>
+                              </p:par>
+                            </p:childTnLst>
+                          </p:cTn>
+                        </p:par>
+                      </p:childTnLst>
+                    </p:cTn>
+                  </p:par>
+                </p:childTnLst>
+              </p:cTn>
+              <p:prevCondLst>
+                <p:cond evt="onPrev" delay="0">
+                  <p:tgtEl>
+                    <p:sldTgt/>
+                  </p:tgtEl>
+                </p:cond>
+              </p:prevCondLst>
+              <p:nextCondLst>
+                <p:cond evt="onNext" delay="0">
+                  <p:tgtEl>
+                    <p:sldTgt/>
+                  </p:tgtEl>
+                </p:cond>
+              </p:nextCondLst>
+            </p:seq>
+          </p:childTnLst>
+        </p:cTn>
+      </p:par>
+    </p:tnLst>
+  </p:timing>
+</p:sld>
+</file>
+
+<file path=ppt/slides/slide16.xml><?xml version="1.0" encoding="utf-8"?>
+<p:sld xmlns:a="http://schemas.openxmlformats.org/drawingml/2006/main" xmlns:r="http://schemas.openxmlformats.org/officeDocument/2006/relationships" xmlns:p="http://schemas.openxmlformats.org/presentationml/2006/main">
+  <p:cSld>
+    <p:bg>
+      <p:bgPr>
+        <a:solidFill>
+          <a:schemeClr val="bg1">
+            <a:lumMod val="95000"/>
+          </a:schemeClr>
+        </a:solidFill>
+        <a:effectLst/>
+      </p:bgPr>
+    </p:bg>
+    <p:spTree>
+      <p:nvGrpSpPr>
+        <p:cNvPr id="1" name=""/>
+        <p:cNvGrpSpPr/>
+        <p:nvPr/>
+      </p:nvGrpSpPr>
+      <p:grpSpPr>
+        <a:xfrm>
+          <a:off x="0" y="0"/>
+          <a:ext cx="0" cy="0"/>
+          <a:chOff x="0" y="0"/>
+          <a:chExt cx="0" cy="0"/>
+        </a:xfrm>
+      </p:grpSpPr>
+      <p:sp>
+        <p:nvSpPr>
+          <p:cNvPr id="2" name="Title 1"/>
+          <p:cNvSpPr>
+            <a:spLocks noGrp="1"/>
+          </p:cNvSpPr>
+          <p:nvPr>
+            <p:ph type="title"/>
+          </p:nvPr>
+        </p:nvSpPr>
+        <p:spPr>
+          <a:xfrm>
+            <a:off x="0" y="0"/>
+            <a:ext cx="12192000" cy="935915"/>
+          </a:xfrm>
+          <a:solidFill>
+            <a:schemeClr val="tx1"/>
+          </a:solidFill>
+        </p:spPr>
+        <p:txBody>
+          <a:bodyPr>
+            <a:normAutofit/>
+          </a:bodyPr>
+          <a:lstStyle/>
+          <a:p>
+            <a:pPr algn="ctr"/>
+            <a:r>
+              <a:rPr lang="en-US" b="1" dirty="0">
+                <a:solidFill>
+                  <a:schemeClr val="bg1"/>
+                </a:solidFill>
+              </a:rPr>
+              <a:t>Why use R</a:t>
+            </a:r>
+          </a:p>
+        </p:txBody>
+      </p:sp>
+      <p:sp>
+        <p:nvSpPr>
+          <p:cNvPr id="6" name="Rectangle 5"/>
+          <p:cNvSpPr/>
+          <p:nvPr/>
+        </p:nvSpPr>
+        <p:spPr>
+          <a:xfrm>
+            <a:off x="242170" y="1086291"/>
+            <a:ext cx="11519770" cy="4832092"/>
+          </a:xfrm>
+          <a:prstGeom prst="rect">
+            <a:avLst/>
+          </a:prstGeom>
+        </p:spPr>
+        <p:txBody>
+          <a:bodyPr wrap="square">
+            <a:spAutoFit/>
+          </a:bodyPr>
+          <a:lstStyle/>
           <a:p>
             <a:pPr marL="514350" indent="-514350" fontAlgn="base">
               <a:buFont typeface="+mj-lt"/>
               <a:buAutoNum type="arabicPeriod" startAt="5"/>
             </a:pPr>
-            <a:endParaRPr lang="en-US" sz="2800" dirty="0" smtClean="0"/>
-          </a:p>
-          <a:p>
-            <a:pPr marL="514350" indent="-514350" fontAlgn="base">
-              <a:buFont typeface="+mj-lt"/>
-              <a:buAutoNum type="arabicPeriod" startAt="5"/>
-            </a:pPr>
-            <a:r>
-              <a:rPr lang="en-US" sz="2800" dirty="0" smtClean="0"/>
-              <a:t>Many </a:t>
-            </a:r>
             <a:r>
               <a:rPr lang="en-US" sz="2800" dirty="0"/>
-              <a:t>methods (mixed models, quantitative genetics, etc.) are only available in R</a:t>
-            </a:r>
-            <a:r>
-              <a:rPr lang="en-US" sz="2800" dirty="0" smtClean="0"/>
-              <a:t>.</a:t>
+              <a:t>If you use R you can include a script with your manuscript</a:t>
+            </a:r>
+          </a:p>
+          <a:p>
+            <a:pPr lvl="2" fontAlgn="base"/>
+            <a:r>
+              <a:rPr lang="en-US" sz="2800" dirty="0"/>
+              <a:t>Reproducibility / Open science</a:t>
+            </a:r>
+          </a:p>
+          <a:p>
+            <a:pPr lvl="2" fontAlgn="base"/>
+            <a:r>
+              <a:rPr lang="en-US" sz="2800" dirty="0"/>
+              <a:t>Reviewing</a:t>
+            </a:r>
+          </a:p>
+          <a:p>
+            <a:pPr lvl="2" fontAlgn="base"/>
+            <a:r>
+              <a:rPr lang="en-US" sz="2800" dirty="0"/>
+              <a:t>Revising</a:t>
             </a:r>
           </a:p>
           <a:p>
@@ -6116,10 +6285,43 @@
               <a:buAutoNum type="arabicPeriod" startAt="5"/>
             </a:pPr>
             <a:r>
-              <a:rPr lang="en-US" sz="2800" dirty="0" smtClean="0"/>
+              <a:rPr lang="en-US" sz="2800" dirty="0"/>
+              <a:t>Many methods (mixed models, quantitative genetics, etc.) are only available in R.</a:t>
+            </a:r>
+          </a:p>
+          <a:p>
+            <a:pPr marL="514350" indent="-514350" fontAlgn="base">
+              <a:buFont typeface="+mj-lt"/>
+              <a:buAutoNum type="arabicPeriod" startAt="5"/>
+            </a:pPr>
+            <a:endParaRPr lang="en-US" sz="2800" dirty="0"/>
+          </a:p>
+          <a:p>
+            <a:pPr marL="514350" indent="-514350" fontAlgn="base">
+              <a:buFont typeface="+mj-lt"/>
+              <a:buAutoNum type="arabicPeriod" startAt="5"/>
+            </a:pPr>
+            <a:r>
+              <a:rPr lang="en-US" sz="2800" dirty="0"/>
               <a:t>PLOTTING</a:t>
             </a:r>
+          </a:p>
+          <a:p>
+            <a:pPr marL="514350" indent="-514350" fontAlgn="base">
+              <a:buFont typeface="+mj-lt"/>
+              <a:buAutoNum type="arabicPeriod" startAt="5"/>
+            </a:pPr>
             <a:endParaRPr lang="en-US" sz="2800" dirty="0"/>
+          </a:p>
+          <a:p>
+            <a:pPr marL="514350" indent="-514350" fontAlgn="base">
+              <a:buFont typeface="+mj-lt"/>
+              <a:buAutoNum type="arabicPeriod" startAt="5"/>
+            </a:pPr>
+            <a:r>
+              <a:rPr lang="en-US" sz="2800" dirty="0"/>
+              <a:t>Once you’ve learned one language you can learn others more easily.</a:t>
+            </a:r>
           </a:p>
         </p:txBody>
       </p:sp>
@@ -6381,6 +6583,55 @@
                       </p:childTnLst>
                     </p:cTn>
                   </p:par>
+                  <p:par>
+                    <p:cTn id="21" fill="hold">
+                      <p:stCondLst>
+                        <p:cond delay="indefinite"/>
+                      </p:stCondLst>
+                      <p:childTnLst>
+                        <p:par>
+                          <p:cTn id="22" fill="hold">
+                            <p:stCondLst>
+                              <p:cond delay="0"/>
+                            </p:stCondLst>
+                            <p:childTnLst>
+                              <p:par>
+                                <p:cTn id="23" presetID="1" presetClass="entr" presetSubtype="0" fill="hold" nodeType="clickEffect">
+                                  <p:stCondLst>
+                                    <p:cond delay="0"/>
+                                  </p:stCondLst>
+                                  <p:childTnLst>
+                                    <p:set>
+                                      <p:cBhvr>
+                                        <p:cTn id="24" dur="1" fill="hold">
+                                          <p:stCondLst>
+                                            <p:cond delay="0"/>
+                                          </p:stCondLst>
+                                        </p:cTn>
+                                        <p:tgtEl>
+                                          <p:spTgt spid="6">
+                                            <p:txEl>
+                                              <p:pRg st="9" end="9"/>
+                                            </p:txEl>
+                                          </p:spTgt>
+                                        </p:tgtEl>
+                                        <p:attrNameLst>
+                                          <p:attrName>style.visibility</p:attrName>
+                                        </p:attrNameLst>
+                                      </p:cBhvr>
+                                      <p:to>
+                                        <p:strVal val="visible"/>
+                                      </p:to>
+                                    </p:set>
+                                  </p:childTnLst>
+                                </p:cTn>
+                              </p:par>
+                            </p:childTnLst>
+                          </p:cTn>
+                        </p:par>
+                      </p:childTnLst>
+                    </p:cTn>
+                  </p:par>
                 </p:childTnLst>
               </p:cTn>
               <p:prevCondLst>
@@ -6406,7 +6657,7 @@
 </p:sld>
 </file>
 
-<file path=ppt/slides/slide16.xml><?xml version="1.0" encoding="utf-8"?>
+<file path=ppt/slides/slide17.xml><?xml version="1.0" encoding="utf-8"?>
 <p:sld xmlns:a="http://schemas.openxmlformats.org/drawingml/2006/main" xmlns:r="http://schemas.openxmlformats.org/officeDocument/2006/relationships" xmlns:p="http://schemas.openxmlformats.org/presentationml/2006/main">
   <p:cSld>
     <p:bg>
@@ -6460,18 +6711,13 @@
           <a:p>
             <a:pPr algn="ctr"/>
             <a:r>
-              <a:rPr lang="en-US" b="1" dirty="0" smtClean="0">
+              <a:rPr lang="en-US" b="1" dirty="0">
                 <a:solidFill>
                   <a:schemeClr val="bg1"/>
                 </a:solidFill>
               </a:rPr>
               <a:t>Downsides of R</a:t>
             </a:r>
-            <a:endParaRPr lang="en-US" b="1" dirty="0">
-              <a:solidFill>
-                <a:schemeClr val="bg1"/>
-              </a:solidFill>
-            </a:endParaRPr>
           </a:p>
         </p:txBody>
       </p:sp>
@@ -6502,7 +6748,7 @@
               <a:buChar char="•"/>
             </a:pPr>
             <a:r>
-              <a:rPr lang="en-US" sz="2800" dirty="0" smtClean="0"/>
+              <a:rPr lang="en-US" sz="2800" dirty="0"/>
               <a:t>Learning curve</a:t>
             </a:r>
           </a:p>
@@ -6512,7 +6758,7 @@
               <a:buChar char="•"/>
             </a:pPr>
             <a:r>
-              <a:rPr lang="en-US" sz="2800" dirty="0" smtClean="0"/>
+              <a:rPr lang="en-US" sz="2800" dirty="0"/>
               <a:t>Anyone can make a package - so there is some junk out there</a:t>
             </a:r>
           </a:p>
@@ -6522,10 +6768,9 @@
               <a:buChar char="•"/>
             </a:pPr>
             <a:r>
-              <a:rPr lang="en-US" sz="2800" dirty="0" smtClean="0"/>
+              <a:rPr lang="en-US" sz="2800" dirty="0"/>
               <a:t>Memory issues</a:t>
             </a:r>
-            <a:endParaRPr lang="en-US" sz="2800" dirty="0"/>
           </a:p>
           <a:p>
             <a:pPr marL="457200" indent="-457200">
@@ -6533,7 +6778,7 @@
               <a:buChar char="•"/>
             </a:pPr>
             <a:r>
-              <a:rPr lang="en-US" sz="2800" dirty="0" smtClean="0"/>
+              <a:rPr lang="en-US" sz="2800" dirty="0"/>
               <a:t>No language lasts forever and no language can do everything</a:t>
             </a:r>
           </a:p>
@@ -6543,7 +6788,7 @@
               <a:buChar char="o"/>
             </a:pPr>
             <a:r>
-              <a:rPr lang="en-US" sz="2800" dirty="0" smtClean="0"/>
+              <a:rPr lang="en-US" sz="2800" dirty="0"/>
               <a:t>Python</a:t>
             </a:r>
           </a:p>
@@ -6553,10 +6798,10 @@
               <a:buChar char="o"/>
             </a:pPr>
             <a:r>
-              <a:rPr lang="en-US" sz="2800" dirty="0" err="1" smtClean="0"/>
+              <a:rPr lang="en-US" sz="2800" dirty="0" err="1"/>
               <a:t>Awk</a:t>
             </a:r>
-            <a:endParaRPr lang="en-US" sz="2800" dirty="0" smtClean="0"/>
+            <a:endParaRPr lang="en-US" sz="2800" dirty="0"/>
           </a:p>
           <a:p>
             <a:pPr marL="1828800" lvl="3" indent="-457200">
@@ -6564,7 +6809,7 @@
               <a:buChar char="o"/>
             </a:pPr>
             <a:r>
-              <a:rPr lang="en-US" sz="2800" dirty="0" smtClean="0"/>
+              <a:rPr lang="en-US" sz="2800" dirty="0"/>
               <a:t>Julia</a:t>
             </a:r>
           </a:p>
@@ -6905,262 +7150,6 @@
 </p:sld>
 </file>
 
-<file path=ppt/slides/slide17.xml><?xml version="1.0" encoding="utf-8"?>
-<p:sld xmlns:a="http://schemas.openxmlformats.org/drawingml/2006/main" xmlns:r="http://schemas.openxmlformats.org/officeDocument/2006/relationships" xmlns:p="http://schemas.openxmlformats.org/presentationml/2006/main">
-  <p:cSld>
-    <p:bg>
-      <p:bgPr>
-        <a:solidFill>
-          <a:schemeClr val="bg1">
-            <a:lumMod val="95000"/>
-          </a:schemeClr>
-        </a:solidFill>
-        <a:effectLst/>
-      </p:bgPr>
-    </p:bg>
-    <p:spTree>
-      <p:nvGrpSpPr>
-        <p:cNvPr id="1" name=""/>
-        <p:cNvGrpSpPr/>
-        <p:nvPr/>
-      </p:nvGrpSpPr>
-      <p:grpSpPr>
-        <a:xfrm>
-          <a:off x="0" y="0"/>
-          <a:ext cx="0" cy="0"/>
-          <a:chOff x="0" y="0"/>
-          <a:chExt cx="0" cy="0"/>
-        </a:xfrm>
-      </p:grpSpPr>
-      <p:sp>
-        <p:nvSpPr>
-          <p:cNvPr id="2" name="Title 1"/>
-          <p:cNvSpPr>
-            <a:spLocks noGrp="1"/>
-          </p:cNvSpPr>
-          <p:nvPr>
-            <p:ph type="title"/>
-          </p:nvPr>
-        </p:nvSpPr>
-        <p:spPr>
-          <a:xfrm>
-            <a:off x="0" y="0"/>
-            <a:ext cx="12192000" cy="935915"/>
-          </a:xfrm>
-          <a:solidFill>
-            <a:schemeClr val="tx1"/>
-          </a:solidFill>
-        </p:spPr>
-        <p:txBody>
-          <a:bodyPr>
-            <a:normAutofit/>
-          </a:bodyPr>
-          <a:lstStyle/>
-          <a:p>
-            <a:pPr algn="ctr"/>
-            <a:r>
-              <a:rPr lang="en-US" b="1" dirty="0">
-                <a:solidFill>
-                  <a:schemeClr val="bg1"/>
-                </a:solidFill>
-              </a:rPr>
-              <a:t>Installing R and </a:t>
-            </a:r>
-            <a:r>
-              <a:rPr lang="en-US" b="1" dirty="0" err="1" smtClean="0">
-                <a:solidFill>
-                  <a:schemeClr val="bg1"/>
-                </a:solidFill>
-              </a:rPr>
-              <a:t>RStudio</a:t>
-            </a:r>
-            <a:endParaRPr lang="en-US" b="1" dirty="0">
-              <a:solidFill>
-                <a:schemeClr val="bg1"/>
-              </a:solidFill>
-            </a:endParaRPr>
-          </a:p>
-        </p:txBody>
-      </p:sp>
-      <p:sp>
-        <p:nvSpPr>
-          <p:cNvPr id="6" name="Rectangle 5"/>
-          <p:cNvSpPr/>
-          <p:nvPr/>
-        </p:nvSpPr>
-        <p:spPr>
-          <a:xfrm>
-            <a:off x="242170" y="1086291"/>
-            <a:ext cx="11519770" cy="5509200"/>
-          </a:xfrm>
-          <a:prstGeom prst="rect">
-            <a:avLst/>
-          </a:prstGeom>
-        </p:spPr>
-        <p:txBody>
-          <a:bodyPr wrap="square">
-            <a:spAutoFit/>
-          </a:bodyPr>
-          <a:lstStyle/>
-          <a:p>
-            <a:pPr fontAlgn="base"/>
-            <a:r>
-              <a:rPr lang="en-US" sz="3200" b="1" dirty="0" smtClean="0"/>
-              <a:t>Installing R</a:t>
-            </a:r>
-            <a:endParaRPr lang="en-US" sz="3200" dirty="0"/>
-          </a:p>
-          <a:p>
-            <a:pPr marL="514350" indent="-514350" fontAlgn="base">
-              <a:buFont typeface="+mj-lt"/>
-              <a:buAutoNum type="arabicPeriod"/>
-            </a:pPr>
-            <a:r>
-              <a:rPr lang="en-US" sz="3200" dirty="0" smtClean="0"/>
-              <a:t>Go </a:t>
-            </a:r>
-            <a:r>
-              <a:rPr lang="en-US" sz="3200" dirty="0"/>
-              <a:t>to the </a:t>
-            </a:r>
-            <a:r>
-              <a:rPr lang="en-US" sz="3200" dirty="0">
-                <a:hlinkClick r:id="rId2"/>
-              </a:rPr>
-              <a:t>R homepage</a:t>
-            </a:r>
-            <a:r>
-              <a:rPr lang="en-US" sz="3200" dirty="0"/>
-              <a:t> and click download </a:t>
-            </a:r>
-            <a:r>
-              <a:rPr lang="en-US" sz="3200" dirty="0" smtClean="0"/>
-              <a:t>R.</a:t>
-            </a:r>
-            <a:endParaRPr lang="en-US" sz="3200" dirty="0"/>
-          </a:p>
-          <a:p>
-            <a:pPr marL="514350" indent="-514350" fontAlgn="base">
-              <a:buFont typeface="+mj-lt"/>
-              <a:buAutoNum type="arabicPeriod"/>
-            </a:pPr>
-            <a:r>
-              <a:rPr lang="en-US" sz="3200" dirty="0" smtClean="0"/>
-              <a:t>Pick </a:t>
-            </a:r>
-            <a:r>
-              <a:rPr lang="en-US" sz="3200" dirty="0"/>
-              <a:t>a mirror that is in Texas or at least in the United </a:t>
-            </a:r>
-            <a:r>
-              <a:rPr lang="en-US" sz="3200" dirty="0" smtClean="0"/>
-              <a:t>States.</a:t>
-            </a:r>
-            <a:endParaRPr lang="en-US" sz="3200" dirty="0"/>
-          </a:p>
-          <a:p>
-            <a:pPr marL="514350" indent="-514350" fontAlgn="base">
-              <a:buFont typeface="+mj-lt"/>
-              <a:buAutoNum type="arabicPeriod"/>
-            </a:pPr>
-            <a:r>
-              <a:rPr lang="en-US" sz="3200" dirty="0" smtClean="0"/>
-              <a:t>Select </a:t>
-            </a:r>
-            <a:r>
-              <a:rPr lang="en-US" sz="3200" dirty="0"/>
-              <a:t>the correct version for your system and follow the prompts.</a:t>
-            </a:r>
-          </a:p>
-          <a:p>
-            <a:pPr fontAlgn="base"/>
-            <a:endParaRPr lang="en-US" sz="3200" b="1" dirty="0" smtClean="0"/>
-          </a:p>
-          <a:p>
-            <a:pPr fontAlgn="base"/>
-            <a:r>
-              <a:rPr lang="en-US" sz="3200" b="1" dirty="0" smtClean="0"/>
-              <a:t>Installing </a:t>
-            </a:r>
-            <a:r>
-              <a:rPr lang="en-US" sz="3200" b="1" dirty="0" err="1" smtClean="0"/>
-              <a:t>Rstudio</a:t>
-            </a:r>
-            <a:endParaRPr lang="en-US" sz="3200" dirty="0"/>
-          </a:p>
-          <a:p>
-            <a:pPr marL="514350" indent="-514350" fontAlgn="base">
-              <a:buFont typeface="+mj-lt"/>
-              <a:buAutoNum type="arabicPeriod"/>
-            </a:pPr>
-            <a:r>
-              <a:rPr lang="en-US" sz="3200" dirty="0" smtClean="0"/>
-              <a:t>Go </a:t>
-            </a:r>
-            <a:r>
-              <a:rPr lang="en-US" sz="3200" dirty="0"/>
-              <a:t>to the </a:t>
-            </a:r>
-            <a:r>
-              <a:rPr lang="en-US" sz="3200" dirty="0">
-                <a:hlinkClick r:id="rId3"/>
-              </a:rPr>
-              <a:t>RStudio homepage</a:t>
-            </a:r>
-            <a:r>
-              <a:rPr lang="en-US" sz="3200" dirty="0"/>
-              <a:t> and click on the download link below the free version of </a:t>
-            </a:r>
-            <a:r>
-              <a:rPr lang="en-US" sz="3200" dirty="0" err="1"/>
-              <a:t>RStudio</a:t>
-            </a:r>
-            <a:r>
-              <a:rPr lang="en-US" sz="3200" dirty="0"/>
-              <a:t> </a:t>
-            </a:r>
-            <a:r>
-              <a:rPr lang="en-US" sz="3200" dirty="0" smtClean="0"/>
-              <a:t>Desktop.</a:t>
-            </a:r>
-            <a:endParaRPr lang="en-US" sz="3200" dirty="0"/>
-          </a:p>
-          <a:p>
-            <a:pPr marL="514350" indent="-514350" fontAlgn="base">
-              <a:buFont typeface="+mj-lt"/>
-              <a:buAutoNum type="arabicPeriod"/>
-            </a:pPr>
-            <a:r>
-              <a:rPr lang="en-US" sz="3200" dirty="0" smtClean="0"/>
-              <a:t>Select </a:t>
-            </a:r>
-            <a:r>
-              <a:rPr lang="en-US" sz="3200" dirty="0"/>
-              <a:t>the correct version for your system and follow the prompts.</a:t>
-            </a:r>
-          </a:p>
-        </p:txBody>
-      </p:sp>
-    </p:spTree>
-    <p:extLst>
-      <p:ext uri="{BB962C8B-B14F-4D97-AF65-F5344CB8AC3E}">
-        <p14:creationId xmlns:p14="http://schemas.microsoft.com/office/powerpoint/2010/main" val="1688892522"/>
-      </p:ext>
-    </p:extLst>
-  </p:cSld>
-  <p:clrMapOvr>
-    <a:masterClrMapping/>
-  </p:clrMapOvr>
-  <p:timing>
-    <p:tnLst>
-      <p:par>
-        <p:cTn id="1" dur="indefinite" restart="never" nodeType="tmRoot"/>
-      </p:par>
-    </p:tnLst>
-  </p:timing>
-</p:sld>
-</file>
-
 <file path=ppt/slides/slide18.xml><?xml version="1.0" encoding="utf-8"?>
 <p:sld xmlns:a="http://schemas.openxmlformats.org/drawingml/2006/main" xmlns:r="http://schemas.openxmlformats.org/officeDocument/2006/relationships" xmlns:p="http://schemas.openxmlformats.org/presentationml/2006/main">
   <p:cSld>
@@ -7215,12 +7204,20 @@
           <a:p>
             <a:pPr algn="ctr"/>
             <a:r>
-              <a:rPr lang="en-US" b="1" dirty="0" smtClean="0">
+              <a:rPr lang="en-US" b="1" dirty="0">
                 <a:solidFill>
                   <a:schemeClr val="bg1"/>
                 </a:solidFill>
               </a:rPr>
-              <a:t>For Thursday</a:t>
+              <a:t>Installing R and </a:t>
+            </a:r>
+            <a:r>
+              <a:rPr lang="en-US" b="1" dirty="0" err="1">
+                <a:solidFill>
+                  <a:schemeClr val="bg1"/>
+                </a:solidFill>
+              </a:rPr>
+              <a:t>RStudio</a:t>
             </a:r>
             <a:endParaRPr lang="en-US" b="1" dirty="0">
               <a:solidFill>
@@ -7239,7 +7236,7 @@
         <p:spPr>
           <a:xfrm>
             <a:off x="242170" y="1086291"/>
-            <a:ext cx="11519770" cy="5186035"/>
+            <a:ext cx="11519770" cy="5509200"/>
           </a:xfrm>
           <a:prstGeom prst="rect">
             <a:avLst/>
@@ -7251,13 +7248,31 @@
           </a:bodyPr>
           <a:lstStyle/>
           <a:p>
+            <a:pPr fontAlgn="base"/>
+            <a:r>
+              <a:rPr lang="en-US" sz="3200" b="1" dirty="0"/>
+              <a:t>Installing R</a:t>
+            </a:r>
+            <a:endParaRPr lang="en-US" sz="3200" dirty="0"/>
+          </a:p>
+          <a:p>
             <a:pPr marL="514350" indent="-514350" fontAlgn="base">
               <a:buFont typeface="+mj-lt"/>
               <a:buAutoNum type="arabicPeriod"/>
             </a:pPr>
             <a:r>
-              <a:rPr lang="en-US" sz="3200" dirty="0" smtClean="0"/>
-              <a:t>Do homework 1.</a:t>
+              <a:rPr lang="en-US" sz="3200" dirty="0"/>
+              <a:t>Go to the </a:t>
+            </a:r>
+            <a:r>
+              <a:rPr lang="en-US" sz="3200" dirty="0">
+                <a:hlinkClick r:id="rId2"/>
+              </a:rPr>
+              <a:t>R homepage</a:t>
+            </a:r>
+            <a:r>
+              <a:rPr lang="en-US" sz="3200" dirty="0"/>
+              <a:t> and click download R.</a:t>
             </a:r>
           </a:p>
           <a:p>
@@ -7266,26 +7281,9 @@
               <a:buAutoNum type="arabicPeriod"/>
             </a:pPr>
             <a:r>
-              <a:rPr lang="en-US" sz="3200" dirty="0" smtClean="0"/>
-              <a:t>Install </a:t>
-            </a:r>
-            <a:r>
               <a:rPr lang="en-US" sz="3200" dirty="0"/>
-              <a:t>R and </a:t>
-            </a:r>
-            <a:r>
-              <a:rPr lang="en-US" sz="3200" dirty="0" err="1"/>
-              <a:t>Rstudio</a:t>
-            </a:r>
-            <a:r>
-              <a:rPr lang="en-US" sz="3200" dirty="0"/>
-              <a:t> on a </a:t>
-            </a:r>
-            <a:r>
-              <a:rPr lang="en-US" sz="3200" dirty="0" smtClean="0"/>
-              <a:t>laptop</a:t>
-            </a:r>
-            <a:endParaRPr lang="en-US" sz="3200" dirty="0"/>
+              <a:t>Pick a mirror that is in Texas or at least in the United States.</a:t>
+            </a:r>
           </a:p>
           <a:p>
             <a:pPr marL="514350" indent="-514350" fontAlgn="base">
@@ -7293,12 +7291,199 @@
               <a:buAutoNum type="arabicPeriod"/>
             </a:pPr>
             <a:r>
-              <a:rPr lang="en-US" sz="3200" dirty="0" smtClean="0"/>
-              <a:t>Come </a:t>
-            </a:r>
-            <a:r>
               <a:rPr lang="en-US" sz="3200" dirty="0"/>
-              <a:t>and see me </a:t>
+              <a:t>Select the correct version for your system and follow the prompts.</a:t>
+            </a:r>
+          </a:p>
+          <a:p>
+            <a:pPr fontAlgn="base"/>
+            <a:endParaRPr lang="en-US" sz="3200" b="1" dirty="0"/>
+          </a:p>
+          <a:p>
+            <a:pPr fontAlgn="base"/>
+            <a:r>
+              <a:rPr lang="en-US" sz="3200" b="1" dirty="0"/>
+              <a:t>Installing </a:t>
+            </a:r>
+            <a:r>
+              <a:rPr lang="en-US" sz="3200" b="1" dirty="0" err="1"/>
+              <a:t>Rstudio</a:t>
+            </a:r>
+            <a:endParaRPr lang="en-US" sz="3200" dirty="0"/>
+          </a:p>
+          <a:p>
+            <a:pPr marL="514350" indent="-514350" fontAlgn="base">
+              <a:buFont typeface="+mj-lt"/>
+              <a:buAutoNum type="arabicPeriod"/>
+            </a:pPr>
+            <a:r>
+              <a:rPr lang="en-US" sz="3200" dirty="0"/>
+              <a:t>Go to the </a:t>
+            </a:r>
+            <a:r>
+              <a:rPr lang="en-US" sz="3200" dirty="0">
+                <a:hlinkClick r:id="rId3"/>
+              </a:rPr>
+              <a:t>RStudio homepage</a:t>
+            </a:r>
+            <a:r>
+              <a:rPr lang="en-US" sz="3200" dirty="0"/>
+              <a:t> and click on the download link below the free version of </a:t>
+            </a:r>
+            <a:r>
+              <a:rPr lang="en-US" sz="3200" dirty="0" err="1"/>
+              <a:t>RStudio</a:t>
+            </a:r>
+            <a:r>
+              <a:rPr lang="en-US" sz="3200" dirty="0"/>
+              <a:t> Desktop.</a:t>
+            </a:r>
+          </a:p>
+          <a:p>
+            <a:pPr marL="514350" indent="-514350" fontAlgn="base">
+              <a:buFont typeface="+mj-lt"/>
+              <a:buAutoNum type="arabicPeriod"/>
+            </a:pPr>
+            <a:r>
+              <a:rPr lang="en-US" sz="3200" dirty="0"/>
+              <a:t>Select the correct version for your system and follow the prompts.</a:t>
+            </a:r>
+          </a:p>
+        </p:txBody>
+      </p:sp>
+    </p:spTree>
+    <p:extLst>
+      <p:ext uri="{BB962C8B-B14F-4D97-AF65-F5344CB8AC3E}">
+        <p14:creationId xmlns:p14="http://schemas.microsoft.com/office/powerpoint/2010/main" val="1688892522"/>
+      </p:ext>
+    </p:extLst>
+  </p:cSld>
+  <p:clrMapOvr>
+    <a:masterClrMapping/>
+  </p:clrMapOvr>
+</p:sld>
+</file>
+
+<file path=ppt/slides/slide19.xml><?xml version="1.0" encoding="utf-8"?>
+<p:sld xmlns:a="http://schemas.openxmlformats.org/drawingml/2006/main" xmlns:r="http://schemas.openxmlformats.org/officeDocument/2006/relationships" xmlns:p="http://schemas.openxmlformats.org/presentationml/2006/main">
+  <p:cSld>
+    <p:bg>
+      <p:bgPr>
+        <a:solidFill>
+          <a:schemeClr val="bg1">
+            <a:lumMod val="95000"/>
+          </a:schemeClr>
+        </a:solidFill>
+        <a:effectLst/>
+      </p:bgPr>
+    </p:bg>
+    <p:spTree>
+      <p:nvGrpSpPr>
+        <p:cNvPr id="1" name=""/>
+        <p:cNvGrpSpPr/>
+        <p:nvPr/>
+      </p:nvGrpSpPr>
+      <p:grpSpPr>
+        <a:xfrm>
+          <a:off x="0" y="0"/>
+          <a:ext cx="0" cy="0"/>
+          <a:chOff x="0" y="0"/>
+          <a:chExt cx="0" cy="0"/>
+        </a:xfrm>
+      </p:grpSpPr>
+      <p:sp>
+        <p:nvSpPr>
+          <p:cNvPr id="2" name="Title 1"/>
+          <p:cNvSpPr>
+            <a:spLocks noGrp="1"/>
+          </p:cNvSpPr>
+          <p:nvPr>
+            <p:ph type="title"/>
+          </p:nvPr>
+        </p:nvSpPr>
+        <p:spPr>
+          <a:xfrm>
+            <a:off x="0" y="0"/>
+            <a:ext cx="12192000" cy="935915"/>
+          </a:xfrm>
+          <a:solidFill>
+            <a:schemeClr val="tx1"/>
+          </a:solidFill>
+        </p:spPr>
+        <p:txBody>
+          <a:bodyPr>
+            <a:normAutofit/>
+          </a:bodyPr>
+          <a:lstStyle/>
+          <a:p>
+            <a:pPr algn="ctr"/>
+            <a:r>
+              <a:rPr lang="en-US" b="1" dirty="0">
+                <a:solidFill>
+                  <a:schemeClr val="bg1"/>
+                </a:solidFill>
+              </a:rPr>
+              <a:t>For Thursday</a:t>
+            </a:r>
+          </a:p>
+        </p:txBody>
+      </p:sp>
+      <p:sp>
+        <p:nvSpPr>
+          <p:cNvPr id="6" name="Rectangle 5"/>
+          <p:cNvSpPr/>
+          <p:nvPr/>
+        </p:nvSpPr>
+        <p:spPr>
+          <a:xfrm>
+            <a:off x="242170" y="1086291"/>
+            <a:ext cx="11519770" cy="5678478"/>
+          </a:xfrm>
+          <a:prstGeom prst="rect">
+            <a:avLst/>
+          </a:prstGeom>
+        </p:spPr>
+        <p:txBody>
+          <a:bodyPr wrap="square">
+            <a:spAutoFit/>
+          </a:bodyPr>
+          <a:lstStyle/>
+          <a:p>
+            <a:pPr marL="514350" indent="-514350" fontAlgn="base">
+              <a:buFont typeface="+mj-lt"/>
+              <a:buAutoNum type="arabicPeriod"/>
+            </a:pPr>
+            <a:r>
+              <a:rPr lang="en-US" sz="3200" dirty="0"/>
+              <a:t>Do homework 1.</a:t>
+            </a:r>
+          </a:p>
+          <a:p>
+            <a:pPr marL="514350" indent="-514350" fontAlgn="base">
+              <a:buFont typeface="+mj-lt"/>
+              <a:buAutoNum type="arabicPeriod"/>
+            </a:pPr>
+            <a:r>
+              <a:rPr lang="en-US" sz="3200" dirty="0"/>
+              <a:t>Install R and </a:t>
+            </a:r>
+            <a:r>
+              <a:rPr lang="en-US" sz="3200" dirty="0" err="1"/>
+              <a:t>Rstudio</a:t>
+            </a:r>
+            <a:r>
+              <a:rPr lang="en-US" sz="3200" dirty="0"/>
+              <a:t> on a laptop</a:t>
+            </a:r>
+          </a:p>
+          <a:p>
+            <a:pPr marL="514350" indent="-514350" fontAlgn="base">
+              <a:buFont typeface="+mj-lt"/>
+              <a:buAutoNum type="arabicPeriod"/>
+            </a:pPr>
+            <a:r>
+              <a:rPr lang="en-US" sz="3200" dirty="0"/>
+              <a:t>Come and see me </a:t>
             </a:r>
             <a:r>
               <a:rPr lang="en-US" sz="3200" b="1" dirty="0">
@@ -7310,19 +7495,7 @@
             </a:r>
             <a:r>
               <a:rPr lang="en-US" sz="3200" dirty="0"/>
-              <a:t> class on </a:t>
-            </a:r>
-            <a:r>
-              <a:rPr lang="en-US" sz="3200" dirty="0" smtClean="0"/>
-              <a:t>Thursday </a:t>
-            </a:r>
-            <a:r>
-              <a:rPr lang="en-US" sz="3200" dirty="0"/>
-              <a:t>if you run into </a:t>
-            </a:r>
-            <a:r>
-              <a:rPr lang="en-US" sz="3200" dirty="0" smtClean="0"/>
-              <a:t>problems</a:t>
+              <a:t> class on Thursday if you run into problems</a:t>
             </a:r>
           </a:p>
           <a:p>
@@ -7331,12 +7504,8 @@
               <a:buAutoNum type="arabicPeriod"/>
             </a:pPr>
             <a:r>
-              <a:rPr lang="en-US" sz="3200" dirty="0" smtClean="0"/>
-              <a:t>Read </a:t>
-            </a:r>
-            <a:r>
               <a:rPr lang="en-US" sz="3200" dirty="0"/>
-              <a:t>chapters 1 and 2 of WS </a:t>
+              <a:t>Read chapters 1 and 2 of WS </a:t>
             </a:r>
             <a:r>
               <a:rPr lang="mr-IN" sz="3200" dirty="0"/>
@@ -7344,15 +7513,7 @@
             </a:r>
             <a:r>
               <a:rPr lang="en-US" sz="3200" dirty="0"/>
-              <a:t> good supplemental readings too</a:t>
-            </a:r>
-            <a:r>
-              <a:rPr lang="en-US" sz="3200" dirty="0" smtClean="0"/>
-              <a:t>! </a:t>
-            </a:r>
-            <a:r>
-              <a:rPr lang="en-US" sz="3200" dirty="0"/>
-              <a:t/>
+              <a:t> good supplemental readings too! </a:t>
             </a:r>
             <a:br>
               <a:rPr lang="en-US" sz="3200" dirty="0"/>
@@ -7367,20 +7528,12 @@
                   <a:srgbClr val="C00000"/>
                 </a:solidFill>
               </a:rPr>
-              <a:t>Bring laptop to class</a:t>
-            </a:r>
-            <a:r>
-              <a:rPr lang="en-US" sz="3200" b="1" dirty="0" smtClean="0">
-                <a:solidFill>
-                  <a:srgbClr val="C00000"/>
-                </a:solidFill>
-              </a:rPr>
-              <a:t>!</a:t>
+              <a:t>Bring laptop to class every day from here on out! Bring a charger if you are not 100% positive that your battery will last.</a:t>
             </a:r>
           </a:p>
           <a:p>
             <a:pPr fontAlgn="base"/>
-            <a:endParaRPr lang="en-US" sz="3200" b="1" dirty="0" smtClean="0">
+            <a:endParaRPr lang="en-US" sz="3200" b="1" dirty="0">
               <a:solidFill>
                 <a:srgbClr val="C00000"/>
               </a:solidFill>
@@ -7426,13 +7579,6 @@
   <p:clrMapOvr>
     <a:masterClrMapping/>
   </p:clrMapOvr>
-  <p:timing>
-    <p:tnLst>
-      <p:par>
-        <p:cTn id="1" dur="indefinite" restart="never" nodeType="tmRoot"/>
-      </p:par>
-    </p:tnLst>
-  </p:timing>
 </p:sld>
 </file>
 
@@ -7488,18 +7634,13 @@
           <a:p>
             <a:pPr algn="ctr"/>
             <a:r>
-              <a:rPr lang="en-US" b="1" dirty="0" smtClean="0">
+              <a:rPr lang="en-US" b="1" dirty="0">
                 <a:solidFill>
                   <a:schemeClr val="bg1"/>
                 </a:solidFill>
               </a:rPr>
               <a:t>Today</a:t>
             </a:r>
-            <a:endParaRPr lang="en-US" b="1" dirty="0">
-              <a:solidFill>
-                <a:schemeClr val="bg1"/>
-              </a:solidFill>
-            </a:endParaRPr>
           </a:p>
         </p:txBody>
       </p:sp>
@@ -7529,7 +7670,7 @@
               <a:buChar char="•"/>
             </a:pPr>
             <a:r>
-              <a:rPr lang="en-US" sz="4000" dirty="0" smtClean="0"/>
+              <a:rPr lang="en-US" sz="4000" dirty="0"/>
               <a:t>Introductions</a:t>
             </a:r>
           </a:p>
@@ -7539,7 +7680,7 @@
               <a:buAutoNum type="arabicPeriod"/>
             </a:pPr>
             <a:r>
-              <a:rPr lang="en-US" sz="2400" dirty="0" smtClean="0"/>
+              <a:rPr lang="en-US" sz="2400" dirty="0"/>
               <a:t>Name</a:t>
             </a:r>
           </a:p>
@@ -7549,7 +7690,7 @@
               <a:buAutoNum type="arabicPeriod"/>
             </a:pPr>
             <a:r>
-              <a:rPr lang="en-US" sz="2400" dirty="0" smtClean="0"/>
+              <a:rPr lang="en-US" sz="2400" dirty="0"/>
               <a:t>Lab</a:t>
             </a:r>
           </a:p>
@@ -7559,10 +7700,9 @@
               <a:buAutoNum type="arabicPeriod"/>
             </a:pPr>
             <a:r>
-              <a:rPr lang="en-US" sz="2400" dirty="0" smtClean="0"/>
+              <a:rPr lang="en-US" sz="2400" dirty="0"/>
               <a:t>Project / Data</a:t>
             </a:r>
-            <a:endParaRPr lang="en-US" sz="2400" dirty="0"/>
           </a:p>
           <a:p>
             <a:pPr marL="571500" indent="-571500" fontAlgn="base">
@@ -7570,22 +7710,22 @@
               <a:buChar char="•"/>
             </a:pPr>
             <a:r>
-              <a:rPr lang="en-US" sz="4000" dirty="0" smtClean="0">
+              <a:rPr lang="en-US" sz="4000" dirty="0">
                 <a:hlinkClick r:id="rId3"/>
               </a:rPr>
               <a:t>Syllabus</a:t>
             </a:r>
             <a:r>
-              <a:rPr lang="en-US" sz="4000" dirty="0" smtClean="0"/>
+              <a:rPr lang="en-US" sz="4000" dirty="0"/>
               <a:t> / </a:t>
             </a:r>
             <a:r>
-              <a:rPr lang="en-US" sz="4000" dirty="0" smtClean="0">
+              <a:rPr lang="en-US" sz="4000" dirty="0">
                 <a:hlinkClick r:id="rId4"/>
               </a:rPr>
               <a:t>website</a:t>
             </a:r>
-            <a:endParaRPr lang="en-US" sz="4000" dirty="0" smtClean="0"/>
+            <a:endParaRPr lang="en-US" sz="4000" dirty="0"/>
           </a:p>
           <a:p>
             <a:pPr marL="571500" indent="-571500" fontAlgn="base">
@@ -7593,22 +7733,14 @@
               <a:buChar char="•"/>
             </a:pPr>
             <a:r>
-              <a:rPr lang="en-US" sz="4000" dirty="0" smtClean="0"/>
-              <a:t>Big </a:t>
-            </a:r>
-            <a:r>
               <a:rPr lang="en-US" sz="4000" dirty="0"/>
-              <a:t>problems in </a:t>
-            </a:r>
-            <a:r>
-              <a:rPr lang="en-US" sz="4000" dirty="0" smtClean="0"/>
-              <a:t>stats </a:t>
-            </a:r>
-            <a:r>
-              <a:rPr lang="en-US" sz="3600" dirty="0" smtClean="0"/>
+              <a:t>Big problems in stats </a:t>
+            </a:r>
+            <a:r>
+              <a:rPr lang="en-US" sz="3600" dirty="0"/>
               <a:t>(outside world / within academia)</a:t>
             </a:r>
-            <a:endParaRPr lang="en-US" sz="4000" dirty="0" smtClean="0"/>
+            <a:endParaRPr lang="en-US" sz="4000" dirty="0"/>
           </a:p>
           <a:p>
             <a:pPr marL="571500" indent="-571500" fontAlgn="base">
@@ -7616,16 +7748,8 @@
               <a:buChar char="•"/>
             </a:pPr>
             <a:r>
-              <a:rPr lang="en-US" sz="4000" dirty="0" smtClean="0"/>
-              <a:t>Why </a:t>
-            </a:r>
-            <a:r>
               <a:rPr lang="en-US" sz="4000" dirty="0"/>
-              <a:t>you need this </a:t>
-            </a:r>
-            <a:r>
-              <a:rPr lang="en-US" sz="4000" dirty="0" smtClean="0"/>
-              <a:t>class</a:t>
+              <a:t>Why you need this class</a:t>
             </a:r>
           </a:p>
           <a:p>
@@ -7634,18 +7758,9 @@
               <a:buChar char="•"/>
             </a:pPr>
             <a:r>
-              <a:rPr lang="en-US" sz="4000" dirty="0" smtClean="0"/>
-              <a:t>Prep </a:t>
-            </a:r>
-            <a:r>
               <a:rPr lang="en-US" sz="4000" dirty="0"/>
-              <a:t>for </a:t>
-            </a:r>
-            <a:r>
-              <a:rPr lang="en-US" sz="4000" dirty="0" smtClean="0"/>
-              <a:t>Thursday</a:t>
-            </a:r>
-            <a:endParaRPr lang="en-US" sz="4000" dirty="0"/>
+              <a:t>Prep for Thursday</a:t>
+            </a:r>
           </a:p>
         </p:txBody>
       </p:sp>
@@ -7909,7 +8024,7 @@
                   <a:schemeClr val="bg1"/>
                 </a:solidFill>
               </a:rPr>
-              <a:t>The public impression of statistics</a:t>
+              <a:t>My Objectives</a:t>
             </a:r>
           </a:p>
         </p:txBody>
@@ -7923,7 +8038,7 @@
         <p:spPr>
           <a:xfrm>
             <a:off x="145325" y="1073548"/>
-            <a:ext cx="11903239" cy="3662541"/>
+            <a:ext cx="11903239" cy="6032421"/>
           </a:xfrm>
           <a:prstGeom prst="rect">
             <a:avLst/>
@@ -7935,32 +8050,50 @@
           </a:bodyPr>
           <a:lstStyle/>
           <a:p>
+            <a:pPr fontAlgn="base"/>
+            <a:endParaRPr lang="en-US" sz="1400" dirty="0"/>
+          </a:p>
+          <a:p>
             <a:pPr marL="571500" indent="-571500" fontAlgn="base">
               <a:buFont typeface="Arial" charset="0"/>
               <a:buChar char="•"/>
             </a:pPr>
             <a:r>
-              <a:rPr lang="en-US" sz="3600" i="1" dirty="0"/>
-              <a:t>Figures will not lie but liars will </a:t>
-            </a:r>
-            <a:r>
-              <a:rPr lang="en-US" sz="3600" i="1" dirty="0" smtClean="0"/>
-              <a:t>figure</a:t>
-            </a:r>
+              <a:rPr lang="en-US" sz="2800" i="1" dirty="0"/>
+              <a:t>Help you build an intuitive understanding of statistics</a:t>
+            </a:r>
+          </a:p>
+          <a:p>
+            <a:pPr fontAlgn="base"/>
+            <a:endParaRPr lang="en-US" sz="2800" i="1" dirty="0"/>
           </a:p>
           <a:p>
             <a:pPr marL="571500" indent="-571500" fontAlgn="base">
               <a:buFont typeface="Arial" charset="0"/>
               <a:buChar char="•"/>
             </a:pPr>
-            <a:endParaRPr lang="en-US" sz="1400" dirty="0" smtClean="0"/>
+            <a:r>
+              <a:rPr lang="en-US" sz="2800" i="1" dirty="0"/>
+              <a:t>Get you comfortable with the idea of coding in R</a:t>
+            </a:r>
+          </a:p>
+          <a:p>
+            <a:pPr fontAlgn="base"/>
+            <a:endParaRPr lang="en-US" sz="2800" i="1" dirty="0"/>
           </a:p>
           <a:p>
             <a:pPr marL="571500" indent="-571500" fontAlgn="base">
               <a:buFont typeface="Arial" charset="0"/>
               <a:buChar char="•"/>
             </a:pPr>
-            <a:endParaRPr lang="en-US" sz="1400" dirty="0"/>
+            <a:r>
+              <a:rPr lang="en-US" sz="2800" i="1" dirty="0"/>
+              <a:t>Help you develop the skills to build informative, honest, and intuitive data visualizations in R</a:t>
+            </a:r>
+          </a:p>
+          <a:p>
+            <a:pPr fontAlgn="base"/>
+            <a:endParaRPr lang="en-US" sz="2800" i="1" dirty="0"/>
           </a:p>
           <a:p>
             <a:pPr marL="571500" indent="-571500" fontAlgn="base">
@@ -7968,69 +8101,37 @@
               <a:buChar char="•"/>
             </a:pPr>
             <a:r>
-              <a:rPr lang="en-US" sz="3600" i="1" dirty="0"/>
-              <a:t>There are three kinds of lies: lies, damned lies, and </a:t>
-            </a:r>
-            <a:r>
-              <a:rPr lang="en-US" sz="3600" i="1" dirty="0" smtClean="0"/>
-              <a:t>statistics</a:t>
-            </a:r>
+              <a:rPr lang="en-US" sz="2800" i="1" dirty="0"/>
+              <a:t>Help you develop the skills to handle datasets in R</a:t>
+            </a:r>
+          </a:p>
+          <a:p>
+            <a:pPr fontAlgn="base"/>
+            <a:endParaRPr lang="en-US" sz="2800" i="1" dirty="0"/>
           </a:p>
           <a:p>
             <a:pPr marL="571500" indent="-571500" fontAlgn="base">
               <a:buFont typeface="Arial" charset="0"/>
               <a:buChar char="•"/>
             </a:pPr>
-            <a:endParaRPr lang="en-US" sz="1600" dirty="0" smtClean="0"/>
+            <a:r>
+              <a:rPr lang="en-US" sz="2800" i="1" dirty="0"/>
+              <a:t>Help you develop the confidence to think about the characteristics of the data that you will be collecting in your research and how you might analyze it.</a:t>
+            </a:r>
           </a:p>
           <a:p>
             <a:pPr marL="571500" indent="-571500" fontAlgn="base">
               <a:buFont typeface="Arial" charset="0"/>
               <a:buChar char="•"/>
             </a:pPr>
-            <a:endParaRPr lang="en-US" sz="1600" dirty="0"/>
+            <a:endParaRPr lang="en-US" sz="2800" i="1" dirty="0"/>
           </a:p>
           <a:p>
             <a:pPr marL="571500" indent="-571500" fontAlgn="base">
               <a:buFont typeface="Arial" charset="0"/>
               <a:buChar char="•"/>
             </a:pPr>
-            <a:r>
-              <a:rPr lang="en-US" sz="3600" i="1" dirty="0"/>
-              <a:t>You can make statistics say </a:t>
-            </a:r>
-            <a:r>
-              <a:rPr lang="en-US" sz="3600" i="1" dirty="0" smtClean="0"/>
-              <a:t>anything</a:t>
-            </a:r>
-          </a:p>
-          <a:p>
-            <a:pPr marL="571500" indent="-571500" fontAlgn="base">
-              <a:buFont typeface="Arial" charset="0"/>
-              <a:buChar char="•"/>
-            </a:pPr>
-            <a:endParaRPr lang="en-US" sz="1400" dirty="0" smtClean="0"/>
-          </a:p>
-          <a:p>
-            <a:pPr marL="571500" indent="-571500" fontAlgn="base">
-              <a:buFont typeface="Arial" charset="0"/>
-              <a:buChar char="•"/>
-            </a:pPr>
-            <a:endParaRPr lang="en-US" sz="1400" dirty="0"/>
-          </a:p>
-          <a:p>
-            <a:pPr marL="571500" indent="-571500" fontAlgn="base">
-              <a:buFont typeface="Arial" charset="0"/>
-              <a:buChar char="•"/>
-            </a:pPr>
-            <a:r>
-              <a:rPr lang="en-US" sz="3600" i="1" dirty="0"/>
-              <a:t>Statistics are no substitute for good </a:t>
-            </a:r>
-            <a:r>
-              <a:rPr lang="en-US" sz="3600" i="1" dirty="0" smtClean="0"/>
-              <a:t>judgement</a:t>
-            </a:r>
+            <a:endParaRPr lang="en-US" sz="3600" i="1" dirty="0"/>
           </a:p>
         </p:txBody>
       </p:sp>
@@ -8177,18 +8278,250 @@
           <a:p>
             <a:pPr algn="ctr"/>
             <a:r>
-              <a:rPr lang="en-US" b="1" dirty="0" smtClean="0">
+              <a:rPr lang="en-US" b="1" dirty="0">
                 <a:solidFill>
                   <a:schemeClr val="bg1"/>
                 </a:solidFill>
               </a:rPr>
-              <a:t>Our response</a:t>
-            </a:r>
-            <a:endParaRPr lang="en-US" b="1" dirty="0">
-              <a:solidFill>
-                <a:schemeClr val="bg1"/>
-              </a:solidFill>
-            </a:endParaRPr>
+              <a:t>The public impression of statistics</a:t>
+            </a:r>
+          </a:p>
+        </p:txBody>
+      </p:sp>
+      <p:sp>
+        <p:nvSpPr>
+          <p:cNvPr id="4" name="Rectangle 3"/>
+          <p:cNvSpPr/>
+          <p:nvPr/>
+        </p:nvSpPr>
+        <p:spPr>
+          <a:xfrm>
+            <a:off x="145325" y="1073548"/>
+            <a:ext cx="11903239" cy="2893100"/>
+          </a:xfrm>
+          <a:prstGeom prst="rect">
+            <a:avLst/>
+          </a:prstGeom>
+        </p:spPr>
+        <p:txBody>
+          <a:bodyPr wrap="square">
+            <a:spAutoFit/>
+          </a:bodyPr>
+          <a:lstStyle/>
+          <a:p>
+            <a:pPr fontAlgn="base"/>
+            <a:endParaRPr lang="en-US" sz="1400" dirty="0"/>
+          </a:p>
+          <a:p>
+            <a:pPr marL="571500" indent="-571500" fontAlgn="base">
+              <a:buFont typeface="Arial" charset="0"/>
+              <a:buChar char="•"/>
+            </a:pPr>
+            <a:r>
+              <a:rPr lang="en-US" sz="3600" i="1" dirty="0"/>
+              <a:t>There are three kinds of lies: lies, damned lies, and statistics</a:t>
+            </a:r>
+          </a:p>
+          <a:p>
+            <a:pPr marL="571500" indent="-571500" fontAlgn="base">
+              <a:buFont typeface="Arial" charset="0"/>
+              <a:buChar char="•"/>
+            </a:pPr>
+            <a:endParaRPr lang="en-US" sz="1600" dirty="0"/>
+          </a:p>
+          <a:p>
+            <a:pPr marL="571500" indent="-571500" fontAlgn="base">
+              <a:buFont typeface="Arial" charset="0"/>
+              <a:buChar char="•"/>
+            </a:pPr>
+            <a:endParaRPr lang="en-US" sz="1600" dirty="0"/>
+          </a:p>
+          <a:p>
+            <a:pPr marL="571500" indent="-571500" fontAlgn="base">
+              <a:buFont typeface="Arial" charset="0"/>
+              <a:buChar char="•"/>
+            </a:pPr>
+            <a:r>
+              <a:rPr lang="en-US" sz="3600" i="1" dirty="0"/>
+              <a:t>You can make statistics say anything</a:t>
+            </a:r>
+          </a:p>
+          <a:p>
+            <a:pPr marL="571500" indent="-571500" fontAlgn="base">
+              <a:buFont typeface="Arial" charset="0"/>
+              <a:buChar char="•"/>
+            </a:pPr>
+            <a:endParaRPr lang="en-US" sz="1400" dirty="0"/>
+          </a:p>
+          <a:p>
+            <a:pPr marL="571500" indent="-571500" fontAlgn="base">
+              <a:buFont typeface="Arial" charset="0"/>
+              <a:buChar char="•"/>
+            </a:pPr>
+            <a:endParaRPr lang="en-US" sz="1400" dirty="0"/>
+          </a:p>
+          <a:p>
+            <a:pPr marL="571500" indent="-571500" fontAlgn="base">
+              <a:buFont typeface="Arial" charset="0"/>
+              <a:buChar char="•"/>
+            </a:pPr>
+            <a:r>
+              <a:rPr lang="en-US" sz="3600" i="1" dirty="0"/>
+              <a:t>Statistics are no substitute for good judgement</a:t>
+            </a:r>
+          </a:p>
+        </p:txBody>
+      </p:sp>
+    </p:spTree>
+    <p:extLst>
+      <p:ext uri="{BB962C8B-B14F-4D97-AF65-F5344CB8AC3E}">
+        <p14:creationId xmlns:p14="http://schemas.microsoft.com/office/powerpoint/2010/main" val="3816167810"/>
+      </p:ext>
+    </p:extLst>
+  </p:cSld>
+  <p:clrMapOvr>
+    <a:masterClrMapping/>
+  </p:clrMapOvr>
+  <p:timing>
+    <p:tnLst>
+      <p:par>
+        <p:cTn id="1" dur="indefinite" restart="never" nodeType="tmRoot">
+          <p:childTnLst>
+            <p:seq concurrent="1" nextAc="seek">
+              <p:cTn id="2" dur="indefinite" nodeType="mainSeq">
+                <p:childTnLst>
+                  <p:par>
+                    <p:cTn id="3" fill="hold">
+                      <p:stCondLst>
+                        <p:cond delay="indefinite"/>
+                      </p:stCondLst>
+                      <p:childTnLst>
+                        <p:par>
+                          <p:cTn id="4" fill="hold">
+                            <p:stCondLst>
+                              <p:cond delay="0"/>
+                            </p:stCondLst>
+                            <p:childTnLst>
+                              <p:par>
+                                <p:cTn id="5" presetID="1" presetClass="entr" presetSubtype="0" fill="hold" grpId="0" nodeType="clickEffect">
+                                  <p:stCondLst>
+                                    <p:cond delay="0"/>
+                                  </p:stCondLst>
+                                  <p:childTnLst>
+                                    <p:set>
+                                      <p:cBhvr>
+                                        <p:cTn id="6" dur="1" fill="hold">
+                                          <p:stCondLst>
+                                            <p:cond delay="0"/>
+                                          </p:stCondLst>
+                                        </p:cTn>
+                                        <p:tgtEl>
+                                          <p:spTgt spid="4"/>
+                                        </p:tgtEl>
+                                        <p:attrNameLst>
+                                          <p:attrName>style.visibility</p:attrName>
+                                        </p:attrNameLst>
+                                      </p:cBhvr>
+                                      <p:to>
+                                        <p:strVal val="visible"/>
+                                      </p:to>
+                                    </p:set>
+                                  </p:childTnLst>
+                                </p:cTn>
+                              </p:par>
+                            </p:childTnLst>
+                          </p:cTn>
+                        </p:par>
+                      </p:childTnLst>
+                    </p:cTn>
+                  </p:par>
+                </p:childTnLst>
+              </p:cTn>
+              <p:prevCondLst>
+                <p:cond evt="onPrev" delay="0">
+                  <p:tgtEl>
+                    <p:sldTgt/>
+                  </p:tgtEl>
+                </p:cond>
+              </p:prevCondLst>
+              <p:nextCondLst>
+                <p:cond evt="onNext" delay="0">
+                  <p:tgtEl>
+                    <p:sldTgt/>
+                  </p:tgtEl>
+                </p:cond>
+              </p:nextCondLst>
+            </p:seq>
+          </p:childTnLst>
+        </p:cTn>
+      </p:par>
+    </p:tnLst>
+    <p:bldLst>
+      <p:bldP spid="4" grpId="0"/>
+    </p:bldLst>
+  </p:timing>
+</p:sld>
+</file>
+
+<file path=ppt/slides/slide5.xml><?xml version="1.0" encoding="utf-8"?>
+<p:sld xmlns:a="http://schemas.openxmlformats.org/drawingml/2006/main" xmlns:r="http://schemas.openxmlformats.org/officeDocument/2006/relationships" xmlns:p="http://schemas.openxmlformats.org/presentationml/2006/main">
+  <p:cSld>
+    <p:bg>
+      <p:bgPr>
+        <a:solidFill>
+          <a:schemeClr val="bg1">
+            <a:lumMod val="95000"/>
+          </a:schemeClr>
+        </a:solidFill>
+        <a:effectLst/>
+      </p:bgPr>
+    </p:bg>
+    <p:spTree>
+      <p:nvGrpSpPr>
+        <p:cNvPr id="1" name=""/>
+        <p:cNvGrpSpPr/>
+        <p:nvPr/>
+      </p:nvGrpSpPr>
+      <p:grpSpPr>
+        <a:xfrm>
+          <a:off x="0" y="0"/>
+          <a:ext cx="0" cy="0"/>
+          <a:chOff x="0" y="0"/>
+          <a:chExt cx="0" cy="0"/>
+        </a:xfrm>
+      </p:grpSpPr>
+      <p:sp>
+        <p:nvSpPr>
+          <p:cNvPr id="2" name="Title 1"/>
+          <p:cNvSpPr>
+            <a:spLocks noGrp="1"/>
+          </p:cNvSpPr>
+          <p:nvPr>
+            <p:ph type="title"/>
+          </p:nvPr>
+        </p:nvSpPr>
+        <p:spPr>
+          <a:xfrm>
+            <a:off x="0" y="0"/>
+            <a:ext cx="12192000" cy="935915"/>
+          </a:xfrm>
+          <a:solidFill>
+            <a:schemeClr val="tx1"/>
+          </a:solidFill>
+        </p:spPr>
+        <p:txBody>
+          <a:bodyPr/>
+          <a:lstStyle/>
+          <a:p>
+            <a:pPr algn="ctr"/>
+            <a:r>
+              <a:rPr lang="en-US" b="1" dirty="0">
+                <a:solidFill>
+                  <a:schemeClr val="bg1"/>
+                </a:solidFill>
+              </a:rPr>
+              <a:t>My opinions</a:t>
+            </a:r>
           </a:p>
         </p:txBody>
       </p:sp>
@@ -8216,7 +8549,7 @@
             <a:pPr fontAlgn="base"/>
             <a:r>
               <a:rPr lang="en-US" sz="3200" dirty="0"/>
-              <a:t>Misuse of statistics is unethical</a:t>
+              <a:t>Misuse or ignorance of statistics is unethical as a scientist</a:t>
             </a:r>
             <a:br>
               <a:rPr lang="en-US" sz="3200" dirty="0"/>
@@ -8249,13 +8582,8 @@
             <a:pPr fontAlgn="base"/>
             <a:r>
               <a:rPr lang="en-US" sz="3200" dirty="0"/>
-              <a:t>Do your part: learn science of important topics and help friends and family understand them</a:t>
-            </a:r>
-            <a:r>
-              <a:rPr lang="en-US" sz="3200" dirty="0" smtClean="0"/>
-              <a:t>!</a:t>
-            </a:r>
-            <a:endParaRPr lang="en-US" sz="3200" dirty="0"/>
+              <a:t>Do your part: learn science of important topics and help friends and family understand them! This includes the statistical analysis</a:t>
+            </a:r>
           </a:p>
         </p:txBody>
       </p:sp>
@@ -8498,7 +8826,7 @@
 </p:sld>
 </file>
 
-<file path=ppt/slides/slide5.xml><?xml version="1.0" encoding="utf-8"?>
+<file path=ppt/slides/slide6.xml><?xml version="1.0" encoding="utf-8"?>
 <p:sld xmlns:a="http://schemas.openxmlformats.org/drawingml/2006/main" xmlns:r="http://schemas.openxmlformats.org/officeDocument/2006/relationships" xmlns:p="http://schemas.openxmlformats.org/presentationml/2006/main">
   <p:cSld>
     <p:bg>
@@ -8586,16 +8914,8 @@
               <a:buChar char="•"/>
             </a:pPr>
             <a:r>
-              <a:rPr lang="en-US" sz="3200" dirty="0" smtClean="0"/>
-              <a:t>Started </a:t>
-            </a:r>
-            <a:r>
               <a:rPr lang="en-US" sz="3200" dirty="0"/>
-              <a:t>in the social sciences but some problems are </a:t>
-            </a:r>
-            <a:r>
-              <a:rPr lang="en-US" sz="3200" dirty="0" smtClean="0"/>
-              <a:t>widespread</a:t>
+              <a:t>Started in the social sciences but some problems are widespread</a:t>
             </a:r>
           </a:p>
           <a:p>
@@ -8668,13 +8988,8 @@
             </a:pPr>
             <a:r>
               <a:rPr lang="en-US" sz="3200" dirty="0"/>
-              <a:t>unethical </a:t>
-            </a:r>
-            <a:r>
-              <a:rPr lang="en-US" sz="3200" dirty="0" smtClean="0"/>
-              <a:t>researchers</a:t>
-            </a:r>
-            <a:endParaRPr lang="en-US" sz="3200" dirty="0"/>
+              <a:t>unethical researchers</a:t>
+            </a:r>
           </a:p>
         </p:txBody>
       </p:sp>
@@ -8762,40 +9077,39 @@
           <a:p>
             <a:pPr algn="ctr"/>
             <a:r>
-              <a:rPr lang="en-US" dirty="0" smtClean="0"/>
+              <a:rPr lang="en-US" dirty="0"/>
               <a:t>Amy Cuddy</a:t>
             </a:r>
           </a:p>
           <a:p>
             <a:pPr algn="ctr"/>
             <a:r>
-              <a:rPr lang="en-US" dirty="0" smtClean="0"/>
+              <a:rPr lang="en-US" dirty="0"/>
               <a:t>TED Talk 47 Million views</a:t>
             </a:r>
           </a:p>
           <a:p>
             <a:pPr algn="ctr"/>
             <a:r>
-              <a:rPr lang="en-US" dirty="0" smtClean="0"/>
+              <a:rPr lang="en-US" dirty="0"/>
               <a:t>(2</a:t>
             </a:r>
             <a:r>
-              <a:rPr lang="en-US" baseline="30000" dirty="0" smtClean="0"/>
+              <a:rPr lang="en-US" baseline="30000" dirty="0"/>
               <a:t>nd</a:t>
             </a:r>
             <a:r>
-              <a:rPr lang="en-US" dirty="0" smtClean="0"/>
+              <a:rPr lang="en-US" dirty="0"/>
               <a:t> most </a:t>
             </a:r>
             <a:r>
-              <a:rPr lang="en-US" dirty="0" err="1" smtClean="0"/>
+              <a:rPr lang="en-US" dirty="0" err="1"/>
               <a:t>populat</a:t>
             </a:r>
             <a:r>
-              <a:rPr lang="en-US" dirty="0" smtClean="0"/>
+              <a:rPr lang="en-US" dirty="0"/>
               <a:t> TED Talk)</a:t>
             </a:r>
-            <a:endParaRPr lang="en-US" dirty="0"/>
           </a:p>
         </p:txBody>
       </p:sp>
@@ -9256,7 +9570,7 @@
 </p:sld>
 </file>
 
-<file path=ppt/slides/slide6.xml><?xml version="1.0" encoding="utf-8"?>
+<file path=ppt/slides/slide7.xml><?xml version="1.0" encoding="utf-8"?>
 <p:sld xmlns:a="http://schemas.openxmlformats.org/drawingml/2006/main" xmlns:r="http://schemas.openxmlformats.org/officeDocument/2006/relationships" xmlns:p="http://schemas.openxmlformats.org/presentationml/2006/main">
   <p:cSld>
     <p:bg>
@@ -9381,11 +9695,7 @@
             </a:pPr>
             <a:r>
               <a:rPr lang="en-US" sz="3200" dirty="0"/>
-              <a:t>Preprint </a:t>
-            </a:r>
-            <a:r>
-              <a:rPr lang="en-US" sz="3200" dirty="0" smtClean="0"/>
-              <a:t>Servers</a:t>
+              <a:t>Preprint Servers</a:t>
             </a:r>
           </a:p>
           <a:p>
@@ -9401,10 +9711,10 @@
               <a:buChar char="•"/>
             </a:pPr>
             <a:r>
-              <a:rPr lang="en-US" sz="3200" dirty="0" err="1" smtClean="0"/>
+              <a:rPr lang="en-US" sz="3200" dirty="0" err="1"/>
               <a:t>Altimetrics</a:t>
             </a:r>
-            <a:endParaRPr lang="en-US" sz="3200" dirty="0" smtClean="0"/>
+            <a:endParaRPr lang="en-US" sz="3200" dirty="0"/>
           </a:p>
           <a:p>
             <a:pPr marL="457200" indent="-457200" fontAlgn="base">
@@ -9419,10 +9729,9 @@
               <a:buChar char="•"/>
             </a:pPr>
             <a:r>
-              <a:rPr lang="en-US" sz="3200" dirty="0" smtClean="0"/>
+              <a:rPr lang="en-US" sz="3200" dirty="0"/>
               <a:t>Systemic change - unlikely</a:t>
             </a:r>
-            <a:endParaRPr lang="en-US" sz="3200" dirty="0"/>
           </a:p>
         </p:txBody>
       </p:sp>
@@ -9789,7 +10098,7 @@
 </p:sld>
 </file>
 
-<file path=ppt/slides/slide7.xml><?xml version="1.0" encoding="utf-8"?>
+<file path=ppt/slides/slide8.xml><?xml version="1.0" encoding="utf-8"?>
 <p:sld xmlns:a="http://schemas.openxmlformats.org/drawingml/2006/main" xmlns:r="http://schemas.openxmlformats.org/officeDocument/2006/relationships" xmlns:p="http://schemas.openxmlformats.org/presentationml/2006/main">
   <p:cSld>
     <p:bg>
@@ -9841,18 +10150,13 @@
           <a:p>
             <a:pPr algn="ctr"/>
             <a:r>
-              <a:rPr lang="en-US" b="1" dirty="0" smtClean="0">
+              <a:rPr lang="en-US" b="1" dirty="0">
                 <a:solidFill>
                   <a:schemeClr val="bg1"/>
                 </a:solidFill>
               </a:rPr>
               <a:t>The Origin of Statistics</a:t>
             </a:r>
-            <a:endParaRPr lang="en-US" b="1" dirty="0">
-              <a:solidFill>
-                <a:schemeClr val="bg1"/>
-              </a:solidFill>
-            </a:endParaRPr>
           </a:p>
         </p:txBody>
       </p:sp>
@@ -9879,30 +10183,14 @@
           <a:p>
             <a:pPr algn="ctr" fontAlgn="base"/>
             <a:r>
-              <a:rPr lang="en-US" sz="3200" i="1" dirty="0" smtClean="0"/>
-              <a:t>In </a:t>
-            </a:r>
-            <a:r>
               <a:rPr lang="en-US" sz="3200" i="1" dirty="0"/>
-              <a:t>many </a:t>
-            </a:r>
-            <a:r>
-              <a:rPr lang="en-US" sz="3200" i="1" dirty="0" smtClean="0"/>
-              <a:t>ways modern </a:t>
-            </a:r>
-            <a:r>
-              <a:rPr lang="en-US" sz="3200" i="1" dirty="0"/>
-              <a:t>statistics was an offshoot of </a:t>
-            </a:r>
-            <a:r>
-              <a:rPr lang="en-US" sz="3200" i="1" dirty="0" smtClean="0"/>
-              <a:t>evolutionary biology (1900 rediscovery of </a:t>
-            </a:r>
-            <a:r>
-              <a:rPr lang="en-US" sz="3200" i="1" smtClean="0"/>
+              <a:t>In many ways modern statistics was an offshoot of evolutionary biology (1900 rediscovery of </a:t>
+            </a:r>
+            <a:r>
+              <a:rPr lang="en-US" sz="3200" i="1"/>
               <a:t>Mendel’s work was motivating problem).</a:t>
             </a:r>
-            <a:endParaRPr lang="en-US" sz="3200" i="1" dirty="0" smtClean="0"/>
+            <a:endParaRPr lang="en-US" sz="3200" i="1" dirty="0"/>
           </a:p>
           <a:p>
             <a:pPr algn="ctr" fontAlgn="base"/>
@@ -10048,7 +10336,7 @@
           <a:p>
             <a:pPr algn="ctr"/>
             <a:r>
-              <a:rPr lang="en-US" dirty="0" smtClean="0"/>
+              <a:rPr lang="en-US" dirty="0"/>
               <a:t>R. FISHER</a:t>
             </a:r>
           </a:p>
@@ -10062,7 +10350,7 @@
           <a:p>
             <a:pPr algn="ctr"/>
             <a:r>
-              <a:rPr lang="en-US" dirty="0" smtClean="0"/>
+              <a:rPr lang="en-US" dirty="0"/>
               <a:t>ANOVA</a:t>
             </a:r>
           </a:p>
@@ -10093,11 +10381,7 @@
             <a:pPr algn="ctr"/>
             <a:r>
               <a:rPr lang="en-US" dirty="0"/>
-              <a:t> </a:t>
-            </a:r>
-            <a:r>
-              <a:rPr lang="en-US" dirty="0" smtClean="0"/>
-              <a:t>S. WRIGHT</a:t>
+              <a:t> S. WRIGHT</a:t>
             </a:r>
           </a:p>
           <a:p>
@@ -10110,7 +10394,7 @@
           <a:p>
             <a:pPr algn="ctr"/>
             <a:r>
-              <a:rPr lang="en-US" dirty="0" smtClean="0"/>
+              <a:rPr lang="en-US" dirty="0"/>
               <a:t>PATH ANALYSIS</a:t>
             </a:r>
           </a:p>
@@ -10139,21 +10423,21 @@
           <a:p>
             <a:pPr algn="ctr"/>
             <a:r>
-              <a:rPr lang="en-US" dirty="0" smtClean="0"/>
+              <a:rPr lang="en-US" dirty="0"/>
               <a:t>K. PEARSON</a:t>
             </a:r>
           </a:p>
           <a:p>
             <a:pPr algn="ctr"/>
             <a:r>
-              <a:rPr lang="en-US" dirty="0" smtClean="0"/>
+              <a:rPr lang="en-US" dirty="0"/>
               <a:t>1857-1936</a:t>
             </a:r>
           </a:p>
           <a:p>
             <a:pPr algn="ctr"/>
             <a:r>
-              <a:rPr lang="en-US" dirty="0" smtClean="0"/>
+              <a:rPr lang="en-US" dirty="0"/>
               <a:t>CORRELATION                </a:t>
             </a:r>
           </a:p>
@@ -10183,13 +10467,8 @@
             <a:pPr algn="ctr"/>
             <a:r>
               <a:rPr lang="en-US" dirty="0"/>
-              <a:t>F. </a:t>
-            </a:r>
-            <a:r>
-              <a:rPr lang="en-US" dirty="0" smtClean="0"/>
-              <a:t>GALTON</a:t>
-            </a:r>
-            <a:endParaRPr lang="en-US" dirty="0"/>
+              <a:t>F. GALTON</a:t>
+            </a:r>
           </a:p>
           <a:p>
             <a:pPr algn="ctr"/>
@@ -10201,7 +10480,7 @@
           <a:p>
             <a:pPr algn="ctr"/>
             <a:r>
-              <a:rPr lang="en-US" dirty="0" smtClean="0"/>
+              <a:rPr lang="en-US" dirty="0"/>
               <a:t>REGRESSION</a:t>
             </a:r>
           </a:p>
@@ -10508,7 +10787,7 @@
 </p:sld>
 </file>
 
-<file path=ppt/slides/slide8.xml><?xml version="1.0" encoding="utf-8"?>
+<file path=ppt/slides/slide9.xml><?xml version="1.0" encoding="utf-8"?>
 <p:sld xmlns:a="http://schemas.openxmlformats.org/drawingml/2006/main" xmlns:r="http://schemas.openxmlformats.org/officeDocument/2006/relationships" xmlns:p="http://schemas.openxmlformats.org/presentationml/2006/main">
   <p:cSld>
     <p:bg>
@@ -10596,12 +10875,8 @@
               <a:buChar char="•"/>
             </a:pPr>
             <a:r>
-              <a:rPr lang="en-US" sz="2800" dirty="0" smtClean="0"/>
-              <a:t>We </a:t>
-            </a:r>
-            <a:r>
               <a:rPr lang="en-US" sz="2800" dirty="0"/>
-              <a:t>want to test hypotheses.</a:t>
+              <a:t>We want to test hypotheses.</a:t>
             </a:r>
             <a:br>
               <a:rPr lang="en-US" sz="2800" dirty="0"/>
@@ -10629,15 +10904,7 @@
             </a:pPr>
             <a:r>
               <a:rPr lang="en-US" sz="2800" dirty="0"/>
-              <a:t>Not all experiments have a traditional control and experimental </a:t>
-            </a:r>
-            <a:r>
-              <a:rPr lang="en-US" sz="2800" dirty="0" smtClean="0"/>
-              <a:t>treatment and this isn’t always how we want to test a hypothesis</a:t>
-            </a:r>
-            <a:r>
-              <a:rPr lang="en-US" sz="2800" dirty="0"/>
-              <a:t/>
+              <a:t>Not all experiments have a traditional control and experimental treatment and this isn’t always how we want to test a hypothesis</a:t>
             </a:r>
             <a:br>
               <a:rPr lang="en-US" sz="2800" dirty="0"/>
@@ -10665,18 +10932,14 @@
             </a:pPr>
             <a:r>
               <a:rPr lang="en-US" sz="2800" dirty="0"/>
-              <a:t>This leads to poor manuscripts and can lead to bad practices like </a:t>
-            </a:r>
-            <a:r>
-              <a:rPr lang="en-US" sz="2800" dirty="0" smtClean="0"/>
-              <a:t>p-hacking </a:t>
-            </a:r>
-            <a:r>
-              <a:rPr lang="mr-IN" sz="2800" dirty="0" smtClean="0"/>
+              <a:t>This leads to poor manuscripts and can lead to bad practices like p-hacking </a:t>
+            </a:r>
+            <a:r>
+              <a:rPr lang="mr-IN" sz="2800" dirty="0"/>
               <a:t>–</a:t>
             </a:r>
             <a:r>
-              <a:rPr lang="en-US" sz="2800" dirty="0" smtClean="0"/>
+              <a:rPr lang="en-US" sz="2800" dirty="0"/>
               <a:t> or mastering out</a:t>
             </a:r>
             <a:endParaRPr lang="en-US" sz="2800" dirty="0">
@@ -10928,428 +11191,6 @@
                                           <p:spTgt spid="3">
                                             <p:txEl>
                                               <p:pRg st="4" end="4"/>
-                                            </p:txEl>
-                                          </p:spTgt>
-                                        </p:tgtEl>
-                                        <p:attrNameLst>
-                                          <p:attrName>style.visibility</p:attrName>
-                                        </p:attrNameLst>
-                                      </p:cBhvr>
-                                      <p:to>
-                                        <p:strVal val="visible"/>
-                                      </p:to>
-                                    </p:set>
-                                  </p:childTnLst>
-                                </p:cTn>
-                              </p:par>
-                            </p:childTnLst>
-                          </p:cTn>
-                        </p:par>
-                      </p:childTnLst>
-                    </p:cTn>
-                  </p:par>
-                </p:childTnLst>
-              </p:cTn>
-              <p:prevCondLst>
-                <p:cond evt="onPrev" delay="0">
-                  <p:tgtEl>
-                    <p:sldTgt/>
-                  </p:tgtEl>
-                </p:cond>
-              </p:prevCondLst>
-              <p:nextCondLst>
-                <p:cond evt="onNext" delay="0">
-                  <p:tgtEl>
-                    <p:sldTgt/>
-                  </p:tgtEl>
-                </p:cond>
-              </p:nextCondLst>
-            </p:seq>
-          </p:childTnLst>
-        </p:cTn>
-      </p:par>
-    </p:tnLst>
-  </p:timing>
-</p:sld>
-</file>
-
-<file path=ppt/slides/slide9.xml><?xml version="1.0" encoding="utf-8"?>
-<p:sld xmlns:a="http://schemas.openxmlformats.org/drawingml/2006/main" xmlns:r="http://schemas.openxmlformats.org/officeDocument/2006/relationships" xmlns:p="http://schemas.openxmlformats.org/presentationml/2006/main">
-  <p:cSld>
-    <p:bg>
-      <p:bgPr>
-        <a:solidFill>
-          <a:schemeClr val="bg1">
-            <a:lumMod val="95000"/>
-          </a:schemeClr>
-        </a:solidFill>
-        <a:effectLst/>
-      </p:bgPr>
-    </p:bg>
-    <p:spTree>
-      <p:nvGrpSpPr>
-        <p:cNvPr id="1" name=""/>
-        <p:cNvGrpSpPr/>
-        <p:nvPr/>
-      </p:nvGrpSpPr>
-      <p:grpSpPr>
-        <a:xfrm>
-          <a:off x="0" y="0"/>
-          <a:ext cx="0" cy="0"/>
-          <a:chOff x="0" y="0"/>
-          <a:chExt cx="0" cy="0"/>
-        </a:xfrm>
-      </p:grpSpPr>
-      <p:sp>
-        <p:nvSpPr>
-          <p:cNvPr id="2" name="Title 1"/>
-          <p:cNvSpPr>
-            <a:spLocks noGrp="1"/>
-          </p:cNvSpPr>
-          <p:nvPr>
-            <p:ph type="title"/>
-          </p:nvPr>
-        </p:nvSpPr>
-        <p:spPr>
-          <a:xfrm>
-            <a:off x="0" y="0"/>
-            <a:ext cx="12192000" cy="935915"/>
-          </a:xfrm>
-          <a:solidFill>
-            <a:schemeClr val="tx1"/>
-          </a:solidFill>
-        </p:spPr>
-        <p:txBody>
-          <a:bodyPr/>
-          <a:lstStyle/>
-          <a:p>
-            <a:pPr algn="ctr"/>
-            <a:r>
-              <a:rPr lang="en-US" b="1" dirty="0">
-                <a:solidFill>
-                  <a:schemeClr val="bg1"/>
-                </a:solidFill>
-              </a:rPr>
-              <a:t>Experimental Design</a:t>
-            </a:r>
-          </a:p>
-        </p:txBody>
-      </p:sp>
-      <p:sp>
-        <p:nvSpPr>
-          <p:cNvPr id="4" name="Rectangle 3"/>
-          <p:cNvSpPr/>
-          <p:nvPr/>
-        </p:nvSpPr>
-        <p:spPr>
-          <a:xfrm>
-            <a:off x="195431" y="1073547"/>
-            <a:ext cx="11801138" cy="5016758"/>
-          </a:xfrm>
-          <a:prstGeom prst="rect">
-            <a:avLst/>
-          </a:prstGeom>
-        </p:spPr>
-        <p:txBody>
-          <a:bodyPr wrap="square">
-            <a:spAutoFit/>
-          </a:bodyPr>
-          <a:lstStyle/>
-          <a:p>
-            <a:pPr fontAlgn="base"/>
-            <a:endParaRPr lang="en-US" sz="3200" dirty="0" smtClean="0"/>
-          </a:p>
-          <a:p>
-            <a:pPr fontAlgn="base"/>
-            <a:r>
-              <a:rPr lang="en-US" sz="3200" dirty="0" smtClean="0"/>
-              <a:t>To </a:t>
-            </a:r>
-            <a:r>
-              <a:rPr lang="en-US" sz="3200" dirty="0"/>
-              <a:t>design an experiment you need to understand how the data will be analyzed statistically</a:t>
-            </a:r>
-            <a:r>
-              <a:rPr lang="en-US" sz="3200" dirty="0" smtClean="0"/>
-              <a:t>.</a:t>
-            </a:r>
-          </a:p>
-          <a:p>
-            <a:pPr fontAlgn="base"/>
-            <a:endParaRPr lang="en-US" sz="3200" dirty="0"/>
-          </a:p>
-          <a:p>
-            <a:pPr marL="514350" indent="-514350" fontAlgn="base">
-              <a:lnSpc>
-                <a:spcPct val="150000"/>
-              </a:lnSpc>
-              <a:buFont typeface="+mj-lt"/>
-              <a:buAutoNum type="arabicPeriod"/>
-            </a:pPr>
-            <a:r>
-              <a:rPr lang="en-US" sz="3200" dirty="0"/>
-              <a:t>How can you sample the population in which you are interested</a:t>
-            </a:r>
-            <a:r>
-              <a:rPr lang="en-US" sz="3200" dirty="0" smtClean="0"/>
-              <a:t>?</a:t>
-            </a:r>
-          </a:p>
-          <a:p>
-            <a:pPr marL="514350" indent="-514350" fontAlgn="base">
-              <a:lnSpc>
-                <a:spcPct val="150000"/>
-              </a:lnSpc>
-              <a:buFont typeface="+mj-lt"/>
-              <a:buAutoNum type="arabicPeriod"/>
-            </a:pPr>
-            <a:r>
-              <a:rPr lang="en-US" sz="3200" dirty="0" smtClean="0"/>
-              <a:t>What </a:t>
-            </a:r>
-            <a:r>
-              <a:rPr lang="en-US" sz="3200" dirty="0"/>
-              <a:t>tests are appropriate for your </a:t>
-            </a:r>
-            <a:r>
-              <a:rPr lang="en-US" sz="3200" dirty="0" smtClean="0"/>
-              <a:t>data?</a:t>
-            </a:r>
-          </a:p>
-          <a:p>
-            <a:pPr marL="514350" indent="-514350" fontAlgn="base">
-              <a:lnSpc>
-                <a:spcPct val="150000"/>
-              </a:lnSpc>
-              <a:buFont typeface="+mj-lt"/>
-              <a:buAutoNum type="arabicPeriod"/>
-            </a:pPr>
-            <a:r>
-              <a:rPr lang="en-US" sz="3200" dirty="0" smtClean="0"/>
-              <a:t>What </a:t>
-            </a:r>
-            <a:r>
-              <a:rPr lang="en-US" sz="3200" dirty="0"/>
-              <a:t>biases must be controlled </a:t>
-            </a:r>
-            <a:r>
-              <a:rPr lang="en-US" sz="3200" dirty="0" smtClean="0"/>
-              <a:t>for?</a:t>
-            </a:r>
-          </a:p>
-          <a:p>
-            <a:pPr marL="514350" indent="-514350" fontAlgn="base">
-              <a:lnSpc>
-                <a:spcPct val="150000"/>
-              </a:lnSpc>
-              <a:buFont typeface="+mj-lt"/>
-              <a:buAutoNum type="arabicPeriod"/>
-            </a:pPr>
-            <a:r>
-              <a:rPr lang="en-US" sz="3200" dirty="0" smtClean="0"/>
-              <a:t>What </a:t>
-            </a:r>
-            <a:r>
-              <a:rPr lang="en-US" sz="3200" dirty="0"/>
-              <a:t>sample size will be necessary?</a:t>
-            </a:r>
-          </a:p>
-        </p:txBody>
-      </p:sp>
-    </p:spTree>
-    <p:extLst>
-      <p:ext uri="{BB962C8B-B14F-4D97-AF65-F5344CB8AC3E}">
-        <p14:creationId xmlns:p14="http://schemas.microsoft.com/office/powerpoint/2010/main" val="300772161"/>
-      </p:ext>
-    </p:extLst>
-  </p:cSld>
-  <p:clrMapOvr>
-    <a:masterClrMapping/>
-  </p:clrMapOvr>
-  <p:timing>
-    <p:tnLst>
-      <p:par>
-        <p:cTn id="1" dur="indefinite" restart="never" nodeType="tmRoot">
-          <p:childTnLst>
-            <p:seq concurrent="1" nextAc="seek">
-              <p:cTn id="2" dur="indefinite" nodeType="mainSeq">
-                <p:childTnLst>
-                  <p:par>
-                    <p:cTn id="3" fill="hold">
-                      <p:stCondLst>
-                        <p:cond delay="indefinite"/>
-                      </p:stCondLst>
-                      <p:childTnLst>
-                        <p:par>
-                          <p:cTn id="4" fill="hold">
-                            <p:stCondLst>
-                              <p:cond delay="0"/>
-                            </p:stCondLst>
-                            <p:childTnLst>
-                              <p:par>
-                                <p:cTn id="5" presetID="1" presetClass="entr" presetSubtype="0" fill="hold" nodeType="clickEffect">
-                                  <p:stCondLst>
-                                    <p:cond delay="0"/>
-                                  </p:stCondLst>
-                                  <p:childTnLst>
-                                    <p:set>
-                                      <p:cBhvr>
-                                        <p:cTn id="6" dur="1" fill="hold">
-                                          <p:stCondLst>
-                                            <p:cond delay="0"/>
-                                          </p:stCondLst>
-                                        </p:cTn>
-                                        <p:tgtEl>
-                                          <p:spTgt spid="4">
-                                            <p:txEl>
-                                              <p:pRg st="3" end="3"/>
-                                            </p:txEl>
-                                          </p:spTgt>
-                                        </p:tgtEl>
-                                        <p:attrNameLst>
-                                          <p:attrName>style.visibility</p:attrName>
-                                        </p:attrNameLst>
-                                      </p:cBhvr>
-                                      <p:to>
-                                        <p:strVal val="visible"/>
-                                      </p:to>
-                                    </p:set>
-                                  </p:childTnLst>
-                                </p:cTn>
-                              </p:par>
-                            </p:childTnLst>
-                          </p:cTn>
-                        </p:par>
-                      </p:childTnLst>
-                    </p:cTn>
-                  </p:par>
-                  <p:par>
-                    <p:cTn id="7" fill="hold">
-                      <p:stCondLst>
-                        <p:cond delay="indefinite"/>
-                      </p:stCondLst>
-                      <p:childTnLst>
-                        <p:par>
-                          <p:cTn id="8" fill="hold">
-                            <p:stCondLst>
-                              <p:cond delay="0"/>
-                            </p:stCondLst>
-                            <p:childTnLst>
-                              <p:par>
-                                <p:cTn id="9" presetID="1" presetClass="entr" presetSubtype="0" fill="hold" nodeType="clickEffect">
-                                  <p:stCondLst>
-                                    <p:cond delay="0"/>
-                                  </p:stCondLst>
-                                  <p:childTnLst>
-                                    <p:set>
-                                      <p:cBhvr>
-                                        <p:cTn id="10" dur="1" fill="hold">
-                                          <p:stCondLst>
-                                            <p:cond delay="0"/>
-                                          </p:stCondLst>
-                                        </p:cTn>
-                                        <p:tgtEl>
-                                          <p:spTgt spid="4">
-                                            <p:txEl>
-                                              <p:pRg st="4" end="4"/>
-                                            </p:txEl>
-                                          </p:spTgt>
-                                        </p:tgtEl>
-                                        <p:attrNameLst>
-                                          <p:attrName>style.visibility</p:attrName>
-                                        </p:attrNameLst>
-                                      </p:cBhvr>
-                                      <p:to>
-                                        <p:strVal val="visible"/>
-                                      </p:to>
-                                    </p:set>
-                                  </p:childTnLst>
-                                </p:cTn>
-                              </p:par>
-                            </p:childTnLst>
-                          </p:cTn>
-                        </p:par>
-                      </p:childTnLst>
-                    </p:cTn>
-                  </p:par>
-                  <p:par>
-                    <p:cTn id="11" fill="hold">
-                      <p:stCondLst>
-                        <p:cond delay="indefinite"/>
-                      </p:stCondLst>
-                      <p:childTnLst>
-                        <p:par>
-                          <p:cTn id="12" fill="hold">
-                            <p:stCondLst>
-                              <p:cond delay="0"/>
-                            </p:stCondLst>
-                            <p:childTnLst>
-                              <p:par>
-                                <p:cTn id="13" presetID="1" presetClass="entr" presetSubtype="0" fill="hold" nodeType="clickEffect">
-                                  <p:stCondLst>
-                                    <p:cond delay="0"/>
-                                  </p:stCondLst>
-                                  <p:childTnLst>
-                                    <p:set>
-                                      <p:cBhvr>
-                                        <p:cTn id="14" dur="1" fill="hold">
-                                          <p:stCondLst>
-                                            <p:cond delay="0"/>
-                                          </p:stCondLst>
-                                        </p:cTn>
-                                        <p:tgtEl>
-                                          <p:spTgt spid="4">
-                                            <p:txEl>
-                                              <p:pRg st="5" end="5"/>
-                                            </p:txEl>
-                                          </p:spTgt>
-                                        </p:tgtEl>
-                                        <p:attrNameLst>
-                                          <p:attrName>style.visibility</p:attrName>
-                                        </p:attrNameLst>
-                                      </p:cBhvr>
-                                      <p:to>
-                                        <p:strVal val="visible"/>
-                                      </p:to>
-                                    </p:set>
-                                  </p:childTnLst>
-                                </p:cTn>
-                              </p:par>
-                            </p:childTnLst>
-                          </p:cTn>
-                        </p:par>
-                      </p:childTnLst>
-                    </p:cTn>
-                  </p:par>
-                  <p:par>
-                    <p:cTn id="15" fill="hold">
-                      <p:stCondLst>
-                        <p:cond delay="indefinite"/>
-                      </p:stCondLst>
-                      <p:childTnLst>
-                        <p:par>
-                          <p:cTn id="16" fill="hold">
-                            <p:stCondLst>
-                              <p:cond delay="0"/>
-                            </p:stCondLst>
-                            <p:childTnLst>
-                              <p:par>
-                                <p:cTn id="17" presetID="1" presetClass="entr" presetSubtype="0" fill="hold" nodeType="clickEffect">
-                                  <p:stCondLst>
-                                    <p:cond delay="0"/>
-                                  </p:stCondLst>
-                                  <p:childTnLst>
-                                    <p:set>
-                                      <p:cBhvr>
-                                        <p:cTn id="18" dur="1" fill="hold">
-                                          <p:stCondLst>
-                                            <p:cond delay="0"/>
-                                          </p:stCondLst>
-                                        </p:cTn>
-                                        <p:tgtEl>
-                                          <p:spTgt spid="4">
-                                            <p:txEl>
-                                              <p:pRg st="6" end="6"/>
                                             </p:txEl>
                                           </p:spTgt>
                                         </p:tgtEl>
